--- a/new_acquisition/nucleo data flow and sw structure.pptx
+++ b/new_acquisition/nucleo data flow and sw structure.pptx
@@ -6,6 +6,7 @@
   </p:sldMasterIdLst>
   <p:sldIdLst>
     <p:sldId id="256" r:id="rId2"/>
+    <p:sldId id="257" r:id="rId3"/>
   </p:sldIdLst>
   <p:sldSz cx="12192000" cy="6858000"/>
   <p:notesSz cx="6858000" cy="9144000"/>
@@ -263,7 +264,7 @@
           <a:p>
             <a:fld id="{952D8749-70C6-48E7-AB63-DFF662370668}" type="datetimeFigureOut">
               <a:rPr lang="en-US" smtClean="0"/>
-              <a:t>10/1/2017</a:t>
+              <a:t>10/11/2017</a:t>
             </a:fld>
             <a:endParaRPr lang="en-US" dirty="0"/>
           </a:p>
@@ -461,7 +462,7 @@
           <a:p>
             <a:fld id="{952D8749-70C6-48E7-AB63-DFF662370668}" type="datetimeFigureOut">
               <a:rPr lang="en-US" smtClean="0"/>
-              <a:t>10/1/2017</a:t>
+              <a:t>10/11/2017</a:t>
             </a:fld>
             <a:endParaRPr lang="en-US" dirty="0"/>
           </a:p>
@@ -669,7 +670,7 @@
           <a:p>
             <a:fld id="{952D8749-70C6-48E7-AB63-DFF662370668}" type="datetimeFigureOut">
               <a:rPr lang="en-US" smtClean="0"/>
-              <a:t>10/1/2017</a:t>
+              <a:t>10/11/2017</a:t>
             </a:fld>
             <a:endParaRPr lang="en-US" dirty="0"/>
           </a:p>
@@ -867,7 +868,7 @@
           <a:p>
             <a:fld id="{952D8749-70C6-48E7-AB63-DFF662370668}" type="datetimeFigureOut">
               <a:rPr lang="en-US" smtClean="0"/>
-              <a:t>10/1/2017</a:t>
+              <a:t>10/11/2017</a:t>
             </a:fld>
             <a:endParaRPr lang="en-US" dirty="0"/>
           </a:p>
@@ -1142,7 +1143,7 @@
           <a:p>
             <a:fld id="{952D8749-70C6-48E7-AB63-DFF662370668}" type="datetimeFigureOut">
               <a:rPr lang="en-US" smtClean="0"/>
-              <a:t>10/1/2017</a:t>
+              <a:t>10/11/2017</a:t>
             </a:fld>
             <a:endParaRPr lang="en-US" dirty="0"/>
           </a:p>
@@ -1407,7 +1408,7 @@
           <a:p>
             <a:fld id="{952D8749-70C6-48E7-AB63-DFF662370668}" type="datetimeFigureOut">
               <a:rPr lang="en-US" smtClean="0"/>
-              <a:t>10/1/2017</a:t>
+              <a:t>10/11/2017</a:t>
             </a:fld>
             <a:endParaRPr lang="en-US" dirty="0"/>
           </a:p>
@@ -1819,7 +1820,7 @@
           <a:p>
             <a:fld id="{952D8749-70C6-48E7-AB63-DFF662370668}" type="datetimeFigureOut">
               <a:rPr lang="en-US" smtClean="0"/>
-              <a:t>10/1/2017</a:t>
+              <a:t>10/11/2017</a:t>
             </a:fld>
             <a:endParaRPr lang="en-US" dirty="0"/>
           </a:p>
@@ -1960,7 +1961,7 @@
           <a:p>
             <a:fld id="{952D8749-70C6-48E7-AB63-DFF662370668}" type="datetimeFigureOut">
               <a:rPr lang="en-US" smtClean="0"/>
-              <a:t>10/1/2017</a:t>
+              <a:t>10/11/2017</a:t>
             </a:fld>
             <a:endParaRPr lang="en-US" dirty="0"/>
           </a:p>
@@ -2073,7 +2074,7 @@
           <a:p>
             <a:fld id="{952D8749-70C6-48E7-AB63-DFF662370668}" type="datetimeFigureOut">
               <a:rPr lang="en-US" smtClean="0"/>
-              <a:t>10/1/2017</a:t>
+              <a:t>10/11/2017</a:t>
             </a:fld>
             <a:endParaRPr lang="en-US" dirty="0"/>
           </a:p>
@@ -2384,7 +2385,7 @@
           <a:p>
             <a:fld id="{952D8749-70C6-48E7-AB63-DFF662370668}" type="datetimeFigureOut">
               <a:rPr lang="en-US" smtClean="0"/>
-              <a:t>10/1/2017</a:t>
+              <a:t>10/11/2017</a:t>
             </a:fld>
             <a:endParaRPr lang="en-US" dirty="0"/>
           </a:p>
@@ -2672,7 +2673,7 @@
           <a:p>
             <a:fld id="{952D8749-70C6-48E7-AB63-DFF662370668}" type="datetimeFigureOut">
               <a:rPr lang="en-US" smtClean="0"/>
-              <a:t>10/1/2017</a:t>
+              <a:t>10/11/2017</a:t>
             </a:fld>
             <a:endParaRPr lang="en-US" dirty="0"/>
           </a:p>
@@ -2913,7 +2914,7 @@
           <a:p>
             <a:fld id="{952D8749-70C6-48E7-AB63-DFF662370668}" type="datetimeFigureOut">
               <a:rPr lang="en-US" smtClean="0"/>
-              <a:t>10/1/2017</a:t>
+              <a:t>10/11/2017</a:t>
             </a:fld>
             <a:endParaRPr lang="en-US" dirty="0"/>
           </a:p>
@@ -5245,6 +5246,1048 @@
 </p:sld>
 </file>
 
+<file path=ppt/slides/slide2.xml><?xml version="1.0" encoding="utf-8"?>
+<p:sld xmlns:a="http://schemas.openxmlformats.org/drawingml/2006/main" xmlns:r="http://schemas.openxmlformats.org/officeDocument/2006/relationships" xmlns:p="http://schemas.openxmlformats.org/presentationml/2006/main">
+  <p:cSld>
+    <p:spTree>
+      <p:nvGrpSpPr>
+        <p:cNvPr id="1" name=""/>
+        <p:cNvGrpSpPr/>
+        <p:nvPr/>
+      </p:nvGrpSpPr>
+      <p:grpSpPr>
+        <a:xfrm>
+          <a:off x="0" y="0"/>
+          <a:ext cx="0" cy="0"/>
+          <a:chOff x="0" y="0"/>
+          <a:chExt cx="0" cy="0"/>
+        </a:xfrm>
+      </p:grpSpPr>
+      <p:sp>
+        <p:nvSpPr>
+          <p:cNvPr id="25" name="Arrow: Right 24">
+            <a:extLst>
+              <a:ext uri="{FF2B5EF4-FFF2-40B4-BE49-F238E27FC236}">
+                <a16:creationId xmlns:a16="http://schemas.microsoft.com/office/drawing/2014/main" id="{37673120-A632-4066-A597-642F0FBE99D0}"/>
+              </a:ext>
+            </a:extLst>
+          </p:cNvPr>
+          <p:cNvSpPr/>
+          <p:nvPr/>
+        </p:nvSpPr>
+        <p:spPr>
+          <a:xfrm>
+            <a:off x="2469255" y="5395556"/>
+            <a:ext cx="1638300" cy="271463"/>
+          </a:xfrm>
+          <a:prstGeom prst="rightArrow">
+            <a:avLst/>
+          </a:prstGeom>
+          <a:solidFill>
+            <a:schemeClr val="tx1"/>
+          </a:solidFill>
+        </p:spPr>
+        <p:style>
+          <a:lnRef idx="2">
+            <a:schemeClr val="accent1">
+              <a:shade val="50000"/>
+            </a:schemeClr>
+          </a:lnRef>
+          <a:fillRef idx="1">
+            <a:schemeClr val="accent1"/>
+          </a:fillRef>
+          <a:effectRef idx="0">
+            <a:schemeClr val="accent1"/>
+          </a:effectRef>
+          <a:fontRef idx="minor">
+            <a:schemeClr val="lt1"/>
+          </a:fontRef>
+        </p:style>
+        <p:txBody>
+          <a:bodyPr rtlCol="0" anchor="ctr"/>
+          <a:lstStyle/>
+          <a:p>
+            <a:pPr algn="ctr"/>
+            <a:endParaRPr lang="en-US"/>
+          </a:p>
+        </p:txBody>
+      </p:sp>
+      <p:sp>
+        <p:nvSpPr>
+          <p:cNvPr id="3" name="Rectangle 2">
+            <a:extLst>
+              <a:ext uri="{FF2B5EF4-FFF2-40B4-BE49-F238E27FC236}">
+                <a16:creationId xmlns:a16="http://schemas.microsoft.com/office/drawing/2014/main" id="{89ABE4D5-8F26-4AA4-B4F5-556E5B98D6F5}"/>
+              </a:ext>
+            </a:extLst>
+          </p:cNvPr>
+          <p:cNvSpPr/>
+          <p:nvPr/>
+        </p:nvSpPr>
+        <p:spPr>
+          <a:xfrm>
+            <a:off x="4107555" y="1035422"/>
+            <a:ext cx="1828800" cy="1828800"/>
+          </a:xfrm>
+          <a:prstGeom prst="rect">
+            <a:avLst/>
+          </a:prstGeom>
+        </p:spPr>
+        <p:style>
+          <a:lnRef idx="2">
+            <a:schemeClr val="accent1">
+              <a:shade val="50000"/>
+            </a:schemeClr>
+          </a:lnRef>
+          <a:fillRef idx="1">
+            <a:schemeClr val="accent1"/>
+          </a:fillRef>
+          <a:effectRef idx="0">
+            <a:schemeClr val="accent1"/>
+          </a:effectRef>
+          <a:fontRef idx="minor">
+            <a:schemeClr val="lt1"/>
+          </a:fontRef>
+        </p:style>
+        <p:txBody>
+          <a:bodyPr rtlCol="0" anchor="t"/>
+          <a:lstStyle/>
+          <a:p>
+            <a:pPr algn="ctr"/>
+            <a:r>
+              <a:rPr lang="en-US" sz="1400" dirty="0"/>
+              <a:t>Daughter Board</a:t>
+            </a:r>
+          </a:p>
+        </p:txBody>
+      </p:sp>
+      <p:sp>
+        <p:nvSpPr>
+          <p:cNvPr id="4" name="Rectangle 3">
+            <a:extLst>
+              <a:ext uri="{FF2B5EF4-FFF2-40B4-BE49-F238E27FC236}">
+                <a16:creationId xmlns:a16="http://schemas.microsoft.com/office/drawing/2014/main" id="{3014BB84-82CE-4118-B370-A150B3D686E6}"/>
+              </a:ext>
+            </a:extLst>
+          </p:cNvPr>
+          <p:cNvSpPr/>
+          <p:nvPr/>
+        </p:nvSpPr>
+        <p:spPr>
+          <a:xfrm>
+            <a:off x="4107555" y="4068248"/>
+            <a:ext cx="1828800" cy="1828800"/>
+          </a:xfrm>
+          <a:prstGeom prst="rect">
+            <a:avLst/>
+          </a:prstGeom>
+        </p:spPr>
+        <p:style>
+          <a:lnRef idx="2">
+            <a:schemeClr val="accent1">
+              <a:shade val="50000"/>
+            </a:schemeClr>
+          </a:lnRef>
+          <a:fillRef idx="1">
+            <a:schemeClr val="accent1"/>
+          </a:fillRef>
+          <a:effectRef idx="0">
+            <a:schemeClr val="accent1"/>
+          </a:effectRef>
+          <a:fontRef idx="minor">
+            <a:schemeClr val="lt1"/>
+          </a:fontRef>
+        </p:style>
+        <p:txBody>
+          <a:bodyPr rtlCol="0" anchor="t"/>
+          <a:lstStyle/>
+          <a:p>
+            <a:pPr algn="ctr"/>
+            <a:r>
+              <a:rPr lang="en-US" sz="1400" dirty="0"/>
+              <a:t>Daughter Board</a:t>
+            </a:r>
+          </a:p>
+        </p:txBody>
+      </p:sp>
+      <p:sp>
+        <p:nvSpPr>
+          <p:cNvPr id="5" name="Arrow: Up-Down 4">
+            <a:extLst>
+              <a:ext uri="{FF2B5EF4-FFF2-40B4-BE49-F238E27FC236}">
+                <a16:creationId xmlns:a16="http://schemas.microsoft.com/office/drawing/2014/main" id="{D3BC07FF-3354-49AC-AB19-76D4C1FDC8ED}"/>
+              </a:ext>
+            </a:extLst>
+          </p:cNvPr>
+          <p:cNvSpPr/>
+          <p:nvPr/>
+        </p:nvSpPr>
+        <p:spPr>
+          <a:xfrm>
+            <a:off x="7485530" y="1035422"/>
+            <a:ext cx="537882" cy="4861626"/>
+          </a:xfrm>
+          <a:prstGeom prst="upDownArrow">
+            <a:avLst/>
+          </a:prstGeom>
+        </p:spPr>
+        <p:style>
+          <a:lnRef idx="2">
+            <a:schemeClr val="accent1">
+              <a:shade val="50000"/>
+            </a:schemeClr>
+          </a:lnRef>
+          <a:fillRef idx="1">
+            <a:schemeClr val="accent1"/>
+          </a:fillRef>
+          <a:effectRef idx="0">
+            <a:schemeClr val="accent1"/>
+          </a:effectRef>
+          <a:fontRef idx="minor">
+            <a:schemeClr val="lt1"/>
+          </a:fontRef>
+        </p:style>
+        <p:txBody>
+          <a:bodyPr rtlCol="0" anchor="ctr"/>
+          <a:lstStyle/>
+          <a:p>
+            <a:pPr algn="ctr"/>
+            <a:r>
+              <a:rPr lang="en-US" dirty="0"/>
+              <a:t>CAN</a:t>
+            </a:r>
+          </a:p>
+        </p:txBody>
+      </p:sp>
+      <p:sp>
+        <p:nvSpPr>
+          <p:cNvPr id="6" name="Arrow: Curved Down 5">
+            <a:extLst>
+              <a:ext uri="{FF2B5EF4-FFF2-40B4-BE49-F238E27FC236}">
+                <a16:creationId xmlns:a16="http://schemas.microsoft.com/office/drawing/2014/main" id="{F083267F-71F6-4C6D-8B3A-46111FD342C6}"/>
+              </a:ext>
+            </a:extLst>
+          </p:cNvPr>
+          <p:cNvSpPr/>
+          <p:nvPr/>
+        </p:nvSpPr>
+        <p:spPr>
+          <a:xfrm>
+            <a:off x="5936355" y="1611404"/>
+            <a:ext cx="1842247" cy="676835"/>
+          </a:xfrm>
+          <a:prstGeom prst="curvedDownArrow">
+            <a:avLst/>
+          </a:prstGeom>
+        </p:spPr>
+        <p:style>
+          <a:lnRef idx="2">
+            <a:schemeClr val="accent1">
+              <a:shade val="50000"/>
+            </a:schemeClr>
+          </a:lnRef>
+          <a:fillRef idx="1">
+            <a:schemeClr val="accent1"/>
+          </a:fillRef>
+          <a:effectRef idx="0">
+            <a:schemeClr val="accent1"/>
+          </a:effectRef>
+          <a:fontRef idx="minor">
+            <a:schemeClr val="lt1"/>
+          </a:fontRef>
+        </p:style>
+        <p:txBody>
+          <a:bodyPr rtlCol="0" anchor="ctr"/>
+          <a:lstStyle/>
+          <a:p>
+            <a:pPr algn="ctr"/>
+            <a:endParaRPr lang="en-US">
+              <a:solidFill>
+                <a:schemeClr val="tx1"/>
+              </a:solidFill>
+            </a:endParaRPr>
+          </a:p>
+        </p:txBody>
+      </p:sp>
+      <p:sp>
+        <p:nvSpPr>
+          <p:cNvPr id="7" name="Arrow: Curved Down 6">
+            <a:extLst>
+              <a:ext uri="{FF2B5EF4-FFF2-40B4-BE49-F238E27FC236}">
+                <a16:creationId xmlns:a16="http://schemas.microsoft.com/office/drawing/2014/main" id="{EFD51507-C4B4-46DC-A0A1-AA8CE05CBD9B}"/>
+              </a:ext>
+            </a:extLst>
+          </p:cNvPr>
+          <p:cNvSpPr/>
+          <p:nvPr/>
+        </p:nvSpPr>
+        <p:spPr>
+          <a:xfrm>
+            <a:off x="5936355" y="4644230"/>
+            <a:ext cx="1842247" cy="676835"/>
+          </a:xfrm>
+          <a:prstGeom prst="curvedDownArrow">
+            <a:avLst/>
+          </a:prstGeom>
+        </p:spPr>
+        <p:style>
+          <a:lnRef idx="2">
+            <a:schemeClr val="accent1">
+              <a:shade val="50000"/>
+            </a:schemeClr>
+          </a:lnRef>
+          <a:fillRef idx="1">
+            <a:schemeClr val="accent1"/>
+          </a:fillRef>
+          <a:effectRef idx="0">
+            <a:schemeClr val="accent1"/>
+          </a:effectRef>
+          <a:fontRef idx="minor">
+            <a:schemeClr val="lt1"/>
+          </a:fontRef>
+        </p:style>
+        <p:txBody>
+          <a:bodyPr rtlCol="0" anchor="ctr"/>
+          <a:lstStyle/>
+          <a:p>
+            <a:pPr algn="ctr"/>
+            <a:endParaRPr lang="en-US">
+              <a:solidFill>
+                <a:schemeClr val="tx1"/>
+              </a:solidFill>
+            </a:endParaRPr>
+          </a:p>
+        </p:txBody>
+      </p:sp>
+      <p:sp>
+        <p:nvSpPr>
+          <p:cNvPr id="9" name="Rectangle 8">
+            <a:extLst>
+              <a:ext uri="{FF2B5EF4-FFF2-40B4-BE49-F238E27FC236}">
+                <a16:creationId xmlns:a16="http://schemas.microsoft.com/office/drawing/2014/main" id="{A088DDFA-5B12-44A6-8D3F-F352B9369B4E}"/>
+              </a:ext>
+            </a:extLst>
+          </p:cNvPr>
+          <p:cNvSpPr/>
+          <p:nvPr/>
+        </p:nvSpPr>
+        <p:spPr>
+          <a:xfrm>
+            <a:off x="9432590" y="2551834"/>
+            <a:ext cx="1828800" cy="1828800"/>
+          </a:xfrm>
+          <a:prstGeom prst="rect">
+            <a:avLst/>
+          </a:prstGeom>
+        </p:spPr>
+        <p:style>
+          <a:lnRef idx="2">
+            <a:schemeClr val="accent1">
+              <a:shade val="50000"/>
+            </a:schemeClr>
+          </a:lnRef>
+          <a:fillRef idx="1">
+            <a:schemeClr val="accent1"/>
+          </a:fillRef>
+          <a:effectRef idx="0">
+            <a:schemeClr val="accent1"/>
+          </a:effectRef>
+          <a:fontRef idx="minor">
+            <a:schemeClr val="lt1"/>
+          </a:fontRef>
+        </p:style>
+        <p:txBody>
+          <a:bodyPr rtlCol="0" anchor="t"/>
+          <a:lstStyle/>
+          <a:p>
+            <a:pPr algn="ctr"/>
+            <a:r>
+              <a:rPr lang="en-US" sz="1400" dirty="0" err="1"/>
+              <a:t>RPi</a:t>
+            </a:r>
+            <a:r>
+              <a:rPr lang="en-US" sz="1400" dirty="0"/>
+              <a:t> Hat</a:t>
+            </a:r>
+          </a:p>
+        </p:txBody>
+      </p:sp>
+      <p:sp>
+        <p:nvSpPr>
+          <p:cNvPr id="8" name="Arrow: Curved Down 7">
+            <a:extLst>
+              <a:ext uri="{FF2B5EF4-FFF2-40B4-BE49-F238E27FC236}">
+                <a16:creationId xmlns:a16="http://schemas.microsoft.com/office/drawing/2014/main" id="{587FACE0-9E4C-49C0-9FDE-29E05165BC45}"/>
+              </a:ext>
+            </a:extLst>
+          </p:cNvPr>
+          <p:cNvSpPr/>
+          <p:nvPr/>
+        </p:nvSpPr>
+        <p:spPr>
+          <a:xfrm>
+            <a:off x="7899625" y="3127817"/>
+            <a:ext cx="1842247" cy="676835"/>
+          </a:xfrm>
+          <a:prstGeom prst="curvedDownArrow">
+            <a:avLst/>
+          </a:prstGeom>
+        </p:spPr>
+        <p:style>
+          <a:lnRef idx="2">
+            <a:schemeClr val="accent1">
+              <a:shade val="50000"/>
+            </a:schemeClr>
+          </a:lnRef>
+          <a:fillRef idx="1">
+            <a:schemeClr val="accent1"/>
+          </a:fillRef>
+          <a:effectRef idx="0">
+            <a:schemeClr val="accent1"/>
+          </a:effectRef>
+          <a:fontRef idx="minor">
+            <a:schemeClr val="lt1"/>
+          </a:fontRef>
+        </p:style>
+        <p:txBody>
+          <a:bodyPr rtlCol="0" anchor="ctr"/>
+          <a:lstStyle/>
+          <a:p>
+            <a:pPr algn="ctr"/>
+            <a:endParaRPr lang="en-US">
+              <a:solidFill>
+                <a:schemeClr val="tx1"/>
+              </a:solidFill>
+            </a:endParaRPr>
+          </a:p>
+        </p:txBody>
+      </p:sp>
+      <p:sp>
+        <p:nvSpPr>
+          <p:cNvPr id="10" name="Rectangle 9">
+            <a:extLst>
+              <a:ext uri="{FF2B5EF4-FFF2-40B4-BE49-F238E27FC236}">
+                <a16:creationId xmlns:a16="http://schemas.microsoft.com/office/drawing/2014/main" id="{BF8C1749-B893-4306-B6CE-3D9593276D72}"/>
+              </a:ext>
+            </a:extLst>
+          </p:cNvPr>
+          <p:cNvSpPr/>
+          <p:nvPr/>
+        </p:nvSpPr>
+        <p:spPr>
+          <a:xfrm>
+            <a:off x="640455" y="1059665"/>
+            <a:ext cx="1828800" cy="731520"/>
+          </a:xfrm>
+          <a:prstGeom prst="rect">
+            <a:avLst/>
+          </a:prstGeom>
+        </p:spPr>
+        <p:style>
+          <a:lnRef idx="2">
+            <a:schemeClr val="accent1">
+              <a:shade val="50000"/>
+            </a:schemeClr>
+          </a:lnRef>
+          <a:fillRef idx="1">
+            <a:schemeClr val="accent1"/>
+          </a:fillRef>
+          <a:effectRef idx="0">
+            <a:schemeClr val="accent1"/>
+          </a:effectRef>
+          <a:fontRef idx="minor">
+            <a:schemeClr val="lt1"/>
+          </a:fontRef>
+        </p:style>
+        <p:txBody>
+          <a:bodyPr rtlCol="0" anchor="ctr"/>
+          <a:lstStyle/>
+          <a:p>
+            <a:pPr algn="ctr"/>
+            <a:r>
+              <a:rPr lang="en-US" sz="1400" dirty="0"/>
+              <a:t>GPS Serial Data</a:t>
+            </a:r>
+          </a:p>
+        </p:txBody>
+      </p:sp>
+      <p:sp>
+        <p:nvSpPr>
+          <p:cNvPr id="11" name="Rectangle 10">
+            <a:extLst>
+              <a:ext uri="{FF2B5EF4-FFF2-40B4-BE49-F238E27FC236}">
+                <a16:creationId xmlns:a16="http://schemas.microsoft.com/office/drawing/2014/main" id="{A07414CC-2A94-4287-9EBF-740A6A76B8D6}"/>
+              </a:ext>
+            </a:extLst>
+          </p:cNvPr>
+          <p:cNvSpPr/>
+          <p:nvPr/>
+        </p:nvSpPr>
+        <p:spPr>
+          <a:xfrm>
+            <a:off x="640455" y="2172403"/>
+            <a:ext cx="1828800" cy="731520"/>
+          </a:xfrm>
+          <a:prstGeom prst="rect">
+            <a:avLst/>
+          </a:prstGeom>
+        </p:spPr>
+        <p:style>
+          <a:lnRef idx="2">
+            <a:schemeClr val="accent1">
+              <a:shade val="50000"/>
+            </a:schemeClr>
+          </a:lnRef>
+          <a:fillRef idx="1">
+            <a:schemeClr val="accent1"/>
+          </a:fillRef>
+          <a:effectRef idx="0">
+            <a:schemeClr val="accent1"/>
+          </a:effectRef>
+          <a:fontRef idx="minor">
+            <a:schemeClr val="lt1"/>
+          </a:fontRef>
+        </p:style>
+        <p:txBody>
+          <a:bodyPr rtlCol="0" anchor="ctr"/>
+          <a:lstStyle/>
+          <a:p>
+            <a:pPr algn="ctr"/>
+            <a:r>
+              <a:rPr lang="en-US" sz="1400" dirty="0"/>
+              <a:t>BPS Serial Data</a:t>
+            </a:r>
+          </a:p>
+        </p:txBody>
+      </p:sp>
+      <p:sp>
+        <p:nvSpPr>
+          <p:cNvPr id="12" name="Rectangle 11">
+            <a:extLst>
+              <a:ext uri="{FF2B5EF4-FFF2-40B4-BE49-F238E27FC236}">
+                <a16:creationId xmlns:a16="http://schemas.microsoft.com/office/drawing/2014/main" id="{8D97A371-B884-479E-9C15-F1BD38D1C41D}"/>
+              </a:ext>
+            </a:extLst>
+          </p:cNvPr>
+          <p:cNvSpPr/>
+          <p:nvPr/>
+        </p:nvSpPr>
+        <p:spPr>
+          <a:xfrm>
+            <a:off x="640455" y="4068248"/>
+            <a:ext cx="1828800" cy="731520"/>
+          </a:xfrm>
+          <a:prstGeom prst="rect">
+            <a:avLst/>
+          </a:prstGeom>
+        </p:spPr>
+        <p:style>
+          <a:lnRef idx="2">
+            <a:schemeClr val="accent1">
+              <a:shade val="50000"/>
+            </a:schemeClr>
+          </a:lnRef>
+          <a:fillRef idx="1">
+            <a:schemeClr val="accent1"/>
+          </a:fillRef>
+          <a:effectRef idx="0">
+            <a:schemeClr val="accent1"/>
+          </a:effectRef>
+          <a:fontRef idx="minor">
+            <a:schemeClr val="lt1"/>
+          </a:fontRef>
+        </p:style>
+        <p:txBody>
+          <a:bodyPr rtlCol="0" anchor="ctr"/>
+          <a:lstStyle/>
+          <a:p>
+            <a:pPr algn="ctr"/>
+            <a:r>
+              <a:rPr lang="en-US" sz="1400" dirty="0"/>
+              <a:t>9DOF I</a:t>
+            </a:r>
+            <a:r>
+              <a:rPr lang="en-US" sz="1400" baseline="30000" dirty="0"/>
+              <a:t>2</a:t>
+            </a:r>
+            <a:r>
+              <a:rPr lang="en-US" sz="1400" dirty="0"/>
+              <a:t>C Data</a:t>
+            </a:r>
+          </a:p>
+        </p:txBody>
+      </p:sp>
+      <p:sp>
+        <p:nvSpPr>
+          <p:cNvPr id="13" name="Rectangle 12">
+            <a:extLst>
+              <a:ext uri="{FF2B5EF4-FFF2-40B4-BE49-F238E27FC236}">
+                <a16:creationId xmlns:a16="http://schemas.microsoft.com/office/drawing/2014/main" id="{D0103367-F924-480D-BB95-FFF7CA6DFFA8}"/>
+              </a:ext>
+            </a:extLst>
+          </p:cNvPr>
+          <p:cNvSpPr/>
+          <p:nvPr/>
+        </p:nvSpPr>
+        <p:spPr>
+          <a:xfrm>
+            <a:off x="640455" y="5165528"/>
+            <a:ext cx="1828800" cy="731520"/>
+          </a:xfrm>
+          <a:prstGeom prst="rect">
+            <a:avLst/>
+          </a:prstGeom>
+        </p:spPr>
+        <p:style>
+          <a:lnRef idx="2">
+            <a:schemeClr val="accent1">
+              <a:shade val="50000"/>
+            </a:schemeClr>
+          </a:lnRef>
+          <a:fillRef idx="1">
+            <a:schemeClr val="accent1"/>
+          </a:fillRef>
+          <a:effectRef idx="0">
+            <a:schemeClr val="accent1"/>
+          </a:effectRef>
+          <a:fontRef idx="minor">
+            <a:schemeClr val="lt1"/>
+          </a:fontRef>
+        </p:style>
+        <p:txBody>
+          <a:bodyPr rtlCol="0" anchor="ctr"/>
+          <a:lstStyle/>
+          <a:p>
+            <a:pPr algn="ctr"/>
+            <a:r>
+              <a:rPr lang="en-US" sz="1400" dirty="0"/>
+              <a:t>Luminosity I</a:t>
+            </a:r>
+            <a:r>
+              <a:rPr lang="en-US" sz="1400" baseline="30000" dirty="0"/>
+              <a:t>2</a:t>
+            </a:r>
+            <a:r>
+              <a:rPr lang="en-US" sz="1400" dirty="0"/>
+              <a:t>C Data</a:t>
+            </a:r>
+          </a:p>
+        </p:txBody>
+      </p:sp>
+      <p:sp>
+        <p:nvSpPr>
+          <p:cNvPr id="17" name="Arrow: Right 16">
+            <a:extLst>
+              <a:ext uri="{FF2B5EF4-FFF2-40B4-BE49-F238E27FC236}">
+                <a16:creationId xmlns:a16="http://schemas.microsoft.com/office/drawing/2014/main" id="{99DDE779-6C20-42D9-8F76-6C0FF1AABE49}"/>
+              </a:ext>
+            </a:extLst>
+          </p:cNvPr>
+          <p:cNvSpPr/>
+          <p:nvPr/>
+        </p:nvSpPr>
+        <p:spPr>
+          <a:xfrm>
+            <a:off x="2469255" y="1265449"/>
+            <a:ext cx="1638300" cy="271463"/>
+          </a:xfrm>
+          <a:prstGeom prst="rightArrow">
+            <a:avLst/>
+          </a:prstGeom>
+          <a:solidFill>
+            <a:schemeClr val="tx1"/>
+          </a:solidFill>
+        </p:spPr>
+        <p:style>
+          <a:lnRef idx="2">
+            <a:schemeClr val="accent1">
+              <a:shade val="50000"/>
+            </a:schemeClr>
+          </a:lnRef>
+          <a:fillRef idx="1">
+            <a:schemeClr val="accent1"/>
+          </a:fillRef>
+          <a:effectRef idx="0">
+            <a:schemeClr val="accent1"/>
+          </a:effectRef>
+          <a:fontRef idx="minor">
+            <a:schemeClr val="lt1"/>
+          </a:fontRef>
+        </p:style>
+        <p:txBody>
+          <a:bodyPr rtlCol="0" anchor="ctr"/>
+          <a:lstStyle/>
+          <a:p>
+            <a:pPr algn="ctr"/>
+            <a:endParaRPr lang="en-US"/>
+          </a:p>
+        </p:txBody>
+      </p:sp>
+      <p:sp>
+        <p:nvSpPr>
+          <p:cNvPr id="18" name="Arrow: Right 17">
+            <a:extLst>
+              <a:ext uri="{FF2B5EF4-FFF2-40B4-BE49-F238E27FC236}">
+                <a16:creationId xmlns:a16="http://schemas.microsoft.com/office/drawing/2014/main" id="{E28492D0-0DE3-46D8-980B-5B759FCAD056}"/>
+              </a:ext>
+            </a:extLst>
+          </p:cNvPr>
+          <p:cNvSpPr/>
+          <p:nvPr/>
+        </p:nvSpPr>
+        <p:spPr>
+          <a:xfrm>
+            <a:off x="2469255" y="2402431"/>
+            <a:ext cx="1638300" cy="271463"/>
+          </a:xfrm>
+          <a:prstGeom prst="rightArrow">
+            <a:avLst/>
+          </a:prstGeom>
+          <a:solidFill>
+            <a:schemeClr val="tx1"/>
+          </a:solidFill>
+        </p:spPr>
+        <p:style>
+          <a:lnRef idx="2">
+            <a:schemeClr val="accent1">
+              <a:shade val="50000"/>
+            </a:schemeClr>
+          </a:lnRef>
+          <a:fillRef idx="1">
+            <a:schemeClr val="accent1"/>
+          </a:fillRef>
+          <a:effectRef idx="0">
+            <a:schemeClr val="accent1"/>
+          </a:effectRef>
+          <a:fontRef idx="minor">
+            <a:schemeClr val="lt1"/>
+          </a:fontRef>
+        </p:style>
+        <p:txBody>
+          <a:bodyPr rtlCol="0" anchor="ctr"/>
+          <a:lstStyle/>
+          <a:p>
+            <a:pPr algn="ctr"/>
+            <a:endParaRPr lang="en-US"/>
+          </a:p>
+        </p:txBody>
+      </p:sp>
+      <p:sp>
+        <p:nvSpPr>
+          <p:cNvPr id="21" name="Rectangle 20">
+            <a:extLst>
+              <a:ext uri="{FF2B5EF4-FFF2-40B4-BE49-F238E27FC236}">
+                <a16:creationId xmlns:a16="http://schemas.microsoft.com/office/drawing/2014/main" id="{D0FEB196-D157-4783-954C-C9C901230B7E}"/>
+              </a:ext>
+            </a:extLst>
+          </p:cNvPr>
+          <p:cNvSpPr>
+            <a:spLocks noChangeAspect="1"/>
+          </p:cNvSpPr>
+          <p:nvPr/>
+        </p:nvSpPr>
+        <p:spPr>
+          <a:xfrm>
+            <a:off x="4336155" y="1365470"/>
+            <a:ext cx="1371600" cy="1371600"/>
+          </a:xfrm>
+          <a:prstGeom prst="rect">
+            <a:avLst/>
+          </a:prstGeom>
+          <a:solidFill>
+            <a:schemeClr val="accent2"/>
+          </a:solidFill>
+        </p:spPr>
+        <p:style>
+          <a:lnRef idx="2">
+            <a:schemeClr val="accent1">
+              <a:shade val="50000"/>
+            </a:schemeClr>
+          </a:lnRef>
+          <a:fillRef idx="1">
+            <a:schemeClr val="accent1"/>
+          </a:fillRef>
+          <a:effectRef idx="0">
+            <a:schemeClr val="accent1"/>
+          </a:effectRef>
+          <a:fontRef idx="minor">
+            <a:schemeClr val="lt1"/>
+          </a:fontRef>
+        </p:style>
+        <p:txBody>
+          <a:bodyPr rtlCol="0" anchor="ctr"/>
+          <a:lstStyle/>
+          <a:p>
+            <a:pPr algn="ctr"/>
+            <a:r>
+              <a:rPr lang="en-US" sz="1400" dirty="0"/>
+              <a:t>STM Nucleo</a:t>
+            </a:r>
+          </a:p>
+        </p:txBody>
+      </p:sp>
+      <p:sp>
+        <p:nvSpPr>
+          <p:cNvPr id="22" name="Rectangle 21">
+            <a:extLst>
+              <a:ext uri="{FF2B5EF4-FFF2-40B4-BE49-F238E27FC236}">
+                <a16:creationId xmlns:a16="http://schemas.microsoft.com/office/drawing/2014/main" id="{4CA044F5-9665-4CC7-8AA4-AAC1E3B41EA7}"/>
+              </a:ext>
+            </a:extLst>
+          </p:cNvPr>
+          <p:cNvSpPr>
+            <a:spLocks noChangeAspect="1"/>
+          </p:cNvSpPr>
+          <p:nvPr/>
+        </p:nvSpPr>
+        <p:spPr>
+          <a:xfrm>
+            <a:off x="4336155" y="4380634"/>
+            <a:ext cx="1371600" cy="1371600"/>
+          </a:xfrm>
+          <a:prstGeom prst="rect">
+            <a:avLst/>
+          </a:prstGeom>
+          <a:solidFill>
+            <a:schemeClr val="accent2"/>
+          </a:solidFill>
+        </p:spPr>
+        <p:style>
+          <a:lnRef idx="2">
+            <a:schemeClr val="accent1">
+              <a:shade val="50000"/>
+            </a:schemeClr>
+          </a:lnRef>
+          <a:fillRef idx="1">
+            <a:schemeClr val="accent1"/>
+          </a:fillRef>
+          <a:effectRef idx="0">
+            <a:schemeClr val="accent1"/>
+          </a:effectRef>
+          <a:fontRef idx="minor">
+            <a:schemeClr val="lt1"/>
+          </a:fontRef>
+        </p:style>
+        <p:txBody>
+          <a:bodyPr rtlCol="0" anchor="ctr"/>
+          <a:lstStyle/>
+          <a:p>
+            <a:pPr algn="ctr"/>
+            <a:r>
+              <a:rPr lang="en-US" sz="1400" dirty="0"/>
+              <a:t>STM Nucleo</a:t>
+            </a:r>
+          </a:p>
+        </p:txBody>
+      </p:sp>
+      <p:sp>
+        <p:nvSpPr>
+          <p:cNvPr id="23" name="Rectangle 22">
+            <a:extLst>
+              <a:ext uri="{FF2B5EF4-FFF2-40B4-BE49-F238E27FC236}">
+                <a16:creationId xmlns:a16="http://schemas.microsoft.com/office/drawing/2014/main" id="{F4F62553-13D9-4F7A-932B-7B70F00E9183}"/>
+              </a:ext>
+            </a:extLst>
+          </p:cNvPr>
+          <p:cNvSpPr>
+            <a:spLocks noChangeAspect="1"/>
+          </p:cNvSpPr>
+          <p:nvPr/>
+        </p:nvSpPr>
+        <p:spPr>
+          <a:xfrm>
+            <a:off x="9661190" y="2859944"/>
+            <a:ext cx="1371600" cy="1371600"/>
+          </a:xfrm>
+          <a:prstGeom prst="rect">
+            <a:avLst/>
+          </a:prstGeom>
+          <a:solidFill>
+            <a:schemeClr val="accent2"/>
+          </a:solidFill>
+        </p:spPr>
+        <p:style>
+          <a:lnRef idx="2">
+            <a:schemeClr val="accent1">
+              <a:shade val="50000"/>
+            </a:schemeClr>
+          </a:lnRef>
+          <a:fillRef idx="1">
+            <a:schemeClr val="accent1"/>
+          </a:fillRef>
+          <a:effectRef idx="0">
+            <a:schemeClr val="accent1"/>
+          </a:effectRef>
+          <a:fontRef idx="minor">
+            <a:schemeClr val="lt1"/>
+          </a:fontRef>
+        </p:style>
+        <p:txBody>
+          <a:bodyPr rtlCol="0" anchor="ctr"/>
+          <a:lstStyle/>
+          <a:p>
+            <a:pPr algn="ctr"/>
+            <a:r>
+              <a:rPr lang="en-US" sz="1400" dirty="0"/>
+              <a:t>Raspberry Pi 3</a:t>
+            </a:r>
+          </a:p>
+        </p:txBody>
+      </p:sp>
+      <p:sp>
+        <p:nvSpPr>
+          <p:cNvPr id="24" name="Arrow: Right 23">
+            <a:extLst>
+              <a:ext uri="{FF2B5EF4-FFF2-40B4-BE49-F238E27FC236}">
+                <a16:creationId xmlns:a16="http://schemas.microsoft.com/office/drawing/2014/main" id="{1859A5C6-0310-4802-972D-BDADB58272E5}"/>
+              </a:ext>
+            </a:extLst>
+          </p:cNvPr>
+          <p:cNvSpPr/>
+          <p:nvPr/>
+        </p:nvSpPr>
+        <p:spPr>
+          <a:xfrm>
+            <a:off x="2469255" y="4322519"/>
+            <a:ext cx="1638300" cy="271463"/>
+          </a:xfrm>
+          <a:prstGeom prst="rightArrow">
+            <a:avLst/>
+          </a:prstGeom>
+          <a:solidFill>
+            <a:schemeClr val="tx1"/>
+          </a:solidFill>
+        </p:spPr>
+        <p:style>
+          <a:lnRef idx="2">
+            <a:schemeClr val="accent1">
+              <a:shade val="50000"/>
+            </a:schemeClr>
+          </a:lnRef>
+          <a:fillRef idx="1">
+            <a:schemeClr val="accent1"/>
+          </a:fillRef>
+          <a:effectRef idx="0">
+            <a:schemeClr val="accent1"/>
+          </a:effectRef>
+          <a:fontRef idx="minor">
+            <a:schemeClr val="lt1"/>
+          </a:fontRef>
+        </p:style>
+        <p:txBody>
+          <a:bodyPr rtlCol="0" anchor="ctr"/>
+          <a:lstStyle/>
+          <a:p>
+            <a:pPr algn="ctr"/>
+            <a:endParaRPr lang="en-US"/>
+          </a:p>
+        </p:txBody>
+      </p:sp>
+      <p:sp>
+        <p:nvSpPr>
+          <p:cNvPr id="27" name="Title 3">
+            <a:extLst>
+              <a:ext uri="{FF2B5EF4-FFF2-40B4-BE49-F238E27FC236}">
+                <a16:creationId xmlns:a16="http://schemas.microsoft.com/office/drawing/2014/main" id="{4A12E4C1-69F1-42A0-9A83-0744EF24EE3C}"/>
+              </a:ext>
+            </a:extLst>
+          </p:cNvPr>
+          <p:cNvSpPr>
+            <a:spLocks noGrp="1"/>
+          </p:cNvSpPr>
+          <p:nvPr>
+            <p:ph type="title"/>
+          </p:nvPr>
+        </p:nvSpPr>
+        <p:spPr>
+          <a:xfrm>
+            <a:off x="838200" y="365125"/>
+            <a:ext cx="10515600" cy="478937"/>
+          </a:xfrm>
+        </p:spPr>
+        <p:txBody>
+          <a:bodyPr>
+            <a:noAutofit/>
+          </a:bodyPr>
+          <a:lstStyle/>
+          <a:p>
+            <a:r>
+              <a:rPr lang="en-US" sz="3200" dirty="0"/>
+              <a:t>Open House In-Car Structure</a:t>
+            </a:r>
+          </a:p>
+        </p:txBody>
+      </p:sp>
+      <p:sp>
+        <p:nvSpPr>
+          <p:cNvPr id="30" name="Callout: Line 29">
+            <a:extLst>
+              <a:ext uri="{FF2B5EF4-FFF2-40B4-BE49-F238E27FC236}">
+                <a16:creationId xmlns:a16="http://schemas.microsoft.com/office/drawing/2014/main" id="{02601EC3-65E1-4C3D-A38B-E8A713A7C0BB}"/>
+              </a:ext>
+            </a:extLst>
+          </p:cNvPr>
+          <p:cNvSpPr/>
+          <p:nvPr/>
+        </p:nvSpPr>
+        <p:spPr>
+          <a:xfrm>
+            <a:off x="10346990" y="1080429"/>
+            <a:ext cx="1272988" cy="807974"/>
+          </a:xfrm>
+          <a:prstGeom prst="borderCallout1">
+            <a:avLst>
+              <a:gd name="adj1" fmla="val 76446"/>
+              <a:gd name="adj2" fmla="val -5868"/>
+              <a:gd name="adj3" fmla="val 180181"/>
+              <a:gd name="adj4" fmla="val -12981"/>
+            </a:avLst>
+          </a:prstGeom>
+          <a:ln>
+            <a:prstDash val="solid"/>
+          </a:ln>
+        </p:spPr>
+        <p:style>
+          <a:lnRef idx="2">
+            <a:schemeClr val="accent1">
+              <a:shade val="50000"/>
+            </a:schemeClr>
+          </a:lnRef>
+          <a:fillRef idx="1">
+            <a:schemeClr val="accent1"/>
+          </a:fillRef>
+          <a:effectRef idx="0">
+            <a:schemeClr val="accent1"/>
+          </a:effectRef>
+          <a:fontRef idx="minor">
+            <a:schemeClr val="lt1"/>
+          </a:fontRef>
+        </p:style>
+        <p:txBody>
+          <a:bodyPr rtlCol="0" anchor="ctr"/>
+          <a:lstStyle/>
+          <a:p>
+            <a:pPr algn="ctr"/>
+            <a:r>
+              <a:rPr lang="en-US" sz="1400" dirty="0"/>
+              <a:t>Send UDP over Ethernet</a:t>
+            </a:r>
+          </a:p>
+        </p:txBody>
+      </p:sp>
+    </p:spTree>
+    <p:extLst>
+      <p:ext uri="{BB962C8B-B14F-4D97-AF65-F5344CB8AC3E}">
+        <p14:creationId xmlns:p14="http://schemas.microsoft.com/office/powerpoint/2010/main" val="3620349038"/>
+      </p:ext>
+    </p:extLst>
+  </p:cSld>
+  <p:clrMapOvr>
+    <a:masterClrMapping/>
+  </p:clrMapOvr>
+</p:sld>
+</file>
+
 <file path=ppt/theme/theme1.xml><?xml version="1.0" encoding="utf-8"?>
 <a:theme xmlns:a="http://schemas.openxmlformats.org/drawingml/2006/main" name="Office Theme">
   <a:themeElements>
@@ -5530,7 +6573,33 @@
       </a:bgFillStyleLst>
     </a:fmtScheme>
   </a:themeElements>
-  <a:objectDefaults/>
+  <a:objectDefaults>
+    <a:spDef>
+      <a:spPr/>
+      <a:bodyPr rtlCol="0" anchor="t"/>
+      <a:lstStyle>
+        <a:defPPr algn="ctr">
+          <a:defRPr sz="1400" dirty="0"/>
+        </a:defPPr>
+      </a:lstStyle>
+      <a:style>
+        <a:lnRef idx="2">
+          <a:schemeClr val="accent1">
+            <a:shade val="50000"/>
+          </a:schemeClr>
+        </a:lnRef>
+        <a:fillRef idx="1">
+          <a:schemeClr val="accent1"/>
+        </a:fillRef>
+        <a:effectRef idx="0">
+          <a:schemeClr val="accent1"/>
+        </a:effectRef>
+        <a:fontRef idx="minor">
+          <a:schemeClr val="lt1"/>
+        </a:fontRef>
+      </a:style>
+    </a:spDef>
+  </a:objectDefaults>
   <a:extraClrSchemeLst/>
   <a:extLst>
     <a:ext uri="{05A4C25C-085E-4340-85A3-A5531E510DB2}">

--- a/new_acquisition/nucleo data flow and sw structure.pptx
+++ b/new_acquisition/nucleo data flow and sw structure.pptx
@@ -7,6 +7,7 @@
   <p:sldIdLst>
     <p:sldId id="256" r:id="rId2"/>
     <p:sldId id="257" r:id="rId3"/>
+    <p:sldId id="258" r:id="rId4"/>
   </p:sldIdLst>
   <p:sldSz cx="12192000" cy="6858000"/>
   <p:notesSz cx="6858000" cy="9144000"/>
@@ -264,7 +265,7 @@
           <a:p>
             <a:fld id="{952D8749-70C6-48E7-AB63-DFF662370668}" type="datetimeFigureOut">
               <a:rPr lang="en-US" smtClean="0"/>
-              <a:t>10/11/2017</a:t>
+              <a:t>11/3/2017</a:t>
             </a:fld>
             <a:endParaRPr lang="en-US" dirty="0"/>
           </a:p>
@@ -462,7 +463,7 @@
           <a:p>
             <a:fld id="{952D8749-70C6-48E7-AB63-DFF662370668}" type="datetimeFigureOut">
               <a:rPr lang="en-US" smtClean="0"/>
-              <a:t>10/11/2017</a:t>
+              <a:t>11/3/2017</a:t>
             </a:fld>
             <a:endParaRPr lang="en-US" dirty="0"/>
           </a:p>
@@ -670,7 +671,7 @@
           <a:p>
             <a:fld id="{952D8749-70C6-48E7-AB63-DFF662370668}" type="datetimeFigureOut">
               <a:rPr lang="en-US" smtClean="0"/>
-              <a:t>10/11/2017</a:t>
+              <a:t>11/3/2017</a:t>
             </a:fld>
             <a:endParaRPr lang="en-US" dirty="0"/>
           </a:p>
@@ -868,7 +869,7 @@
           <a:p>
             <a:fld id="{952D8749-70C6-48E7-AB63-DFF662370668}" type="datetimeFigureOut">
               <a:rPr lang="en-US" smtClean="0"/>
-              <a:t>10/11/2017</a:t>
+              <a:t>11/3/2017</a:t>
             </a:fld>
             <a:endParaRPr lang="en-US" dirty="0"/>
           </a:p>
@@ -1143,7 +1144,7 @@
           <a:p>
             <a:fld id="{952D8749-70C6-48E7-AB63-DFF662370668}" type="datetimeFigureOut">
               <a:rPr lang="en-US" smtClean="0"/>
-              <a:t>10/11/2017</a:t>
+              <a:t>11/3/2017</a:t>
             </a:fld>
             <a:endParaRPr lang="en-US" dirty="0"/>
           </a:p>
@@ -1408,7 +1409,7 @@
           <a:p>
             <a:fld id="{952D8749-70C6-48E7-AB63-DFF662370668}" type="datetimeFigureOut">
               <a:rPr lang="en-US" smtClean="0"/>
-              <a:t>10/11/2017</a:t>
+              <a:t>11/3/2017</a:t>
             </a:fld>
             <a:endParaRPr lang="en-US" dirty="0"/>
           </a:p>
@@ -1820,7 +1821,7 @@
           <a:p>
             <a:fld id="{952D8749-70C6-48E7-AB63-DFF662370668}" type="datetimeFigureOut">
               <a:rPr lang="en-US" smtClean="0"/>
-              <a:t>10/11/2017</a:t>
+              <a:t>11/3/2017</a:t>
             </a:fld>
             <a:endParaRPr lang="en-US" dirty="0"/>
           </a:p>
@@ -1961,7 +1962,7 @@
           <a:p>
             <a:fld id="{952D8749-70C6-48E7-AB63-DFF662370668}" type="datetimeFigureOut">
               <a:rPr lang="en-US" smtClean="0"/>
-              <a:t>10/11/2017</a:t>
+              <a:t>11/3/2017</a:t>
             </a:fld>
             <a:endParaRPr lang="en-US" dirty="0"/>
           </a:p>
@@ -2074,7 +2075,7 @@
           <a:p>
             <a:fld id="{952D8749-70C6-48E7-AB63-DFF662370668}" type="datetimeFigureOut">
               <a:rPr lang="en-US" smtClean="0"/>
-              <a:t>10/11/2017</a:t>
+              <a:t>11/3/2017</a:t>
             </a:fld>
             <a:endParaRPr lang="en-US" dirty="0"/>
           </a:p>
@@ -2385,7 +2386,7 @@
           <a:p>
             <a:fld id="{952D8749-70C6-48E7-AB63-DFF662370668}" type="datetimeFigureOut">
               <a:rPr lang="en-US" smtClean="0"/>
-              <a:t>10/11/2017</a:t>
+              <a:t>11/3/2017</a:t>
             </a:fld>
             <a:endParaRPr lang="en-US" dirty="0"/>
           </a:p>
@@ -2673,7 +2674,7 @@
           <a:p>
             <a:fld id="{952D8749-70C6-48E7-AB63-DFF662370668}" type="datetimeFigureOut">
               <a:rPr lang="en-US" smtClean="0"/>
-              <a:t>10/11/2017</a:t>
+              <a:t>11/3/2017</a:t>
             </a:fld>
             <a:endParaRPr lang="en-US" dirty="0"/>
           </a:p>
@@ -2914,7 +2915,7 @@
           <a:p>
             <a:fld id="{952D8749-70C6-48E7-AB63-DFF662370668}" type="datetimeFigureOut">
               <a:rPr lang="en-US" smtClean="0"/>
-              <a:t>10/11/2017</a:t>
+              <a:t>11/3/2017</a:t>
             </a:fld>
             <a:endParaRPr lang="en-US" dirty="0"/>
           </a:p>
@@ -3333,41 +3334,6 @@
       </p:grpSpPr>
       <p:sp>
         <p:nvSpPr>
-          <p:cNvPr id="4" name="Title 3">
-            <a:extLst>
-              <a:ext uri="{FF2B5EF4-FFF2-40B4-BE49-F238E27FC236}">
-                <a16:creationId xmlns:a16="http://schemas.microsoft.com/office/drawing/2014/main" id="{58233668-2520-4DD0-B247-A993BB46B77F}"/>
-              </a:ext>
-            </a:extLst>
-          </p:cNvPr>
-          <p:cNvSpPr>
-            <a:spLocks noGrp="1"/>
-          </p:cNvSpPr>
-          <p:nvPr>
-            <p:ph type="title"/>
-          </p:nvPr>
-        </p:nvSpPr>
-        <p:spPr>
-          <a:xfrm>
-            <a:off x="838200" y="365125"/>
-            <a:ext cx="10515600" cy="478937"/>
-          </a:xfrm>
-        </p:spPr>
-        <p:txBody>
-          <a:bodyPr>
-            <a:noAutofit/>
-          </a:bodyPr>
-          <a:lstStyle/>
-          <a:p>
-            <a:r>
-              <a:rPr lang="en-US" sz="3200" dirty="0"/>
-              <a:t>Nucleo Sensor Data S/W Structure</a:t>
-            </a:r>
-          </a:p>
-        </p:txBody>
-      </p:sp>
-      <p:sp>
-        <p:nvSpPr>
           <p:cNvPr id="5" name="Rectangle 4">
             <a:extLst>
               <a:ext uri="{FF2B5EF4-FFF2-40B4-BE49-F238E27FC236}">
@@ -6279,6 +6245,1965 @@
     <p:extLst>
       <p:ext uri="{BB962C8B-B14F-4D97-AF65-F5344CB8AC3E}">
         <p14:creationId xmlns:p14="http://schemas.microsoft.com/office/powerpoint/2010/main" val="3620349038"/>
+      </p:ext>
+    </p:extLst>
+  </p:cSld>
+  <p:clrMapOvr>
+    <a:masterClrMapping/>
+  </p:clrMapOvr>
+</p:sld>
+</file>
+
+<file path=ppt/slides/slide3.xml><?xml version="1.0" encoding="utf-8"?>
+<p:sld xmlns:a="http://schemas.openxmlformats.org/drawingml/2006/main" xmlns:r="http://schemas.openxmlformats.org/officeDocument/2006/relationships" xmlns:p="http://schemas.openxmlformats.org/presentationml/2006/main">
+  <p:cSld>
+    <p:spTree>
+      <p:nvGrpSpPr>
+        <p:cNvPr id="1" name=""/>
+        <p:cNvGrpSpPr/>
+        <p:nvPr/>
+      </p:nvGrpSpPr>
+      <p:grpSpPr>
+        <a:xfrm>
+          <a:off x="0" y="0"/>
+          <a:ext cx="0" cy="0"/>
+          <a:chOff x="0" y="0"/>
+          <a:chExt cx="0" cy="0"/>
+        </a:xfrm>
+      </p:grpSpPr>
+      <p:grpSp>
+        <p:nvGrpSpPr>
+          <p:cNvPr id="2" name="Group 1">
+            <a:extLst>
+              <a:ext uri="{FF2B5EF4-FFF2-40B4-BE49-F238E27FC236}">
+                <a16:creationId xmlns:a16="http://schemas.microsoft.com/office/drawing/2014/main" id="{5B7F1D59-47BC-43CA-A0D4-42A6C2EFCC1D}"/>
+              </a:ext>
+            </a:extLst>
+          </p:cNvPr>
+          <p:cNvGrpSpPr/>
+          <p:nvPr/>
+        </p:nvGrpSpPr>
+        <p:grpSpPr>
+          <a:xfrm>
+            <a:off x="185495" y="755794"/>
+            <a:ext cx="11782156" cy="5710174"/>
+            <a:chOff x="293072" y="1078523"/>
+            <a:chExt cx="11782156" cy="5710174"/>
+          </a:xfrm>
+        </p:grpSpPr>
+        <p:sp>
+          <p:nvSpPr>
+            <p:cNvPr id="3" name="Rectangle 2">
+              <a:extLst>
+                <a:ext uri="{FF2B5EF4-FFF2-40B4-BE49-F238E27FC236}">
+                  <a16:creationId xmlns:a16="http://schemas.microsoft.com/office/drawing/2014/main" id="{32C92075-F3B0-4098-AFC0-0B316F24DFE5}"/>
+                </a:ext>
+              </a:extLst>
+            </p:cNvPr>
+            <p:cNvSpPr/>
+            <p:nvPr/>
+          </p:nvSpPr>
+          <p:spPr>
+            <a:xfrm>
+              <a:off x="293072" y="1078523"/>
+              <a:ext cx="1858114" cy="5339863"/>
+            </a:xfrm>
+            <a:prstGeom prst="rect">
+              <a:avLst/>
+            </a:prstGeom>
+            <a:solidFill>
+              <a:schemeClr val="bg1"/>
+            </a:solidFill>
+          </p:spPr>
+          <p:style>
+            <a:lnRef idx="2">
+              <a:schemeClr val="dk1"/>
+            </a:lnRef>
+            <a:fillRef idx="1">
+              <a:schemeClr val="lt1"/>
+            </a:fillRef>
+            <a:effectRef idx="0">
+              <a:schemeClr val="dk1"/>
+            </a:effectRef>
+            <a:fontRef idx="minor">
+              <a:schemeClr val="dk1"/>
+            </a:fontRef>
+          </p:style>
+          <p:txBody>
+            <a:bodyPr rtlCol="0" anchor="t"/>
+            <a:lstStyle/>
+            <a:p>
+              <a:pPr algn="ctr"/>
+              <a:r>
+                <a:rPr lang="en-US" sz="1400" dirty="0"/>
+                <a:t>Main Thread</a:t>
+              </a:r>
+            </a:p>
+            <a:p>
+              <a:pPr algn="ctr"/>
+              <a:endParaRPr lang="en-US" sz="1400" dirty="0"/>
+            </a:p>
+          </p:txBody>
+        </p:sp>
+        <p:sp>
+          <p:nvSpPr>
+            <p:cNvPr id="4" name="Rectangle 3">
+              <a:extLst>
+                <a:ext uri="{FF2B5EF4-FFF2-40B4-BE49-F238E27FC236}">
+                  <a16:creationId xmlns:a16="http://schemas.microsoft.com/office/drawing/2014/main" id="{912D21D8-6546-4592-81EB-9F7AA0CFA031}"/>
+                </a:ext>
+              </a:extLst>
+            </p:cNvPr>
+            <p:cNvSpPr/>
+            <p:nvPr/>
+          </p:nvSpPr>
+          <p:spPr>
+            <a:xfrm>
+              <a:off x="498225" y="1623646"/>
+              <a:ext cx="1539847" cy="671176"/>
+            </a:xfrm>
+            <a:prstGeom prst="rect">
+              <a:avLst/>
+            </a:prstGeom>
+            <a:solidFill>
+              <a:schemeClr val="bg1"/>
+            </a:solidFill>
+          </p:spPr>
+          <p:style>
+            <a:lnRef idx="2">
+              <a:schemeClr val="dk1"/>
+            </a:lnRef>
+            <a:fillRef idx="1">
+              <a:schemeClr val="lt1"/>
+            </a:fillRef>
+            <a:effectRef idx="0">
+              <a:schemeClr val="dk1"/>
+            </a:effectRef>
+            <a:fontRef idx="minor">
+              <a:schemeClr val="dk1"/>
+            </a:fontRef>
+          </p:style>
+          <p:txBody>
+            <a:bodyPr rtlCol="0" anchor="ctr"/>
+            <a:lstStyle/>
+            <a:p>
+              <a:pPr algn="ctr"/>
+              <a:r>
+                <a:rPr lang="en-US" sz="1400" dirty="0"/>
+                <a:t>Initialization</a:t>
+              </a:r>
+            </a:p>
+          </p:txBody>
+        </p:sp>
+        <p:sp>
+          <p:nvSpPr>
+            <p:cNvPr id="5" name="Arrow: Curved Down 4">
+              <a:extLst>
+                <a:ext uri="{FF2B5EF4-FFF2-40B4-BE49-F238E27FC236}">
+                  <a16:creationId xmlns:a16="http://schemas.microsoft.com/office/drawing/2014/main" id="{9677BE9F-F39E-486F-876D-762A326C2016}"/>
+                </a:ext>
+              </a:extLst>
+            </p:cNvPr>
+            <p:cNvSpPr/>
+            <p:nvPr/>
+          </p:nvSpPr>
+          <p:spPr>
+            <a:xfrm rot="10800000">
+              <a:off x="398551" y="5303565"/>
+              <a:ext cx="1661537" cy="991370"/>
+            </a:xfrm>
+            <a:prstGeom prst="curvedDownArrow">
+              <a:avLst/>
+            </a:prstGeom>
+            <a:solidFill>
+              <a:schemeClr val="bg1"/>
+            </a:solidFill>
+          </p:spPr>
+          <p:style>
+            <a:lnRef idx="2">
+              <a:schemeClr val="dk1"/>
+            </a:lnRef>
+            <a:fillRef idx="1">
+              <a:schemeClr val="lt1"/>
+            </a:fillRef>
+            <a:effectRef idx="0">
+              <a:schemeClr val="dk1"/>
+            </a:effectRef>
+            <a:fontRef idx="minor">
+              <a:schemeClr val="dk1"/>
+            </a:fontRef>
+          </p:style>
+          <p:txBody>
+            <a:bodyPr rtlCol="0" anchor="ctr"/>
+            <a:lstStyle/>
+            <a:p>
+              <a:pPr algn="ctr"/>
+              <a:endParaRPr lang="en-US" sz="1400" dirty="0">
+                <a:solidFill>
+                  <a:schemeClr val="tx1"/>
+                </a:solidFill>
+              </a:endParaRPr>
+            </a:p>
+          </p:txBody>
+        </p:sp>
+        <p:sp>
+          <p:nvSpPr>
+            <p:cNvPr id="6" name="Arrow: Curved Down 5">
+              <a:extLst>
+                <a:ext uri="{FF2B5EF4-FFF2-40B4-BE49-F238E27FC236}">
+                  <a16:creationId xmlns:a16="http://schemas.microsoft.com/office/drawing/2014/main" id="{02376649-B6B4-4172-942F-A52536B6FAE0}"/>
+                </a:ext>
+              </a:extLst>
+            </p:cNvPr>
+            <p:cNvSpPr/>
+            <p:nvPr/>
+          </p:nvSpPr>
+          <p:spPr>
+            <a:xfrm>
+              <a:off x="498225" y="2596661"/>
+              <a:ext cx="1661537" cy="991370"/>
+            </a:xfrm>
+            <a:prstGeom prst="curvedDownArrow">
+              <a:avLst/>
+            </a:prstGeom>
+            <a:solidFill>
+              <a:schemeClr val="bg1"/>
+            </a:solidFill>
+          </p:spPr>
+          <p:style>
+            <a:lnRef idx="2">
+              <a:schemeClr val="dk1"/>
+            </a:lnRef>
+            <a:fillRef idx="1">
+              <a:schemeClr val="lt1"/>
+            </a:fillRef>
+            <a:effectRef idx="0">
+              <a:schemeClr val="dk1"/>
+            </a:effectRef>
+            <a:fontRef idx="minor">
+              <a:schemeClr val="dk1"/>
+            </a:fontRef>
+          </p:style>
+          <p:txBody>
+            <a:bodyPr rtlCol="0" anchor="ctr"/>
+            <a:lstStyle/>
+            <a:p>
+              <a:pPr algn="ctr"/>
+              <a:endParaRPr lang="en-US" sz="1400" dirty="0">
+                <a:solidFill>
+                  <a:schemeClr val="tx1"/>
+                </a:solidFill>
+              </a:endParaRPr>
+            </a:p>
+          </p:txBody>
+        </p:sp>
+        <p:sp>
+          <p:nvSpPr>
+            <p:cNvPr id="7" name="Rectangle 6">
+              <a:extLst>
+                <a:ext uri="{FF2B5EF4-FFF2-40B4-BE49-F238E27FC236}">
+                  <a16:creationId xmlns:a16="http://schemas.microsoft.com/office/drawing/2014/main" id="{81F1EA9B-C973-46D6-B746-4F79534192E7}"/>
+                </a:ext>
+              </a:extLst>
+            </p:cNvPr>
+            <p:cNvSpPr/>
+            <p:nvPr/>
+          </p:nvSpPr>
+          <p:spPr>
+            <a:xfrm>
+              <a:off x="451167" y="3753693"/>
+              <a:ext cx="1539847" cy="1527079"/>
+            </a:xfrm>
+            <a:prstGeom prst="rect">
+              <a:avLst/>
+            </a:prstGeom>
+            <a:solidFill>
+              <a:schemeClr val="bg1"/>
+            </a:solidFill>
+          </p:spPr>
+          <p:style>
+            <a:lnRef idx="2">
+              <a:schemeClr val="dk1"/>
+            </a:lnRef>
+            <a:fillRef idx="1">
+              <a:schemeClr val="lt1"/>
+            </a:fillRef>
+            <a:effectRef idx="0">
+              <a:schemeClr val="dk1"/>
+            </a:effectRef>
+            <a:fontRef idx="minor">
+              <a:schemeClr val="dk1"/>
+            </a:fontRef>
+          </p:style>
+          <p:txBody>
+            <a:bodyPr rtlCol="0" anchor="ctr"/>
+            <a:lstStyle/>
+            <a:p>
+              <a:pPr algn="ctr"/>
+              <a:r>
+                <a:rPr lang="en-US" sz="1400" dirty="0"/>
+                <a:t>Internal Sensor Data Acquisition</a:t>
+              </a:r>
+            </a:p>
+          </p:txBody>
+        </p:sp>
+        <p:sp>
+          <p:nvSpPr>
+            <p:cNvPr id="8" name="Rectangle 7">
+              <a:extLst>
+                <a:ext uri="{FF2B5EF4-FFF2-40B4-BE49-F238E27FC236}">
+                  <a16:creationId xmlns:a16="http://schemas.microsoft.com/office/drawing/2014/main" id="{0DF0774F-A47F-4368-BD49-CF147ECB7E65}"/>
+                </a:ext>
+              </a:extLst>
+            </p:cNvPr>
+            <p:cNvSpPr/>
+            <p:nvPr/>
+          </p:nvSpPr>
+          <p:spPr>
+            <a:xfrm>
+              <a:off x="2344363" y="1084386"/>
+              <a:ext cx="1562960" cy="4882662"/>
+            </a:xfrm>
+            <a:prstGeom prst="rect">
+              <a:avLst/>
+            </a:prstGeom>
+            <a:solidFill>
+              <a:schemeClr val="bg1"/>
+            </a:solidFill>
+          </p:spPr>
+          <p:style>
+            <a:lnRef idx="2">
+              <a:schemeClr val="dk1"/>
+            </a:lnRef>
+            <a:fillRef idx="1">
+              <a:schemeClr val="lt1"/>
+            </a:fillRef>
+            <a:effectRef idx="0">
+              <a:schemeClr val="dk1"/>
+            </a:effectRef>
+            <a:fontRef idx="minor">
+              <a:schemeClr val="dk1"/>
+            </a:fontRef>
+          </p:style>
+          <p:txBody>
+            <a:bodyPr rtlCol="0" anchor="ctr"/>
+            <a:lstStyle/>
+            <a:p>
+              <a:pPr algn="ctr"/>
+              <a:endParaRPr lang="en-US" sz="1400" dirty="0"/>
+            </a:p>
+          </p:txBody>
+        </p:sp>
+        <p:sp>
+          <p:nvSpPr>
+            <p:cNvPr id="9" name="Rectangle 8">
+              <a:extLst>
+                <a:ext uri="{FF2B5EF4-FFF2-40B4-BE49-F238E27FC236}">
+                  <a16:creationId xmlns:a16="http://schemas.microsoft.com/office/drawing/2014/main" id="{774FCC26-C8CB-45FA-9F79-8CA04F964750}"/>
+                </a:ext>
+              </a:extLst>
+            </p:cNvPr>
+            <p:cNvSpPr/>
+            <p:nvPr/>
+          </p:nvSpPr>
+          <p:spPr>
+            <a:xfrm>
+              <a:off x="2496763" y="1236786"/>
+              <a:ext cx="1562960" cy="4882662"/>
+            </a:xfrm>
+            <a:prstGeom prst="rect">
+              <a:avLst/>
+            </a:prstGeom>
+            <a:solidFill>
+              <a:schemeClr val="bg1"/>
+            </a:solidFill>
+          </p:spPr>
+          <p:style>
+            <a:lnRef idx="2">
+              <a:schemeClr val="dk1"/>
+            </a:lnRef>
+            <a:fillRef idx="1">
+              <a:schemeClr val="lt1"/>
+            </a:fillRef>
+            <a:effectRef idx="0">
+              <a:schemeClr val="dk1"/>
+            </a:effectRef>
+            <a:fontRef idx="minor">
+              <a:schemeClr val="dk1"/>
+            </a:fontRef>
+          </p:style>
+          <p:txBody>
+            <a:bodyPr rtlCol="0" anchor="ctr"/>
+            <a:lstStyle/>
+            <a:p>
+              <a:pPr algn="ctr"/>
+              <a:endParaRPr lang="en-US" sz="1400" dirty="0"/>
+            </a:p>
+          </p:txBody>
+        </p:sp>
+        <p:sp>
+          <p:nvSpPr>
+            <p:cNvPr id="10" name="Rectangle 9">
+              <a:extLst>
+                <a:ext uri="{FF2B5EF4-FFF2-40B4-BE49-F238E27FC236}">
+                  <a16:creationId xmlns:a16="http://schemas.microsoft.com/office/drawing/2014/main" id="{C39AD3AA-1373-4786-B819-139C31A49EC9}"/>
+                </a:ext>
+              </a:extLst>
+            </p:cNvPr>
+            <p:cNvSpPr/>
+            <p:nvPr/>
+          </p:nvSpPr>
+          <p:spPr>
+            <a:xfrm>
+              <a:off x="2649163" y="1389186"/>
+              <a:ext cx="1562960" cy="4882662"/>
+            </a:xfrm>
+            <a:prstGeom prst="rect">
+              <a:avLst/>
+            </a:prstGeom>
+            <a:solidFill>
+              <a:schemeClr val="bg1"/>
+            </a:solidFill>
+          </p:spPr>
+          <p:style>
+            <a:lnRef idx="2">
+              <a:schemeClr val="dk1"/>
+            </a:lnRef>
+            <a:fillRef idx="1">
+              <a:schemeClr val="lt1"/>
+            </a:fillRef>
+            <a:effectRef idx="0">
+              <a:schemeClr val="dk1"/>
+            </a:effectRef>
+            <a:fontRef idx="minor">
+              <a:schemeClr val="dk1"/>
+            </a:fontRef>
+          </p:style>
+          <p:txBody>
+            <a:bodyPr rtlCol="0" anchor="ctr"/>
+            <a:lstStyle/>
+            <a:p>
+              <a:pPr algn="ctr"/>
+              <a:endParaRPr lang="en-US" sz="1400" dirty="0"/>
+            </a:p>
+          </p:txBody>
+        </p:sp>
+        <p:sp>
+          <p:nvSpPr>
+            <p:cNvPr id="11" name="Rectangle 10">
+              <a:extLst>
+                <a:ext uri="{FF2B5EF4-FFF2-40B4-BE49-F238E27FC236}">
+                  <a16:creationId xmlns:a16="http://schemas.microsoft.com/office/drawing/2014/main" id="{3427A22A-480C-430E-99E3-C29F9AC60CA4}"/>
+                </a:ext>
+              </a:extLst>
+            </p:cNvPr>
+            <p:cNvSpPr/>
+            <p:nvPr/>
+          </p:nvSpPr>
+          <p:spPr>
+            <a:xfrm>
+              <a:off x="2801562" y="1541586"/>
+              <a:ext cx="1694301" cy="4882662"/>
+            </a:xfrm>
+            <a:prstGeom prst="rect">
+              <a:avLst/>
+            </a:prstGeom>
+            <a:solidFill>
+              <a:schemeClr val="bg1"/>
+            </a:solidFill>
+          </p:spPr>
+          <p:style>
+            <a:lnRef idx="2">
+              <a:schemeClr val="dk1"/>
+            </a:lnRef>
+            <a:fillRef idx="1">
+              <a:schemeClr val="lt1"/>
+            </a:fillRef>
+            <a:effectRef idx="0">
+              <a:schemeClr val="dk1"/>
+            </a:effectRef>
+            <a:fontRef idx="minor">
+              <a:schemeClr val="dk1"/>
+            </a:fontRef>
+          </p:style>
+          <p:txBody>
+            <a:bodyPr rtlCol="0" anchor="t"/>
+            <a:lstStyle/>
+            <a:p>
+              <a:pPr algn="ctr"/>
+              <a:r>
+                <a:rPr lang="en-US" sz="1400" dirty="0"/>
+                <a:t>Sensor Bus Protcol #X</a:t>
+              </a:r>
+            </a:p>
+          </p:txBody>
+        </p:sp>
+        <p:sp>
+          <p:nvSpPr>
+            <p:cNvPr id="12" name="Rectangle 11">
+              <a:extLst>
+                <a:ext uri="{FF2B5EF4-FFF2-40B4-BE49-F238E27FC236}">
+                  <a16:creationId xmlns:a16="http://schemas.microsoft.com/office/drawing/2014/main" id="{A6EDA76D-7C5C-42D3-88C9-B374F6DDA608}"/>
+                </a:ext>
+              </a:extLst>
+            </p:cNvPr>
+            <p:cNvSpPr/>
+            <p:nvPr/>
+          </p:nvSpPr>
+          <p:spPr>
+            <a:xfrm>
+              <a:off x="2990069" y="2244624"/>
+              <a:ext cx="1440375" cy="619199"/>
+            </a:xfrm>
+            <a:prstGeom prst="rect">
+              <a:avLst/>
+            </a:prstGeom>
+            <a:solidFill>
+              <a:schemeClr val="bg1"/>
+            </a:solidFill>
+          </p:spPr>
+          <p:style>
+            <a:lnRef idx="2">
+              <a:schemeClr val="dk1"/>
+            </a:lnRef>
+            <a:fillRef idx="1">
+              <a:schemeClr val="lt1"/>
+            </a:fillRef>
+            <a:effectRef idx="0">
+              <a:schemeClr val="dk1"/>
+            </a:effectRef>
+            <a:fontRef idx="minor">
+              <a:schemeClr val="dk1"/>
+            </a:fontRef>
+          </p:style>
+          <p:txBody>
+            <a:bodyPr rtlCol="0" anchor="ctr"/>
+            <a:lstStyle/>
+            <a:p>
+              <a:pPr algn="ctr"/>
+              <a:r>
+                <a:rPr lang="en-US" sz="1400" dirty="0"/>
+                <a:t>Initialization</a:t>
+              </a:r>
+            </a:p>
+          </p:txBody>
+        </p:sp>
+        <p:sp>
+          <p:nvSpPr>
+            <p:cNvPr id="13" name="Arrow: Curved Down 12">
+              <a:extLst>
+                <a:ext uri="{FF2B5EF4-FFF2-40B4-BE49-F238E27FC236}">
+                  <a16:creationId xmlns:a16="http://schemas.microsoft.com/office/drawing/2014/main" id="{D4B18AB2-7AB4-48E4-8629-BEC2A3EBDCA2}"/>
+                </a:ext>
+              </a:extLst>
+            </p:cNvPr>
+            <p:cNvSpPr/>
+            <p:nvPr/>
+          </p:nvSpPr>
+          <p:spPr>
+            <a:xfrm rot="10800000">
+              <a:off x="2883804" y="5418804"/>
+              <a:ext cx="1554204" cy="914597"/>
+            </a:xfrm>
+            <a:prstGeom prst="curvedDownArrow">
+              <a:avLst/>
+            </a:prstGeom>
+            <a:solidFill>
+              <a:schemeClr val="bg1"/>
+            </a:solidFill>
+          </p:spPr>
+          <p:style>
+            <a:lnRef idx="2">
+              <a:schemeClr val="dk1"/>
+            </a:lnRef>
+            <a:fillRef idx="1">
+              <a:schemeClr val="lt1"/>
+            </a:fillRef>
+            <a:effectRef idx="0">
+              <a:schemeClr val="dk1"/>
+            </a:effectRef>
+            <a:fontRef idx="minor">
+              <a:schemeClr val="dk1"/>
+            </a:fontRef>
+          </p:style>
+          <p:txBody>
+            <a:bodyPr rtlCol="0" anchor="ctr"/>
+            <a:lstStyle/>
+            <a:p>
+              <a:pPr algn="ctr"/>
+              <a:endParaRPr lang="en-US" sz="1400" dirty="0">
+                <a:solidFill>
+                  <a:schemeClr val="tx1"/>
+                </a:solidFill>
+              </a:endParaRPr>
+            </a:p>
+          </p:txBody>
+        </p:sp>
+        <p:sp>
+          <p:nvSpPr>
+            <p:cNvPr id="14" name="Arrow: Curved Down 13">
+              <a:extLst>
+                <a:ext uri="{FF2B5EF4-FFF2-40B4-BE49-F238E27FC236}">
+                  <a16:creationId xmlns:a16="http://schemas.microsoft.com/office/drawing/2014/main" id="{2604B022-7BD0-4B06-B912-C39261679FA7}"/>
+                </a:ext>
+              </a:extLst>
+            </p:cNvPr>
+            <p:cNvSpPr/>
+            <p:nvPr/>
+          </p:nvSpPr>
+          <p:spPr>
+            <a:xfrm>
+              <a:off x="2894983" y="2971613"/>
+              <a:ext cx="1554204" cy="914597"/>
+            </a:xfrm>
+            <a:prstGeom prst="curvedDownArrow">
+              <a:avLst/>
+            </a:prstGeom>
+            <a:solidFill>
+              <a:schemeClr val="bg1"/>
+            </a:solidFill>
+          </p:spPr>
+          <p:style>
+            <a:lnRef idx="2">
+              <a:schemeClr val="dk1"/>
+            </a:lnRef>
+            <a:fillRef idx="1">
+              <a:schemeClr val="lt1"/>
+            </a:fillRef>
+            <a:effectRef idx="0">
+              <a:schemeClr val="dk1"/>
+            </a:effectRef>
+            <a:fontRef idx="minor">
+              <a:schemeClr val="dk1"/>
+            </a:fontRef>
+          </p:style>
+          <p:txBody>
+            <a:bodyPr rtlCol="0" anchor="ctr"/>
+            <a:lstStyle/>
+            <a:p>
+              <a:pPr algn="ctr"/>
+              <a:endParaRPr lang="en-US" sz="1400" dirty="0">
+                <a:solidFill>
+                  <a:schemeClr val="tx1"/>
+                </a:solidFill>
+              </a:endParaRPr>
+            </a:p>
+          </p:txBody>
+        </p:sp>
+        <p:sp>
+          <p:nvSpPr>
+            <p:cNvPr id="15" name="Rectangle 14">
+              <a:extLst>
+                <a:ext uri="{FF2B5EF4-FFF2-40B4-BE49-F238E27FC236}">
+                  <a16:creationId xmlns:a16="http://schemas.microsoft.com/office/drawing/2014/main" id="{B770A9AF-6AAB-4E37-B50D-DEF4045FFF6C}"/>
+                </a:ext>
+              </a:extLst>
+            </p:cNvPr>
+            <p:cNvSpPr/>
+            <p:nvPr/>
+          </p:nvSpPr>
+          <p:spPr>
+            <a:xfrm>
+              <a:off x="2955082" y="3979799"/>
+              <a:ext cx="1440375" cy="1408821"/>
+            </a:xfrm>
+            <a:prstGeom prst="rect">
+              <a:avLst/>
+            </a:prstGeom>
+            <a:solidFill>
+              <a:schemeClr val="bg1"/>
+            </a:solidFill>
+          </p:spPr>
+          <p:style>
+            <a:lnRef idx="2">
+              <a:schemeClr val="dk1"/>
+            </a:lnRef>
+            <a:fillRef idx="1">
+              <a:schemeClr val="lt1"/>
+            </a:fillRef>
+            <a:effectRef idx="0">
+              <a:schemeClr val="dk1"/>
+            </a:effectRef>
+            <a:fontRef idx="minor">
+              <a:schemeClr val="dk1"/>
+            </a:fontRef>
+          </p:style>
+          <p:txBody>
+            <a:bodyPr rtlCol="0" anchor="t"/>
+            <a:lstStyle/>
+            <a:p>
+              <a:pPr algn="ctr"/>
+              <a:r>
+                <a:rPr lang="en-US" sz="1400" dirty="0"/>
+                <a:t>External Sensor Data Acquisition</a:t>
+              </a:r>
+            </a:p>
+            <a:p>
+              <a:pPr algn="ctr"/>
+              <a:endParaRPr lang="en-US" sz="1100" dirty="0"/>
+            </a:p>
+            <a:p>
+              <a:pPr algn="ctr"/>
+              <a:r>
+                <a:rPr lang="en-US" sz="1100" dirty="0"/>
+                <a:t>(Timer -&gt; collect data)</a:t>
+              </a:r>
+            </a:p>
+            <a:p>
+              <a:pPr algn="ctr"/>
+              <a:r>
+                <a:rPr lang="en-US" sz="1100" dirty="0"/>
+                <a:t>Sleep Till Timer Event</a:t>
+              </a:r>
+            </a:p>
+          </p:txBody>
+        </p:sp>
+        <p:sp>
+          <p:nvSpPr>
+            <p:cNvPr id="16" name="Rectangle 15">
+              <a:extLst>
+                <a:ext uri="{FF2B5EF4-FFF2-40B4-BE49-F238E27FC236}">
+                  <a16:creationId xmlns:a16="http://schemas.microsoft.com/office/drawing/2014/main" id="{E498850C-AA92-4183-8EC2-A24515C613A0}"/>
+                </a:ext>
+              </a:extLst>
+            </p:cNvPr>
+            <p:cNvSpPr/>
+            <p:nvPr/>
+          </p:nvSpPr>
+          <p:spPr>
+            <a:xfrm>
+              <a:off x="4825882" y="1758461"/>
+              <a:ext cx="1291786" cy="2855656"/>
+            </a:xfrm>
+            <a:prstGeom prst="rect">
+              <a:avLst/>
+            </a:prstGeom>
+            <a:solidFill>
+              <a:schemeClr val="bg1"/>
+            </a:solidFill>
+          </p:spPr>
+          <p:style>
+            <a:lnRef idx="2">
+              <a:schemeClr val="dk1"/>
+            </a:lnRef>
+            <a:fillRef idx="1">
+              <a:schemeClr val="lt1"/>
+            </a:fillRef>
+            <a:effectRef idx="0">
+              <a:schemeClr val="dk1"/>
+            </a:effectRef>
+            <a:fontRef idx="minor">
+              <a:schemeClr val="dk1"/>
+            </a:fontRef>
+          </p:style>
+          <p:txBody>
+            <a:bodyPr rtlCol="0" anchor="t"/>
+            <a:lstStyle/>
+            <a:p>
+              <a:pPr algn="ctr"/>
+              <a:r>
+                <a:rPr lang="en-US" sz="1400" dirty="0"/>
+                <a:t>Nucleo Data State Class</a:t>
+              </a:r>
+            </a:p>
+          </p:txBody>
+        </p:sp>
+        <p:sp>
+          <p:nvSpPr>
+            <p:cNvPr id="17" name="Rectangle 16">
+              <a:extLst>
+                <a:ext uri="{FF2B5EF4-FFF2-40B4-BE49-F238E27FC236}">
+                  <a16:creationId xmlns:a16="http://schemas.microsoft.com/office/drawing/2014/main" id="{74B89FE5-7578-4CA3-B856-717E11F62441}"/>
+                </a:ext>
+              </a:extLst>
+            </p:cNvPr>
+            <p:cNvSpPr/>
+            <p:nvPr/>
+          </p:nvSpPr>
+          <p:spPr>
+            <a:xfrm>
+              <a:off x="4960697" y="2391507"/>
+              <a:ext cx="1057768" cy="1145309"/>
+            </a:xfrm>
+            <a:prstGeom prst="rect">
+              <a:avLst/>
+            </a:prstGeom>
+            <a:solidFill>
+              <a:schemeClr val="bg1"/>
+            </a:solidFill>
+            <a:ln/>
+          </p:spPr>
+          <p:style>
+            <a:lnRef idx="2">
+              <a:schemeClr val="dk1"/>
+            </a:lnRef>
+            <a:fillRef idx="1">
+              <a:schemeClr val="lt1"/>
+            </a:fillRef>
+            <a:effectRef idx="0">
+              <a:schemeClr val="dk1"/>
+            </a:effectRef>
+            <a:fontRef idx="minor">
+              <a:schemeClr val="dk1"/>
+            </a:fontRef>
+          </p:style>
+          <p:txBody>
+            <a:bodyPr rtlCol="0" anchor="b"/>
+            <a:lstStyle/>
+            <a:p>
+              <a:pPr algn="ctr"/>
+              <a:endParaRPr lang="en-US" sz="1100" dirty="0"/>
+            </a:p>
+            <a:p>
+              <a:pPr algn="ctr"/>
+              <a:r>
+                <a:rPr lang="en-US" sz="1100" dirty="0"/>
+                <a:t>Sensor Data</a:t>
+              </a:r>
+            </a:p>
+            <a:p>
+              <a:pPr algn="ctr"/>
+              <a:endParaRPr lang="en-US" sz="1100" dirty="0"/>
+            </a:p>
+          </p:txBody>
+        </p:sp>
+        <p:cxnSp>
+          <p:nvCxnSpPr>
+            <p:cNvPr id="18" name="Connector: Elbow 17">
+              <a:extLst>
+                <a:ext uri="{FF2B5EF4-FFF2-40B4-BE49-F238E27FC236}">
+                  <a16:creationId xmlns:a16="http://schemas.microsoft.com/office/drawing/2014/main" id="{A36EEE1F-3368-4EA8-AB10-E75B2AABC155}"/>
+                </a:ext>
+              </a:extLst>
+            </p:cNvPr>
+            <p:cNvCxnSpPr>
+              <a:cxnSpLocks/>
+              <a:stCxn id="7" idx="2"/>
+              <a:endCxn id="17" idx="1"/>
+            </p:cNvCxnSpPr>
+            <p:nvPr/>
+          </p:nvCxnSpPr>
+          <p:spPr>
+            <a:xfrm rot="5400000" flipH="1" flipV="1">
+              <a:off x="1932589" y="2252664"/>
+              <a:ext cx="2316610" cy="3739606"/>
+            </a:xfrm>
+            <a:prstGeom prst="bentConnector4">
+              <a:avLst>
+                <a:gd name="adj1" fmla="val -58954"/>
+                <a:gd name="adj2" fmla="val 92583"/>
+              </a:avLst>
+            </a:prstGeom>
+            <a:ln>
+              <a:tailEnd type="triangle"/>
+            </a:ln>
+          </p:spPr>
+          <p:style>
+            <a:lnRef idx="2">
+              <a:schemeClr val="dk1"/>
+            </a:lnRef>
+            <a:fillRef idx="1">
+              <a:schemeClr val="lt1"/>
+            </a:fillRef>
+            <a:effectRef idx="0">
+              <a:schemeClr val="dk1"/>
+            </a:effectRef>
+            <a:fontRef idx="minor">
+              <a:schemeClr val="dk1"/>
+            </a:fontRef>
+          </p:style>
+        </p:cxnSp>
+        <p:cxnSp>
+          <p:nvCxnSpPr>
+            <p:cNvPr id="19" name="Connector: Elbow 18">
+              <a:extLst>
+                <a:ext uri="{FF2B5EF4-FFF2-40B4-BE49-F238E27FC236}">
+                  <a16:creationId xmlns:a16="http://schemas.microsoft.com/office/drawing/2014/main" id="{D6AAC482-3A8A-4636-91DA-E4EFEE27941C}"/>
+                </a:ext>
+              </a:extLst>
+            </p:cNvPr>
+            <p:cNvCxnSpPr>
+              <a:cxnSpLocks/>
+              <a:stCxn id="15" idx="3"/>
+              <a:endCxn id="17" idx="1"/>
+            </p:cNvCxnSpPr>
+            <p:nvPr/>
+          </p:nvCxnSpPr>
+          <p:spPr>
+            <a:xfrm flipV="1">
+              <a:off x="4395457" y="2964162"/>
+              <a:ext cx="565240" cy="1720048"/>
+            </a:xfrm>
+            <a:prstGeom prst="bentConnector3">
+              <a:avLst>
+                <a:gd name="adj1" fmla="val 50000"/>
+              </a:avLst>
+            </a:prstGeom>
+            <a:ln>
+              <a:tailEnd type="triangle"/>
+            </a:ln>
+          </p:spPr>
+          <p:style>
+            <a:lnRef idx="2">
+              <a:schemeClr val="dk1"/>
+            </a:lnRef>
+            <a:fillRef idx="1">
+              <a:schemeClr val="lt1"/>
+            </a:fillRef>
+            <a:effectRef idx="0">
+              <a:schemeClr val="dk1"/>
+            </a:effectRef>
+            <a:fontRef idx="minor">
+              <a:schemeClr val="dk1"/>
+            </a:fontRef>
+          </p:style>
+        </p:cxnSp>
+        <p:sp>
+          <p:nvSpPr>
+            <p:cNvPr id="20" name="Rectangle 19">
+              <a:extLst>
+                <a:ext uri="{FF2B5EF4-FFF2-40B4-BE49-F238E27FC236}">
+                  <a16:creationId xmlns:a16="http://schemas.microsoft.com/office/drawing/2014/main" id="{74F348BF-B129-43DA-B9AB-4D18CCAACF2E}"/>
+                </a:ext>
+              </a:extLst>
+            </p:cNvPr>
+            <p:cNvSpPr/>
+            <p:nvPr/>
+          </p:nvSpPr>
+          <p:spPr>
+            <a:xfrm>
+              <a:off x="4960697" y="2379784"/>
+              <a:ext cx="1053087" cy="584375"/>
+            </a:xfrm>
+            <a:prstGeom prst="rect">
+              <a:avLst/>
+            </a:prstGeom>
+            <a:solidFill>
+              <a:schemeClr val="bg1"/>
+            </a:solidFill>
+          </p:spPr>
+          <p:style>
+            <a:lnRef idx="2">
+              <a:schemeClr val="dk1"/>
+            </a:lnRef>
+            <a:fillRef idx="1">
+              <a:schemeClr val="lt1"/>
+            </a:fillRef>
+            <a:effectRef idx="0">
+              <a:schemeClr val="dk1"/>
+            </a:effectRef>
+            <a:fontRef idx="minor">
+              <a:schemeClr val="dk1"/>
+            </a:fontRef>
+          </p:style>
+          <p:txBody>
+            <a:bodyPr rtlCol="0" anchor="ctr"/>
+            <a:lstStyle/>
+            <a:p>
+              <a:pPr algn="ctr"/>
+              <a:r>
+                <a:rPr lang="en-US" sz="1400" dirty="0"/>
+                <a:t>Data Lock</a:t>
+              </a:r>
+            </a:p>
+          </p:txBody>
+        </p:sp>
+        <p:cxnSp>
+          <p:nvCxnSpPr>
+            <p:cNvPr id="21" name="Straight Arrow Connector 20">
+              <a:extLst>
+                <a:ext uri="{FF2B5EF4-FFF2-40B4-BE49-F238E27FC236}">
+                  <a16:creationId xmlns:a16="http://schemas.microsoft.com/office/drawing/2014/main" id="{32F51975-2E28-4407-A08D-9F4353455FB2}"/>
+                </a:ext>
+              </a:extLst>
+            </p:cNvPr>
+            <p:cNvCxnSpPr>
+              <a:cxnSpLocks/>
+            </p:cNvCxnSpPr>
+            <p:nvPr/>
+          </p:nvCxnSpPr>
+          <p:spPr>
+            <a:xfrm>
+              <a:off x="5511682" y="2842546"/>
+              <a:ext cx="0" cy="243226"/>
+            </a:xfrm>
+            <a:prstGeom prst="straightConnector1">
+              <a:avLst/>
+            </a:prstGeom>
+            <a:ln>
+              <a:tailEnd type="triangle"/>
+            </a:ln>
+          </p:spPr>
+          <p:style>
+            <a:lnRef idx="2">
+              <a:schemeClr val="dk1"/>
+            </a:lnRef>
+            <a:fillRef idx="1">
+              <a:schemeClr val="lt1"/>
+            </a:fillRef>
+            <a:effectRef idx="0">
+              <a:schemeClr val="dk1"/>
+            </a:effectRef>
+            <a:fontRef idx="minor">
+              <a:schemeClr val="dk1"/>
+            </a:fontRef>
+          </p:style>
+        </p:cxnSp>
+        <p:sp>
+          <p:nvSpPr>
+            <p:cNvPr id="22" name="Rectangle 21">
+              <a:extLst>
+                <a:ext uri="{FF2B5EF4-FFF2-40B4-BE49-F238E27FC236}">
+                  <a16:creationId xmlns:a16="http://schemas.microsoft.com/office/drawing/2014/main" id="{8B2AEFF0-F2FD-494E-8E16-FE56FD32053D}"/>
+                </a:ext>
+              </a:extLst>
+            </p:cNvPr>
+            <p:cNvSpPr/>
+            <p:nvPr/>
+          </p:nvSpPr>
+          <p:spPr>
+            <a:xfrm>
+              <a:off x="6447687" y="1084385"/>
+              <a:ext cx="1858114" cy="5249017"/>
+            </a:xfrm>
+            <a:prstGeom prst="rect">
+              <a:avLst/>
+            </a:prstGeom>
+            <a:solidFill>
+              <a:schemeClr val="bg1"/>
+            </a:solidFill>
+          </p:spPr>
+          <p:style>
+            <a:lnRef idx="2">
+              <a:schemeClr val="dk1"/>
+            </a:lnRef>
+            <a:fillRef idx="1">
+              <a:schemeClr val="lt1"/>
+            </a:fillRef>
+            <a:effectRef idx="0">
+              <a:schemeClr val="dk1"/>
+            </a:effectRef>
+            <a:fontRef idx="minor">
+              <a:schemeClr val="dk1"/>
+            </a:fontRef>
+          </p:style>
+          <p:txBody>
+            <a:bodyPr rtlCol="0" anchor="t"/>
+            <a:lstStyle/>
+            <a:p>
+              <a:pPr algn="ctr"/>
+              <a:r>
+                <a:rPr lang="en-US" sz="1400" dirty="0"/>
+                <a:t>CAN Message Creator Thread</a:t>
+              </a:r>
+            </a:p>
+            <a:p>
+              <a:pPr algn="ctr"/>
+              <a:endParaRPr lang="en-US" sz="1400" dirty="0"/>
+            </a:p>
+          </p:txBody>
+        </p:sp>
+        <p:sp>
+          <p:nvSpPr>
+            <p:cNvPr id="23" name="Rectangle 22">
+              <a:extLst>
+                <a:ext uri="{FF2B5EF4-FFF2-40B4-BE49-F238E27FC236}">
+                  <a16:creationId xmlns:a16="http://schemas.microsoft.com/office/drawing/2014/main" id="{C451255A-1CF1-435E-A04A-B742256FD03A}"/>
+                </a:ext>
+              </a:extLst>
+            </p:cNvPr>
+            <p:cNvSpPr/>
+            <p:nvPr/>
+          </p:nvSpPr>
+          <p:spPr>
+            <a:xfrm>
+              <a:off x="6682147" y="1670539"/>
+              <a:ext cx="1483683" cy="671176"/>
+            </a:xfrm>
+            <a:prstGeom prst="rect">
+              <a:avLst/>
+            </a:prstGeom>
+            <a:solidFill>
+              <a:schemeClr val="bg1"/>
+            </a:solidFill>
+          </p:spPr>
+          <p:style>
+            <a:lnRef idx="2">
+              <a:schemeClr val="dk1"/>
+            </a:lnRef>
+            <a:fillRef idx="1">
+              <a:schemeClr val="lt1"/>
+            </a:fillRef>
+            <a:effectRef idx="0">
+              <a:schemeClr val="dk1"/>
+            </a:effectRef>
+            <a:fontRef idx="minor">
+              <a:schemeClr val="dk1"/>
+            </a:fontRef>
+          </p:style>
+          <p:txBody>
+            <a:bodyPr rtlCol="0" anchor="ctr"/>
+            <a:lstStyle/>
+            <a:p>
+              <a:pPr algn="ctr"/>
+              <a:r>
+                <a:rPr lang="en-US" sz="1400" dirty="0"/>
+                <a:t>Initialization</a:t>
+              </a:r>
+            </a:p>
+          </p:txBody>
+        </p:sp>
+        <p:sp>
+          <p:nvSpPr>
+            <p:cNvPr id="24" name="Arrow: Curved Down 23">
+              <a:extLst>
+                <a:ext uri="{FF2B5EF4-FFF2-40B4-BE49-F238E27FC236}">
+                  <a16:creationId xmlns:a16="http://schemas.microsoft.com/office/drawing/2014/main" id="{BD5AE2E1-5CE6-4206-80FF-0BE42DF84170}"/>
+                </a:ext>
+              </a:extLst>
+            </p:cNvPr>
+            <p:cNvSpPr/>
+            <p:nvPr/>
+          </p:nvSpPr>
+          <p:spPr>
+            <a:xfrm rot="10800000">
+              <a:off x="6545975" y="5229437"/>
+              <a:ext cx="1661537" cy="991370"/>
+            </a:xfrm>
+            <a:prstGeom prst="curvedDownArrow">
+              <a:avLst/>
+            </a:prstGeom>
+            <a:solidFill>
+              <a:schemeClr val="bg1"/>
+            </a:solidFill>
+          </p:spPr>
+          <p:style>
+            <a:lnRef idx="2">
+              <a:schemeClr val="dk1"/>
+            </a:lnRef>
+            <a:fillRef idx="1">
+              <a:schemeClr val="lt1"/>
+            </a:fillRef>
+            <a:effectRef idx="0">
+              <a:schemeClr val="dk1"/>
+            </a:effectRef>
+            <a:fontRef idx="minor">
+              <a:schemeClr val="dk1"/>
+            </a:fontRef>
+          </p:style>
+          <p:txBody>
+            <a:bodyPr rtlCol="0" anchor="ctr"/>
+            <a:lstStyle/>
+            <a:p>
+              <a:pPr algn="ctr"/>
+              <a:endParaRPr lang="en-US" sz="1400" dirty="0">
+                <a:solidFill>
+                  <a:schemeClr val="tx1"/>
+                </a:solidFill>
+              </a:endParaRPr>
+            </a:p>
+          </p:txBody>
+        </p:sp>
+        <p:sp>
+          <p:nvSpPr>
+            <p:cNvPr id="25" name="Arrow: Curved Down 24">
+              <a:extLst>
+                <a:ext uri="{FF2B5EF4-FFF2-40B4-BE49-F238E27FC236}">
+                  <a16:creationId xmlns:a16="http://schemas.microsoft.com/office/drawing/2014/main" id="{936AF206-A34A-4666-B69D-DF2ED3A135B2}"/>
+                </a:ext>
+              </a:extLst>
+            </p:cNvPr>
+            <p:cNvSpPr/>
+            <p:nvPr/>
+          </p:nvSpPr>
+          <p:spPr>
+            <a:xfrm>
+              <a:off x="6682148" y="2455867"/>
+              <a:ext cx="1550168" cy="897704"/>
+            </a:xfrm>
+            <a:prstGeom prst="curvedDownArrow">
+              <a:avLst/>
+            </a:prstGeom>
+            <a:solidFill>
+              <a:schemeClr val="bg1"/>
+            </a:solidFill>
+          </p:spPr>
+          <p:style>
+            <a:lnRef idx="2">
+              <a:schemeClr val="dk1"/>
+            </a:lnRef>
+            <a:fillRef idx="1">
+              <a:schemeClr val="lt1"/>
+            </a:fillRef>
+            <a:effectRef idx="0">
+              <a:schemeClr val="dk1"/>
+            </a:effectRef>
+            <a:fontRef idx="minor">
+              <a:schemeClr val="dk1"/>
+            </a:fontRef>
+          </p:style>
+          <p:txBody>
+            <a:bodyPr rtlCol="0" anchor="ctr"/>
+            <a:lstStyle/>
+            <a:p>
+              <a:pPr algn="ctr"/>
+              <a:endParaRPr lang="en-US" sz="1400" dirty="0">
+                <a:solidFill>
+                  <a:schemeClr val="tx1"/>
+                </a:solidFill>
+              </a:endParaRPr>
+            </a:p>
+          </p:txBody>
+        </p:sp>
+        <p:sp>
+          <p:nvSpPr>
+            <p:cNvPr id="26" name="Rectangle 25">
+              <a:extLst>
+                <a:ext uri="{FF2B5EF4-FFF2-40B4-BE49-F238E27FC236}">
+                  <a16:creationId xmlns:a16="http://schemas.microsoft.com/office/drawing/2014/main" id="{F5F57AAB-7C10-4931-98A5-72290C0F75CD}"/>
+                </a:ext>
+              </a:extLst>
+            </p:cNvPr>
+            <p:cNvSpPr/>
+            <p:nvPr/>
+          </p:nvSpPr>
+          <p:spPr>
+            <a:xfrm>
+              <a:off x="6664744" y="3540369"/>
+              <a:ext cx="1511475" cy="1527079"/>
+            </a:xfrm>
+            <a:prstGeom prst="rect">
+              <a:avLst/>
+            </a:prstGeom>
+            <a:solidFill>
+              <a:schemeClr val="bg1"/>
+            </a:solidFill>
+          </p:spPr>
+          <p:style>
+            <a:lnRef idx="2">
+              <a:schemeClr val="dk1"/>
+            </a:lnRef>
+            <a:fillRef idx="1">
+              <a:schemeClr val="lt1"/>
+            </a:fillRef>
+            <a:effectRef idx="0">
+              <a:schemeClr val="dk1"/>
+            </a:effectRef>
+            <a:fontRef idx="minor">
+              <a:schemeClr val="dk1"/>
+            </a:fontRef>
+          </p:style>
+          <p:txBody>
+            <a:bodyPr rtlCol="0" anchor="ctr"/>
+            <a:lstStyle/>
+            <a:p>
+              <a:pPr algn="ctr"/>
+              <a:r>
+                <a:rPr lang="en-US" sz="1000" dirty="0"/>
+                <a:t>Timer -&gt; create an array of CAN Messages to reflect the current Sensor States</a:t>
+              </a:r>
+            </a:p>
+            <a:p>
+              <a:pPr algn="ctr"/>
+              <a:endParaRPr lang="en-US" sz="1000" dirty="0"/>
+            </a:p>
+            <a:p>
+              <a:pPr algn="ctr"/>
+              <a:r>
+                <a:rPr lang="en-US" sz="1000" dirty="0"/>
+                <a:t>Sleep Till Timer Event</a:t>
+              </a:r>
+            </a:p>
+          </p:txBody>
+        </p:sp>
+        <p:cxnSp>
+          <p:nvCxnSpPr>
+            <p:cNvPr id="27" name="Connector: Elbow 26">
+              <a:extLst>
+                <a:ext uri="{FF2B5EF4-FFF2-40B4-BE49-F238E27FC236}">
+                  <a16:creationId xmlns:a16="http://schemas.microsoft.com/office/drawing/2014/main" id="{D41FB87C-DDF6-4527-A79A-A1E53C86AD08}"/>
+                </a:ext>
+              </a:extLst>
+            </p:cNvPr>
+            <p:cNvCxnSpPr>
+              <a:cxnSpLocks/>
+              <a:stCxn id="17" idx="3"/>
+              <a:endCxn id="26" idx="1"/>
+            </p:cNvCxnSpPr>
+            <p:nvPr/>
+          </p:nvCxnSpPr>
+          <p:spPr>
+            <a:xfrm>
+              <a:off x="6018465" y="2964162"/>
+              <a:ext cx="646279" cy="1339747"/>
+            </a:xfrm>
+            <a:prstGeom prst="bentConnector3">
+              <a:avLst/>
+            </a:prstGeom>
+            <a:ln>
+              <a:tailEnd type="triangle"/>
+            </a:ln>
+          </p:spPr>
+          <p:style>
+            <a:lnRef idx="2">
+              <a:schemeClr val="dk1"/>
+            </a:lnRef>
+            <a:fillRef idx="1">
+              <a:schemeClr val="lt1"/>
+            </a:fillRef>
+            <a:effectRef idx="0">
+              <a:schemeClr val="dk1"/>
+            </a:effectRef>
+            <a:fontRef idx="minor">
+              <a:schemeClr val="dk1"/>
+            </a:fontRef>
+          </p:style>
+        </p:cxnSp>
+        <p:sp>
+          <p:nvSpPr>
+            <p:cNvPr id="28" name="Rectangle 27">
+              <a:extLst>
+                <a:ext uri="{FF2B5EF4-FFF2-40B4-BE49-F238E27FC236}">
+                  <a16:creationId xmlns:a16="http://schemas.microsoft.com/office/drawing/2014/main" id="{1F27DD80-9ECB-4C29-BAF3-5DF467AA7C7A}"/>
+                </a:ext>
+              </a:extLst>
+            </p:cNvPr>
+            <p:cNvSpPr/>
+            <p:nvPr/>
+          </p:nvSpPr>
+          <p:spPr>
+            <a:xfrm>
+              <a:off x="8658032" y="1758461"/>
+              <a:ext cx="1291786" cy="2855656"/>
+            </a:xfrm>
+            <a:prstGeom prst="rect">
+              <a:avLst/>
+            </a:prstGeom>
+            <a:solidFill>
+              <a:schemeClr val="bg1"/>
+            </a:solidFill>
+          </p:spPr>
+          <p:style>
+            <a:lnRef idx="2">
+              <a:schemeClr val="dk1"/>
+            </a:lnRef>
+            <a:fillRef idx="1">
+              <a:schemeClr val="lt1"/>
+            </a:fillRef>
+            <a:effectRef idx="0">
+              <a:schemeClr val="dk1"/>
+            </a:effectRef>
+            <a:fontRef idx="minor">
+              <a:schemeClr val="dk1"/>
+            </a:fontRef>
+          </p:style>
+          <p:txBody>
+            <a:bodyPr rtlCol="0" anchor="t"/>
+            <a:lstStyle/>
+            <a:p>
+              <a:pPr algn="ctr"/>
+              <a:r>
+                <a:rPr lang="en-US" sz="1400" dirty="0"/>
+                <a:t>CAN Message Queue Class</a:t>
+              </a:r>
+            </a:p>
+          </p:txBody>
+        </p:sp>
+        <p:sp>
+          <p:nvSpPr>
+            <p:cNvPr id="29" name="Rectangle 28">
+              <a:extLst>
+                <a:ext uri="{FF2B5EF4-FFF2-40B4-BE49-F238E27FC236}">
+                  <a16:creationId xmlns:a16="http://schemas.microsoft.com/office/drawing/2014/main" id="{96148C68-DB5F-42B2-BE3A-53A7D032D993}"/>
+                </a:ext>
+              </a:extLst>
+            </p:cNvPr>
+            <p:cNvSpPr/>
+            <p:nvPr/>
+          </p:nvSpPr>
+          <p:spPr>
+            <a:xfrm>
+              <a:off x="8792847" y="2379784"/>
+              <a:ext cx="1053087" cy="584375"/>
+            </a:xfrm>
+            <a:prstGeom prst="rect">
+              <a:avLst/>
+            </a:prstGeom>
+            <a:solidFill>
+              <a:schemeClr val="bg1"/>
+            </a:solidFill>
+          </p:spPr>
+          <p:style>
+            <a:lnRef idx="2">
+              <a:schemeClr val="dk1"/>
+            </a:lnRef>
+            <a:fillRef idx="1">
+              <a:schemeClr val="lt1"/>
+            </a:fillRef>
+            <a:effectRef idx="0">
+              <a:schemeClr val="dk1"/>
+            </a:effectRef>
+            <a:fontRef idx="minor">
+              <a:schemeClr val="dk1"/>
+            </a:fontRef>
+          </p:style>
+          <p:txBody>
+            <a:bodyPr rtlCol="0" anchor="ctr"/>
+            <a:lstStyle/>
+            <a:p>
+              <a:pPr algn="ctr"/>
+              <a:r>
+                <a:rPr lang="en-US" sz="1400" dirty="0"/>
+                <a:t>Data Lock</a:t>
+              </a:r>
+            </a:p>
+          </p:txBody>
+        </p:sp>
+        <p:cxnSp>
+          <p:nvCxnSpPr>
+            <p:cNvPr id="30" name="Straight Arrow Connector 29">
+              <a:extLst>
+                <a:ext uri="{FF2B5EF4-FFF2-40B4-BE49-F238E27FC236}">
+                  <a16:creationId xmlns:a16="http://schemas.microsoft.com/office/drawing/2014/main" id="{A92B1FAF-8949-4D82-A916-9B0FEEE7C5C3}"/>
+                </a:ext>
+              </a:extLst>
+            </p:cNvPr>
+            <p:cNvCxnSpPr>
+              <a:cxnSpLocks/>
+            </p:cNvCxnSpPr>
+            <p:nvPr/>
+          </p:nvCxnSpPr>
+          <p:spPr>
+            <a:xfrm>
+              <a:off x="9343832" y="2842546"/>
+              <a:ext cx="0" cy="243226"/>
+            </a:xfrm>
+            <a:prstGeom prst="straightConnector1">
+              <a:avLst/>
+            </a:prstGeom>
+            <a:ln>
+              <a:tailEnd type="triangle"/>
+            </a:ln>
+          </p:spPr>
+          <p:style>
+            <a:lnRef idx="2">
+              <a:schemeClr val="dk1"/>
+            </a:lnRef>
+            <a:fillRef idx="1">
+              <a:schemeClr val="lt1"/>
+            </a:fillRef>
+            <a:effectRef idx="0">
+              <a:schemeClr val="dk1"/>
+            </a:effectRef>
+            <a:fontRef idx="minor">
+              <a:schemeClr val="dk1"/>
+            </a:fontRef>
+          </p:style>
+        </p:cxnSp>
+        <p:sp>
+          <p:nvSpPr>
+            <p:cNvPr id="31" name="Cylinder 30">
+              <a:extLst>
+                <a:ext uri="{FF2B5EF4-FFF2-40B4-BE49-F238E27FC236}">
+                  <a16:creationId xmlns:a16="http://schemas.microsoft.com/office/drawing/2014/main" id="{95E37879-666B-4015-95B9-E53A30A82D65}"/>
+                </a:ext>
+              </a:extLst>
+            </p:cNvPr>
+            <p:cNvSpPr/>
+            <p:nvPr/>
+          </p:nvSpPr>
+          <p:spPr>
+            <a:xfrm>
+              <a:off x="8910078" y="3127970"/>
+              <a:ext cx="867507" cy="1307123"/>
+            </a:xfrm>
+            <a:prstGeom prst="can">
+              <a:avLst/>
+            </a:prstGeom>
+            <a:solidFill>
+              <a:schemeClr val="bg1"/>
+            </a:solidFill>
+          </p:spPr>
+          <p:style>
+            <a:lnRef idx="2">
+              <a:schemeClr val="dk1"/>
+            </a:lnRef>
+            <a:fillRef idx="1">
+              <a:schemeClr val="lt1"/>
+            </a:fillRef>
+            <a:effectRef idx="0">
+              <a:schemeClr val="dk1"/>
+            </a:effectRef>
+            <a:fontRef idx="minor">
+              <a:schemeClr val="dk1"/>
+            </a:fontRef>
+          </p:style>
+          <p:txBody>
+            <a:bodyPr rtlCol="0" anchor="ctr"/>
+            <a:lstStyle/>
+            <a:p>
+              <a:pPr algn="ctr"/>
+              <a:r>
+                <a:rPr lang="en-US" sz="1400" dirty="0"/>
+                <a:t>CAN Message Fifo</a:t>
+              </a:r>
+            </a:p>
+          </p:txBody>
+        </p:sp>
+        <p:sp>
+          <p:nvSpPr>
+            <p:cNvPr id="32" name="Rectangle 31">
+              <a:extLst>
+                <a:ext uri="{FF2B5EF4-FFF2-40B4-BE49-F238E27FC236}">
+                  <a16:creationId xmlns:a16="http://schemas.microsoft.com/office/drawing/2014/main" id="{27FE5197-5B7C-4C81-8616-8D8B4C78B3CC}"/>
+                </a:ext>
+              </a:extLst>
+            </p:cNvPr>
+            <p:cNvSpPr/>
+            <p:nvPr/>
+          </p:nvSpPr>
+          <p:spPr>
+            <a:xfrm>
+              <a:off x="10217114" y="1078524"/>
+              <a:ext cx="1858114" cy="4259246"/>
+            </a:xfrm>
+            <a:prstGeom prst="rect">
+              <a:avLst/>
+            </a:prstGeom>
+            <a:solidFill>
+              <a:schemeClr val="bg1"/>
+            </a:solidFill>
+          </p:spPr>
+          <p:style>
+            <a:lnRef idx="2">
+              <a:schemeClr val="dk1"/>
+            </a:lnRef>
+            <a:fillRef idx="1">
+              <a:schemeClr val="lt1"/>
+            </a:fillRef>
+            <a:effectRef idx="0">
+              <a:schemeClr val="dk1"/>
+            </a:effectRef>
+            <a:fontRef idx="minor">
+              <a:schemeClr val="dk1"/>
+            </a:fontRef>
+          </p:style>
+          <p:txBody>
+            <a:bodyPr rtlCol="0" anchor="t"/>
+            <a:lstStyle/>
+            <a:p>
+              <a:pPr algn="ctr"/>
+              <a:r>
+                <a:rPr lang="en-US" sz="1400" dirty="0"/>
+                <a:t>CANager Thread</a:t>
+              </a:r>
+            </a:p>
+            <a:p>
+              <a:pPr algn="ctr"/>
+              <a:endParaRPr lang="en-US" sz="1400" dirty="0"/>
+            </a:p>
+          </p:txBody>
+        </p:sp>
+        <p:sp>
+          <p:nvSpPr>
+            <p:cNvPr id="33" name="Rectangle 32">
+              <a:extLst>
+                <a:ext uri="{FF2B5EF4-FFF2-40B4-BE49-F238E27FC236}">
+                  <a16:creationId xmlns:a16="http://schemas.microsoft.com/office/drawing/2014/main" id="{C7D29A94-9930-4F36-8584-F0AD64BD4EE4}"/>
+                </a:ext>
+              </a:extLst>
+            </p:cNvPr>
+            <p:cNvSpPr/>
+            <p:nvPr/>
+          </p:nvSpPr>
+          <p:spPr>
+            <a:xfrm>
+              <a:off x="10451574" y="1664677"/>
+              <a:ext cx="1483683" cy="671176"/>
+            </a:xfrm>
+            <a:prstGeom prst="rect">
+              <a:avLst/>
+            </a:prstGeom>
+            <a:solidFill>
+              <a:schemeClr val="bg1"/>
+            </a:solidFill>
+          </p:spPr>
+          <p:style>
+            <a:lnRef idx="2">
+              <a:schemeClr val="dk1"/>
+            </a:lnRef>
+            <a:fillRef idx="1">
+              <a:schemeClr val="lt1"/>
+            </a:fillRef>
+            <a:effectRef idx="0">
+              <a:schemeClr val="dk1"/>
+            </a:effectRef>
+            <a:fontRef idx="minor">
+              <a:schemeClr val="dk1"/>
+            </a:fontRef>
+          </p:style>
+          <p:txBody>
+            <a:bodyPr rtlCol="0" anchor="ctr"/>
+            <a:lstStyle/>
+            <a:p>
+              <a:pPr algn="ctr"/>
+              <a:r>
+                <a:rPr lang="en-US" sz="1400" dirty="0"/>
+                <a:t>Initialization</a:t>
+              </a:r>
+            </a:p>
+          </p:txBody>
+        </p:sp>
+        <p:sp>
+          <p:nvSpPr>
+            <p:cNvPr id="34" name="Arrow: Curved Down 33">
+              <a:extLst>
+                <a:ext uri="{FF2B5EF4-FFF2-40B4-BE49-F238E27FC236}">
+                  <a16:creationId xmlns:a16="http://schemas.microsoft.com/office/drawing/2014/main" id="{536C7ADC-D44D-422B-97D5-E6B4A6F7E53B}"/>
+                </a:ext>
+              </a:extLst>
+            </p:cNvPr>
+            <p:cNvSpPr/>
+            <p:nvPr/>
+          </p:nvSpPr>
+          <p:spPr>
+            <a:xfrm rot="10800000">
+              <a:off x="10320998" y="4691936"/>
+              <a:ext cx="1661537" cy="467979"/>
+            </a:xfrm>
+            <a:prstGeom prst="curvedDownArrow">
+              <a:avLst/>
+            </a:prstGeom>
+            <a:solidFill>
+              <a:schemeClr val="bg1"/>
+            </a:solidFill>
+          </p:spPr>
+          <p:style>
+            <a:lnRef idx="2">
+              <a:schemeClr val="dk1"/>
+            </a:lnRef>
+            <a:fillRef idx="1">
+              <a:schemeClr val="lt1"/>
+            </a:fillRef>
+            <a:effectRef idx="0">
+              <a:schemeClr val="dk1"/>
+            </a:effectRef>
+            <a:fontRef idx="minor">
+              <a:schemeClr val="dk1"/>
+            </a:fontRef>
+          </p:style>
+          <p:txBody>
+            <a:bodyPr rtlCol="0" anchor="ctr"/>
+            <a:lstStyle/>
+            <a:p>
+              <a:pPr algn="ctr"/>
+              <a:endParaRPr lang="en-US" sz="1400" dirty="0">
+                <a:solidFill>
+                  <a:schemeClr val="tx1"/>
+                </a:solidFill>
+              </a:endParaRPr>
+            </a:p>
+          </p:txBody>
+        </p:sp>
+        <p:sp>
+          <p:nvSpPr>
+            <p:cNvPr id="35" name="Arrow: Curved Down 34">
+              <a:extLst>
+                <a:ext uri="{FF2B5EF4-FFF2-40B4-BE49-F238E27FC236}">
+                  <a16:creationId xmlns:a16="http://schemas.microsoft.com/office/drawing/2014/main" id="{3BC3D05B-DE82-4B02-B1EF-12DD0301740E}"/>
+                </a:ext>
+              </a:extLst>
+            </p:cNvPr>
+            <p:cNvSpPr/>
+            <p:nvPr/>
+          </p:nvSpPr>
+          <p:spPr>
+            <a:xfrm>
+              <a:off x="10451575" y="2450005"/>
+              <a:ext cx="1550168" cy="472001"/>
+            </a:xfrm>
+            <a:prstGeom prst="curvedDownArrow">
+              <a:avLst/>
+            </a:prstGeom>
+            <a:solidFill>
+              <a:schemeClr val="bg1"/>
+            </a:solidFill>
+          </p:spPr>
+          <p:style>
+            <a:lnRef idx="2">
+              <a:schemeClr val="dk1"/>
+            </a:lnRef>
+            <a:fillRef idx="1">
+              <a:schemeClr val="lt1"/>
+            </a:fillRef>
+            <a:effectRef idx="0">
+              <a:schemeClr val="dk1"/>
+            </a:effectRef>
+            <a:fontRef idx="minor">
+              <a:schemeClr val="dk1"/>
+            </a:fontRef>
+          </p:style>
+          <p:txBody>
+            <a:bodyPr rtlCol="0" anchor="ctr"/>
+            <a:lstStyle/>
+            <a:p>
+              <a:pPr algn="ctr"/>
+              <a:endParaRPr lang="en-US" sz="1400" dirty="0">
+                <a:solidFill>
+                  <a:schemeClr val="tx1"/>
+                </a:solidFill>
+              </a:endParaRPr>
+            </a:p>
+          </p:txBody>
+        </p:sp>
+        <p:sp>
+          <p:nvSpPr>
+            <p:cNvPr id="36" name="Rectangle 35">
+              <a:extLst>
+                <a:ext uri="{FF2B5EF4-FFF2-40B4-BE49-F238E27FC236}">
+                  <a16:creationId xmlns:a16="http://schemas.microsoft.com/office/drawing/2014/main" id="{D5AF157C-D84E-4D0B-A289-34651F997AAC}"/>
+                </a:ext>
+              </a:extLst>
+            </p:cNvPr>
+            <p:cNvSpPr/>
+            <p:nvPr/>
+          </p:nvSpPr>
+          <p:spPr>
+            <a:xfrm>
+              <a:off x="10437677" y="3016174"/>
+              <a:ext cx="1511475" cy="1527079"/>
+            </a:xfrm>
+            <a:prstGeom prst="rect">
+              <a:avLst/>
+            </a:prstGeom>
+            <a:solidFill>
+              <a:schemeClr val="bg1"/>
+            </a:solidFill>
+          </p:spPr>
+          <p:style>
+            <a:lnRef idx="2">
+              <a:schemeClr val="dk1"/>
+            </a:lnRef>
+            <a:fillRef idx="1">
+              <a:schemeClr val="lt1"/>
+            </a:fillRef>
+            <a:effectRef idx="0">
+              <a:schemeClr val="dk1"/>
+            </a:effectRef>
+            <a:fontRef idx="minor">
+              <a:schemeClr val="dk1"/>
+            </a:fontRef>
+          </p:style>
+          <p:txBody>
+            <a:bodyPr rtlCol="0" anchor="ctr"/>
+            <a:lstStyle/>
+            <a:p>
+              <a:pPr algn="ctr"/>
+              <a:r>
+                <a:rPr lang="en-US" sz="1000" dirty="0"/>
+                <a:t>Timer -&gt; send CAN the next CAN message once the CAN bus is available</a:t>
+              </a:r>
+            </a:p>
+            <a:p>
+              <a:pPr algn="ctr"/>
+              <a:endParaRPr lang="en-US" sz="1000" dirty="0"/>
+            </a:p>
+            <a:p>
+              <a:pPr algn="ctr"/>
+              <a:r>
+                <a:rPr lang="en-US" sz="1000" dirty="0"/>
+                <a:t>Sleep Till Timer Event</a:t>
+              </a:r>
+            </a:p>
+          </p:txBody>
+        </p:sp>
+        <p:cxnSp>
+          <p:nvCxnSpPr>
+            <p:cNvPr id="37" name="Connector: Elbow 36">
+              <a:extLst>
+                <a:ext uri="{FF2B5EF4-FFF2-40B4-BE49-F238E27FC236}">
+                  <a16:creationId xmlns:a16="http://schemas.microsoft.com/office/drawing/2014/main" id="{17CEC1EA-E6F7-4285-A1EB-D250BDE6B267}"/>
+                </a:ext>
+              </a:extLst>
+            </p:cNvPr>
+            <p:cNvCxnSpPr>
+              <a:endCxn id="31" idx="0"/>
+            </p:cNvCxnSpPr>
+            <p:nvPr/>
+          </p:nvCxnSpPr>
+          <p:spPr>
+            <a:xfrm flipV="1">
+              <a:off x="8207512" y="3344847"/>
+              <a:ext cx="1136320" cy="959062"/>
+            </a:xfrm>
+            <a:prstGeom prst="bentConnector4">
+              <a:avLst>
+                <a:gd name="adj1" fmla="val 30914"/>
+                <a:gd name="adj2" fmla="val 151338"/>
+              </a:avLst>
+            </a:prstGeom>
+            <a:ln>
+              <a:tailEnd type="triangle"/>
+            </a:ln>
+          </p:spPr>
+          <p:style>
+            <a:lnRef idx="2">
+              <a:schemeClr val="dk1"/>
+            </a:lnRef>
+            <a:fillRef idx="1">
+              <a:schemeClr val="lt1"/>
+            </a:fillRef>
+            <a:effectRef idx="0">
+              <a:schemeClr val="dk1"/>
+            </a:effectRef>
+            <a:fontRef idx="minor">
+              <a:schemeClr val="dk1"/>
+            </a:fontRef>
+          </p:style>
+        </p:cxnSp>
+        <p:cxnSp>
+          <p:nvCxnSpPr>
+            <p:cNvPr id="38" name="Connector: Elbow 37">
+              <a:extLst>
+                <a:ext uri="{FF2B5EF4-FFF2-40B4-BE49-F238E27FC236}">
+                  <a16:creationId xmlns:a16="http://schemas.microsoft.com/office/drawing/2014/main" id="{52F43E3C-F638-4303-B45F-AEE232FA0D4C}"/>
+                </a:ext>
+              </a:extLst>
+            </p:cNvPr>
+            <p:cNvCxnSpPr>
+              <a:stCxn id="31" idx="3"/>
+              <a:endCxn id="36" idx="1"/>
+            </p:cNvCxnSpPr>
+            <p:nvPr/>
+          </p:nvCxnSpPr>
+          <p:spPr>
+            <a:xfrm rot="5400000" flipH="1" flipV="1">
+              <a:off x="9563064" y="3560481"/>
+              <a:ext cx="655379" cy="1093845"/>
+            </a:xfrm>
+            <a:prstGeom prst="bentConnector4">
+              <a:avLst>
+                <a:gd name="adj1" fmla="val -34881"/>
+                <a:gd name="adj2" fmla="val 69827"/>
+              </a:avLst>
+            </a:prstGeom>
+            <a:ln>
+              <a:tailEnd type="triangle"/>
+            </a:ln>
+          </p:spPr>
+          <p:style>
+            <a:lnRef idx="2">
+              <a:schemeClr val="dk1"/>
+            </a:lnRef>
+            <a:fillRef idx="1">
+              <a:schemeClr val="lt1"/>
+            </a:fillRef>
+            <a:effectRef idx="0">
+              <a:schemeClr val="dk1"/>
+            </a:effectRef>
+            <a:fontRef idx="minor">
+              <a:schemeClr val="dk1"/>
+            </a:fontRef>
+          </p:style>
+        </p:cxnSp>
+        <p:cxnSp>
+          <p:nvCxnSpPr>
+            <p:cNvPr id="39" name="Straight Arrow Connector 38">
+              <a:extLst>
+                <a:ext uri="{FF2B5EF4-FFF2-40B4-BE49-F238E27FC236}">
+                  <a16:creationId xmlns:a16="http://schemas.microsoft.com/office/drawing/2014/main" id="{61B54BAC-030F-4807-A112-246A4AC7135C}"/>
+                </a:ext>
+              </a:extLst>
+            </p:cNvPr>
+            <p:cNvCxnSpPr>
+              <a:stCxn id="36" idx="2"/>
+            </p:cNvCxnSpPr>
+            <p:nvPr/>
+          </p:nvCxnSpPr>
+          <p:spPr>
+            <a:xfrm>
+              <a:off x="11193415" y="4543253"/>
+              <a:ext cx="7985" cy="1365178"/>
+            </a:xfrm>
+            <a:prstGeom prst="straightConnector1">
+              <a:avLst/>
+            </a:prstGeom>
+            <a:ln>
+              <a:tailEnd type="triangle"/>
+            </a:ln>
+          </p:spPr>
+          <p:style>
+            <a:lnRef idx="2">
+              <a:schemeClr val="dk1"/>
+            </a:lnRef>
+            <a:fillRef idx="1">
+              <a:schemeClr val="lt1"/>
+            </a:fillRef>
+            <a:effectRef idx="0">
+              <a:schemeClr val="dk1"/>
+            </a:effectRef>
+            <a:fontRef idx="minor">
+              <a:schemeClr val="dk1"/>
+            </a:fontRef>
+          </p:style>
+        </p:cxnSp>
+        <p:sp>
+          <p:nvSpPr>
+            <p:cNvPr id="40" name="TextBox 39">
+              <a:extLst>
+                <a:ext uri="{FF2B5EF4-FFF2-40B4-BE49-F238E27FC236}">
+                  <a16:creationId xmlns:a16="http://schemas.microsoft.com/office/drawing/2014/main" id="{7D1FE6C7-852E-4307-A5D8-C5EF250ED9E5}"/>
+                </a:ext>
+              </a:extLst>
+            </p:cNvPr>
+            <p:cNvSpPr txBox="1"/>
+            <p:nvPr/>
+          </p:nvSpPr>
+          <p:spPr>
+            <a:xfrm>
+              <a:off x="10477868" y="5865367"/>
+              <a:ext cx="1497581" cy="923330"/>
+            </a:xfrm>
+            <a:prstGeom prst="rect">
+              <a:avLst/>
+            </a:prstGeom>
+            <a:solidFill>
+              <a:schemeClr val="bg1"/>
+            </a:solidFill>
+          </p:spPr>
+          <p:style>
+            <a:lnRef idx="2">
+              <a:schemeClr val="dk1"/>
+            </a:lnRef>
+            <a:fillRef idx="1">
+              <a:schemeClr val="lt1"/>
+            </a:fillRef>
+            <a:effectRef idx="0">
+              <a:schemeClr val="dk1"/>
+            </a:effectRef>
+            <a:fontRef idx="minor">
+              <a:schemeClr val="dk1"/>
+            </a:fontRef>
+          </p:style>
+          <p:txBody>
+            <a:bodyPr wrap="square" rtlCol="0">
+              <a:spAutoFit/>
+            </a:bodyPr>
+            <a:lstStyle/>
+            <a:p>
+              <a:pPr algn="ctr"/>
+              <a:r>
+                <a:rPr lang="en-US" dirty="0"/>
+                <a:t>Sensor Data Output on CAN BUS</a:t>
+              </a:r>
+            </a:p>
+          </p:txBody>
+        </p:sp>
+      </p:grpSp>
+    </p:spTree>
+    <p:extLst>
+      <p:ext uri="{BB962C8B-B14F-4D97-AF65-F5344CB8AC3E}">
+        <p14:creationId xmlns:p14="http://schemas.microsoft.com/office/powerpoint/2010/main" val="2228717140"/>
       </p:ext>
     </p:extLst>
   </p:cSld>

--- a/new_acquisition/nucleo data flow and sw structure.pptx
+++ b/new_acquisition/nucleo data flow and sw structure.pptx
@@ -264,7 +264,7 @@
           <a:p>
             <a:fld id="{952D8749-70C6-48E7-AB63-DFF662370668}" type="datetimeFigureOut">
               <a:rPr lang="en-US" smtClean="0"/>
-              <a:t>10/11/2017</a:t>
+              <a:t>10/29/2017</a:t>
             </a:fld>
             <a:endParaRPr lang="en-US" dirty="0"/>
           </a:p>
@@ -462,7 +462,7 @@
           <a:p>
             <a:fld id="{952D8749-70C6-48E7-AB63-DFF662370668}" type="datetimeFigureOut">
               <a:rPr lang="en-US" smtClean="0"/>
-              <a:t>10/11/2017</a:t>
+              <a:t>10/29/2017</a:t>
             </a:fld>
             <a:endParaRPr lang="en-US" dirty="0"/>
           </a:p>
@@ -670,7 +670,7 @@
           <a:p>
             <a:fld id="{952D8749-70C6-48E7-AB63-DFF662370668}" type="datetimeFigureOut">
               <a:rPr lang="en-US" smtClean="0"/>
-              <a:t>10/11/2017</a:t>
+              <a:t>10/29/2017</a:t>
             </a:fld>
             <a:endParaRPr lang="en-US" dirty="0"/>
           </a:p>
@@ -868,7 +868,7 @@
           <a:p>
             <a:fld id="{952D8749-70C6-48E7-AB63-DFF662370668}" type="datetimeFigureOut">
               <a:rPr lang="en-US" smtClean="0"/>
-              <a:t>10/11/2017</a:t>
+              <a:t>10/29/2017</a:t>
             </a:fld>
             <a:endParaRPr lang="en-US" dirty="0"/>
           </a:p>
@@ -1143,7 +1143,7 @@
           <a:p>
             <a:fld id="{952D8749-70C6-48E7-AB63-DFF662370668}" type="datetimeFigureOut">
               <a:rPr lang="en-US" smtClean="0"/>
-              <a:t>10/11/2017</a:t>
+              <a:t>10/29/2017</a:t>
             </a:fld>
             <a:endParaRPr lang="en-US" dirty="0"/>
           </a:p>
@@ -1408,7 +1408,7 @@
           <a:p>
             <a:fld id="{952D8749-70C6-48E7-AB63-DFF662370668}" type="datetimeFigureOut">
               <a:rPr lang="en-US" smtClean="0"/>
-              <a:t>10/11/2017</a:t>
+              <a:t>10/29/2017</a:t>
             </a:fld>
             <a:endParaRPr lang="en-US" dirty="0"/>
           </a:p>
@@ -1820,7 +1820,7 @@
           <a:p>
             <a:fld id="{952D8749-70C6-48E7-AB63-DFF662370668}" type="datetimeFigureOut">
               <a:rPr lang="en-US" smtClean="0"/>
-              <a:t>10/11/2017</a:t>
+              <a:t>10/29/2017</a:t>
             </a:fld>
             <a:endParaRPr lang="en-US" dirty="0"/>
           </a:p>
@@ -1961,7 +1961,7 @@
           <a:p>
             <a:fld id="{952D8749-70C6-48E7-AB63-DFF662370668}" type="datetimeFigureOut">
               <a:rPr lang="en-US" smtClean="0"/>
-              <a:t>10/11/2017</a:t>
+              <a:t>10/29/2017</a:t>
             </a:fld>
             <a:endParaRPr lang="en-US" dirty="0"/>
           </a:p>
@@ -2074,7 +2074,7 @@
           <a:p>
             <a:fld id="{952D8749-70C6-48E7-AB63-DFF662370668}" type="datetimeFigureOut">
               <a:rPr lang="en-US" smtClean="0"/>
-              <a:t>10/11/2017</a:t>
+              <a:t>10/29/2017</a:t>
             </a:fld>
             <a:endParaRPr lang="en-US" dirty="0"/>
           </a:p>
@@ -2385,7 +2385,7 @@
           <a:p>
             <a:fld id="{952D8749-70C6-48E7-AB63-DFF662370668}" type="datetimeFigureOut">
               <a:rPr lang="en-US" smtClean="0"/>
-              <a:t>10/11/2017</a:t>
+              <a:t>10/29/2017</a:t>
             </a:fld>
             <a:endParaRPr lang="en-US" dirty="0"/>
           </a:p>
@@ -2673,7 +2673,7 @@
           <a:p>
             <a:fld id="{952D8749-70C6-48E7-AB63-DFF662370668}" type="datetimeFigureOut">
               <a:rPr lang="en-US" smtClean="0"/>
-              <a:t>10/11/2017</a:t>
+              <a:t>10/29/2017</a:t>
             </a:fld>
             <a:endParaRPr lang="en-US" dirty="0"/>
           </a:p>
@@ -2914,7 +2914,7 @@
           <a:p>
             <a:fld id="{952D8749-70C6-48E7-AB63-DFF662370668}" type="datetimeFigureOut">
               <a:rPr lang="en-US" smtClean="0"/>
-              <a:t>10/11/2017</a:t>
+              <a:t>10/29/2017</a:t>
             </a:fld>
             <a:endParaRPr lang="en-US" dirty="0"/>
           </a:p>
@@ -3361,7 +3361,7 @@
           <a:p>
             <a:r>
               <a:rPr lang="en-US" sz="3200" dirty="0"/>
-              <a:t>Nucleo Sensor Data S/W Structure</a:t>
+              <a:t>Nucleo Acquisition S/W Structure</a:t>
             </a:r>
           </a:p>
         </p:txBody>
@@ -3482,8 +3482,8 @@
         </p:nvSpPr>
         <p:spPr>
           <a:xfrm rot="10800000">
-            <a:off x="398551" y="5303565"/>
-            <a:ext cx="1661537" cy="991370"/>
+            <a:off x="398550" y="5590531"/>
+            <a:ext cx="1661537" cy="704404"/>
           </a:xfrm>
           <a:prstGeom prst="curvedDownArrow">
             <a:avLst/>
@@ -3533,7 +3533,7 @@
         <p:spPr>
           <a:xfrm>
             <a:off x="498225" y="2596661"/>
-            <a:ext cx="1661537" cy="991370"/>
+            <a:ext cx="1661537" cy="815313"/>
           </a:xfrm>
           <a:prstGeom prst="curvedDownArrow">
             <a:avLst/>
@@ -3570,55 +3570,6 @@
       </p:sp>
       <p:sp>
         <p:nvSpPr>
-          <p:cNvPr id="10" name="Rectangle 9">
-            <a:extLst>
-              <a:ext uri="{FF2B5EF4-FFF2-40B4-BE49-F238E27FC236}">
-                <a16:creationId xmlns:a16="http://schemas.microsoft.com/office/drawing/2014/main" id="{4DE9CD2F-89AC-402E-BB6B-1501B1895A54}"/>
-              </a:ext>
-            </a:extLst>
-          </p:cNvPr>
-          <p:cNvSpPr/>
-          <p:nvPr/>
-        </p:nvSpPr>
-        <p:spPr>
-          <a:xfrm>
-            <a:off x="451167" y="3753693"/>
-            <a:ext cx="1539847" cy="1527079"/>
-          </a:xfrm>
-          <a:prstGeom prst="rect">
-            <a:avLst/>
-          </a:prstGeom>
-        </p:spPr>
-        <p:style>
-          <a:lnRef idx="2">
-            <a:schemeClr val="accent2">
-              <a:shade val="50000"/>
-            </a:schemeClr>
-          </a:lnRef>
-          <a:fillRef idx="1">
-            <a:schemeClr val="accent2"/>
-          </a:fillRef>
-          <a:effectRef idx="0">
-            <a:schemeClr val="accent2"/>
-          </a:effectRef>
-          <a:fontRef idx="minor">
-            <a:schemeClr val="lt1"/>
-          </a:fontRef>
-        </p:style>
-        <p:txBody>
-          <a:bodyPr rtlCol="0" anchor="ctr"/>
-          <a:lstStyle/>
-          <a:p>
-            <a:pPr algn="ctr"/>
-            <a:r>
-              <a:rPr lang="en-US" sz="1400" dirty="0"/>
-              <a:t>Internal Sensor Data Acquisition</a:t>
-            </a:r>
-          </a:p>
-        </p:txBody>
-      </p:sp>
-      <p:sp>
-        <p:nvSpPr>
           <p:cNvPr id="11" name="Rectangle 10">
             <a:extLst>
               <a:ext uri="{FF2B5EF4-FFF2-40B4-BE49-F238E27FC236}">
@@ -3917,11 +3868,15 @@
         </p:nvSpPr>
         <p:spPr>
           <a:xfrm>
-            <a:off x="2894983" y="2971613"/>
-            <a:ext cx="1554204" cy="914597"/>
+            <a:off x="2894983" y="2971614"/>
+            <a:ext cx="1554204" cy="381957"/>
           </a:xfrm>
           <a:prstGeom prst="curvedDownArrow">
-            <a:avLst/>
+            <a:avLst>
+              <a:gd name="adj1" fmla="val 32994"/>
+              <a:gd name="adj2" fmla="val 88519"/>
+              <a:gd name="adj3" fmla="val 42976"/>
+            </a:avLst>
           </a:prstGeom>
         </p:spPr>
         <p:style>
@@ -3955,73 +3910,6 @@
       </p:sp>
       <p:sp>
         <p:nvSpPr>
-          <p:cNvPr id="18" name="Rectangle 17">
-            <a:extLst>
-              <a:ext uri="{FF2B5EF4-FFF2-40B4-BE49-F238E27FC236}">
-                <a16:creationId xmlns:a16="http://schemas.microsoft.com/office/drawing/2014/main" id="{84BB9153-2594-4827-BD81-D2ABB2C7E645}"/>
-              </a:ext>
-            </a:extLst>
-          </p:cNvPr>
-          <p:cNvSpPr/>
-          <p:nvPr/>
-        </p:nvSpPr>
-        <p:spPr>
-          <a:xfrm>
-            <a:off x="2955082" y="3979799"/>
-            <a:ext cx="1440375" cy="1408821"/>
-          </a:xfrm>
-          <a:prstGeom prst="rect">
-            <a:avLst/>
-          </a:prstGeom>
-        </p:spPr>
-        <p:style>
-          <a:lnRef idx="2">
-            <a:schemeClr val="accent2">
-              <a:shade val="50000"/>
-            </a:schemeClr>
-          </a:lnRef>
-          <a:fillRef idx="1">
-            <a:schemeClr val="accent2"/>
-          </a:fillRef>
-          <a:effectRef idx="0">
-            <a:schemeClr val="accent2"/>
-          </a:effectRef>
-          <a:fontRef idx="minor">
-            <a:schemeClr val="lt1"/>
-          </a:fontRef>
-        </p:style>
-        <p:txBody>
-          <a:bodyPr rtlCol="0" anchor="t"/>
-          <a:lstStyle/>
-          <a:p>
-            <a:pPr algn="ctr"/>
-            <a:r>
-              <a:rPr lang="en-US" sz="1400" dirty="0"/>
-              <a:t>External Sensor Data Acquisition</a:t>
-            </a:r>
-          </a:p>
-          <a:p>
-            <a:pPr algn="ctr"/>
-            <a:endParaRPr lang="en-US" sz="1100" dirty="0"/>
-          </a:p>
-          <a:p>
-            <a:pPr algn="ctr"/>
-            <a:r>
-              <a:rPr lang="en-US" sz="1100" dirty="0"/>
-              <a:t>(Timer -&gt; collect data)</a:t>
-            </a:r>
-          </a:p>
-          <a:p>
-            <a:pPr algn="ctr"/>
-            <a:r>
-              <a:rPr lang="en-US" sz="1100" dirty="0"/>
-              <a:t>Sleep Till Timer Event</a:t>
-            </a:r>
-          </a:p>
-        </p:txBody>
-      </p:sp>
-      <p:sp>
-        <p:nvSpPr>
           <p:cNvPr id="19" name="Rectangle 18">
             <a:extLst>
               <a:ext uri="{FF2B5EF4-FFF2-40B4-BE49-F238E27FC236}">
@@ -4064,8 +3952,12 @@
             <a:pPr algn="ctr"/>
             <a:r>
               <a:rPr lang="en-US" sz="1400" dirty="0"/>
-              <a:t>Nucleo Data State Class</a:t>
-            </a:r>
+              <a:t>Sensor Manager Class</a:t>
+            </a:r>
+          </a:p>
+          <a:p>
+            <a:pPr algn="ctr"/>
+            <a:endParaRPr lang="en-US" sz="1400" dirty="0"/>
           </a:p>
         </p:txBody>
       </p:sp>
@@ -4084,7 +3976,7 @@
         <p:spPr>
           <a:xfrm>
             <a:off x="4960697" y="2391507"/>
-            <a:ext cx="1057768" cy="1145309"/>
+            <a:ext cx="1057768" cy="1648363"/>
           </a:xfrm>
           <a:prstGeom prst="rect">
             <a:avLst/>
@@ -4120,13 +4012,6 @@
           </a:p>
           <a:p>
             <a:pPr algn="ctr"/>
-            <a:r>
-              <a:rPr lang="en-US" sz="1100" dirty="0"/>
-              <a:t>Sensor Data</a:t>
-            </a:r>
-          </a:p>
-          <a:p>
-            <a:pPr algn="ctr"/>
             <a:endParaRPr lang="en-US" sz="1100" dirty="0"/>
           </a:p>
         </p:txBody>
@@ -4142,20 +4027,17 @@
           </p:cNvPr>
           <p:cNvCxnSpPr>
             <a:cxnSpLocks/>
-            <a:stCxn id="10" idx="2"/>
-            <a:endCxn id="20" idx="1"/>
           </p:cNvCxnSpPr>
           <p:nvPr/>
         </p:nvCxnSpPr>
         <p:spPr>
           <a:xfrm rot="5400000" flipH="1" flipV="1">
-            <a:off x="1932589" y="2252664"/>
-            <a:ext cx="2316610" cy="3739606"/>
-          </a:xfrm>
-          <a:prstGeom prst="bentConnector4">
+            <a:off x="1804234" y="3643599"/>
+            <a:ext cx="3347423" cy="2491611"/>
+          </a:xfrm>
+          <a:prstGeom prst="bentConnector3">
             <a:avLst>
-              <a:gd name="adj1" fmla="val -58954"/>
-              <a:gd name="adj2" fmla="val 92583"/>
+              <a:gd name="adj1" fmla="val -1598"/>
             </a:avLst>
           </a:prstGeom>
           <a:ln>
@@ -4188,15 +4070,15 @@
           </p:cNvPr>
           <p:cNvCxnSpPr>
             <a:cxnSpLocks/>
-            <a:stCxn id="18" idx="3"/>
+            <a:stCxn id="29" idx="3"/>
             <a:endCxn id="20" idx="1"/>
           </p:cNvCxnSpPr>
           <p:nvPr/>
         </p:nvCxnSpPr>
         <p:spPr>
           <a:xfrm flipV="1">
-            <a:off x="4395457" y="2964162"/>
-            <a:ext cx="565240" cy="1720048"/>
+            <a:off x="4479419" y="3215689"/>
+            <a:ext cx="481278" cy="2071427"/>
           </a:xfrm>
           <a:prstGeom prst="bentConnector3">
             <a:avLst>
@@ -4266,52 +4148,11 @@
             <a:pPr algn="ctr"/>
             <a:r>
               <a:rPr lang="en-US" sz="1400" dirty="0"/>
-              <a:t>Data Lock</a:t>
-            </a:r>
-          </a:p>
-        </p:txBody>
-      </p:sp>
-      <p:cxnSp>
-        <p:nvCxnSpPr>
-          <p:cNvPr id="46" name="Straight Arrow Connector 45">
-            <a:extLst>
-              <a:ext uri="{FF2B5EF4-FFF2-40B4-BE49-F238E27FC236}">
-                <a16:creationId xmlns:a16="http://schemas.microsoft.com/office/drawing/2014/main" id="{8B5CBD07-550A-4DBB-B125-2CB74B242BC4}"/>
-              </a:ext>
-            </a:extLst>
-          </p:cNvPr>
-          <p:cNvCxnSpPr>
-            <a:cxnSpLocks/>
-          </p:cNvCxnSpPr>
-          <p:nvPr/>
-        </p:nvCxnSpPr>
-        <p:spPr>
-          <a:xfrm>
-            <a:off x="5511682" y="2842546"/>
-            <a:ext cx="0" cy="243226"/>
-          </a:xfrm>
-          <a:prstGeom prst="straightConnector1">
-            <a:avLst/>
-          </a:prstGeom>
-          <a:ln>
-            <a:tailEnd type="triangle"/>
-          </a:ln>
-        </p:spPr>
-        <p:style>
-          <a:lnRef idx="3">
-            <a:schemeClr val="dk1"/>
-          </a:lnRef>
-          <a:fillRef idx="0">
-            <a:schemeClr val="dk1"/>
-          </a:fillRef>
-          <a:effectRef idx="2">
-            <a:schemeClr val="dk1"/>
-          </a:effectRef>
-          <a:fontRef idx="minor">
-            <a:schemeClr val="tx1"/>
-          </a:fontRef>
-        </p:style>
-      </p:cxnSp>
+              <a:t>Mutex</a:t>
+            </a:r>
+          </a:p>
+        </p:txBody>
+      </p:sp>
       <p:sp>
         <p:nvSpPr>
           <p:cNvPr id="47" name="Rectangle 46">
@@ -4326,8 +4167,8 @@
         </p:nvSpPr>
         <p:spPr>
           <a:xfrm>
-            <a:off x="6447687" y="1084385"/>
-            <a:ext cx="1858114" cy="5249017"/>
+            <a:off x="6447687" y="1084386"/>
+            <a:ext cx="1858114" cy="3523698"/>
           </a:xfrm>
           <a:prstGeom prst="rect">
             <a:avLst/>
@@ -4356,8 +4197,13 @@
             <a:pPr algn="ctr"/>
             <a:r>
               <a:rPr lang="en-US" sz="1400" dirty="0"/>
-              <a:t>CAN Message Creator Thread</a:t>
-            </a:r>
+              <a:t>Sensor </a:t>
+            </a:r>
+            <a:r>
+              <a:rPr lang="en-US" sz="1400" dirty="0" err="1"/>
+              <a:t>ManagerThread</a:t>
+            </a:r>
+            <a:endParaRPr lang="en-US" sz="1400" dirty="0"/>
           </a:p>
           <a:p>
             <a:pPr algn="ctr"/>
@@ -4428,8 +4274,8 @@
         </p:nvSpPr>
         <p:spPr>
           <a:xfrm rot="10800000">
-            <a:off x="6545975" y="5229437"/>
-            <a:ext cx="1661537" cy="991370"/>
+            <a:off x="6557116" y="4039415"/>
+            <a:ext cx="1686342" cy="455230"/>
           </a:xfrm>
           <a:prstGeom prst="curvedDownArrow">
             <a:avLst/>
@@ -4479,7 +4325,7 @@
         <p:spPr>
           <a:xfrm>
             <a:off x="6682148" y="2455867"/>
-            <a:ext cx="1550168" cy="897704"/>
+            <a:ext cx="1550168" cy="407956"/>
           </a:xfrm>
           <a:prstGeom prst="curvedDownArrow">
             <a:avLst/>
@@ -4528,8 +4374,8 @@
         </p:nvSpPr>
         <p:spPr>
           <a:xfrm>
-            <a:off x="6664744" y="3540369"/>
-            <a:ext cx="1511475" cy="1527079"/>
+            <a:off x="6668250" y="2918190"/>
+            <a:ext cx="1511475" cy="1067715"/>
           </a:xfrm>
           <a:prstGeom prst="rect">
             <a:avLst/>
@@ -4592,8 +4438,8 @@
         </p:nvCxnSpPr>
         <p:spPr>
           <a:xfrm>
-            <a:off x="6018465" y="2964162"/>
-            <a:ext cx="646279" cy="1339747"/>
+            <a:off x="6018465" y="3215689"/>
+            <a:ext cx="649785" cy="236359"/>
           </a:xfrm>
           <a:prstGeom prst="bentConnector3">
             <a:avLst/>
@@ -4710,7 +4556,7 @@
             <a:pPr algn="ctr"/>
             <a:r>
               <a:rPr lang="en-US" sz="1400" dirty="0"/>
-              <a:t>Data Lock</a:t>
+              <a:t>Mutex</a:t>
             </a:r>
           </a:p>
         </p:txBody>
@@ -4819,8 +4665,8 @@
         </p:nvSpPr>
         <p:spPr>
           <a:xfrm>
-            <a:off x="10217114" y="1078524"/>
-            <a:ext cx="1858114" cy="4259246"/>
+            <a:off x="10217114" y="1078523"/>
+            <a:ext cx="1858114" cy="4786843"/>
           </a:xfrm>
           <a:prstGeom prst="rect">
             <a:avLst/>
@@ -5156,27 +5002,875 @@
           </a:fontRef>
         </p:style>
       </p:cxnSp>
+      <p:sp>
+        <p:nvSpPr>
+          <p:cNvPr id="101" name="TextBox 100">
+            <a:extLst>
+              <a:ext uri="{FF2B5EF4-FFF2-40B4-BE49-F238E27FC236}">
+                <a16:creationId xmlns:a16="http://schemas.microsoft.com/office/drawing/2014/main" id="{DA0B43C5-2794-429F-B0D7-8756385A445A}"/>
+              </a:ext>
+            </a:extLst>
+          </p:cNvPr>
+          <p:cNvSpPr txBox="1"/>
+          <p:nvPr/>
+        </p:nvSpPr>
+        <p:spPr>
+          <a:xfrm>
+            <a:off x="10477868" y="5865367"/>
+            <a:ext cx="1497581" cy="923330"/>
+          </a:xfrm>
+          <a:prstGeom prst="rect">
+            <a:avLst/>
+          </a:prstGeom>
+          <a:noFill/>
+        </p:spPr>
+        <p:txBody>
+          <a:bodyPr wrap="square" rtlCol="0">
+            <a:spAutoFit/>
+          </a:bodyPr>
+          <a:lstStyle/>
+          <a:p>
+            <a:pPr algn="ctr"/>
+            <a:r>
+              <a:rPr lang="en-US" dirty="0"/>
+              <a:t>Sensor Data Output on CAN BUS</a:t>
+            </a:r>
+          </a:p>
+        </p:txBody>
+      </p:sp>
+      <p:sp>
+        <p:nvSpPr>
+          <p:cNvPr id="2" name="Rectangle 1">
+            <a:extLst>
+              <a:ext uri="{FF2B5EF4-FFF2-40B4-BE49-F238E27FC236}">
+                <a16:creationId xmlns:a16="http://schemas.microsoft.com/office/drawing/2014/main" id="{A80FABF5-A7EF-48F2-9B62-BCF9C208106D}"/>
+              </a:ext>
+            </a:extLst>
+          </p:cNvPr>
+          <p:cNvSpPr/>
+          <p:nvPr/>
+        </p:nvSpPr>
+        <p:spPr>
+          <a:xfrm>
+            <a:off x="4958732" y="4223046"/>
+            <a:ext cx="1062495" cy="285285"/>
+          </a:xfrm>
+          <a:prstGeom prst="rect">
+            <a:avLst/>
+          </a:prstGeom>
+        </p:spPr>
+        <p:style>
+          <a:lnRef idx="2">
+            <a:schemeClr val="accent1">
+              <a:shade val="50000"/>
+            </a:schemeClr>
+          </a:lnRef>
+          <a:fillRef idx="1">
+            <a:schemeClr val="accent1"/>
+          </a:fillRef>
+          <a:effectRef idx="0">
+            <a:schemeClr val="accent1"/>
+          </a:effectRef>
+          <a:fontRef idx="minor">
+            <a:schemeClr val="lt1"/>
+          </a:fontRef>
+        </p:style>
+        <p:txBody>
+          <a:bodyPr rtlCol="0" anchor="t"/>
+          <a:lstStyle/>
+          <a:p>
+            <a:pPr algn="ctr"/>
+            <a:r>
+              <a:rPr lang="en-US" sz="1400" dirty="0"/>
+              <a:t>Sys Timer</a:t>
+            </a:r>
+          </a:p>
+        </p:txBody>
+      </p:sp>
+      <p:sp>
+        <p:nvSpPr>
+          <p:cNvPr id="54" name="Rectangle 53">
+            <a:extLst>
+              <a:ext uri="{FF2B5EF4-FFF2-40B4-BE49-F238E27FC236}">
+                <a16:creationId xmlns:a16="http://schemas.microsoft.com/office/drawing/2014/main" id="{53B802D9-F408-499A-8D35-85DCB967DFFB}"/>
+              </a:ext>
+            </a:extLst>
+          </p:cNvPr>
+          <p:cNvSpPr/>
+          <p:nvPr/>
+        </p:nvSpPr>
+        <p:spPr>
+          <a:xfrm>
+            <a:off x="2861618" y="3450149"/>
+            <a:ext cx="1438886" cy="1457767"/>
+          </a:xfrm>
+          <a:prstGeom prst="rect">
+            <a:avLst/>
+          </a:prstGeom>
+        </p:spPr>
+        <p:style>
+          <a:lnRef idx="2">
+            <a:schemeClr val="accent2">
+              <a:shade val="50000"/>
+            </a:schemeClr>
+          </a:lnRef>
+          <a:fillRef idx="1">
+            <a:schemeClr val="accent2"/>
+          </a:fillRef>
+          <a:effectRef idx="0">
+            <a:schemeClr val="accent2"/>
+          </a:effectRef>
+          <a:fontRef idx="minor">
+            <a:schemeClr val="lt1"/>
+          </a:fontRef>
+        </p:style>
+        <p:txBody>
+          <a:bodyPr rtlCol="0" anchor="t"/>
+          <a:lstStyle/>
+          <a:p>
+            <a:pPr algn="ctr"/>
+            <a:endParaRPr lang="en-US" sz="1400" dirty="0"/>
+          </a:p>
+        </p:txBody>
+      </p:sp>
+      <p:sp>
+        <p:nvSpPr>
+          <p:cNvPr id="56" name="Rectangle 55">
+            <a:extLst>
+              <a:ext uri="{FF2B5EF4-FFF2-40B4-BE49-F238E27FC236}">
+                <a16:creationId xmlns:a16="http://schemas.microsoft.com/office/drawing/2014/main" id="{F9248A19-33D6-4F34-90BA-A0183B026B0E}"/>
+              </a:ext>
+            </a:extLst>
+          </p:cNvPr>
+          <p:cNvSpPr/>
+          <p:nvPr/>
+        </p:nvSpPr>
+        <p:spPr>
+          <a:xfrm>
+            <a:off x="2924124" y="3517370"/>
+            <a:ext cx="1438886" cy="1457767"/>
+          </a:xfrm>
+          <a:prstGeom prst="rect">
+            <a:avLst/>
+          </a:prstGeom>
+        </p:spPr>
+        <p:style>
+          <a:lnRef idx="2">
+            <a:schemeClr val="accent2">
+              <a:shade val="50000"/>
+            </a:schemeClr>
+          </a:lnRef>
+          <a:fillRef idx="1">
+            <a:schemeClr val="accent2"/>
+          </a:fillRef>
+          <a:effectRef idx="0">
+            <a:schemeClr val="accent2"/>
+          </a:effectRef>
+          <a:fontRef idx="minor">
+            <a:schemeClr val="lt1"/>
+          </a:fontRef>
+        </p:style>
+        <p:txBody>
+          <a:bodyPr rtlCol="0" anchor="t"/>
+          <a:lstStyle/>
+          <a:p>
+            <a:pPr algn="ctr"/>
+            <a:endParaRPr lang="en-US" sz="1400" dirty="0"/>
+          </a:p>
+        </p:txBody>
+      </p:sp>
+      <p:sp>
+        <p:nvSpPr>
+          <p:cNvPr id="57" name="Rectangle 56">
+            <a:extLst>
+              <a:ext uri="{FF2B5EF4-FFF2-40B4-BE49-F238E27FC236}">
+                <a16:creationId xmlns:a16="http://schemas.microsoft.com/office/drawing/2014/main" id="{097C799C-049B-4397-84B4-637E5E2F4DE0}"/>
+              </a:ext>
+            </a:extLst>
+          </p:cNvPr>
+          <p:cNvSpPr/>
+          <p:nvPr/>
+        </p:nvSpPr>
+        <p:spPr>
+          <a:xfrm>
+            <a:off x="2982044" y="3602881"/>
+            <a:ext cx="1438886" cy="1457767"/>
+          </a:xfrm>
+          <a:prstGeom prst="rect">
+            <a:avLst/>
+          </a:prstGeom>
+        </p:spPr>
+        <p:style>
+          <a:lnRef idx="2">
+            <a:schemeClr val="accent2">
+              <a:shade val="50000"/>
+            </a:schemeClr>
+          </a:lnRef>
+          <a:fillRef idx="1">
+            <a:schemeClr val="accent2"/>
+          </a:fillRef>
+          <a:effectRef idx="0">
+            <a:schemeClr val="accent2"/>
+          </a:effectRef>
+          <a:fontRef idx="minor">
+            <a:schemeClr val="lt1"/>
+          </a:fontRef>
+        </p:style>
+        <p:txBody>
+          <a:bodyPr rtlCol="0" anchor="t"/>
+          <a:lstStyle/>
+          <a:p>
+            <a:pPr algn="ctr"/>
+            <a:endParaRPr lang="en-US" sz="1400" dirty="0"/>
+          </a:p>
+        </p:txBody>
+      </p:sp>
+      <p:sp>
+        <p:nvSpPr>
+          <p:cNvPr id="58" name="Rectangle 57">
+            <a:extLst>
+              <a:ext uri="{FF2B5EF4-FFF2-40B4-BE49-F238E27FC236}">
+                <a16:creationId xmlns:a16="http://schemas.microsoft.com/office/drawing/2014/main" id="{136F24C1-84A9-4C0F-A2FB-9FFFBDADEAE3}"/>
+              </a:ext>
+            </a:extLst>
+          </p:cNvPr>
+          <p:cNvSpPr/>
+          <p:nvPr/>
+        </p:nvSpPr>
+        <p:spPr>
+          <a:xfrm>
+            <a:off x="3033985" y="3679081"/>
+            <a:ext cx="1438886" cy="1457767"/>
+          </a:xfrm>
+          <a:prstGeom prst="rect">
+            <a:avLst/>
+          </a:prstGeom>
+        </p:spPr>
+        <p:style>
+          <a:lnRef idx="2">
+            <a:schemeClr val="accent2">
+              <a:shade val="50000"/>
+            </a:schemeClr>
+          </a:lnRef>
+          <a:fillRef idx="1">
+            <a:schemeClr val="accent2"/>
+          </a:fillRef>
+          <a:effectRef idx="0">
+            <a:schemeClr val="accent2"/>
+          </a:effectRef>
+          <a:fontRef idx="minor">
+            <a:schemeClr val="lt1"/>
+          </a:fontRef>
+        </p:style>
+        <p:txBody>
+          <a:bodyPr rtlCol="0" anchor="t"/>
+          <a:lstStyle/>
+          <a:p>
+            <a:pPr algn="ctr"/>
+            <a:endParaRPr lang="en-US" sz="1400" dirty="0"/>
+          </a:p>
+        </p:txBody>
+      </p:sp>
+      <p:sp>
+        <p:nvSpPr>
+          <p:cNvPr id="3" name="Rectangle 2">
+            <a:extLst>
+              <a:ext uri="{FF2B5EF4-FFF2-40B4-BE49-F238E27FC236}">
+                <a16:creationId xmlns:a16="http://schemas.microsoft.com/office/drawing/2014/main" id="{B4AAF730-F4DE-448E-920F-B5CA11BB7EB1}"/>
+              </a:ext>
+            </a:extLst>
+          </p:cNvPr>
+          <p:cNvSpPr/>
+          <p:nvPr/>
+        </p:nvSpPr>
+        <p:spPr>
+          <a:xfrm>
+            <a:off x="3084283" y="3755281"/>
+            <a:ext cx="1438886" cy="1707077"/>
+          </a:xfrm>
+          <a:prstGeom prst="rect">
+            <a:avLst/>
+          </a:prstGeom>
+        </p:spPr>
+        <p:style>
+          <a:lnRef idx="2">
+            <a:schemeClr val="accent2">
+              <a:shade val="50000"/>
+            </a:schemeClr>
+          </a:lnRef>
+          <a:fillRef idx="1">
+            <a:schemeClr val="accent2"/>
+          </a:fillRef>
+          <a:effectRef idx="0">
+            <a:schemeClr val="accent2"/>
+          </a:effectRef>
+          <a:fontRef idx="minor">
+            <a:schemeClr val="lt1"/>
+          </a:fontRef>
+        </p:style>
+        <p:txBody>
+          <a:bodyPr rtlCol="0" anchor="t"/>
+          <a:lstStyle/>
+          <a:p>
+            <a:pPr algn="ctr"/>
+            <a:r>
+              <a:rPr lang="en-US" sz="1200" dirty="0"/>
+              <a:t>External Sensor N</a:t>
+            </a:r>
+          </a:p>
+        </p:txBody>
+      </p:sp>
+      <p:sp>
+        <p:nvSpPr>
+          <p:cNvPr id="7" name="Rectangle 6">
+            <a:extLst>
+              <a:ext uri="{FF2B5EF4-FFF2-40B4-BE49-F238E27FC236}">
+                <a16:creationId xmlns:a16="http://schemas.microsoft.com/office/drawing/2014/main" id="{C6AC07AB-4FD6-4575-863A-82553BC4D6F2}"/>
+              </a:ext>
+            </a:extLst>
+          </p:cNvPr>
+          <p:cNvSpPr/>
+          <p:nvPr/>
+        </p:nvSpPr>
+        <p:spPr>
+          <a:xfrm>
+            <a:off x="3252348" y="4039870"/>
+            <a:ext cx="535417" cy="227160"/>
+          </a:xfrm>
+          <a:prstGeom prst="rect">
+            <a:avLst/>
+          </a:prstGeom>
+        </p:spPr>
+        <p:style>
+          <a:lnRef idx="2">
+            <a:schemeClr val="accent1">
+              <a:shade val="50000"/>
+            </a:schemeClr>
+          </a:lnRef>
+          <a:fillRef idx="1">
+            <a:schemeClr val="accent1"/>
+          </a:fillRef>
+          <a:effectRef idx="0">
+            <a:schemeClr val="accent1"/>
+          </a:effectRef>
+          <a:fontRef idx="minor">
+            <a:schemeClr val="lt1"/>
+          </a:fontRef>
+        </p:style>
+        <p:txBody>
+          <a:bodyPr rtlCol="0" anchor="t"/>
+          <a:lstStyle/>
+          <a:p>
+            <a:pPr algn="ctr"/>
+            <a:r>
+              <a:rPr lang="en-US" sz="1400" dirty="0"/>
+              <a:t>ID</a:t>
+            </a:r>
+          </a:p>
+        </p:txBody>
+      </p:sp>
+      <p:sp>
+        <p:nvSpPr>
+          <p:cNvPr id="45" name="Rectangle 44">
+            <a:extLst>
+              <a:ext uri="{FF2B5EF4-FFF2-40B4-BE49-F238E27FC236}">
+                <a16:creationId xmlns:a16="http://schemas.microsoft.com/office/drawing/2014/main" id="{31B21920-5D34-4BAC-9A50-81B173D0C735}"/>
+              </a:ext>
+            </a:extLst>
+          </p:cNvPr>
+          <p:cNvSpPr/>
+          <p:nvPr/>
+        </p:nvSpPr>
+        <p:spPr>
+          <a:xfrm>
+            <a:off x="3252347" y="4315721"/>
+            <a:ext cx="1223031" cy="292363"/>
+          </a:xfrm>
+          <a:prstGeom prst="rect">
+            <a:avLst/>
+          </a:prstGeom>
+        </p:spPr>
+        <p:style>
+          <a:lnRef idx="2">
+            <a:schemeClr val="accent1">
+              <a:shade val="50000"/>
+            </a:schemeClr>
+          </a:lnRef>
+          <a:fillRef idx="1">
+            <a:schemeClr val="accent1"/>
+          </a:fillRef>
+          <a:effectRef idx="0">
+            <a:schemeClr val="accent1"/>
+          </a:effectRef>
+          <a:fontRef idx="minor">
+            <a:schemeClr val="lt1"/>
+          </a:fontRef>
+        </p:style>
+        <p:txBody>
+          <a:bodyPr rtlCol="0" anchor="t"/>
+          <a:lstStyle/>
+          <a:p>
+            <a:pPr algn="ctr"/>
+            <a:r>
+              <a:rPr lang="en-US" sz="1400" dirty="0"/>
+              <a:t>Sample Period</a:t>
+            </a:r>
+          </a:p>
+        </p:txBody>
+      </p:sp>
+      <p:sp>
+        <p:nvSpPr>
+          <p:cNvPr id="52" name="Rectangle 51">
+            <a:extLst>
+              <a:ext uri="{FF2B5EF4-FFF2-40B4-BE49-F238E27FC236}">
+                <a16:creationId xmlns:a16="http://schemas.microsoft.com/office/drawing/2014/main" id="{6CC66ACD-03DC-4951-B1A9-331227B27555}"/>
+              </a:ext>
+            </a:extLst>
+          </p:cNvPr>
+          <p:cNvSpPr/>
+          <p:nvPr/>
+        </p:nvSpPr>
+        <p:spPr>
+          <a:xfrm>
+            <a:off x="3252347" y="4644282"/>
+            <a:ext cx="1223031" cy="468427"/>
+          </a:xfrm>
+          <a:prstGeom prst="rect">
+            <a:avLst/>
+          </a:prstGeom>
+        </p:spPr>
+        <p:style>
+          <a:lnRef idx="2">
+            <a:schemeClr val="accent1">
+              <a:shade val="50000"/>
+            </a:schemeClr>
+          </a:lnRef>
+          <a:fillRef idx="1">
+            <a:schemeClr val="accent1"/>
+          </a:fillRef>
+          <a:effectRef idx="0">
+            <a:schemeClr val="accent1"/>
+          </a:effectRef>
+          <a:fontRef idx="minor">
+            <a:schemeClr val="lt1"/>
+          </a:fontRef>
+        </p:style>
+        <p:txBody>
+          <a:bodyPr rtlCol="0" anchor="t"/>
+          <a:lstStyle/>
+          <a:p>
+            <a:pPr algn="ctr"/>
+            <a:r>
+              <a:rPr lang="en-US" sz="1400" dirty="0"/>
+              <a:t>Last Sample Sys Time</a:t>
+            </a:r>
+          </a:p>
+        </p:txBody>
+      </p:sp>
+      <p:sp>
+        <p:nvSpPr>
+          <p:cNvPr id="59" name="Rectangle 58">
+            <a:extLst>
+              <a:ext uri="{FF2B5EF4-FFF2-40B4-BE49-F238E27FC236}">
+                <a16:creationId xmlns:a16="http://schemas.microsoft.com/office/drawing/2014/main" id="{A41EF06A-7955-480D-A2D8-05A18E453F4B}"/>
+              </a:ext>
+            </a:extLst>
+          </p:cNvPr>
+          <p:cNvSpPr/>
+          <p:nvPr/>
+        </p:nvSpPr>
+        <p:spPr>
+          <a:xfrm>
+            <a:off x="405532" y="3510363"/>
+            <a:ext cx="1438886" cy="1457767"/>
+          </a:xfrm>
+          <a:prstGeom prst="rect">
+            <a:avLst/>
+          </a:prstGeom>
+        </p:spPr>
+        <p:style>
+          <a:lnRef idx="2">
+            <a:schemeClr val="accent2">
+              <a:shade val="50000"/>
+            </a:schemeClr>
+          </a:lnRef>
+          <a:fillRef idx="1">
+            <a:schemeClr val="accent2"/>
+          </a:fillRef>
+          <a:effectRef idx="0">
+            <a:schemeClr val="accent2"/>
+          </a:effectRef>
+          <a:fontRef idx="minor">
+            <a:schemeClr val="lt1"/>
+          </a:fontRef>
+        </p:style>
+        <p:txBody>
+          <a:bodyPr rtlCol="0" anchor="t"/>
+          <a:lstStyle/>
+          <a:p>
+            <a:pPr algn="ctr"/>
+            <a:endParaRPr lang="en-US" sz="1400" dirty="0"/>
+          </a:p>
+        </p:txBody>
+      </p:sp>
+      <p:sp>
+        <p:nvSpPr>
+          <p:cNvPr id="60" name="Rectangle 59">
+            <a:extLst>
+              <a:ext uri="{FF2B5EF4-FFF2-40B4-BE49-F238E27FC236}">
+                <a16:creationId xmlns:a16="http://schemas.microsoft.com/office/drawing/2014/main" id="{9FBE5BDE-A9B0-4297-BC30-20E41725A1CC}"/>
+              </a:ext>
+            </a:extLst>
+          </p:cNvPr>
+          <p:cNvSpPr/>
+          <p:nvPr/>
+        </p:nvSpPr>
+        <p:spPr>
+          <a:xfrm>
+            <a:off x="468038" y="3577584"/>
+            <a:ext cx="1438886" cy="1457767"/>
+          </a:xfrm>
+          <a:prstGeom prst="rect">
+            <a:avLst/>
+          </a:prstGeom>
+        </p:spPr>
+        <p:style>
+          <a:lnRef idx="2">
+            <a:schemeClr val="accent2">
+              <a:shade val="50000"/>
+            </a:schemeClr>
+          </a:lnRef>
+          <a:fillRef idx="1">
+            <a:schemeClr val="accent2"/>
+          </a:fillRef>
+          <a:effectRef idx="0">
+            <a:schemeClr val="accent2"/>
+          </a:effectRef>
+          <a:fontRef idx="minor">
+            <a:schemeClr val="lt1"/>
+          </a:fontRef>
+        </p:style>
+        <p:txBody>
+          <a:bodyPr rtlCol="0" anchor="t"/>
+          <a:lstStyle/>
+          <a:p>
+            <a:pPr algn="ctr"/>
+            <a:endParaRPr lang="en-US" sz="1400" dirty="0"/>
+          </a:p>
+        </p:txBody>
+      </p:sp>
+      <p:sp>
+        <p:nvSpPr>
+          <p:cNvPr id="61" name="Rectangle 60">
+            <a:extLst>
+              <a:ext uri="{FF2B5EF4-FFF2-40B4-BE49-F238E27FC236}">
+                <a16:creationId xmlns:a16="http://schemas.microsoft.com/office/drawing/2014/main" id="{57E74C97-1CFF-4FF1-AB65-E8FB3F020510}"/>
+              </a:ext>
+            </a:extLst>
+          </p:cNvPr>
+          <p:cNvSpPr/>
+          <p:nvPr/>
+        </p:nvSpPr>
+        <p:spPr>
+          <a:xfrm>
+            <a:off x="525958" y="3663095"/>
+            <a:ext cx="1438886" cy="1457767"/>
+          </a:xfrm>
+          <a:prstGeom prst="rect">
+            <a:avLst/>
+          </a:prstGeom>
+        </p:spPr>
+        <p:style>
+          <a:lnRef idx="2">
+            <a:schemeClr val="accent2">
+              <a:shade val="50000"/>
+            </a:schemeClr>
+          </a:lnRef>
+          <a:fillRef idx="1">
+            <a:schemeClr val="accent2"/>
+          </a:fillRef>
+          <a:effectRef idx="0">
+            <a:schemeClr val="accent2"/>
+          </a:effectRef>
+          <a:fontRef idx="minor">
+            <a:schemeClr val="lt1"/>
+          </a:fontRef>
+        </p:style>
+        <p:txBody>
+          <a:bodyPr rtlCol="0" anchor="t"/>
+          <a:lstStyle/>
+          <a:p>
+            <a:pPr algn="ctr"/>
+            <a:endParaRPr lang="en-US" sz="1400" dirty="0"/>
+          </a:p>
+        </p:txBody>
+      </p:sp>
+      <p:sp>
+        <p:nvSpPr>
+          <p:cNvPr id="62" name="Rectangle 61">
+            <a:extLst>
+              <a:ext uri="{FF2B5EF4-FFF2-40B4-BE49-F238E27FC236}">
+                <a16:creationId xmlns:a16="http://schemas.microsoft.com/office/drawing/2014/main" id="{BA801362-0B1C-4AF5-A86B-E02C53C5EACA}"/>
+              </a:ext>
+            </a:extLst>
+          </p:cNvPr>
+          <p:cNvSpPr/>
+          <p:nvPr/>
+        </p:nvSpPr>
+        <p:spPr>
+          <a:xfrm>
+            <a:off x="577899" y="3739295"/>
+            <a:ext cx="1438886" cy="1457767"/>
+          </a:xfrm>
+          <a:prstGeom prst="rect">
+            <a:avLst/>
+          </a:prstGeom>
+        </p:spPr>
+        <p:style>
+          <a:lnRef idx="2">
+            <a:schemeClr val="accent2">
+              <a:shade val="50000"/>
+            </a:schemeClr>
+          </a:lnRef>
+          <a:fillRef idx="1">
+            <a:schemeClr val="accent2"/>
+          </a:fillRef>
+          <a:effectRef idx="0">
+            <a:schemeClr val="accent2"/>
+          </a:effectRef>
+          <a:fontRef idx="minor">
+            <a:schemeClr val="lt1"/>
+          </a:fontRef>
+        </p:style>
+        <p:txBody>
+          <a:bodyPr rtlCol="0" anchor="t"/>
+          <a:lstStyle/>
+          <a:p>
+            <a:pPr algn="ctr"/>
+            <a:endParaRPr lang="en-US" sz="1400" dirty="0"/>
+          </a:p>
+        </p:txBody>
+      </p:sp>
+      <p:sp>
+        <p:nvSpPr>
+          <p:cNvPr id="63" name="Rectangle 62">
+            <a:extLst>
+              <a:ext uri="{FF2B5EF4-FFF2-40B4-BE49-F238E27FC236}">
+                <a16:creationId xmlns:a16="http://schemas.microsoft.com/office/drawing/2014/main" id="{AFC4FA20-0DB8-4DEA-BBB5-37C508574AC2}"/>
+              </a:ext>
+            </a:extLst>
+          </p:cNvPr>
+          <p:cNvSpPr/>
+          <p:nvPr/>
+        </p:nvSpPr>
+        <p:spPr>
+          <a:xfrm>
+            <a:off x="628197" y="3815495"/>
+            <a:ext cx="1438886" cy="1698836"/>
+          </a:xfrm>
+          <a:prstGeom prst="rect">
+            <a:avLst/>
+          </a:prstGeom>
+        </p:spPr>
+        <p:style>
+          <a:lnRef idx="2">
+            <a:schemeClr val="accent2">
+              <a:shade val="50000"/>
+            </a:schemeClr>
+          </a:lnRef>
+          <a:fillRef idx="1">
+            <a:schemeClr val="accent2"/>
+          </a:fillRef>
+          <a:effectRef idx="0">
+            <a:schemeClr val="accent2"/>
+          </a:effectRef>
+          <a:fontRef idx="minor">
+            <a:schemeClr val="lt1"/>
+          </a:fontRef>
+        </p:style>
+        <p:txBody>
+          <a:bodyPr rtlCol="0" anchor="t"/>
+          <a:lstStyle/>
+          <a:p>
+            <a:pPr algn="ctr"/>
+            <a:r>
+              <a:rPr lang="en-US" sz="1400" dirty="0"/>
+              <a:t>Internal Sensor N</a:t>
+            </a:r>
+          </a:p>
+        </p:txBody>
+      </p:sp>
+      <p:sp>
+        <p:nvSpPr>
+          <p:cNvPr id="64" name="Rectangle 63">
+            <a:extLst>
+              <a:ext uri="{FF2B5EF4-FFF2-40B4-BE49-F238E27FC236}">
+                <a16:creationId xmlns:a16="http://schemas.microsoft.com/office/drawing/2014/main" id="{F68C3624-D4E1-4449-A8F1-99C10E647738}"/>
+              </a:ext>
+            </a:extLst>
+          </p:cNvPr>
+          <p:cNvSpPr/>
+          <p:nvPr/>
+        </p:nvSpPr>
+        <p:spPr>
+          <a:xfrm>
+            <a:off x="796262" y="4100084"/>
+            <a:ext cx="535417" cy="227160"/>
+          </a:xfrm>
+          <a:prstGeom prst="rect">
+            <a:avLst/>
+          </a:prstGeom>
+        </p:spPr>
+        <p:style>
+          <a:lnRef idx="2">
+            <a:schemeClr val="accent1">
+              <a:shade val="50000"/>
+            </a:schemeClr>
+          </a:lnRef>
+          <a:fillRef idx="1">
+            <a:schemeClr val="accent1"/>
+          </a:fillRef>
+          <a:effectRef idx="0">
+            <a:schemeClr val="accent1"/>
+          </a:effectRef>
+          <a:fontRef idx="minor">
+            <a:schemeClr val="lt1"/>
+          </a:fontRef>
+        </p:style>
+        <p:txBody>
+          <a:bodyPr rtlCol="0" anchor="t"/>
+          <a:lstStyle/>
+          <a:p>
+            <a:pPr algn="ctr"/>
+            <a:r>
+              <a:rPr lang="en-US" sz="1400" dirty="0"/>
+              <a:t>ID</a:t>
+            </a:r>
+          </a:p>
+        </p:txBody>
+      </p:sp>
+      <p:sp>
+        <p:nvSpPr>
+          <p:cNvPr id="65" name="Rectangle 64">
+            <a:extLst>
+              <a:ext uri="{FF2B5EF4-FFF2-40B4-BE49-F238E27FC236}">
+                <a16:creationId xmlns:a16="http://schemas.microsoft.com/office/drawing/2014/main" id="{13257F17-6C63-49C6-B1B3-47DA18305C5F}"/>
+              </a:ext>
+            </a:extLst>
+          </p:cNvPr>
+          <p:cNvSpPr/>
+          <p:nvPr/>
+        </p:nvSpPr>
+        <p:spPr>
+          <a:xfrm>
+            <a:off x="796261" y="4375935"/>
+            <a:ext cx="1223031" cy="292363"/>
+          </a:xfrm>
+          <a:prstGeom prst="rect">
+            <a:avLst/>
+          </a:prstGeom>
+        </p:spPr>
+        <p:style>
+          <a:lnRef idx="2">
+            <a:schemeClr val="accent1">
+              <a:shade val="50000"/>
+            </a:schemeClr>
+          </a:lnRef>
+          <a:fillRef idx="1">
+            <a:schemeClr val="accent1"/>
+          </a:fillRef>
+          <a:effectRef idx="0">
+            <a:schemeClr val="accent1"/>
+          </a:effectRef>
+          <a:fontRef idx="minor">
+            <a:schemeClr val="lt1"/>
+          </a:fontRef>
+        </p:style>
+        <p:txBody>
+          <a:bodyPr rtlCol="0" anchor="t"/>
+          <a:lstStyle/>
+          <a:p>
+            <a:pPr algn="ctr"/>
+            <a:r>
+              <a:rPr lang="en-US" sz="1400" dirty="0"/>
+              <a:t>Sample Period</a:t>
+            </a:r>
+          </a:p>
+        </p:txBody>
+      </p:sp>
+      <p:sp>
+        <p:nvSpPr>
+          <p:cNvPr id="66" name="Rectangle 65">
+            <a:extLst>
+              <a:ext uri="{FF2B5EF4-FFF2-40B4-BE49-F238E27FC236}">
+                <a16:creationId xmlns:a16="http://schemas.microsoft.com/office/drawing/2014/main" id="{0FE17119-E667-4B13-B454-3D8FA34EC8C1}"/>
+              </a:ext>
+            </a:extLst>
+          </p:cNvPr>
+          <p:cNvSpPr/>
+          <p:nvPr/>
+        </p:nvSpPr>
+        <p:spPr>
+          <a:xfrm>
+            <a:off x="796261" y="4704496"/>
+            <a:ext cx="1223031" cy="468427"/>
+          </a:xfrm>
+          <a:prstGeom prst="rect">
+            <a:avLst/>
+          </a:prstGeom>
+        </p:spPr>
+        <p:style>
+          <a:lnRef idx="2">
+            <a:schemeClr val="accent1">
+              <a:shade val="50000"/>
+            </a:schemeClr>
+          </a:lnRef>
+          <a:fillRef idx="1">
+            <a:schemeClr val="accent1"/>
+          </a:fillRef>
+          <a:effectRef idx="0">
+            <a:schemeClr val="accent1"/>
+          </a:effectRef>
+          <a:fontRef idx="minor">
+            <a:schemeClr val="lt1"/>
+          </a:fontRef>
+        </p:style>
+        <p:txBody>
+          <a:bodyPr rtlCol="0" anchor="t"/>
+          <a:lstStyle/>
+          <a:p>
+            <a:pPr algn="ctr"/>
+            <a:r>
+              <a:rPr lang="en-US" sz="1400" dirty="0"/>
+              <a:t>Last Sample Sys Time</a:t>
+            </a:r>
+          </a:p>
+        </p:txBody>
+      </p:sp>
       <p:cxnSp>
         <p:nvCxnSpPr>
-          <p:cNvPr id="100" name="Straight Arrow Connector 99">
-            <a:extLst>
-              <a:ext uri="{FF2B5EF4-FFF2-40B4-BE49-F238E27FC236}">
-                <a16:creationId xmlns:a16="http://schemas.microsoft.com/office/drawing/2014/main" id="{6088002B-A8FC-457B-BC71-841F44B6A752}"/>
+          <p:cNvPr id="22" name="Connector: Elbow 21">
+            <a:extLst>
+              <a:ext uri="{FF2B5EF4-FFF2-40B4-BE49-F238E27FC236}">
+                <a16:creationId xmlns:a16="http://schemas.microsoft.com/office/drawing/2014/main" id="{F3F8D29C-B11B-4B8E-8102-6E9D54D98946}"/>
               </a:ext>
             </a:extLst>
           </p:cNvPr>
           <p:cNvCxnSpPr>
-            <a:stCxn id="88" idx="2"/>
+            <a:stCxn id="2" idx="1"/>
+            <a:endCxn id="52" idx="3"/>
           </p:cNvCxnSpPr>
           <p:nvPr/>
         </p:nvCxnSpPr>
         <p:spPr>
-          <a:xfrm>
-            <a:off x="11193415" y="4543253"/>
-            <a:ext cx="7985" cy="1365178"/>
-          </a:xfrm>
-          <a:prstGeom prst="straightConnector1">
-            <a:avLst/>
+          <a:xfrm rot="10800000" flipV="1">
+            <a:off x="4475378" y="4365688"/>
+            <a:ext cx="483354" cy="512807"/>
+          </a:xfrm>
+          <a:prstGeom prst="bentConnector3">
+            <a:avLst>
+              <a:gd name="adj1" fmla="val 50000"/>
+            </a:avLst>
           </a:prstGeom>
           <a:ln>
             <a:tailEnd type="triangle"/>
@@ -5199,10 +5893,944 @@
       </p:cxnSp>
       <p:sp>
         <p:nvSpPr>
-          <p:cNvPr id="101" name="TextBox 100">
-            <a:extLst>
-              <a:ext uri="{FF2B5EF4-FFF2-40B4-BE49-F238E27FC236}">
-                <a16:creationId xmlns:a16="http://schemas.microsoft.com/office/drawing/2014/main" id="{DA0B43C5-2794-429F-B0D7-8756385A445A}"/>
+          <p:cNvPr id="29" name="Rectangle 28">
+            <a:extLst>
+              <a:ext uri="{FF2B5EF4-FFF2-40B4-BE49-F238E27FC236}">
+                <a16:creationId xmlns:a16="http://schemas.microsoft.com/office/drawing/2014/main" id="{4B28FEE0-6E4E-4D54-A90F-F40CA312F38A}"/>
+              </a:ext>
+            </a:extLst>
+          </p:cNvPr>
+          <p:cNvSpPr/>
+          <p:nvPr/>
+        </p:nvSpPr>
+        <p:spPr>
+          <a:xfrm>
+            <a:off x="3252347" y="5170197"/>
+            <a:ext cx="1227072" cy="233838"/>
+          </a:xfrm>
+          <a:prstGeom prst="rect">
+            <a:avLst/>
+          </a:prstGeom>
+        </p:spPr>
+        <p:style>
+          <a:lnRef idx="2">
+            <a:schemeClr val="accent1">
+              <a:shade val="50000"/>
+            </a:schemeClr>
+          </a:lnRef>
+          <a:fillRef idx="1">
+            <a:schemeClr val="accent1"/>
+          </a:fillRef>
+          <a:effectRef idx="0">
+            <a:schemeClr val="accent1"/>
+          </a:effectRef>
+          <a:fontRef idx="minor">
+            <a:schemeClr val="lt1"/>
+          </a:fontRef>
+        </p:style>
+        <p:txBody>
+          <a:bodyPr rtlCol="0" anchor="t"/>
+          <a:lstStyle/>
+          <a:p>
+            <a:pPr algn="ctr"/>
+            <a:r>
+              <a:rPr lang="en-US" sz="1400" dirty="0"/>
+              <a:t>DATA</a:t>
+            </a:r>
+          </a:p>
+        </p:txBody>
+      </p:sp>
+      <p:sp>
+        <p:nvSpPr>
+          <p:cNvPr id="71" name="Rectangle 70">
+            <a:extLst>
+              <a:ext uri="{FF2B5EF4-FFF2-40B4-BE49-F238E27FC236}">
+                <a16:creationId xmlns:a16="http://schemas.microsoft.com/office/drawing/2014/main" id="{5BE4955E-51EB-4E88-8F3A-67D6EEBF4EC2}"/>
+              </a:ext>
+            </a:extLst>
+          </p:cNvPr>
+          <p:cNvSpPr/>
+          <p:nvPr/>
+        </p:nvSpPr>
+        <p:spPr>
+          <a:xfrm>
+            <a:off x="805682" y="5212544"/>
+            <a:ext cx="1227072" cy="233838"/>
+          </a:xfrm>
+          <a:prstGeom prst="rect">
+            <a:avLst/>
+          </a:prstGeom>
+        </p:spPr>
+        <p:style>
+          <a:lnRef idx="2">
+            <a:schemeClr val="accent1">
+              <a:shade val="50000"/>
+            </a:schemeClr>
+          </a:lnRef>
+          <a:fillRef idx="1">
+            <a:schemeClr val="accent1"/>
+          </a:fillRef>
+          <a:effectRef idx="0">
+            <a:schemeClr val="accent1"/>
+          </a:effectRef>
+          <a:fontRef idx="minor">
+            <a:schemeClr val="lt1"/>
+          </a:fontRef>
+        </p:style>
+        <p:txBody>
+          <a:bodyPr rtlCol="0" anchor="t"/>
+          <a:lstStyle/>
+          <a:p>
+            <a:pPr algn="ctr"/>
+            <a:r>
+              <a:rPr lang="en-US" sz="1400" dirty="0"/>
+              <a:t>DATA</a:t>
+            </a:r>
+          </a:p>
+        </p:txBody>
+      </p:sp>
+      <p:sp>
+        <p:nvSpPr>
+          <p:cNvPr id="33" name="Rectangle 32">
+            <a:extLst>
+              <a:ext uri="{FF2B5EF4-FFF2-40B4-BE49-F238E27FC236}">
+                <a16:creationId xmlns:a16="http://schemas.microsoft.com/office/drawing/2014/main" id="{ACA0B2A3-D1A7-42C6-BD16-64B7BF083E40}"/>
+              </a:ext>
+            </a:extLst>
+          </p:cNvPr>
+          <p:cNvSpPr/>
+          <p:nvPr/>
+        </p:nvSpPr>
+        <p:spPr>
+          <a:xfrm>
+            <a:off x="4960697" y="2971613"/>
+            <a:ext cx="410077" cy="156357"/>
+          </a:xfrm>
+          <a:prstGeom prst="rect">
+            <a:avLst/>
+          </a:prstGeom>
+        </p:spPr>
+        <p:style>
+          <a:lnRef idx="3">
+            <a:schemeClr val="lt1"/>
+          </a:lnRef>
+          <a:fillRef idx="1">
+            <a:schemeClr val="accent1"/>
+          </a:fillRef>
+          <a:effectRef idx="1">
+            <a:schemeClr val="accent1"/>
+          </a:effectRef>
+          <a:fontRef idx="minor">
+            <a:schemeClr val="lt1"/>
+          </a:fontRef>
+        </p:style>
+        <p:txBody>
+          <a:bodyPr rtlCol="0" anchor="t"/>
+          <a:lstStyle/>
+          <a:p>
+            <a:pPr algn="ctr"/>
+            <a:r>
+              <a:rPr lang="en-US" sz="800" dirty="0"/>
+              <a:t>ID</a:t>
+            </a:r>
+          </a:p>
+        </p:txBody>
+      </p:sp>
+      <p:sp>
+        <p:nvSpPr>
+          <p:cNvPr id="73" name="Rectangle 72">
+            <a:extLst>
+              <a:ext uri="{FF2B5EF4-FFF2-40B4-BE49-F238E27FC236}">
+                <a16:creationId xmlns:a16="http://schemas.microsoft.com/office/drawing/2014/main" id="{CDF51F51-2C42-4BCC-9382-B01F9DED130F}"/>
+              </a:ext>
+            </a:extLst>
+          </p:cNvPr>
+          <p:cNvSpPr/>
+          <p:nvPr/>
+        </p:nvSpPr>
+        <p:spPr>
+          <a:xfrm>
+            <a:off x="5366179" y="2971613"/>
+            <a:ext cx="652286" cy="156357"/>
+          </a:xfrm>
+          <a:prstGeom prst="rect">
+            <a:avLst/>
+          </a:prstGeom>
+        </p:spPr>
+        <p:style>
+          <a:lnRef idx="3">
+            <a:schemeClr val="lt1"/>
+          </a:lnRef>
+          <a:fillRef idx="1">
+            <a:schemeClr val="accent1"/>
+          </a:fillRef>
+          <a:effectRef idx="1">
+            <a:schemeClr val="accent1"/>
+          </a:effectRef>
+          <a:fontRef idx="minor">
+            <a:schemeClr val="lt1"/>
+          </a:fontRef>
+        </p:style>
+        <p:txBody>
+          <a:bodyPr rtlCol="0" anchor="t"/>
+          <a:lstStyle/>
+          <a:p>
+            <a:pPr algn="ctr"/>
+            <a:r>
+              <a:rPr lang="en-US" sz="800" dirty="0"/>
+              <a:t>Data</a:t>
+            </a:r>
+          </a:p>
+        </p:txBody>
+      </p:sp>
+      <p:sp>
+        <p:nvSpPr>
+          <p:cNvPr id="74" name="Rectangle 73">
+            <a:extLst>
+              <a:ext uri="{FF2B5EF4-FFF2-40B4-BE49-F238E27FC236}">
+                <a16:creationId xmlns:a16="http://schemas.microsoft.com/office/drawing/2014/main" id="{CA9F81B1-601A-49F0-8859-E13563C68C50}"/>
+              </a:ext>
+            </a:extLst>
+          </p:cNvPr>
+          <p:cNvSpPr/>
+          <p:nvPr/>
+        </p:nvSpPr>
+        <p:spPr>
+          <a:xfrm>
+            <a:off x="4969473" y="3126513"/>
+            <a:ext cx="410077" cy="156357"/>
+          </a:xfrm>
+          <a:prstGeom prst="rect">
+            <a:avLst/>
+          </a:prstGeom>
+        </p:spPr>
+        <p:style>
+          <a:lnRef idx="3">
+            <a:schemeClr val="lt1"/>
+          </a:lnRef>
+          <a:fillRef idx="1">
+            <a:schemeClr val="accent1"/>
+          </a:fillRef>
+          <a:effectRef idx="1">
+            <a:schemeClr val="accent1"/>
+          </a:effectRef>
+          <a:fontRef idx="minor">
+            <a:schemeClr val="lt1"/>
+          </a:fontRef>
+        </p:style>
+        <p:txBody>
+          <a:bodyPr rtlCol="0" anchor="t"/>
+          <a:lstStyle/>
+          <a:p>
+            <a:pPr algn="ctr"/>
+            <a:r>
+              <a:rPr lang="en-US" sz="800" dirty="0"/>
+              <a:t>ID</a:t>
+            </a:r>
+          </a:p>
+        </p:txBody>
+      </p:sp>
+      <p:sp>
+        <p:nvSpPr>
+          <p:cNvPr id="75" name="Rectangle 74">
+            <a:extLst>
+              <a:ext uri="{FF2B5EF4-FFF2-40B4-BE49-F238E27FC236}">
+                <a16:creationId xmlns:a16="http://schemas.microsoft.com/office/drawing/2014/main" id="{4FA75244-0AAA-476A-9DE4-6686797D1DE9}"/>
+              </a:ext>
+            </a:extLst>
+          </p:cNvPr>
+          <p:cNvSpPr/>
+          <p:nvPr/>
+        </p:nvSpPr>
+        <p:spPr>
+          <a:xfrm>
+            <a:off x="5374955" y="3126513"/>
+            <a:ext cx="652286" cy="156357"/>
+          </a:xfrm>
+          <a:prstGeom prst="rect">
+            <a:avLst/>
+          </a:prstGeom>
+        </p:spPr>
+        <p:style>
+          <a:lnRef idx="3">
+            <a:schemeClr val="lt1"/>
+          </a:lnRef>
+          <a:fillRef idx="1">
+            <a:schemeClr val="accent1"/>
+          </a:fillRef>
+          <a:effectRef idx="1">
+            <a:schemeClr val="accent1"/>
+          </a:effectRef>
+          <a:fontRef idx="minor">
+            <a:schemeClr val="lt1"/>
+          </a:fontRef>
+        </p:style>
+        <p:txBody>
+          <a:bodyPr rtlCol="0" anchor="t"/>
+          <a:lstStyle/>
+          <a:p>
+            <a:pPr algn="ctr"/>
+            <a:r>
+              <a:rPr lang="en-US" sz="800" dirty="0"/>
+              <a:t>Data</a:t>
+            </a:r>
+          </a:p>
+        </p:txBody>
+      </p:sp>
+      <p:sp>
+        <p:nvSpPr>
+          <p:cNvPr id="80" name="Rectangle 79">
+            <a:extLst>
+              <a:ext uri="{FF2B5EF4-FFF2-40B4-BE49-F238E27FC236}">
+                <a16:creationId xmlns:a16="http://schemas.microsoft.com/office/drawing/2014/main" id="{D9376AD5-568F-445C-BE63-007381811F86}"/>
+              </a:ext>
+            </a:extLst>
+          </p:cNvPr>
+          <p:cNvSpPr/>
+          <p:nvPr/>
+        </p:nvSpPr>
+        <p:spPr>
+          <a:xfrm>
+            <a:off x="4969473" y="3281256"/>
+            <a:ext cx="410077" cy="156357"/>
+          </a:xfrm>
+          <a:prstGeom prst="rect">
+            <a:avLst/>
+          </a:prstGeom>
+        </p:spPr>
+        <p:style>
+          <a:lnRef idx="3">
+            <a:schemeClr val="lt1"/>
+          </a:lnRef>
+          <a:fillRef idx="1">
+            <a:schemeClr val="accent1"/>
+          </a:fillRef>
+          <a:effectRef idx="1">
+            <a:schemeClr val="accent1"/>
+          </a:effectRef>
+          <a:fontRef idx="minor">
+            <a:schemeClr val="lt1"/>
+          </a:fontRef>
+        </p:style>
+        <p:txBody>
+          <a:bodyPr rtlCol="0" anchor="t"/>
+          <a:lstStyle/>
+          <a:p>
+            <a:pPr algn="ctr"/>
+            <a:r>
+              <a:rPr lang="en-US" sz="800" dirty="0"/>
+              <a:t>ID</a:t>
+            </a:r>
+          </a:p>
+        </p:txBody>
+      </p:sp>
+      <p:sp>
+        <p:nvSpPr>
+          <p:cNvPr id="89" name="Rectangle 88">
+            <a:extLst>
+              <a:ext uri="{FF2B5EF4-FFF2-40B4-BE49-F238E27FC236}">
+                <a16:creationId xmlns:a16="http://schemas.microsoft.com/office/drawing/2014/main" id="{577BB479-57C2-4E33-B0A9-ABE6BF69F752}"/>
+              </a:ext>
+            </a:extLst>
+          </p:cNvPr>
+          <p:cNvSpPr/>
+          <p:nvPr/>
+        </p:nvSpPr>
+        <p:spPr>
+          <a:xfrm>
+            <a:off x="5374955" y="3281256"/>
+            <a:ext cx="652286" cy="156357"/>
+          </a:xfrm>
+          <a:prstGeom prst="rect">
+            <a:avLst/>
+          </a:prstGeom>
+        </p:spPr>
+        <p:style>
+          <a:lnRef idx="3">
+            <a:schemeClr val="lt1"/>
+          </a:lnRef>
+          <a:fillRef idx="1">
+            <a:schemeClr val="accent1"/>
+          </a:fillRef>
+          <a:effectRef idx="1">
+            <a:schemeClr val="accent1"/>
+          </a:effectRef>
+          <a:fontRef idx="minor">
+            <a:schemeClr val="lt1"/>
+          </a:fontRef>
+        </p:style>
+        <p:txBody>
+          <a:bodyPr rtlCol="0" anchor="t"/>
+          <a:lstStyle/>
+          <a:p>
+            <a:pPr algn="ctr"/>
+            <a:r>
+              <a:rPr lang="en-US" sz="800" dirty="0"/>
+              <a:t>Data</a:t>
+            </a:r>
+          </a:p>
+        </p:txBody>
+      </p:sp>
+      <p:sp>
+        <p:nvSpPr>
+          <p:cNvPr id="90" name="Rectangle 89">
+            <a:extLst>
+              <a:ext uri="{FF2B5EF4-FFF2-40B4-BE49-F238E27FC236}">
+                <a16:creationId xmlns:a16="http://schemas.microsoft.com/office/drawing/2014/main" id="{A31AA75A-A106-4190-AF59-672D4E542CC9}"/>
+              </a:ext>
+            </a:extLst>
+          </p:cNvPr>
+          <p:cNvSpPr/>
+          <p:nvPr/>
+        </p:nvSpPr>
+        <p:spPr>
+          <a:xfrm>
+            <a:off x="4969074" y="3439191"/>
+            <a:ext cx="410077" cy="156357"/>
+          </a:xfrm>
+          <a:prstGeom prst="rect">
+            <a:avLst/>
+          </a:prstGeom>
+        </p:spPr>
+        <p:style>
+          <a:lnRef idx="3">
+            <a:schemeClr val="lt1"/>
+          </a:lnRef>
+          <a:fillRef idx="1">
+            <a:schemeClr val="accent1"/>
+          </a:fillRef>
+          <a:effectRef idx="1">
+            <a:schemeClr val="accent1"/>
+          </a:effectRef>
+          <a:fontRef idx="minor">
+            <a:schemeClr val="lt1"/>
+          </a:fontRef>
+        </p:style>
+        <p:txBody>
+          <a:bodyPr rtlCol="0" anchor="t"/>
+          <a:lstStyle/>
+          <a:p>
+            <a:pPr algn="ctr"/>
+            <a:r>
+              <a:rPr lang="en-US" sz="800" dirty="0"/>
+              <a:t>ID</a:t>
+            </a:r>
+          </a:p>
+        </p:txBody>
+      </p:sp>
+      <p:sp>
+        <p:nvSpPr>
+          <p:cNvPr id="91" name="Rectangle 90">
+            <a:extLst>
+              <a:ext uri="{FF2B5EF4-FFF2-40B4-BE49-F238E27FC236}">
+                <a16:creationId xmlns:a16="http://schemas.microsoft.com/office/drawing/2014/main" id="{CD3352FE-C802-4B59-B9C6-8537C3B54DEF}"/>
+              </a:ext>
+            </a:extLst>
+          </p:cNvPr>
+          <p:cNvSpPr/>
+          <p:nvPr/>
+        </p:nvSpPr>
+        <p:spPr>
+          <a:xfrm>
+            <a:off x="5374556" y="3439191"/>
+            <a:ext cx="652286" cy="156357"/>
+          </a:xfrm>
+          <a:prstGeom prst="rect">
+            <a:avLst/>
+          </a:prstGeom>
+        </p:spPr>
+        <p:style>
+          <a:lnRef idx="3">
+            <a:schemeClr val="lt1"/>
+          </a:lnRef>
+          <a:fillRef idx="1">
+            <a:schemeClr val="accent1"/>
+          </a:fillRef>
+          <a:effectRef idx="1">
+            <a:schemeClr val="accent1"/>
+          </a:effectRef>
+          <a:fontRef idx="minor">
+            <a:schemeClr val="lt1"/>
+          </a:fontRef>
+        </p:style>
+        <p:txBody>
+          <a:bodyPr rtlCol="0" anchor="t"/>
+          <a:lstStyle/>
+          <a:p>
+            <a:pPr algn="ctr"/>
+            <a:r>
+              <a:rPr lang="en-US" sz="800" dirty="0"/>
+              <a:t>Data</a:t>
+            </a:r>
+          </a:p>
+        </p:txBody>
+      </p:sp>
+      <p:sp>
+        <p:nvSpPr>
+          <p:cNvPr id="39" name="Oval 38">
+            <a:extLst>
+              <a:ext uri="{FF2B5EF4-FFF2-40B4-BE49-F238E27FC236}">
+                <a16:creationId xmlns:a16="http://schemas.microsoft.com/office/drawing/2014/main" id="{9E85DDB3-9C33-4611-A328-0E8DEEC39D6D}"/>
+              </a:ext>
+            </a:extLst>
+          </p:cNvPr>
+          <p:cNvSpPr/>
+          <p:nvPr/>
+        </p:nvSpPr>
+        <p:spPr>
+          <a:xfrm>
+            <a:off x="5470604" y="3659159"/>
+            <a:ext cx="45719" cy="45719"/>
+          </a:xfrm>
+          <a:prstGeom prst="ellipse">
+            <a:avLst/>
+          </a:prstGeom>
+          <a:solidFill>
+            <a:schemeClr val="bg1"/>
+          </a:solidFill>
+          <a:ln>
+            <a:solidFill>
+              <a:schemeClr val="bg1"/>
+            </a:solidFill>
+          </a:ln>
+        </p:spPr>
+        <p:style>
+          <a:lnRef idx="2">
+            <a:schemeClr val="accent1">
+              <a:shade val="50000"/>
+            </a:schemeClr>
+          </a:lnRef>
+          <a:fillRef idx="1">
+            <a:schemeClr val="accent1"/>
+          </a:fillRef>
+          <a:effectRef idx="0">
+            <a:schemeClr val="accent1"/>
+          </a:effectRef>
+          <a:fontRef idx="minor">
+            <a:schemeClr val="lt1"/>
+          </a:fontRef>
+        </p:style>
+        <p:txBody>
+          <a:bodyPr rtlCol="0" anchor="t"/>
+          <a:lstStyle/>
+          <a:p>
+            <a:pPr algn="ctr"/>
+            <a:endParaRPr lang="en-US" sz="1400" dirty="0"/>
+          </a:p>
+        </p:txBody>
+      </p:sp>
+      <p:sp>
+        <p:nvSpPr>
+          <p:cNvPr id="92" name="Oval 91">
+            <a:extLst>
+              <a:ext uri="{FF2B5EF4-FFF2-40B4-BE49-F238E27FC236}">
+                <a16:creationId xmlns:a16="http://schemas.microsoft.com/office/drawing/2014/main" id="{0A9F81DC-1148-4EAE-9922-104B98D4AFF7}"/>
+              </a:ext>
+            </a:extLst>
+          </p:cNvPr>
+          <p:cNvSpPr/>
+          <p:nvPr/>
+        </p:nvSpPr>
+        <p:spPr>
+          <a:xfrm>
+            <a:off x="5470604" y="3766079"/>
+            <a:ext cx="45719" cy="45719"/>
+          </a:xfrm>
+          <a:prstGeom prst="ellipse">
+            <a:avLst/>
+          </a:prstGeom>
+          <a:solidFill>
+            <a:schemeClr val="bg1"/>
+          </a:solidFill>
+          <a:ln>
+            <a:solidFill>
+              <a:schemeClr val="bg1"/>
+            </a:solidFill>
+          </a:ln>
+        </p:spPr>
+        <p:style>
+          <a:lnRef idx="2">
+            <a:schemeClr val="accent1">
+              <a:shade val="50000"/>
+            </a:schemeClr>
+          </a:lnRef>
+          <a:fillRef idx="1">
+            <a:schemeClr val="accent1"/>
+          </a:fillRef>
+          <a:effectRef idx="0">
+            <a:schemeClr val="accent1"/>
+          </a:effectRef>
+          <a:fontRef idx="minor">
+            <a:schemeClr val="lt1"/>
+          </a:fontRef>
+        </p:style>
+        <p:txBody>
+          <a:bodyPr rtlCol="0" anchor="t"/>
+          <a:lstStyle/>
+          <a:p>
+            <a:pPr algn="ctr"/>
+            <a:endParaRPr lang="en-US" sz="1400" dirty="0"/>
+          </a:p>
+        </p:txBody>
+      </p:sp>
+      <p:sp>
+        <p:nvSpPr>
+          <p:cNvPr id="93" name="Oval 92">
+            <a:extLst>
+              <a:ext uri="{FF2B5EF4-FFF2-40B4-BE49-F238E27FC236}">
+                <a16:creationId xmlns:a16="http://schemas.microsoft.com/office/drawing/2014/main" id="{24CBA015-A010-4188-8123-DC85BE135288}"/>
+              </a:ext>
+            </a:extLst>
+          </p:cNvPr>
+          <p:cNvSpPr/>
+          <p:nvPr/>
+        </p:nvSpPr>
+        <p:spPr>
+          <a:xfrm>
+            <a:off x="5472796" y="3870197"/>
+            <a:ext cx="45719" cy="45719"/>
+          </a:xfrm>
+          <a:prstGeom prst="ellipse">
+            <a:avLst/>
+          </a:prstGeom>
+          <a:solidFill>
+            <a:schemeClr val="bg1"/>
+          </a:solidFill>
+          <a:ln>
+            <a:solidFill>
+              <a:schemeClr val="bg1"/>
+            </a:solidFill>
+          </a:ln>
+        </p:spPr>
+        <p:style>
+          <a:lnRef idx="2">
+            <a:schemeClr val="accent1">
+              <a:shade val="50000"/>
+            </a:schemeClr>
+          </a:lnRef>
+          <a:fillRef idx="1">
+            <a:schemeClr val="accent1"/>
+          </a:fillRef>
+          <a:effectRef idx="0">
+            <a:schemeClr val="accent1"/>
+          </a:effectRef>
+          <a:fontRef idx="minor">
+            <a:schemeClr val="lt1"/>
+          </a:fontRef>
+        </p:style>
+        <p:txBody>
+          <a:bodyPr rtlCol="0" anchor="t"/>
+          <a:lstStyle/>
+          <a:p>
+            <a:pPr algn="ctr"/>
+            <a:endParaRPr lang="en-US" sz="1400" dirty="0"/>
+          </a:p>
+        </p:txBody>
+      </p:sp>
+      <p:cxnSp>
+        <p:nvCxnSpPr>
+          <p:cNvPr id="97" name="Connector: Elbow 96">
+            <a:extLst>
+              <a:ext uri="{FF2B5EF4-FFF2-40B4-BE49-F238E27FC236}">
+                <a16:creationId xmlns:a16="http://schemas.microsoft.com/office/drawing/2014/main" id="{C67F9B1D-E964-4ABD-889C-C2FA72653397}"/>
+              </a:ext>
+            </a:extLst>
+          </p:cNvPr>
+          <p:cNvCxnSpPr>
+            <a:stCxn id="71" idx="3"/>
+          </p:cNvCxnSpPr>
+          <p:nvPr/>
+        </p:nvCxnSpPr>
+        <p:spPr>
+          <a:xfrm>
+            <a:off x="2032754" y="5329463"/>
+            <a:ext cx="199386" cy="1233653"/>
+          </a:xfrm>
+          <a:prstGeom prst="bentConnector2">
+            <a:avLst/>
+          </a:prstGeom>
+        </p:spPr>
+        <p:style>
+          <a:lnRef idx="3">
+            <a:schemeClr val="dk1"/>
+          </a:lnRef>
+          <a:fillRef idx="0">
+            <a:schemeClr val="dk1"/>
+          </a:fillRef>
+          <a:effectRef idx="2">
+            <a:schemeClr val="dk1"/>
+          </a:effectRef>
+          <a:fontRef idx="minor">
+            <a:schemeClr val="tx1"/>
+          </a:fontRef>
+        </p:style>
+      </p:cxnSp>
+      <p:cxnSp>
+        <p:nvCxnSpPr>
+          <p:cNvPr id="102" name="Connector: Elbow 101">
+            <a:extLst>
+              <a:ext uri="{FF2B5EF4-FFF2-40B4-BE49-F238E27FC236}">
+                <a16:creationId xmlns:a16="http://schemas.microsoft.com/office/drawing/2014/main" id="{22C82191-0DBB-4E4A-B7BD-2982DCDC085B}"/>
+              </a:ext>
+            </a:extLst>
+          </p:cNvPr>
+          <p:cNvCxnSpPr>
+            <a:endCxn id="66" idx="3"/>
+          </p:cNvCxnSpPr>
+          <p:nvPr/>
+        </p:nvCxnSpPr>
+        <p:spPr>
+          <a:xfrm rot="16200000" flipV="1">
+            <a:off x="1930340" y="5027663"/>
+            <a:ext cx="390753" cy="212848"/>
+          </a:xfrm>
+          <a:prstGeom prst="bentConnector2">
+            <a:avLst/>
+          </a:prstGeom>
+          <a:ln>
+            <a:tailEnd type="triangle"/>
+          </a:ln>
+        </p:spPr>
+        <p:style>
+          <a:lnRef idx="3">
+            <a:schemeClr val="dk1"/>
+          </a:lnRef>
+          <a:fillRef idx="0">
+            <a:schemeClr val="dk1"/>
+          </a:fillRef>
+          <a:effectRef idx="2">
+            <a:schemeClr val="dk1"/>
+          </a:effectRef>
+          <a:fontRef idx="minor">
+            <a:schemeClr val="tx1"/>
+          </a:fontRef>
+        </p:style>
+      </p:cxnSp>
+      <p:cxnSp>
+        <p:nvCxnSpPr>
+          <p:cNvPr id="104" name="Straight Arrow Connector 103">
+            <a:extLst>
+              <a:ext uri="{FF2B5EF4-FFF2-40B4-BE49-F238E27FC236}">
+                <a16:creationId xmlns:a16="http://schemas.microsoft.com/office/drawing/2014/main" id="{48588D77-4D7E-4E35-BBE2-791C870D7E8B}"/>
+              </a:ext>
+            </a:extLst>
+          </p:cNvPr>
+          <p:cNvCxnSpPr>
+            <a:stCxn id="71" idx="3"/>
+          </p:cNvCxnSpPr>
+          <p:nvPr/>
+        </p:nvCxnSpPr>
+        <p:spPr>
+          <a:xfrm>
+            <a:off x="2032754" y="5329463"/>
+            <a:ext cx="199386" cy="0"/>
+          </a:xfrm>
+          <a:prstGeom prst="straightConnector1">
+            <a:avLst/>
+          </a:prstGeom>
+          <a:ln>
+            <a:tailEnd type="triangle"/>
+          </a:ln>
+        </p:spPr>
+        <p:style>
+          <a:lnRef idx="3">
+            <a:schemeClr val="dk1"/>
+          </a:lnRef>
+          <a:fillRef idx="0">
+            <a:schemeClr val="dk1"/>
+          </a:fillRef>
+          <a:effectRef idx="2">
+            <a:schemeClr val="dk1"/>
+          </a:effectRef>
+          <a:fontRef idx="minor">
+            <a:schemeClr val="tx1"/>
+          </a:fontRef>
+        </p:style>
+      </p:cxnSp>
+      <p:cxnSp>
+        <p:nvCxnSpPr>
+          <p:cNvPr id="106" name="Straight Arrow Connector 105">
+            <a:extLst>
+              <a:ext uri="{FF2B5EF4-FFF2-40B4-BE49-F238E27FC236}">
+                <a16:creationId xmlns:a16="http://schemas.microsoft.com/office/drawing/2014/main" id="{5D72D504-10AB-470C-BF60-ACB07A195E22}"/>
+              </a:ext>
+            </a:extLst>
+          </p:cNvPr>
+          <p:cNvCxnSpPr>
+            <a:stCxn id="29" idx="3"/>
+          </p:cNvCxnSpPr>
+          <p:nvPr/>
+        </p:nvCxnSpPr>
+        <p:spPr>
+          <a:xfrm>
+            <a:off x="4479419" y="5287116"/>
+            <a:ext cx="244332" cy="0"/>
+          </a:xfrm>
+          <a:prstGeom prst="straightConnector1">
+            <a:avLst/>
+          </a:prstGeom>
+          <a:ln>
+            <a:tailEnd type="triangle"/>
+          </a:ln>
+        </p:spPr>
+        <p:style>
+          <a:lnRef idx="3">
+            <a:schemeClr val="dk1"/>
+          </a:lnRef>
+          <a:fillRef idx="0">
+            <a:schemeClr val="dk1"/>
+          </a:fillRef>
+          <a:effectRef idx="2">
+            <a:schemeClr val="dk1"/>
+          </a:effectRef>
+          <a:fontRef idx="minor">
+            <a:schemeClr val="tx1"/>
+          </a:fontRef>
+        </p:style>
+      </p:cxnSp>
+      <p:sp>
+        <p:nvSpPr>
+          <p:cNvPr id="110" name="Rectangle 109">
+            <a:extLst>
+              <a:ext uri="{FF2B5EF4-FFF2-40B4-BE49-F238E27FC236}">
+                <a16:creationId xmlns:a16="http://schemas.microsoft.com/office/drawing/2014/main" id="{AA1B3C93-A52C-4E08-BF0A-2567F9BA9E7E}"/>
+              </a:ext>
+            </a:extLst>
+          </p:cNvPr>
+          <p:cNvSpPr/>
+          <p:nvPr/>
+        </p:nvSpPr>
+        <p:spPr>
+          <a:xfrm>
+            <a:off x="5816600" y="4975137"/>
+            <a:ext cx="3935680" cy="991911"/>
+          </a:xfrm>
+          <a:prstGeom prst="rect">
+            <a:avLst/>
+          </a:prstGeom>
+        </p:spPr>
+        <p:style>
+          <a:lnRef idx="2">
+            <a:schemeClr val="accent4">
+              <a:shade val="50000"/>
+            </a:schemeClr>
+          </a:lnRef>
+          <a:fillRef idx="1">
+            <a:schemeClr val="accent4"/>
+          </a:fillRef>
+          <a:effectRef idx="0">
+            <a:schemeClr val="accent4"/>
+          </a:effectRef>
+          <a:fontRef idx="minor">
+            <a:schemeClr val="lt1"/>
+          </a:fontRef>
+        </p:style>
+        <p:txBody>
+          <a:bodyPr rtlCol="0" anchor="t"/>
+          <a:lstStyle/>
+          <a:p>
+            <a:pPr algn="ctr"/>
+            <a:r>
+              <a:rPr lang="en-US" sz="1400" dirty="0"/>
+              <a:t>CAN CONTROLLER (WIP)</a:t>
+            </a:r>
+          </a:p>
+        </p:txBody>
+      </p:sp>
+      <p:cxnSp>
+        <p:nvCxnSpPr>
+          <p:cNvPr id="115" name="Connector: Elbow 114">
+            <a:extLst>
+              <a:ext uri="{FF2B5EF4-FFF2-40B4-BE49-F238E27FC236}">
+                <a16:creationId xmlns:a16="http://schemas.microsoft.com/office/drawing/2014/main" id="{5FA024FC-47DA-48B5-AA88-6B21422F027A}"/>
+              </a:ext>
+            </a:extLst>
+          </p:cNvPr>
+          <p:cNvCxnSpPr>
+            <a:cxnSpLocks/>
+            <a:stCxn id="88" idx="2"/>
+            <a:endCxn id="110" idx="0"/>
+          </p:cNvCxnSpPr>
+          <p:nvPr/>
+        </p:nvCxnSpPr>
+        <p:spPr>
+          <a:xfrm rot="5400000">
+            <a:off x="9272986" y="3054708"/>
+            <a:ext cx="431884" cy="3408975"/>
+          </a:xfrm>
+          <a:prstGeom prst="bentConnector3">
+            <a:avLst>
+              <a:gd name="adj1" fmla="val 50000"/>
+            </a:avLst>
+          </a:prstGeom>
+          <a:ln>
+            <a:tailEnd type="triangle"/>
+          </a:ln>
+        </p:spPr>
+        <p:style>
+          <a:lnRef idx="3">
+            <a:schemeClr val="dk1"/>
+          </a:lnRef>
+          <a:fillRef idx="0">
+            <a:schemeClr val="dk1"/>
+          </a:fillRef>
+          <a:effectRef idx="2">
+            <a:schemeClr val="dk1"/>
+          </a:effectRef>
+          <a:fontRef idx="minor">
+            <a:schemeClr val="tx1"/>
+          </a:fontRef>
+        </p:style>
+      </p:cxnSp>
+      <p:cxnSp>
+        <p:nvCxnSpPr>
+          <p:cNvPr id="118" name="Connector: Elbow 117">
+            <a:extLst>
+              <a:ext uri="{FF2B5EF4-FFF2-40B4-BE49-F238E27FC236}">
+                <a16:creationId xmlns:a16="http://schemas.microsoft.com/office/drawing/2014/main" id="{092A3BC5-58F9-4416-ABB2-761B6E076B24}"/>
+              </a:ext>
+            </a:extLst>
+          </p:cNvPr>
+          <p:cNvCxnSpPr>
+            <a:cxnSpLocks/>
+            <a:stCxn id="128" idx="3"/>
+            <a:endCxn id="101" idx="1"/>
+          </p:cNvCxnSpPr>
+          <p:nvPr/>
+        </p:nvCxnSpPr>
+        <p:spPr>
+          <a:xfrm>
+            <a:off x="9462668" y="5595667"/>
+            <a:ext cx="1015200" cy="731365"/>
+          </a:xfrm>
+          <a:prstGeom prst="bentConnector3">
+            <a:avLst/>
+          </a:prstGeom>
+          <a:ln>
+            <a:tailEnd type="triangle"/>
+          </a:ln>
+        </p:spPr>
+        <p:style>
+          <a:lnRef idx="3">
+            <a:schemeClr val="dk1"/>
+          </a:lnRef>
+          <a:fillRef idx="0">
+            <a:schemeClr val="dk1"/>
+          </a:fillRef>
+          <a:effectRef idx="2">
+            <a:schemeClr val="dk1"/>
+          </a:effectRef>
+          <a:fontRef idx="minor">
+            <a:schemeClr val="tx1"/>
+          </a:fontRef>
+        </p:style>
+      </p:cxnSp>
+      <p:sp>
+        <p:nvSpPr>
+          <p:cNvPr id="121" name="TextBox 120">
+            <a:extLst>
+              <a:ext uri="{FF2B5EF4-FFF2-40B4-BE49-F238E27FC236}">
+                <a16:creationId xmlns:a16="http://schemas.microsoft.com/office/drawing/2014/main" id="{CCDAE240-223A-4D0B-AFE1-718F3EAEE51B}"/>
               </a:ext>
             </a:extLst>
           </p:cNvPr>
@@ -5211,8 +6839,8 @@
         </p:nvSpPr>
         <p:spPr>
           <a:xfrm>
-            <a:off x="10477868" y="5865367"/>
-            <a:ext cx="1497581" cy="923330"/>
+            <a:off x="6432978" y="6105723"/>
+            <a:ext cx="2689149" cy="646331"/>
           </a:xfrm>
           <a:prstGeom prst="rect">
             <a:avLst/>
@@ -5228,11 +6856,202 @@
             <a:pPr algn="ctr"/>
             <a:r>
               <a:rPr lang="en-US" dirty="0"/>
-              <a:t>Sensor Data Output on CAN BUS</a:t>
-            </a:r>
-          </a:p>
-        </p:txBody>
-      </p:sp>
+              <a:t>CAN Receive Message </a:t>
+            </a:r>
+          </a:p>
+          <a:p>
+            <a:pPr algn="ctr"/>
+            <a:r>
+              <a:rPr lang="en-US" dirty="0"/>
+              <a:t> (i.e. Time Sync, etc.)</a:t>
+            </a:r>
+          </a:p>
+        </p:txBody>
+      </p:sp>
+      <p:sp>
+        <p:nvSpPr>
+          <p:cNvPr id="126" name="Rectangle 125">
+            <a:extLst>
+              <a:ext uri="{FF2B5EF4-FFF2-40B4-BE49-F238E27FC236}">
+                <a16:creationId xmlns:a16="http://schemas.microsoft.com/office/drawing/2014/main" id="{E1D86C55-FEA5-4FF4-8691-8D92F80522D0}"/>
+              </a:ext>
+            </a:extLst>
+          </p:cNvPr>
+          <p:cNvSpPr/>
+          <p:nvPr/>
+        </p:nvSpPr>
+        <p:spPr>
+          <a:xfrm>
+            <a:off x="6116231" y="5371624"/>
+            <a:ext cx="1609272" cy="448085"/>
+          </a:xfrm>
+          <a:prstGeom prst="rect">
+            <a:avLst/>
+          </a:prstGeom>
+        </p:spPr>
+        <p:style>
+          <a:lnRef idx="2">
+            <a:schemeClr val="accent1">
+              <a:shade val="50000"/>
+            </a:schemeClr>
+          </a:lnRef>
+          <a:fillRef idx="1">
+            <a:schemeClr val="accent1"/>
+          </a:fillRef>
+          <a:effectRef idx="0">
+            <a:schemeClr val="accent1"/>
+          </a:effectRef>
+          <a:fontRef idx="minor">
+            <a:schemeClr val="lt1"/>
+          </a:fontRef>
+        </p:style>
+        <p:txBody>
+          <a:bodyPr rtlCol="0" anchor="t"/>
+          <a:lstStyle/>
+          <a:p>
+            <a:pPr algn="ctr"/>
+            <a:r>
+              <a:rPr lang="en-US" sz="1400" dirty="0"/>
+              <a:t>Input Control</a:t>
+            </a:r>
+          </a:p>
+        </p:txBody>
+      </p:sp>
+      <p:sp>
+        <p:nvSpPr>
+          <p:cNvPr id="128" name="Rectangle 127">
+            <a:extLst>
+              <a:ext uri="{FF2B5EF4-FFF2-40B4-BE49-F238E27FC236}">
+                <a16:creationId xmlns:a16="http://schemas.microsoft.com/office/drawing/2014/main" id="{3DA14D0A-64AB-4B96-8937-F94CA6031968}"/>
+              </a:ext>
+            </a:extLst>
+          </p:cNvPr>
+          <p:cNvSpPr/>
+          <p:nvPr/>
+        </p:nvSpPr>
+        <p:spPr>
+          <a:xfrm>
+            <a:off x="7853396" y="5371624"/>
+            <a:ext cx="1609272" cy="448085"/>
+          </a:xfrm>
+          <a:prstGeom prst="rect">
+            <a:avLst/>
+          </a:prstGeom>
+        </p:spPr>
+        <p:style>
+          <a:lnRef idx="2">
+            <a:schemeClr val="accent1">
+              <a:shade val="50000"/>
+            </a:schemeClr>
+          </a:lnRef>
+          <a:fillRef idx="1">
+            <a:schemeClr val="accent1"/>
+          </a:fillRef>
+          <a:effectRef idx="0">
+            <a:schemeClr val="accent1"/>
+          </a:effectRef>
+          <a:fontRef idx="minor">
+            <a:schemeClr val="lt1"/>
+          </a:fontRef>
+        </p:style>
+        <p:txBody>
+          <a:bodyPr rtlCol="0" anchor="t"/>
+          <a:lstStyle/>
+          <a:p>
+            <a:pPr algn="ctr"/>
+            <a:r>
+              <a:rPr lang="en-US" sz="1400" dirty="0"/>
+              <a:t>Output Control</a:t>
+            </a:r>
+          </a:p>
+        </p:txBody>
+      </p:sp>
+      <p:cxnSp>
+        <p:nvCxnSpPr>
+          <p:cNvPr id="131" name="Connector: Elbow 130">
+            <a:extLst>
+              <a:ext uri="{FF2B5EF4-FFF2-40B4-BE49-F238E27FC236}">
+                <a16:creationId xmlns:a16="http://schemas.microsoft.com/office/drawing/2014/main" id="{33B2ED5B-0FC6-436A-AD35-160B880AB0E1}"/>
+              </a:ext>
+            </a:extLst>
+          </p:cNvPr>
+          <p:cNvCxnSpPr>
+            <a:stCxn id="121" idx="0"/>
+            <a:endCxn id="126" idx="2"/>
+          </p:cNvCxnSpPr>
+          <p:nvPr/>
+        </p:nvCxnSpPr>
+        <p:spPr>
+          <a:xfrm rot="16200000" flipV="1">
+            <a:off x="7206203" y="5534373"/>
+            <a:ext cx="286014" cy="856686"/>
+          </a:xfrm>
+          <a:prstGeom prst="bentConnector3">
+            <a:avLst>
+              <a:gd name="adj1" fmla="val 23358"/>
+            </a:avLst>
+          </a:prstGeom>
+          <a:ln>
+            <a:tailEnd type="triangle"/>
+          </a:ln>
+        </p:spPr>
+        <p:style>
+          <a:lnRef idx="3">
+            <a:schemeClr val="dk1"/>
+          </a:lnRef>
+          <a:fillRef idx="0">
+            <a:schemeClr val="dk1"/>
+          </a:fillRef>
+          <a:effectRef idx="2">
+            <a:schemeClr val="dk1"/>
+          </a:effectRef>
+          <a:fontRef idx="minor">
+            <a:schemeClr val="tx1"/>
+          </a:fontRef>
+        </p:style>
+      </p:cxnSp>
+      <p:cxnSp>
+        <p:nvCxnSpPr>
+          <p:cNvPr id="134" name="Connector: Elbow 133">
+            <a:extLst>
+              <a:ext uri="{FF2B5EF4-FFF2-40B4-BE49-F238E27FC236}">
+                <a16:creationId xmlns:a16="http://schemas.microsoft.com/office/drawing/2014/main" id="{6817176C-1F80-4678-A802-4F8EC4624834}"/>
+              </a:ext>
+            </a:extLst>
+          </p:cNvPr>
+          <p:cNvCxnSpPr>
+            <a:stCxn id="126" idx="1"/>
+            <a:endCxn id="2" idx="2"/>
+          </p:cNvCxnSpPr>
+          <p:nvPr/>
+        </p:nvCxnSpPr>
+        <p:spPr>
+          <a:xfrm rot="10800000">
+            <a:off x="5489981" y="4508331"/>
+            <a:ext cx="626251" cy="1087336"/>
+          </a:xfrm>
+          <a:prstGeom prst="bentConnector2">
+            <a:avLst/>
+          </a:prstGeom>
+          <a:ln>
+            <a:tailEnd type="triangle"/>
+          </a:ln>
+        </p:spPr>
+        <p:style>
+          <a:lnRef idx="3">
+            <a:schemeClr val="dk1"/>
+          </a:lnRef>
+          <a:fillRef idx="0">
+            <a:schemeClr val="dk1"/>
+          </a:fillRef>
+          <a:effectRef idx="2">
+            <a:schemeClr val="dk1"/>
+          </a:effectRef>
+          <a:fontRef idx="minor">
+            <a:schemeClr val="tx1"/>
+          </a:fontRef>
+        </p:style>
+      </p:cxnSp>
     </p:spTree>
     <p:extLst>
       <p:ext uri="{BB962C8B-B14F-4D97-AF65-F5344CB8AC3E}">

--- a/new_acquisition/nucleo data flow and sw structure.pptx
+++ b/new_acquisition/nucleo data flow and sw structure.pptx
@@ -6,7 +6,8 @@
   </p:sldMasterIdLst>
   <p:sldIdLst>
     <p:sldId id="256" r:id="rId2"/>
-    <p:sldId id="257" r:id="rId3"/>
+    <p:sldId id="258" r:id="rId3"/>
+    <p:sldId id="257" r:id="rId4"/>
   </p:sldIdLst>
   <p:sldSz cx="12192000" cy="6858000"/>
   <p:notesSz cx="6858000" cy="9144000"/>
@@ -264,7 +265,7 @@
           <a:p>
             <a:fld id="{952D8749-70C6-48E7-AB63-DFF662370668}" type="datetimeFigureOut">
               <a:rPr lang="en-US" smtClean="0"/>
-              <a:t>10/29/2017</a:t>
+              <a:t>12/4/2017</a:t>
             </a:fld>
             <a:endParaRPr lang="en-US" dirty="0"/>
           </a:p>
@@ -462,7 +463,7 @@
           <a:p>
             <a:fld id="{952D8749-70C6-48E7-AB63-DFF662370668}" type="datetimeFigureOut">
               <a:rPr lang="en-US" smtClean="0"/>
-              <a:t>10/29/2017</a:t>
+              <a:t>12/4/2017</a:t>
             </a:fld>
             <a:endParaRPr lang="en-US" dirty="0"/>
           </a:p>
@@ -670,7 +671,7 @@
           <a:p>
             <a:fld id="{952D8749-70C6-48E7-AB63-DFF662370668}" type="datetimeFigureOut">
               <a:rPr lang="en-US" smtClean="0"/>
-              <a:t>10/29/2017</a:t>
+              <a:t>12/4/2017</a:t>
             </a:fld>
             <a:endParaRPr lang="en-US" dirty="0"/>
           </a:p>
@@ -868,7 +869,7 @@
           <a:p>
             <a:fld id="{952D8749-70C6-48E7-AB63-DFF662370668}" type="datetimeFigureOut">
               <a:rPr lang="en-US" smtClean="0"/>
-              <a:t>10/29/2017</a:t>
+              <a:t>12/4/2017</a:t>
             </a:fld>
             <a:endParaRPr lang="en-US" dirty="0"/>
           </a:p>
@@ -1143,7 +1144,7 @@
           <a:p>
             <a:fld id="{952D8749-70C6-48E7-AB63-DFF662370668}" type="datetimeFigureOut">
               <a:rPr lang="en-US" smtClean="0"/>
-              <a:t>10/29/2017</a:t>
+              <a:t>12/4/2017</a:t>
             </a:fld>
             <a:endParaRPr lang="en-US" dirty="0"/>
           </a:p>
@@ -1408,7 +1409,7 @@
           <a:p>
             <a:fld id="{952D8749-70C6-48E7-AB63-DFF662370668}" type="datetimeFigureOut">
               <a:rPr lang="en-US" smtClean="0"/>
-              <a:t>10/29/2017</a:t>
+              <a:t>12/4/2017</a:t>
             </a:fld>
             <a:endParaRPr lang="en-US" dirty="0"/>
           </a:p>
@@ -1820,7 +1821,7 @@
           <a:p>
             <a:fld id="{952D8749-70C6-48E7-AB63-DFF662370668}" type="datetimeFigureOut">
               <a:rPr lang="en-US" smtClean="0"/>
-              <a:t>10/29/2017</a:t>
+              <a:t>12/4/2017</a:t>
             </a:fld>
             <a:endParaRPr lang="en-US" dirty="0"/>
           </a:p>
@@ -1961,7 +1962,7 @@
           <a:p>
             <a:fld id="{952D8749-70C6-48E7-AB63-DFF662370668}" type="datetimeFigureOut">
               <a:rPr lang="en-US" smtClean="0"/>
-              <a:t>10/29/2017</a:t>
+              <a:t>12/4/2017</a:t>
             </a:fld>
             <a:endParaRPr lang="en-US" dirty="0"/>
           </a:p>
@@ -2074,7 +2075,7 @@
           <a:p>
             <a:fld id="{952D8749-70C6-48E7-AB63-DFF662370668}" type="datetimeFigureOut">
               <a:rPr lang="en-US" smtClean="0"/>
-              <a:t>10/29/2017</a:t>
+              <a:t>12/4/2017</a:t>
             </a:fld>
             <a:endParaRPr lang="en-US" dirty="0"/>
           </a:p>
@@ -2385,7 +2386,7 @@
           <a:p>
             <a:fld id="{952D8749-70C6-48E7-AB63-DFF662370668}" type="datetimeFigureOut">
               <a:rPr lang="en-US" smtClean="0"/>
-              <a:t>10/29/2017</a:t>
+              <a:t>12/4/2017</a:t>
             </a:fld>
             <a:endParaRPr lang="en-US" dirty="0"/>
           </a:p>
@@ -2673,7 +2674,7 @@
           <a:p>
             <a:fld id="{952D8749-70C6-48E7-AB63-DFF662370668}" type="datetimeFigureOut">
               <a:rPr lang="en-US" smtClean="0"/>
-              <a:t>10/29/2017</a:t>
+              <a:t>12/4/2017</a:t>
             </a:fld>
             <a:endParaRPr lang="en-US" dirty="0"/>
           </a:p>
@@ -2914,7 +2915,7 @@
           <a:p>
             <a:fld id="{952D8749-70C6-48E7-AB63-DFF662370668}" type="datetimeFigureOut">
               <a:rPr lang="en-US" smtClean="0"/>
-              <a:t>10/29/2017</a:t>
+              <a:t>12/4/2017</a:t>
             </a:fld>
             <a:endParaRPr lang="en-US" dirty="0"/>
           </a:p>
@@ -3433,8 +3434,8 @@
         </p:nvSpPr>
         <p:spPr>
           <a:xfrm>
-            <a:off x="498225" y="1623646"/>
-            <a:ext cx="1539847" cy="671176"/>
+            <a:off x="470850" y="1427576"/>
+            <a:ext cx="1539847" cy="844109"/>
           </a:xfrm>
           <a:prstGeom prst="rect">
             <a:avLst/>
@@ -3482,8 +3483,8 @@
         </p:nvSpPr>
         <p:spPr>
           <a:xfrm rot="10800000">
-            <a:off x="398550" y="5590531"/>
-            <a:ext cx="1661537" cy="704404"/>
+            <a:off x="610170" y="5794820"/>
+            <a:ext cx="1251024" cy="500115"/>
           </a:xfrm>
           <a:prstGeom prst="curvedDownArrow">
             <a:avLst/>
@@ -3532,8 +3533,8 @@
         </p:nvSpPr>
         <p:spPr>
           <a:xfrm>
-            <a:off x="498225" y="2596661"/>
-            <a:ext cx="1661537" cy="815313"/>
+            <a:off x="610171" y="2378444"/>
+            <a:ext cx="1238296" cy="425743"/>
           </a:xfrm>
           <a:prstGeom prst="curvedDownArrow">
             <a:avLst/>
@@ -3570,10 +3571,10 @@
       </p:sp>
       <p:sp>
         <p:nvSpPr>
-          <p:cNvPr id="11" name="Rectangle 10">
-            <a:extLst>
-              <a:ext uri="{FF2B5EF4-FFF2-40B4-BE49-F238E27FC236}">
-                <a16:creationId xmlns:a16="http://schemas.microsoft.com/office/drawing/2014/main" id="{8E9A3D12-6EAC-457B-B9CC-F7D3DBCFBEC3}"/>
+          <p:cNvPr id="19" name="Rectangle 18">
+            <a:extLst>
+              <a:ext uri="{FF2B5EF4-FFF2-40B4-BE49-F238E27FC236}">
+                <a16:creationId xmlns:a16="http://schemas.microsoft.com/office/drawing/2014/main" id="{0F92A50E-B01D-453C-A73F-964D13811364}"/>
               </a:ext>
             </a:extLst>
           </p:cNvPr>
@@ -3582,12 +3583,68 @@
         </p:nvSpPr>
         <p:spPr>
           <a:xfrm>
-            <a:off x="2344363" y="1084386"/>
-            <a:ext cx="1562960" cy="4882662"/>
+            <a:off x="4374448" y="2804772"/>
+            <a:ext cx="1369866" cy="1764023"/>
           </a:xfrm>
           <a:prstGeom prst="rect">
             <a:avLst/>
           </a:prstGeom>
+        </p:spPr>
+        <p:style>
+          <a:lnRef idx="1">
+            <a:schemeClr val="accent3"/>
+          </a:lnRef>
+          <a:fillRef idx="2">
+            <a:schemeClr val="accent3"/>
+          </a:fillRef>
+          <a:effectRef idx="1">
+            <a:schemeClr val="accent3"/>
+          </a:effectRef>
+          <a:fontRef idx="minor">
+            <a:schemeClr val="dk1"/>
+          </a:fontRef>
+        </p:style>
+        <p:txBody>
+          <a:bodyPr rtlCol="0" anchor="t"/>
+          <a:lstStyle/>
+          <a:p>
+            <a:pPr algn="ctr"/>
+            <a:r>
+              <a:rPr lang="en-US" sz="1400" dirty="0"/>
+              <a:t>Sensor Manager Class</a:t>
+            </a:r>
+          </a:p>
+          <a:p>
+            <a:pPr algn="ctr"/>
+            <a:endParaRPr lang="en-US" sz="1400" dirty="0"/>
+          </a:p>
+        </p:txBody>
+      </p:sp>
+      <p:sp>
+        <p:nvSpPr>
+          <p:cNvPr id="20" name="Rectangle 19">
+            <a:extLst>
+              <a:ext uri="{FF2B5EF4-FFF2-40B4-BE49-F238E27FC236}">
+                <a16:creationId xmlns:a16="http://schemas.microsoft.com/office/drawing/2014/main" id="{DD67685A-52AF-4527-88FA-F9E66D7BB8CF}"/>
+              </a:ext>
+            </a:extLst>
+          </p:cNvPr>
+          <p:cNvSpPr/>
+          <p:nvPr/>
+        </p:nvSpPr>
+        <p:spPr>
+          <a:xfrm>
+            <a:off x="4536374" y="3349895"/>
+            <a:ext cx="1057768" cy="1068257"/>
+          </a:xfrm>
+          <a:prstGeom prst="rect">
+            <a:avLst/>
+          </a:prstGeom>
+          <a:ln>
+            <a:solidFill>
+              <a:schemeClr val="tx1"/>
+            </a:solidFill>
+          </a:ln>
         </p:spPr>
         <p:style>
           <a:lnRef idx="2">
@@ -3606,20 +3663,24 @@
           </a:fontRef>
         </p:style>
         <p:txBody>
-          <a:bodyPr rtlCol="0" anchor="ctr"/>
-          <a:lstStyle/>
-          <a:p>
-            <a:pPr algn="ctr"/>
-            <a:endParaRPr lang="en-US" sz="1400" dirty="0"/>
-          </a:p>
-        </p:txBody>
-      </p:sp>
-      <p:sp>
-        <p:nvSpPr>
-          <p:cNvPr id="12" name="Rectangle 11">
-            <a:extLst>
-              <a:ext uri="{FF2B5EF4-FFF2-40B4-BE49-F238E27FC236}">
-                <a16:creationId xmlns:a16="http://schemas.microsoft.com/office/drawing/2014/main" id="{E5954E8B-6E75-4200-9538-0C9A3FA65E25}"/>
+          <a:bodyPr rtlCol="0" anchor="b"/>
+          <a:lstStyle/>
+          <a:p>
+            <a:pPr algn="ctr"/>
+            <a:endParaRPr lang="en-US" sz="1100" dirty="0"/>
+          </a:p>
+          <a:p>
+            <a:pPr algn="ctr"/>
+            <a:endParaRPr lang="en-US" sz="1100" dirty="0"/>
+          </a:p>
+        </p:txBody>
+      </p:sp>
+      <p:sp>
+        <p:nvSpPr>
+          <p:cNvPr id="79" name="Rectangle 78">
+            <a:extLst>
+              <a:ext uri="{FF2B5EF4-FFF2-40B4-BE49-F238E27FC236}">
+                <a16:creationId xmlns:a16="http://schemas.microsoft.com/office/drawing/2014/main" id="{5AAB5E0D-6E83-46C7-85E4-838DF4C69C79}"/>
               </a:ext>
             </a:extLst>
           </p:cNvPr>
@@ -3628,10 +3689,57 @@
         </p:nvSpPr>
         <p:spPr>
           <a:xfrm>
-            <a:off x="2496763" y="1236786"/>
-            <a:ext cx="1562960" cy="4882662"/>
+            <a:off x="5990848" y="2804772"/>
+            <a:ext cx="1291786" cy="2091887"/>
           </a:xfrm>
           <a:prstGeom prst="rect">
+            <a:avLst/>
+          </a:prstGeom>
+        </p:spPr>
+        <p:style>
+          <a:lnRef idx="1">
+            <a:schemeClr val="accent3"/>
+          </a:lnRef>
+          <a:fillRef idx="2">
+            <a:schemeClr val="accent3"/>
+          </a:fillRef>
+          <a:effectRef idx="1">
+            <a:schemeClr val="accent3"/>
+          </a:effectRef>
+          <a:fontRef idx="minor">
+            <a:schemeClr val="dk1"/>
+          </a:fontRef>
+        </p:style>
+        <p:txBody>
+          <a:bodyPr rtlCol="0" anchor="t"/>
+          <a:lstStyle/>
+          <a:p>
+            <a:pPr algn="ctr"/>
+            <a:r>
+              <a:rPr lang="en-US" sz="1400" dirty="0"/>
+              <a:t>CAN Message Queue Class</a:t>
+            </a:r>
+          </a:p>
+        </p:txBody>
+      </p:sp>
+      <p:sp>
+        <p:nvSpPr>
+          <p:cNvPr id="83" name="Cylinder 82">
+            <a:extLst>
+              <a:ext uri="{FF2B5EF4-FFF2-40B4-BE49-F238E27FC236}">
+                <a16:creationId xmlns:a16="http://schemas.microsoft.com/office/drawing/2014/main" id="{2050212C-232C-4213-A0AF-8063BC80893E}"/>
+              </a:ext>
+            </a:extLst>
+          </p:cNvPr>
+          <p:cNvSpPr/>
+          <p:nvPr/>
+        </p:nvSpPr>
+        <p:spPr>
+          <a:xfrm>
+            <a:off x="6242894" y="3410513"/>
+            <a:ext cx="867507" cy="1307123"/>
+          </a:xfrm>
+          <a:prstGeom prst="can">
             <a:avLst/>
           </a:prstGeom>
         </p:spPr>
@@ -3656,62 +3764,100 @@
           <a:lstStyle/>
           <a:p>
             <a:pPr algn="ctr"/>
-            <a:endParaRPr lang="en-US" sz="1400" dirty="0"/>
-          </a:p>
-        </p:txBody>
-      </p:sp>
-      <p:sp>
-        <p:nvSpPr>
-          <p:cNvPr id="13" name="Rectangle 12">
-            <a:extLst>
-              <a:ext uri="{FF2B5EF4-FFF2-40B4-BE49-F238E27FC236}">
-                <a16:creationId xmlns:a16="http://schemas.microsoft.com/office/drawing/2014/main" id="{EF57ECE9-D831-464B-9A34-59F6D25FC573}"/>
-              </a:ext>
-            </a:extLst>
-          </p:cNvPr>
-          <p:cNvSpPr/>
-          <p:nvPr/>
-        </p:nvSpPr>
-        <p:spPr>
-          <a:xfrm>
-            <a:off x="2649163" y="1389186"/>
-            <a:ext cx="1562960" cy="4882662"/>
-          </a:xfrm>
-          <a:prstGeom prst="rect">
-            <a:avLst/>
-          </a:prstGeom>
+            <a:r>
+              <a:rPr lang="en-US" sz="1400" dirty="0"/>
+              <a:t>CAN Message FIFO</a:t>
+            </a:r>
+          </a:p>
+        </p:txBody>
+      </p:sp>
+      <p:cxnSp>
+        <p:nvCxnSpPr>
+          <p:cNvPr id="95" name="Connector: Elbow 94">
+            <a:extLst>
+              <a:ext uri="{FF2B5EF4-FFF2-40B4-BE49-F238E27FC236}">
+                <a16:creationId xmlns:a16="http://schemas.microsoft.com/office/drawing/2014/main" id="{74F4F1D9-F6BD-4BCB-A368-4EB1DDD57431}"/>
+              </a:ext>
+            </a:extLst>
+          </p:cNvPr>
+          <p:cNvCxnSpPr>
+            <a:cxnSpLocks/>
+          </p:cNvCxnSpPr>
+          <p:nvPr/>
+        </p:nvCxnSpPr>
+        <p:spPr>
+          <a:xfrm rot="5400000" flipH="1" flipV="1">
+            <a:off x="5475571" y="3178866"/>
+            <a:ext cx="790762" cy="1611390"/>
+          </a:xfrm>
+          <a:prstGeom prst="bentConnector5">
+            <a:avLst>
+              <a:gd name="adj1" fmla="val -62857"/>
+              <a:gd name="adj2" fmla="val 49308"/>
+              <a:gd name="adj3" fmla="val 128909"/>
+            </a:avLst>
+          </a:prstGeom>
+          <a:ln>
+            <a:tailEnd type="triangle"/>
+          </a:ln>
         </p:spPr>
         <p:style>
-          <a:lnRef idx="2">
-            <a:schemeClr val="accent1">
-              <a:shade val="50000"/>
-            </a:schemeClr>
+          <a:lnRef idx="3">
+            <a:schemeClr val="dk1"/>
           </a:lnRef>
-          <a:fillRef idx="1">
-            <a:schemeClr val="accent1"/>
+          <a:fillRef idx="0">
+            <a:schemeClr val="dk1"/>
           </a:fillRef>
-          <a:effectRef idx="0">
-            <a:schemeClr val="accent1"/>
+          <a:effectRef idx="2">
+            <a:schemeClr val="dk1"/>
           </a:effectRef>
           <a:fontRef idx="minor">
-            <a:schemeClr val="lt1"/>
+            <a:schemeClr val="tx1"/>
           </a:fontRef>
         </p:style>
-        <p:txBody>
-          <a:bodyPr rtlCol="0" anchor="ctr"/>
-          <a:lstStyle/>
-          <a:p>
-            <a:pPr algn="ctr"/>
-            <a:endParaRPr lang="en-US" sz="1400" dirty="0"/>
-          </a:p>
-        </p:txBody>
-      </p:sp>
-      <p:sp>
-        <p:nvSpPr>
-          <p:cNvPr id="14" name="Rectangle 13">
-            <a:extLst>
-              <a:ext uri="{FF2B5EF4-FFF2-40B4-BE49-F238E27FC236}">
-                <a16:creationId xmlns:a16="http://schemas.microsoft.com/office/drawing/2014/main" id="{AB1E4B9C-F7D0-477E-83B9-D6FEFC28B312}"/>
+      </p:cxnSp>
+      <p:sp>
+        <p:nvSpPr>
+          <p:cNvPr id="101" name="TextBox 100">
+            <a:extLst>
+              <a:ext uri="{FF2B5EF4-FFF2-40B4-BE49-F238E27FC236}">
+                <a16:creationId xmlns:a16="http://schemas.microsoft.com/office/drawing/2014/main" id="{DA0B43C5-2794-429F-B0D7-8756385A445A}"/>
+              </a:ext>
+            </a:extLst>
+          </p:cNvPr>
+          <p:cNvSpPr txBox="1"/>
+          <p:nvPr/>
+        </p:nvSpPr>
+        <p:spPr>
+          <a:xfrm>
+            <a:off x="7779953" y="4144361"/>
+            <a:ext cx="1497581" cy="923330"/>
+          </a:xfrm>
+          <a:prstGeom prst="rect">
+            <a:avLst/>
+          </a:prstGeom>
+          <a:noFill/>
+        </p:spPr>
+        <p:txBody>
+          <a:bodyPr wrap="square" rtlCol="0">
+            <a:spAutoFit/>
+          </a:bodyPr>
+          <a:lstStyle/>
+          <a:p>
+            <a:pPr algn="ctr"/>
+            <a:r>
+              <a:rPr lang="en-US" dirty="0"/>
+              <a:t>Sensor Data Output on CAN BUS</a:t>
+            </a:r>
+          </a:p>
+        </p:txBody>
+      </p:sp>
+      <p:sp>
+        <p:nvSpPr>
+          <p:cNvPr id="59" name="Rectangle 58">
+            <a:extLst>
+              <a:ext uri="{FF2B5EF4-FFF2-40B4-BE49-F238E27FC236}">
+                <a16:creationId xmlns:a16="http://schemas.microsoft.com/office/drawing/2014/main" id="{A41EF06A-7955-480D-A2D8-05A18E453F4B}"/>
               </a:ext>
             </a:extLst>
           </p:cNvPr>
@@ -3720,108 +3866,10 @@
         </p:nvSpPr>
         <p:spPr>
           <a:xfrm>
-            <a:off x="2801562" y="1541586"/>
-            <a:ext cx="1694301" cy="4882662"/>
+            <a:off x="422310" y="2864410"/>
+            <a:ext cx="1438886" cy="1457767"/>
           </a:xfrm>
           <a:prstGeom prst="rect">
-            <a:avLst/>
-          </a:prstGeom>
-        </p:spPr>
-        <p:style>
-          <a:lnRef idx="2">
-            <a:schemeClr val="accent1">
-              <a:shade val="50000"/>
-            </a:schemeClr>
-          </a:lnRef>
-          <a:fillRef idx="1">
-            <a:schemeClr val="accent1"/>
-          </a:fillRef>
-          <a:effectRef idx="0">
-            <a:schemeClr val="accent1"/>
-          </a:effectRef>
-          <a:fontRef idx="minor">
-            <a:schemeClr val="lt1"/>
-          </a:fontRef>
-        </p:style>
-        <p:txBody>
-          <a:bodyPr rtlCol="0" anchor="t"/>
-          <a:lstStyle/>
-          <a:p>
-            <a:pPr algn="ctr"/>
-            <a:r>
-              <a:rPr lang="en-US" sz="1400" dirty="0"/>
-              <a:t>Sensor Bus Protcol #X</a:t>
-            </a:r>
-          </a:p>
-        </p:txBody>
-      </p:sp>
-      <p:sp>
-        <p:nvSpPr>
-          <p:cNvPr id="15" name="Rectangle 14">
-            <a:extLst>
-              <a:ext uri="{FF2B5EF4-FFF2-40B4-BE49-F238E27FC236}">
-                <a16:creationId xmlns:a16="http://schemas.microsoft.com/office/drawing/2014/main" id="{93276A04-6E92-404D-ABF1-9271AC4A3DC4}"/>
-              </a:ext>
-            </a:extLst>
-          </p:cNvPr>
-          <p:cNvSpPr/>
-          <p:nvPr/>
-        </p:nvSpPr>
-        <p:spPr>
-          <a:xfrm>
-            <a:off x="2990069" y="2244624"/>
-            <a:ext cx="1440375" cy="619199"/>
-          </a:xfrm>
-          <a:prstGeom prst="rect">
-            <a:avLst/>
-          </a:prstGeom>
-        </p:spPr>
-        <p:style>
-          <a:lnRef idx="2">
-            <a:schemeClr val="accent6">
-              <a:shade val="50000"/>
-            </a:schemeClr>
-          </a:lnRef>
-          <a:fillRef idx="1">
-            <a:schemeClr val="accent6"/>
-          </a:fillRef>
-          <a:effectRef idx="0">
-            <a:schemeClr val="accent6"/>
-          </a:effectRef>
-          <a:fontRef idx="minor">
-            <a:schemeClr val="lt1"/>
-          </a:fontRef>
-        </p:style>
-        <p:txBody>
-          <a:bodyPr rtlCol="0" anchor="ctr"/>
-          <a:lstStyle/>
-          <a:p>
-            <a:pPr algn="ctr"/>
-            <a:r>
-              <a:rPr lang="en-US" sz="1400" dirty="0"/>
-              <a:t>Initialization</a:t>
-            </a:r>
-          </a:p>
-        </p:txBody>
-      </p:sp>
-      <p:sp>
-        <p:nvSpPr>
-          <p:cNvPr id="16" name="Arrow: Curved Down 15">
-            <a:extLst>
-              <a:ext uri="{FF2B5EF4-FFF2-40B4-BE49-F238E27FC236}">
-                <a16:creationId xmlns:a16="http://schemas.microsoft.com/office/drawing/2014/main" id="{CC37BF9B-EDFA-47C3-BE37-DB03843697FD}"/>
-              </a:ext>
-            </a:extLst>
-          </p:cNvPr>
-          <p:cNvSpPr/>
-          <p:nvPr/>
-        </p:nvSpPr>
-        <p:spPr>
-          <a:xfrm rot="10800000">
-            <a:off x="2883804" y="5418804"/>
-            <a:ext cx="1554204" cy="914597"/>
-          </a:xfrm>
-          <a:prstGeom prst="curvedDownArrow">
             <a:avLst/>
           </a:prstGeom>
         </p:spPr>
@@ -3842,24 +3890,20 @@
           </a:fontRef>
         </p:style>
         <p:txBody>
-          <a:bodyPr rtlCol="0" anchor="ctr"/>
-          <a:lstStyle/>
-          <a:p>
-            <a:pPr algn="ctr"/>
-            <a:endParaRPr lang="en-US" sz="1400" dirty="0">
-              <a:solidFill>
-                <a:schemeClr val="tx1"/>
-              </a:solidFill>
-            </a:endParaRPr>
-          </a:p>
-        </p:txBody>
-      </p:sp>
-      <p:sp>
-        <p:nvSpPr>
-          <p:cNvPr id="17" name="Arrow: Curved Down 16">
-            <a:extLst>
-              <a:ext uri="{FF2B5EF4-FFF2-40B4-BE49-F238E27FC236}">
-                <a16:creationId xmlns:a16="http://schemas.microsoft.com/office/drawing/2014/main" id="{D00A9BC5-0356-4ECD-B77F-E5F37EFA026C}"/>
+          <a:bodyPr rtlCol="0" anchor="t"/>
+          <a:lstStyle/>
+          <a:p>
+            <a:pPr algn="ctr"/>
+            <a:endParaRPr lang="en-US" sz="1400" dirty="0"/>
+          </a:p>
+        </p:txBody>
+      </p:sp>
+      <p:sp>
+        <p:nvSpPr>
+          <p:cNvPr id="60" name="Rectangle 59">
+            <a:extLst>
+              <a:ext uri="{FF2B5EF4-FFF2-40B4-BE49-F238E27FC236}">
+                <a16:creationId xmlns:a16="http://schemas.microsoft.com/office/drawing/2014/main" id="{9FBE5BDE-A9B0-4297-BC30-20E41725A1CC}"/>
               </a:ext>
             </a:extLst>
           </p:cNvPr>
@@ -3868,15 +3912,11 @@
         </p:nvSpPr>
         <p:spPr>
           <a:xfrm>
-            <a:off x="2894983" y="2971614"/>
-            <a:ext cx="1554204" cy="381957"/>
-          </a:xfrm>
-          <a:prstGeom prst="curvedDownArrow">
-            <a:avLst>
-              <a:gd name="adj1" fmla="val 32994"/>
-              <a:gd name="adj2" fmla="val 88519"/>
-              <a:gd name="adj3" fmla="val 42976"/>
-            </a:avLst>
+            <a:off x="484816" y="2931631"/>
+            <a:ext cx="1438886" cy="1457767"/>
+          </a:xfrm>
+          <a:prstGeom prst="rect">
+            <a:avLst/>
           </a:prstGeom>
         </p:spPr>
         <p:style>
@@ -3896,24 +3936,20 @@
           </a:fontRef>
         </p:style>
         <p:txBody>
-          <a:bodyPr rtlCol="0" anchor="ctr"/>
-          <a:lstStyle/>
-          <a:p>
-            <a:pPr algn="ctr"/>
-            <a:endParaRPr lang="en-US" sz="1400" dirty="0">
-              <a:solidFill>
-                <a:schemeClr val="tx1"/>
-              </a:solidFill>
-            </a:endParaRPr>
-          </a:p>
-        </p:txBody>
-      </p:sp>
-      <p:sp>
-        <p:nvSpPr>
-          <p:cNvPr id="19" name="Rectangle 18">
-            <a:extLst>
-              <a:ext uri="{FF2B5EF4-FFF2-40B4-BE49-F238E27FC236}">
-                <a16:creationId xmlns:a16="http://schemas.microsoft.com/office/drawing/2014/main" id="{0F92A50E-B01D-453C-A73F-964D13811364}"/>
+          <a:bodyPr rtlCol="0" anchor="t"/>
+          <a:lstStyle/>
+          <a:p>
+            <a:pPr algn="ctr"/>
+            <a:endParaRPr lang="en-US" sz="1400" dirty="0"/>
+          </a:p>
+        </p:txBody>
+      </p:sp>
+      <p:sp>
+        <p:nvSpPr>
+          <p:cNvPr id="61" name="Rectangle 60">
+            <a:extLst>
+              <a:ext uri="{FF2B5EF4-FFF2-40B4-BE49-F238E27FC236}">
+                <a16:creationId xmlns:a16="http://schemas.microsoft.com/office/drawing/2014/main" id="{57E74C97-1CFF-4FF1-AB65-E8FB3F020510}"/>
               </a:ext>
             </a:extLst>
           </p:cNvPr>
@@ -3922,362 +3958,10 @@
         </p:nvSpPr>
         <p:spPr>
           <a:xfrm>
-            <a:off x="4825882" y="1758461"/>
-            <a:ext cx="1291786" cy="2855656"/>
+            <a:off x="542736" y="3017142"/>
+            <a:ext cx="1438886" cy="1457767"/>
           </a:xfrm>
           <a:prstGeom prst="rect">
-            <a:avLst/>
-          </a:prstGeom>
-        </p:spPr>
-        <p:style>
-          <a:lnRef idx="2">
-            <a:schemeClr val="accent4">
-              <a:shade val="50000"/>
-            </a:schemeClr>
-          </a:lnRef>
-          <a:fillRef idx="1">
-            <a:schemeClr val="accent4"/>
-          </a:fillRef>
-          <a:effectRef idx="0">
-            <a:schemeClr val="accent4"/>
-          </a:effectRef>
-          <a:fontRef idx="minor">
-            <a:schemeClr val="lt1"/>
-          </a:fontRef>
-        </p:style>
-        <p:txBody>
-          <a:bodyPr rtlCol="0" anchor="t"/>
-          <a:lstStyle/>
-          <a:p>
-            <a:pPr algn="ctr"/>
-            <a:r>
-              <a:rPr lang="en-US" sz="1400" dirty="0"/>
-              <a:t>Sensor Manager Class</a:t>
-            </a:r>
-          </a:p>
-          <a:p>
-            <a:pPr algn="ctr"/>
-            <a:endParaRPr lang="en-US" sz="1400" dirty="0"/>
-          </a:p>
-        </p:txBody>
-      </p:sp>
-      <p:sp>
-        <p:nvSpPr>
-          <p:cNvPr id="20" name="Rectangle 19">
-            <a:extLst>
-              <a:ext uri="{FF2B5EF4-FFF2-40B4-BE49-F238E27FC236}">
-                <a16:creationId xmlns:a16="http://schemas.microsoft.com/office/drawing/2014/main" id="{DD67685A-52AF-4527-88FA-F9E66D7BB8CF}"/>
-              </a:ext>
-            </a:extLst>
-          </p:cNvPr>
-          <p:cNvSpPr/>
-          <p:nvPr/>
-        </p:nvSpPr>
-        <p:spPr>
-          <a:xfrm>
-            <a:off x="4960697" y="2391507"/>
-            <a:ext cx="1057768" cy="1648363"/>
-          </a:xfrm>
-          <a:prstGeom prst="rect">
-            <a:avLst/>
-          </a:prstGeom>
-          <a:ln>
-            <a:solidFill>
-              <a:schemeClr val="tx1"/>
-            </a:solidFill>
-          </a:ln>
-        </p:spPr>
-        <p:style>
-          <a:lnRef idx="2">
-            <a:schemeClr val="accent1">
-              <a:shade val="50000"/>
-            </a:schemeClr>
-          </a:lnRef>
-          <a:fillRef idx="1">
-            <a:schemeClr val="accent1"/>
-          </a:fillRef>
-          <a:effectRef idx="0">
-            <a:schemeClr val="accent1"/>
-          </a:effectRef>
-          <a:fontRef idx="minor">
-            <a:schemeClr val="lt1"/>
-          </a:fontRef>
-        </p:style>
-        <p:txBody>
-          <a:bodyPr rtlCol="0" anchor="b"/>
-          <a:lstStyle/>
-          <a:p>
-            <a:pPr algn="ctr"/>
-            <a:endParaRPr lang="en-US" sz="1100" dirty="0"/>
-          </a:p>
-          <a:p>
-            <a:pPr algn="ctr"/>
-            <a:endParaRPr lang="en-US" sz="1100" dirty="0"/>
-          </a:p>
-        </p:txBody>
-      </p:sp>
-      <p:cxnSp>
-        <p:nvCxnSpPr>
-          <p:cNvPr id="30" name="Connector: Elbow 29">
-            <a:extLst>
-              <a:ext uri="{FF2B5EF4-FFF2-40B4-BE49-F238E27FC236}">
-                <a16:creationId xmlns:a16="http://schemas.microsoft.com/office/drawing/2014/main" id="{63F71D0B-96D2-4F13-8631-CEB9DAB5B503}"/>
-              </a:ext>
-            </a:extLst>
-          </p:cNvPr>
-          <p:cNvCxnSpPr>
-            <a:cxnSpLocks/>
-          </p:cNvCxnSpPr>
-          <p:nvPr/>
-        </p:nvCxnSpPr>
-        <p:spPr>
-          <a:xfrm rot="5400000" flipH="1" flipV="1">
-            <a:off x="1804234" y="3643599"/>
-            <a:ext cx="3347423" cy="2491611"/>
-          </a:xfrm>
-          <a:prstGeom prst="bentConnector3">
-            <a:avLst>
-              <a:gd name="adj1" fmla="val -1598"/>
-            </a:avLst>
-          </a:prstGeom>
-          <a:ln>
-            <a:tailEnd type="triangle"/>
-          </a:ln>
-        </p:spPr>
-        <p:style>
-          <a:lnRef idx="3">
-            <a:schemeClr val="dk1"/>
-          </a:lnRef>
-          <a:fillRef idx="0">
-            <a:schemeClr val="dk1"/>
-          </a:fillRef>
-          <a:effectRef idx="2">
-            <a:schemeClr val="dk1"/>
-          </a:effectRef>
-          <a:fontRef idx="minor">
-            <a:schemeClr val="tx1"/>
-          </a:fontRef>
-        </p:style>
-      </p:cxnSp>
-      <p:cxnSp>
-        <p:nvCxnSpPr>
-          <p:cNvPr id="34" name="Connector: Elbow 33">
-            <a:extLst>
-              <a:ext uri="{FF2B5EF4-FFF2-40B4-BE49-F238E27FC236}">
-                <a16:creationId xmlns:a16="http://schemas.microsoft.com/office/drawing/2014/main" id="{F370598C-5DE6-42EE-B790-0A1B87770BB7}"/>
-              </a:ext>
-            </a:extLst>
-          </p:cNvPr>
-          <p:cNvCxnSpPr>
-            <a:cxnSpLocks/>
-            <a:stCxn id="29" idx="3"/>
-            <a:endCxn id="20" idx="1"/>
-          </p:cNvCxnSpPr>
-          <p:nvPr/>
-        </p:nvCxnSpPr>
-        <p:spPr>
-          <a:xfrm flipV="1">
-            <a:off x="4479419" y="3215689"/>
-            <a:ext cx="481278" cy="2071427"/>
-          </a:xfrm>
-          <a:prstGeom prst="bentConnector3">
-            <a:avLst>
-              <a:gd name="adj1" fmla="val 50000"/>
-            </a:avLst>
-          </a:prstGeom>
-          <a:ln>
-            <a:tailEnd type="triangle"/>
-          </a:ln>
-        </p:spPr>
-        <p:style>
-          <a:lnRef idx="3">
-            <a:schemeClr val="dk1"/>
-          </a:lnRef>
-          <a:fillRef idx="0">
-            <a:schemeClr val="dk1"/>
-          </a:fillRef>
-          <a:effectRef idx="2">
-            <a:schemeClr val="dk1"/>
-          </a:effectRef>
-          <a:fontRef idx="minor">
-            <a:schemeClr val="tx1"/>
-          </a:fontRef>
-        </p:style>
-      </p:cxnSp>
-      <p:sp>
-        <p:nvSpPr>
-          <p:cNvPr id="42" name="Rectangle 41">
-            <a:extLst>
-              <a:ext uri="{FF2B5EF4-FFF2-40B4-BE49-F238E27FC236}">
-                <a16:creationId xmlns:a16="http://schemas.microsoft.com/office/drawing/2014/main" id="{77BEE2DB-7875-4B72-BF78-02FA0D3FCB4B}"/>
-              </a:ext>
-            </a:extLst>
-          </p:cNvPr>
-          <p:cNvSpPr/>
-          <p:nvPr/>
-        </p:nvSpPr>
-        <p:spPr>
-          <a:xfrm>
-            <a:off x="4960697" y="2379784"/>
-            <a:ext cx="1053087" cy="584375"/>
-          </a:xfrm>
-          <a:prstGeom prst="rect">
-            <a:avLst/>
-          </a:prstGeom>
-        </p:spPr>
-        <p:style>
-          <a:lnRef idx="2">
-            <a:schemeClr val="accent3">
-              <a:shade val="50000"/>
-            </a:schemeClr>
-          </a:lnRef>
-          <a:fillRef idx="1">
-            <a:schemeClr val="accent3"/>
-          </a:fillRef>
-          <a:effectRef idx="0">
-            <a:schemeClr val="accent3"/>
-          </a:effectRef>
-          <a:fontRef idx="minor">
-            <a:schemeClr val="lt1"/>
-          </a:fontRef>
-        </p:style>
-        <p:txBody>
-          <a:bodyPr rtlCol="0" anchor="ctr"/>
-          <a:lstStyle/>
-          <a:p>
-            <a:pPr algn="ctr"/>
-            <a:r>
-              <a:rPr lang="en-US" sz="1400" dirty="0"/>
-              <a:t>Mutex</a:t>
-            </a:r>
-          </a:p>
-        </p:txBody>
-      </p:sp>
-      <p:sp>
-        <p:nvSpPr>
-          <p:cNvPr id="47" name="Rectangle 46">
-            <a:extLst>
-              <a:ext uri="{FF2B5EF4-FFF2-40B4-BE49-F238E27FC236}">
-                <a16:creationId xmlns:a16="http://schemas.microsoft.com/office/drawing/2014/main" id="{6EE73F43-5906-4D03-A79C-4E71968C7605}"/>
-              </a:ext>
-            </a:extLst>
-          </p:cNvPr>
-          <p:cNvSpPr/>
-          <p:nvPr/>
-        </p:nvSpPr>
-        <p:spPr>
-          <a:xfrm>
-            <a:off x="6447687" y="1084386"/>
-            <a:ext cx="1858114" cy="3523698"/>
-          </a:xfrm>
-          <a:prstGeom prst="rect">
-            <a:avLst/>
-          </a:prstGeom>
-        </p:spPr>
-        <p:style>
-          <a:lnRef idx="2">
-            <a:schemeClr val="accent1">
-              <a:shade val="50000"/>
-            </a:schemeClr>
-          </a:lnRef>
-          <a:fillRef idx="1">
-            <a:schemeClr val="accent1"/>
-          </a:fillRef>
-          <a:effectRef idx="0">
-            <a:schemeClr val="accent1"/>
-          </a:effectRef>
-          <a:fontRef idx="minor">
-            <a:schemeClr val="lt1"/>
-          </a:fontRef>
-        </p:style>
-        <p:txBody>
-          <a:bodyPr rtlCol="0" anchor="t"/>
-          <a:lstStyle/>
-          <a:p>
-            <a:pPr algn="ctr"/>
-            <a:r>
-              <a:rPr lang="en-US" sz="1400" dirty="0"/>
-              <a:t>Sensor </a:t>
-            </a:r>
-            <a:r>
-              <a:rPr lang="en-US" sz="1400" dirty="0" err="1"/>
-              <a:t>ManagerThread</a:t>
-            </a:r>
-            <a:endParaRPr lang="en-US" sz="1400" dirty="0"/>
-          </a:p>
-          <a:p>
-            <a:pPr algn="ctr"/>
-            <a:endParaRPr lang="en-US" sz="1400" dirty="0"/>
-          </a:p>
-        </p:txBody>
-      </p:sp>
-      <p:sp>
-        <p:nvSpPr>
-          <p:cNvPr id="48" name="Rectangle 47">
-            <a:extLst>
-              <a:ext uri="{FF2B5EF4-FFF2-40B4-BE49-F238E27FC236}">
-                <a16:creationId xmlns:a16="http://schemas.microsoft.com/office/drawing/2014/main" id="{538C51C6-C9BB-4E26-83E8-48FDE6BD815B}"/>
-              </a:ext>
-            </a:extLst>
-          </p:cNvPr>
-          <p:cNvSpPr/>
-          <p:nvPr/>
-        </p:nvSpPr>
-        <p:spPr>
-          <a:xfrm>
-            <a:off x="6682147" y="1670539"/>
-            <a:ext cx="1483683" cy="671176"/>
-          </a:xfrm>
-          <a:prstGeom prst="rect">
-            <a:avLst/>
-          </a:prstGeom>
-        </p:spPr>
-        <p:style>
-          <a:lnRef idx="2">
-            <a:schemeClr val="accent6">
-              <a:shade val="50000"/>
-            </a:schemeClr>
-          </a:lnRef>
-          <a:fillRef idx="1">
-            <a:schemeClr val="accent6"/>
-          </a:fillRef>
-          <a:effectRef idx="0">
-            <a:schemeClr val="accent6"/>
-          </a:effectRef>
-          <a:fontRef idx="minor">
-            <a:schemeClr val="lt1"/>
-          </a:fontRef>
-        </p:style>
-        <p:txBody>
-          <a:bodyPr rtlCol="0" anchor="ctr"/>
-          <a:lstStyle/>
-          <a:p>
-            <a:pPr algn="ctr"/>
-            <a:r>
-              <a:rPr lang="en-US" sz="1400" dirty="0"/>
-              <a:t>Initialization</a:t>
-            </a:r>
-          </a:p>
-        </p:txBody>
-      </p:sp>
-      <p:sp>
-        <p:nvSpPr>
-          <p:cNvPr id="49" name="Arrow: Curved Down 48">
-            <a:extLst>
-              <a:ext uri="{FF2B5EF4-FFF2-40B4-BE49-F238E27FC236}">
-                <a16:creationId xmlns:a16="http://schemas.microsoft.com/office/drawing/2014/main" id="{43B5726D-944B-4154-85BD-1E5905215108}"/>
-              </a:ext>
-            </a:extLst>
-          </p:cNvPr>
-          <p:cNvSpPr/>
-          <p:nvPr/>
-        </p:nvSpPr>
-        <p:spPr>
-          <a:xfrm rot="10800000">
-            <a:off x="6557116" y="4039415"/>
-            <a:ext cx="1686342" cy="455230"/>
-          </a:xfrm>
-          <a:prstGeom prst="curvedDownArrow">
             <a:avLst/>
           </a:prstGeom>
         </p:spPr>
@@ -4298,24 +3982,20 @@
           </a:fontRef>
         </p:style>
         <p:txBody>
-          <a:bodyPr rtlCol="0" anchor="ctr"/>
-          <a:lstStyle/>
-          <a:p>
-            <a:pPr algn="ctr"/>
-            <a:endParaRPr lang="en-US" sz="1400" dirty="0">
-              <a:solidFill>
-                <a:schemeClr val="tx1"/>
-              </a:solidFill>
-            </a:endParaRPr>
-          </a:p>
-        </p:txBody>
-      </p:sp>
-      <p:sp>
-        <p:nvSpPr>
-          <p:cNvPr id="50" name="Arrow: Curved Down 49">
-            <a:extLst>
-              <a:ext uri="{FF2B5EF4-FFF2-40B4-BE49-F238E27FC236}">
-                <a16:creationId xmlns:a16="http://schemas.microsoft.com/office/drawing/2014/main" id="{80EECE9B-EE6B-42FE-BB48-82F1C55B68CA}"/>
+          <a:bodyPr rtlCol="0" anchor="t"/>
+          <a:lstStyle/>
+          <a:p>
+            <a:pPr algn="ctr"/>
+            <a:endParaRPr lang="en-US" sz="1400" dirty="0"/>
+          </a:p>
+        </p:txBody>
+      </p:sp>
+      <p:sp>
+        <p:nvSpPr>
+          <p:cNvPr id="62" name="Rectangle 61">
+            <a:extLst>
+              <a:ext uri="{FF2B5EF4-FFF2-40B4-BE49-F238E27FC236}">
+                <a16:creationId xmlns:a16="http://schemas.microsoft.com/office/drawing/2014/main" id="{BA801362-0B1C-4AF5-A86B-E02C53C5EACA}"/>
               </a:ext>
             </a:extLst>
           </p:cNvPr>
@@ -4324,10 +4004,10 @@
         </p:nvSpPr>
         <p:spPr>
           <a:xfrm>
-            <a:off x="6682148" y="2455867"/>
-            <a:ext cx="1550168" cy="407956"/>
-          </a:xfrm>
-          <a:prstGeom prst="curvedDownArrow">
+            <a:off x="594677" y="3093342"/>
+            <a:ext cx="1438886" cy="1457767"/>
+          </a:xfrm>
+          <a:prstGeom prst="rect">
             <a:avLst/>
           </a:prstGeom>
         </p:spPr>
@@ -4348,24 +4028,20 @@
           </a:fontRef>
         </p:style>
         <p:txBody>
-          <a:bodyPr rtlCol="0" anchor="ctr"/>
-          <a:lstStyle/>
-          <a:p>
-            <a:pPr algn="ctr"/>
-            <a:endParaRPr lang="en-US" sz="1400" dirty="0">
-              <a:solidFill>
-                <a:schemeClr val="tx1"/>
-              </a:solidFill>
-            </a:endParaRPr>
-          </a:p>
-        </p:txBody>
-      </p:sp>
-      <p:sp>
-        <p:nvSpPr>
-          <p:cNvPr id="51" name="Rectangle 50">
-            <a:extLst>
-              <a:ext uri="{FF2B5EF4-FFF2-40B4-BE49-F238E27FC236}">
-                <a16:creationId xmlns:a16="http://schemas.microsoft.com/office/drawing/2014/main" id="{4188B7BA-C3EB-4F02-BF34-2FBDCA2D1D64}"/>
+          <a:bodyPr rtlCol="0" anchor="t"/>
+          <a:lstStyle/>
+          <a:p>
+            <a:pPr algn="ctr"/>
+            <a:endParaRPr lang="en-US" sz="1400" dirty="0"/>
+          </a:p>
+        </p:txBody>
+      </p:sp>
+      <p:sp>
+        <p:nvSpPr>
+          <p:cNvPr id="63" name="Rectangle 62">
+            <a:extLst>
+              <a:ext uri="{FF2B5EF4-FFF2-40B4-BE49-F238E27FC236}">
+                <a16:creationId xmlns:a16="http://schemas.microsoft.com/office/drawing/2014/main" id="{AFC4FA20-0DB8-4DEA-BBB5-37C508574AC2}"/>
               </a:ext>
             </a:extLst>
           </p:cNvPr>
@@ -4374,8 +4050,8 @@
         </p:nvSpPr>
         <p:spPr>
           <a:xfrm>
-            <a:off x="6668250" y="2918190"/>
-            <a:ext cx="1511475" cy="1067715"/>
+            <a:off x="644975" y="3169542"/>
+            <a:ext cx="1438886" cy="1698836"/>
           </a:xfrm>
           <a:prstGeom prst="rect">
             <a:avLst/>
@@ -4398,77 +4074,23 @@
           </a:fontRef>
         </p:style>
         <p:txBody>
-          <a:bodyPr rtlCol="0" anchor="ctr"/>
-          <a:lstStyle/>
-          <a:p>
-            <a:pPr algn="ctr"/>
-            <a:r>
-              <a:rPr lang="en-US" sz="1000" dirty="0"/>
-              <a:t>Timer -&gt; create an array of CAN Messages to reflect the current Sensor States</a:t>
-            </a:r>
-          </a:p>
-          <a:p>
-            <a:pPr algn="ctr"/>
-            <a:endParaRPr lang="en-US" sz="1000" dirty="0"/>
-          </a:p>
-          <a:p>
-            <a:pPr algn="ctr"/>
-            <a:r>
-              <a:rPr lang="en-US" sz="1000" dirty="0"/>
-              <a:t>Sleep Till Timer Event</a:t>
-            </a:r>
-          </a:p>
-        </p:txBody>
-      </p:sp>
-      <p:cxnSp>
-        <p:nvCxnSpPr>
-          <p:cNvPr id="53" name="Connector: Elbow 52">
-            <a:extLst>
-              <a:ext uri="{FF2B5EF4-FFF2-40B4-BE49-F238E27FC236}">
-                <a16:creationId xmlns:a16="http://schemas.microsoft.com/office/drawing/2014/main" id="{1B16DE5F-9F31-4FE6-8ACE-D1C2768D4EF4}"/>
-              </a:ext>
-            </a:extLst>
-          </p:cNvPr>
-          <p:cNvCxnSpPr>
-            <a:cxnSpLocks/>
-            <a:stCxn id="20" idx="3"/>
-            <a:endCxn id="51" idx="1"/>
-          </p:cNvCxnSpPr>
-          <p:nvPr/>
-        </p:nvCxnSpPr>
-        <p:spPr>
-          <a:xfrm>
-            <a:off x="6018465" y="3215689"/>
-            <a:ext cx="649785" cy="236359"/>
-          </a:xfrm>
-          <a:prstGeom prst="bentConnector3">
-            <a:avLst/>
-          </a:prstGeom>
-          <a:ln>
-            <a:tailEnd type="triangle"/>
-          </a:ln>
-        </p:spPr>
-        <p:style>
-          <a:lnRef idx="3">
-            <a:schemeClr val="dk1"/>
-          </a:lnRef>
-          <a:fillRef idx="0">
-            <a:schemeClr val="dk1"/>
-          </a:fillRef>
-          <a:effectRef idx="2">
-            <a:schemeClr val="dk1"/>
-          </a:effectRef>
-          <a:fontRef idx="minor">
-            <a:schemeClr val="tx1"/>
-          </a:fontRef>
-        </p:style>
-      </p:cxnSp>
-      <p:sp>
-        <p:nvSpPr>
-          <p:cNvPr id="79" name="Rectangle 78">
-            <a:extLst>
-              <a:ext uri="{FF2B5EF4-FFF2-40B4-BE49-F238E27FC236}">
-                <a16:creationId xmlns:a16="http://schemas.microsoft.com/office/drawing/2014/main" id="{5AAB5E0D-6E83-46C7-85E4-838DF4C69C79}"/>
+          <a:bodyPr rtlCol="0" anchor="t"/>
+          <a:lstStyle/>
+          <a:p>
+            <a:pPr algn="ctr"/>
+            <a:r>
+              <a:rPr lang="en-US" sz="1400" dirty="0"/>
+              <a:t>Internal Sensor N</a:t>
+            </a:r>
+          </a:p>
+        </p:txBody>
+      </p:sp>
+      <p:sp>
+        <p:nvSpPr>
+          <p:cNvPr id="64" name="Rectangle 63">
+            <a:extLst>
+              <a:ext uri="{FF2B5EF4-FFF2-40B4-BE49-F238E27FC236}">
+                <a16:creationId xmlns:a16="http://schemas.microsoft.com/office/drawing/2014/main" id="{F68C3624-D4E1-4449-A8F1-99C10E647738}"/>
               </a:ext>
             </a:extLst>
           </p:cNvPr>
@@ -4477,149 +4099,10 @@
         </p:nvSpPr>
         <p:spPr>
           <a:xfrm>
-            <a:off x="8658032" y="1758461"/>
-            <a:ext cx="1291786" cy="2855656"/>
+            <a:off x="813040" y="3454131"/>
+            <a:ext cx="535417" cy="227160"/>
           </a:xfrm>
           <a:prstGeom prst="rect">
-            <a:avLst/>
-          </a:prstGeom>
-        </p:spPr>
-        <p:style>
-          <a:lnRef idx="2">
-            <a:schemeClr val="accent4">
-              <a:shade val="50000"/>
-            </a:schemeClr>
-          </a:lnRef>
-          <a:fillRef idx="1">
-            <a:schemeClr val="accent4"/>
-          </a:fillRef>
-          <a:effectRef idx="0">
-            <a:schemeClr val="accent4"/>
-          </a:effectRef>
-          <a:fontRef idx="minor">
-            <a:schemeClr val="lt1"/>
-          </a:fontRef>
-        </p:style>
-        <p:txBody>
-          <a:bodyPr rtlCol="0" anchor="t"/>
-          <a:lstStyle/>
-          <a:p>
-            <a:pPr algn="ctr"/>
-            <a:r>
-              <a:rPr lang="en-US" sz="1400" dirty="0"/>
-              <a:t>CAN Message Queue Class</a:t>
-            </a:r>
-          </a:p>
-        </p:txBody>
-      </p:sp>
-      <p:sp>
-        <p:nvSpPr>
-          <p:cNvPr id="81" name="Rectangle 80">
-            <a:extLst>
-              <a:ext uri="{FF2B5EF4-FFF2-40B4-BE49-F238E27FC236}">
-                <a16:creationId xmlns:a16="http://schemas.microsoft.com/office/drawing/2014/main" id="{9DAFBC35-7AB2-45A1-962D-367BC0EDFE21}"/>
-              </a:ext>
-            </a:extLst>
-          </p:cNvPr>
-          <p:cNvSpPr/>
-          <p:nvPr/>
-        </p:nvSpPr>
-        <p:spPr>
-          <a:xfrm>
-            <a:off x="8792847" y="2379784"/>
-            <a:ext cx="1053087" cy="584375"/>
-          </a:xfrm>
-          <a:prstGeom prst="rect">
-            <a:avLst/>
-          </a:prstGeom>
-        </p:spPr>
-        <p:style>
-          <a:lnRef idx="2">
-            <a:schemeClr val="accent3">
-              <a:shade val="50000"/>
-            </a:schemeClr>
-          </a:lnRef>
-          <a:fillRef idx="1">
-            <a:schemeClr val="accent3"/>
-          </a:fillRef>
-          <a:effectRef idx="0">
-            <a:schemeClr val="accent3"/>
-          </a:effectRef>
-          <a:fontRef idx="minor">
-            <a:schemeClr val="lt1"/>
-          </a:fontRef>
-        </p:style>
-        <p:txBody>
-          <a:bodyPr rtlCol="0" anchor="ctr"/>
-          <a:lstStyle/>
-          <a:p>
-            <a:pPr algn="ctr"/>
-            <a:r>
-              <a:rPr lang="en-US" sz="1400" dirty="0"/>
-              <a:t>Mutex</a:t>
-            </a:r>
-          </a:p>
-        </p:txBody>
-      </p:sp>
-      <p:cxnSp>
-        <p:nvCxnSpPr>
-          <p:cNvPr id="82" name="Straight Arrow Connector 81">
-            <a:extLst>
-              <a:ext uri="{FF2B5EF4-FFF2-40B4-BE49-F238E27FC236}">
-                <a16:creationId xmlns:a16="http://schemas.microsoft.com/office/drawing/2014/main" id="{7610A1FC-86C6-4734-BFED-9B4EF2AF5B9B}"/>
-              </a:ext>
-            </a:extLst>
-          </p:cNvPr>
-          <p:cNvCxnSpPr>
-            <a:cxnSpLocks/>
-          </p:cNvCxnSpPr>
-          <p:nvPr/>
-        </p:nvCxnSpPr>
-        <p:spPr>
-          <a:xfrm>
-            <a:off x="9343832" y="2842546"/>
-            <a:ext cx="0" cy="243226"/>
-          </a:xfrm>
-          <a:prstGeom prst="straightConnector1">
-            <a:avLst/>
-          </a:prstGeom>
-          <a:ln>
-            <a:tailEnd type="triangle"/>
-          </a:ln>
-        </p:spPr>
-        <p:style>
-          <a:lnRef idx="3">
-            <a:schemeClr val="dk1"/>
-          </a:lnRef>
-          <a:fillRef idx="0">
-            <a:schemeClr val="dk1"/>
-          </a:fillRef>
-          <a:effectRef idx="2">
-            <a:schemeClr val="dk1"/>
-          </a:effectRef>
-          <a:fontRef idx="minor">
-            <a:schemeClr val="tx1"/>
-          </a:fontRef>
-        </p:style>
-      </p:cxnSp>
-      <p:sp>
-        <p:nvSpPr>
-          <p:cNvPr id="83" name="Cylinder 82">
-            <a:extLst>
-              <a:ext uri="{FF2B5EF4-FFF2-40B4-BE49-F238E27FC236}">
-                <a16:creationId xmlns:a16="http://schemas.microsoft.com/office/drawing/2014/main" id="{2050212C-232C-4213-A0AF-8063BC80893E}"/>
-              </a:ext>
-            </a:extLst>
-          </p:cNvPr>
-          <p:cNvSpPr/>
-          <p:nvPr/>
-        </p:nvSpPr>
-        <p:spPr>
-          <a:xfrm>
-            <a:off x="8910078" y="3127970"/>
-            <a:ext cx="867507" cy="1307123"/>
-          </a:xfrm>
-          <a:prstGeom prst="can">
             <a:avLst/>
           </a:prstGeom>
         </p:spPr>
@@ -4646,17 +4129,17 @@
             <a:pPr algn="ctr"/>
             <a:r>
               <a:rPr lang="en-US" sz="1400" dirty="0"/>
-              <a:t>CAN Message Fifo</a:t>
-            </a:r>
-          </a:p>
-        </p:txBody>
-      </p:sp>
-      <p:sp>
-        <p:nvSpPr>
-          <p:cNvPr id="84" name="Rectangle 83">
-            <a:extLst>
-              <a:ext uri="{FF2B5EF4-FFF2-40B4-BE49-F238E27FC236}">
-                <a16:creationId xmlns:a16="http://schemas.microsoft.com/office/drawing/2014/main" id="{F99067A3-90CF-466F-A9A3-34D8C308D5E6}"/>
+              <a:t>ID</a:t>
+            </a:r>
+          </a:p>
+        </p:txBody>
+      </p:sp>
+      <p:sp>
+        <p:nvSpPr>
+          <p:cNvPr id="65" name="Rectangle 64">
+            <a:extLst>
+              <a:ext uri="{FF2B5EF4-FFF2-40B4-BE49-F238E27FC236}">
+                <a16:creationId xmlns:a16="http://schemas.microsoft.com/office/drawing/2014/main" id="{13257F17-6C63-49C6-B1B3-47DA18305C5F}"/>
               </a:ext>
             </a:extLst>
           </p:cNvPr>
@@ -4665,8 +4148,8 @@
         </p:nvSpPr>
         <p:spPr>
           <a:xfrm>
-            <a:off x="10217114" y="1078523"/>
-            <a:ext cx="1858114" cy="4786843"/>
+            <a:off x="813039" y="3729982"/>
+            <a:ext cx="1223031" cy="292363"/>
           </a:xfrm>
           <a:prstGeom prst="rect">
             <a:avLst/>
@@ -4689,27 +4172,23 @@
           </a:fontRef>
         </p:style>
         <p:txBody>
-          <a:bodyPr rtlCol="0" anchor="t"/>
+          <a:bodyPr rtlCol="0" anchor="ctr"/>
           <a:lstStyle/>
           <a:p>
             <a:pPr algn="ctr"/>
             <a:r>
               <a:rPr lang="en-US" sz="1400" dirty="0"/>
-              <a:t>CANager Thread</a:t>
-            </a:r>
-          </a:p>
-          <a:p>
-            <a:pPr algn="ctr"/>
-            <a:endParaRPr lang="en-US" sz="1400" dirty="0"/>
-          </a:p>
-        </p:txBody>
-      </p:sp>
-      <p:sp>
-        <p:nvSpPr>
-          <p:cNvPr id="85" name="Rectangle 84">
-            <a:extLst>
-              <a:ext uri="{FF2B5EF4-FFF2-40B4-BE49-F238E27FC236}">
-                <a16:creationId xmlns:a16="http://schemas.microsoft.com/office/drawing/2014/main" id="{F25FD51F-2A68-4DC6-8EB1-1B95FE61633C}"/>
+              <a:t>Sample Period</a:t>
+            </a:r>
+          </a:p>
+        </p:txBody>
+      </p:sp>
+      <p:sp>
+        <p:nvSpPr>
+          <p:cNvPr id="66" name="Rectangle 65">
+            <a:extLst>
+              <a:ext uri="{FF2B5EF4-FFF2-40B4-BE49-F238E27FC236}">
+                <a16:creationId xmlns:a16="http://schemas.microsoft.com/office/drawing/2014/main" id="{0FE17119-E667-4B13-B454-3D8FA34EC8C1}"/>
               </a:ext>
             </a:extLst>
           </p:cNvPr>
@@ -4718,342 +4197,8 @@
         </p:nvSpPr>
         <p:spPr>
           <a:xfrm>
-            <a:off x="10451574" y="1664677"/>
-            <a:ext cx="1483683" cy="671176"/>
-          </a:xfrm>
-          <a:prstGeom prst="rect">
-            <a:avLst/>
-          </a:prstGeom>
-        </p:spPr>
-        <p:style>
-          <a:lnRef idx="2">
-            <a:schemeClr val="accent6">
-              <a:shade val="50000"/>
-            </a:schemeClr>
-          </a:lnRef>
-          <a:fillRef idx="1">
-            <a:schemeClr val="accent6"/>
-          </a:fillRef>
-          <a:effectRef idx="0">
-            <a:schemeClr val="accent6"/>
-          </a:effectRef>
-          <a:fontRef idx="minor">
-            <a:schemeClr val="lt1"/>
-          </a:fontRef>
-        </p:style>
-        <p:txBody>
-          <a:bodyPr rtlCol="0" anchor="ctr"/>
-          <a:lstStyle/>
-          <a:p>
-            <a:pPr algn="ctr"/>
-            <a:r>
-              <a:rPr lang="en-US" sz="1400" dirty="0"/>
-              <a:t>Initialization</a:t>
-            </a:r>
-          </a:p>
-        </p:txBody>
-      </p:sp>
-      <p:sp>
-        <p:nvSpPr>
-          <p:cNvPr id="86" name="Arrow: Curved Down 85">
-            <a:extLst>
-              <a:ext uri="{FF2B5EF4-FFF2-40B4-BE49-F238E27FC236}">
-                <a16:creationId xmlns:a16="http://schemas.microsoft.com/office/drawing/2014/main" id="{BDF7B51B-4667-494C-B5AF-E5C56E60FE3E}"/>
-              </a:ext>
-            </a:extLst>
-          </p:cNvPr>
-          <p:cNvSpPr/>
-          <p:nvPr/>
-        </p:nvSpPr>
-        <p:spPr>
-          <a:xfrm rot="10800000">
-            <a:off x="10320998" y="4691936"/>
-            <a:ext cx="1661537" cy="467979"/>
-          </a:xfrm>
-          <a:prstGeom prst="curvedDownArrow">
-            <a:avLst/>
-          </a:prstGeom>
-        </p:spPr>
-        <p:style>
-          <a:lnRef idx="2">
-            <a:schemeClr val="accent2">
-              <a:shade val="50000"/>
-            </a:schemeClr>
-          </a:lnRef>
-          <a:fillRef idx="1">
-            <a:schemeClr val="accent2"/>
-          </a:fillRef>
-          <a:effectRef idx="0">
-            <a:schemeClr val="accent2"/>
-          </a:effectRef>
-          <a:fontRef idx="minor">
-            <a:schemeClr val="lt1"/>
-          </a:fontRef>
-        </p:style>
-        <p:txBody>
-          <a:bodyPr rtlCol="0" anchor="ctr"/>
-          <a:lstStyle/>
-          <a:p>
-            <a:pPr algn="ctr"/>
-            <a:endParaRPr lang="en-US" sz="1400" dirty="0">
-              <a:solidFill>
-                <a:schemeClr val="tx1"/>
-              </a:solidFill>
-            </a:endParaRPr>
-          </a:p>
-        </p:txBody>
-      </p:sp>
-      <p:sp>
-        <p:nvSpPr>
-          <p:cNvPr id="87" name="Arrow: Curved Down 86">
-            <a:extLst>
-              <a:ext uri="{FF2B5EF4-FFF2-40B4-BE49-F238E27FC236}">
-                <a16:creationId xmlns:a16="http://schemas.microsoft.com/office/drawing/2014/main" id="{7F31301F-B9F2-4B6C-9E98-F8BD81EB3FF3}"/>
-              </a:ext>
-            </a:extLst>
-          </p:cNvPr>
-          <p:cNvSpPr/>
-          <p:nvPr/>
-        </p:nvSpPr>
-        <p:spPr>
-          <a:xfrm>
-            <a:off x="10451575" y="2450005"/>
-            <a:ext cx="1550168" cy="472001"/>
-          </a:xfrm>
-          <a:prstGeom prst="curvedDownArrow">
-            <a:avLst/>
-          </a:prstGeom>
-        </p:spPr>
-        <p:style>
-          <a:lnRef idx="2">
-            <a:schemeClr val="accent2">
-              <a:shade val="50000"/>
-            </a:schemeClr>
-          </a:lnRef>
-          <a:fillRef idx="1">
-            <a:schemeClr val="accent2"/>
-          </a:fillRef>
-          <a:effectRef idx="0">
-            <a:schemeClr val="accent2"/>
-          </a:effectRef>
-          <a:fontRef idx="minor">
-            <a:schemeClr val="lt1"/>
-          </a:fontRef>
-        </p:style>
-        <p:txBody>
-          <a:bodyPr rtlCol="0" anchor="ctr"/>
-          <a:lstStyle/>
-          <a:p>
-            <a:pPr algn="ctr"/>
-            <a:endParaRPr lang="en-US" sz="1400" dirty="0">
-              <a:solidFill>
-                <a:schemeClr val="tx1"/>
-              </a:solidFill>
-            </a:endParaRPr>
-          </a:p>
-        </p:txBody>
-      </p:sp>
-      <p:sp>
-        <p:nvSpPr>
-          <p:cNvPr id="88" name="Rectangle 87">
-            <a:extLst>
-              <a:ext uri="{FF2B5EF4-FFF2-40B4-BE49-F238E27FC236}">
-                <a16:creationId xmlns:a16="http://schemas.microsoft.com/office/drawing/2014/main" id="{97496D9E-B21C-45BA-A878-58127554F23E}"/>
-              </a:ext>
-            </a:extLst>
-          </p:cNvPr>
-          <p:cNvSpPr/>
-          <p:nvPr/>
-        </p:nvSpPr>
-        <p:spPr>
-          <a:xfrm>
-            <a:off x="10437677" y="3016174"/>
-            <a:ext cx="1511475" cy="1527079"/>
-          </a:xfrm>
-          <a:prstGeom prst="rect">
-            <a:avLst/>
-          </a:prstGeom>
-        </p:spPr>
-        <p:style>
-          <a:lnRef idx="2">
-            <a:schemeClr val="accent2">
-              <a:shade val="50000"/>
-            </a:schemeClr>
-          </a:lnRef>
-          <a:fillRef idx="1">
-            <a:schemeClr val="accent2"/>
-          </a:fillRef>
-          <a:effectRef idx="0">
-            <a:schemeClr val="accent2"/>
-          </a:effectRef>
-          <a:fontRef idx="minor">
-            <a:schemeClr val="lt1"/>
-          </a:fontRef>
-        </p:style>
-        <p:txBody>
-          <a:bodyPr rtlCol="0" anchor="ctr"/>
-          <a:lstStyle/>
-          <a:p>
-            <a:pPr algn="ctr"/>
-            <a:r>
-              <a:rPr lang="en-US" sz="1000" dirty="0"/>
-              <a:t>Timer -&gt; send CAN the next CAN message once the CAN bus is available</a:t>
-            </a:r>
-          </a:p>
-          <a:p>
-            <a:pPr algn="ctr"/>
-            <a:endParaRPr lang="en-US" sz="1000" dirty="0"/>
-          </a:p>
-          <a:p>
-            <a:pPr algn="ctr"/>
-            <a:r>
-              <a:rPr lang="en-US" sz="1000" dirty="0"/>
-              <a:t>Sleep Till Timer Event</a:t>
-            </a:r>
-          </a:p>
-        </p:txBody>
-      </p:sp>
-      <p:cxnSp>
-        <p:nvCxnSpPr>
-          <p:cNvPr id="95" name="Connector: Elbow 94">
-            <a:extLst>
-              <a:ext uri="{FF2B5EF4-FFF2-40B4-BE49-F238E27FC236}">
-                <a16:creationId xmlns:a16="http://schemas.microsoft.com/office/drawing/2014/main" id="{74F4F1D9-F6BD-4BCB-A368-4EB1DDD57431}"/>
-              </a:ext>
-            </a:extLst>
-          </p:cNvPr>
-          <p:cNvCxnSpPr>
-            <a:endCxn id="83" idx="0"/>
-          </p:cNvCxnSpPr>
-          <p:nvPr/>
-        </p:nvCxnSpPr>
-        <p:spPr>
-          <a:xfrm flipV="1">
-            <a:off x="8207512" y="3344847"/>
-            <a:ext cx="1136320" cy="959062"/>
-          </a:xfrm>
-          <a:prstGeom prst="bentConnector4">
-            <a:avLst>
-              <a:gd name="adj1" fmla="val 30914"/>
-              <a:gd name="adj2" fmla="val 151338"/>
-            </a:avLst>
-          </a:prstGeom>
-          <a:ln>
-            <a:tailEnd type="triangle"/>
-          </a:ln>
-        </p:spPr>
-        <p:style>
-          <a:lnRef idx="3">
-            <a:schemeClr val="dk1"/>
-          </a:lnRef>
-          <a:fillRef idx="0">
-            <a:schemeClr val="dk1"/>
-          </a:fillRef>
-          <a:effectRef idx="2">
-            <a:schemeClr val="dk1"/>
-          </a:effectRef>
-          <a:fontRef idx="minor">
-            <a:schemeClr val="tx1"/>
-          </a:fontRef>
-        </p:style>
-      </p:cxnSp>
-      <p:cxnSp>
-        <p:nvCxnSpPr>
-          <p:cNvPr id="98" name="Connector: Elbow 97">
-            <a:extLst>
-              <a:ext uri="{FF2B5EF4-FFF2-40B4-BE49-F238E27FC236}">
-                <a16:creationId xmlns:a16="http://schemas.microsoft.com/office/drawing/2014/main" id="{99B7CF50-265B-4735-824C-8B7B96A4B690}"/>
-              </a:ext>
-            </a:extLst>
-          </p:cNvPr>
-          <p:cNvCxnSpPr>
-            <a:stCxn id="83" idx="3"/>
-            <a:endCxn id="88" idx="1"/>
-          </p:cNvCxnSpPr>
-          <p:nvPr/>
-        </p:nvCxnSpPr>
-        <p:spPr>
-          <a:xfrm rot="5400000" flipH="1" flipV="1">
-            <a:off x="9563064" y="3560481"/>
-            <a:ext cx="655379" cy="1093845"/>
-          </a:xfrm>
-          <a:prstGeom prst="bentConnector4">
-            <a:avLst>
-              <a:gd name="adj1" fmla="val -34881"/>
-              <a:gd name="adj2" fmla="val 69827"/>
-            </a:avLst>
-          </a:prstGeom>
-          <a:ln>
-            <a:tailEnd type="triangle"/>
-          </a:ln>
-        </p:spPr>
-        <p:style>
-          <a:lnRef idx="3">
-            <a:schemeClr val="dk1"/>
-          </a:lnRef>
-          <a:fillRef idx="0">
-            <a:schemeClr val="dk1"/>
-          </a:fillRef>
-          <a:effectRef idx="2">
-            <a:schemeClr val="dk1"/>
-          </a:effectRef>
-          <a:fontRef idx="minor">
-            <a:schemeClr val="tx1"/>
-          </a:fontRef>
-        </p:style>
-      </p:cxnSp>
-      <p:sp>
-        <p:nvSpPr>
-          <p:cNvPr id="101" name="TextBox 100">
-            <a:extLst>
-              <a:ext uri="{FF2B5EF4-FFF2-40B4-BE49-F238E27FC236}">
-                <a16:creationId xmlns:a16="http://schemas.microsoft.com/office/drawing/2014/main" id="{DA0B43C5-2794-429F-B0D7-8756385A445A}"/>
-              </a:ext>
-            </a:extLst>
-          </p:cNvPr>
-          <p:cNvSpPr txBox="1"/>
-          <p:nvPr/>
-        </p:nvSpPr>
-        <p:spPr>
-          <a:xfrm>
-            <a:off x="10477868" y="5865367"/>
-            <a:ext cx="1497581" cy="923330"/>
-          </a:xfrm>
-          <a:prstGeom prst="rect">
-            <a:avLst/>
-          </a:prstGeom>
-          <a:noFill/>
-        </p:spPr>
-        <p:txBody>
-          <a:bodyPr wrap="square" rtlCol="0">
-            <a:spAutoFit/>
-          </a:bodyPr>
-          <a:lstStyle/>
-          <a:p>
-            <a:pPr algn="ctr"/>
-            <a:r>
-              <a:rPr lang="en-US" dirty="0"/>
-              <a:t>Sensor Data Output on CAN BUS</a:t>
-            </a:r>
-          </a:p>
-        </p:txBody>
-      </p:sp>
-      <p:sp>
-        <p:nvSpPr>
-          <p:cNvPr id="2" name="Rectangle 1">
-            <a:extLst>
-              <a:ext uri="{FF2B5EF4-FFF2-40B4-BE49-F238E27FC236}">
-                <a16:creationId xmlns:a16="http://schemas.microsoft.com/office/drawing/2014/main" id="{A80FABF5-A7EF-48F2-9B62-BCF9C208106D}"/>
-              </a:ext>
-            </a:extLst>
-          </p:cNvPr>
-          <p:cNvSpPr/>
-          <p:nvPr/>
-        </p:nvSpPr>
-        <p:spPr>
-          <a:xfrm>
-            <a:off x="4958732" y="4223046"/>
-            <a:ext cx="1062495" cy="285285"/>
+            <a:off x="813039" y="4058543"/>
+            <a:ext cx="1223031" cy="468427"/>
           </a:xfrm>
           <a:prstGeom prst="rect">
             <a:avLst/>
@@ -5076,23 +4221,23 @@
           </a:fontRef>
         </p:style>
         <p:txBody>
-          <a:bodyPr rtlCol="0" anchor="t"/>
+          <a:bodyPr rtlCol="0" anchor="ctr"/>
           <a:lstStyle/>
           <a:p>
             <a:pPr algn="ctr"/>
             <a:r>
               <a:rPr lang="en-US" sz="1400" dirty="0"/>
-              <a:t>Sys Timer</a:t>
-            </a:r>
-          </a:p>
-        </p:txBody>
-      </p:sp>
-      <p:sp>
-        <p:nvSpPr>
-          <p:cNvPr id="54" name="Rectangle 53">
-            <a:extLst>
-              <a:ext uri="{FF2B5EF4-FFF2-40B4-BE49-F238E27FC236}">
-                <a16:creationId xmlns:a16="http://schemas.microsoft.com/office/drawing/2014/main" id="{53B802D9-F408-499A-8D35-85DCB967DFFB}"/>
+              <a:t>Last Sample Timestamp</a:t>
+            </a:r>
+          </a:p>
+        </p:txBody>
+      </p:sp>
+      <p:sp>
+        <p:nvSpPr>
+          <p:cNvPr id="71" name="Rectangle 70">
+            <a:extLst>
+              <a:ext uri="{FF2B5EF4-FFF2-40B4-BE49-F238E27FC236}">
+                <a16:creationId xmlns:a16="http://schemas.microsoft.com/office/drawing/2014/main" id="{5BE4955E-51EB-4E88-8F3A-67D6EEBF4EC2}"/>
               </a:ext>
             </a:extLst>
           </p:cNvPr>
@@ -5101,241 +4246,8 @@
         </p:nvSpPr>
         <p:spPr>
           <a:xfrm>
-            <a:off x="2861618" y="3450149"/>
-            <a:ext cx="1438886" cy="1457767"/>
-          </a:xfrm>
-          <a:prstGeom prst="rect">
-            <a:avLst/>
-          </a:prstGeom>
-        </p:spPr>
-        <p:style>
-          <a:lnRef idx="2">
-            <a:schemeClr val="accent2">
-              <a:shade val="50000"/>
-            </a:schemeClr>
-          </a:lnRef>
-          <a:fillRef idx="1">
-            <a:schemeClr val="accent2"/>
-          </a:fillRef>
-          <a:effectRef idx="0">
-            <a:schemeClr val="accent2"/>
-          </a:effectRef>
-          <a:fontRef idx="minor">
-            <a:schemeClr val="lt1"/>
-          </a:fontRef>
-        </p:style>
-        <p:txBody>
-          <a:bodyPr rtlCol="0" anchor="t"/>
-          <a:lstStyle/>
-          <a:p>
-            <a:pPr algn="ctr"/>
-            <a:endParaRPr lang="en-US" sz="1400" dirty="0"/>
-          </a:p>
-        </p:txBody>
-      </p:sp>
-      <p:sp>
-        <p:nvSpPr>
-          <p:cNvPr id="56" name="Rectangle 55">
-            <a:extLst>
-              <a:ext uri="{FF2B5EF4-FFF2-40B4-BE49-F238E27FC236}">
-                <a16:creationId xmlns:a16="http://schemas.microsoft.com/office/drawing/2014/main" id="{F9248A19-33D6-4F34-90BA-A0183B026B0E}"/>
-              </a:ext>
-            </a:extLst>
-          </p:cNvPr>
-          <p:cNvSpPr/>
-          <p:nvPr/>
-        </p:nvSpPr>
-        <p:spPr>
-          <a:xfrm>
-            <a:off x="2924124" y="3517370"/>
-            <a:ext cx="1438886" cy="1457767"/>
-          </a:xfrm>
-          <a:prstGeom prst="rect">
-            <a:avLst/>
-          </a:prstGeom>
-        </p:spPr>
-        <p:style>
-          <a:lnRef idx="2">
-            <a:schemeClr val="accent2">
-              <a:shade val="50000"/>
-            </a:schemeClr>
-          </a:lnRef>
-          <a:fillRef idx="1">
-            <a:schemeClr val="accent2"/>
-          </a:fillRef>
-          <a:effectRef idx="0">
-            <a:schemeClr val="accent2"/>
-          </a:effectRef>
-          <a:fontRef idx="minor">
-            <a:schemeClr val="lt1"/>
-          </a:fontRef>
-        </p:style>
-        <p:txBody>
-          <a:bodyPr rtlCol="0" anchor="t"/>
-          <a:lstStyle/>
-          <a:p>
-            <a:pPr algn="ctr"/>
-            <a:endParaRPr lang="en-US" sz="1400" dirty="0"/>
-          </a:p>
-        </p:txBody>
-      </p:sp>
-      <p:sp>
-        <p:nvSpPr>
-          <p:cNvPr id="57" name="Rectangle 56">
-            <a:extLst>
-              <a:ext uri="{FF2B5EF4-FFF2-40B4-BE49-F238E27FC236}">
-                <a16:creationId xmlns:a16="http://schemas.microsoft.com/office/drawing/2014/main" id="{097C799C-049B-4397-84B4-637E5E2F4DE0}"/>
-              </a:ext>
-            </a:extLst>
-          </p:cNvPr>
-          <p:cNvSpPr/>
-          <p:nvPr/>
-        </p:nvSpPr>
-        <p:spPr>
-          <a:xfrm>
-            <a:off x="2982044" y="3602881"/>
-            <a:ext cx="1438886" cy="1457767"/>
-          </a:xfrm>
-          <a:prstGeom prst="rect">
-            <a:avLst/>
-          </a:prstGeom>
-        </p:spPr>
-        <p:style>
-          <a:lnRef idx="2">
-            <a:schemeClr val="accent2">
-              <a:shade val="50000"/>
-            </a:schemeClr>
-          </a:lnRef>
-          <a:fillRef idx="1">
-            <a:schemeClr val="accent2"/>
-          </a:fillRef>
-          <a:effectRef idx="0">
-            <a:schemeClr val="accent2"/>
-          </a:effectRef>
-          <a:fontRef idx="minor">
-            <a:schemeClr val="lt1"/>
-          </a:fontRef>
-        </p:style>
-        <p:txBody>
-          <a:bodyPr rtlCol="0" anchor="t"/>
-          <a:lstStyle/>
-          <a:p>
-            <a:pPr algn="ctr"/>
-            <a:endParaRPr lang="en-US" sz="1400" dirty="0"/>
-          </a:p>
-        </p:txBody>
-      </p:sp>
-      <p:sp>
-        <p:nvSpPr>
-          <p:cNvPr id="58" name="Rectangle 57">
-            <a:extLst>
-              <a:ext uri="{FF2B5EF4-FFF2-40B4-BE49-F238E27FC236}">
-                <a16:creationId xmlns:a16="http://schemas.microsoft.com/office/drawing/2014/main" id="{136F24C1-84A9-4C0F-A2FB-9FFFBDADEAE3}"/>
-              </a:ext>
-            </a:extLst>
-          </p:cNvPr>
-          <p:cNvSpPr/>
-          <p:nvPr/>
-        </p:nvSpPr>
-        <p:spPr>
-          <a:xfrm>
-            <a:off x="3033985" y="3679081"/>
-            <a:ext cx="1438886" cy="1457767"/>
-          </a:xfrm>
-          <a:prstGeom prst="rect">
-            <a:avLst/>
-          </a:prstGeom>
-        </p:spPr>
-        <p:style>
-          <a:lnRef idx="2">
-            <a:schemeClr val="accent2">
-              <a:shade val="50000"/>
-            </a:schemeClr>
-          </a:lnRef>
-          <a:fillRef idx="1">
-            <a:schemeClr val="accent2"/>
-          </a:fillRef>
-          <a:effectRef idx="0">
-            <a:schemeClr val="accent2"/>
-          </a:effectRef>
-          <a:fontRef idx="minor">
-            <a:schemeClr val="lt1"/>
-          </a:fontRef>
-        </p:style>
-        <p:txBody>
-          <a:bodyPr rtlCol="0" anchor="t"/>
-          <a:lstStyle/>
-          <a:p>
-            <a:pPr algn="ctr"/>
-            <a:endParaRPr lang="en-US" sz="1400" dirty="0"/>
-          </a:p>
-        </p:txBody>
-      </p:sp>
-      <p:sp>
-        <p:nvSpPr>
-          <p:cNvPr id="3" name="Rectangle 2">
-            <a:extLst>
-              <a:ext uri="{FF2B5EF4-FFF2-40B4-BE49-F238E27FC236}">
-                <a16:creationId xmlns:a16="http://schemas.microsoft.com/office/drawing/2014/main" id="{B4AAF730-F4DE-448E-920F-B5CA11BB7EB1}"/>
-              </a:ext>
-            </a:extLst>
-          </p:cNvPr>
-          <p:cNvSpPr/>
-          <p:nvPr/>
-        </p:nvSpPr>
-        <p:spPr>
-          <a:xfrm>
-            <a:off x="3084283" y="3755281"/>
-            <a:ext cx="1438886" cy="1707077"/>
-          </a:xfrm>
-          <a:prstGeom prst="rect">
-            <a:avLst/>
-          </a:prstGeom>
-        </p:spPr>
-        <p:style>
-          <a:lnRef idx="2">
-            <a:schemeClr val="accent2">
-              <a:shade val="50000"/>
-            </a:schemeClr>
-          </a:lnRef>
-          <a:fillRef idx="1">
-            <a:schemeClr val="accent2"/>
-          </a:fillRef>
-          <a:effectRef idx="0">
-            <a:schemeClr val="accent2"/>
-          </a:effectRef>
-          <a:fontRef idx="minor">
-            <a:schemeClr val="lt1"/>
-          </a:fontRef>
-        </p:style>
-        <p:txBody>
-          <a:bodyPr rtlCol="0" anchor="t"/>
-          <a:lstStyle/>
-          <a:p>
-            <a:pPr algn="ctr"/>
-            <a:r>
-              <a:rPr lang="en-US" sz="1200" dirty="0"/>
-              <a:t>External Sensor N</a:t>
-            </a:r>
-          </a:p>
-        </p:txBody>
-      </p:sp>
-      <p:sp>
-        <p:nvSpPr>
-          <p:cNvPr id="7" name="Rectangle 6">
-            <a:extLst>
-              <a:ext uri="{FF2B5EF4-FFF2-40B4-BE49-F238E27FC236}">
-                <a16:creationId xmlns:a16="http://schemas.microsoft.com/office/drawing/2014/main" id="{C6AC07AB-4FD6-4575-863A-82553BC4D6F2}"/>
-              </a:ext>
-            </a:extLst>
-          </p:cNvPr>
-          <p:cNvSpPr/>
-          <p:nvPr/>
-        </p:nvSpPr>
-        <p:spPr>
-          <a:xfrm>
-            <a:off x="3252348" y="4039870"/>
-            <a:ext cx="535417" cy="227160"/>
+            <a:off x="822460" y="4566591"/>
+            <a:ext cx="1227072" cy="233838"/>
           </a:xfrm>
           <a:prstGeom prst="rect">
             <a:avLst/>
@@ -5358,23 +4270,23 @@
           </a:fontRef>
         </p:style>
         <p:txBody>
-          <a:bodyPr rtlCol="0" anchor="t"/>
+          <a:bodyPr rtlCol="0" anchor="ctr"/>
           <a:lstStyle/>
           <a:p>
             <a:pPr algn="ctr"/>
             <a:r>
               <a:rPr lang="en-US" sz="1400" dirty="0"/>
-              <a:t>ID</a:t>
-            </a:r>
-          </a:p>
-        </p:txBody>
-      </p:sp>
-      <p:sp>
-        <p:nvSpPr>
-          <p:cNvPr id="45" name="Rectangle 44">
-            <a:extLst>
-              <a:ext uri="{FF2B5EF4-FFF2-40B4-BE49-F238E27FC236}">
-                <a16:creationId xmlns:a16="http://schemas.microsoft.com/office/drawing/2014/main" id="{31B21920-5D34-4BAC-9A50-81B173D0C735}"/>
+              <a:t>DATA</a:t>
+            </a:r>
+          </a:p>
+        </p:txBody>
+      </p:sp>
+      <p:sp>
+        <p:nvSpPr>
+          <p:cNvPr id="33" name="Rectangle 32">
+            <a:extLst>
+              <a:ext uri="{FF2B5EF4-FFF2-40B4-BE49-F238E27FC236}">
+                <a16:creationId xmlns:a16="http://schemas.microsoft.com/office/drawing/2014/main" id="{ACA0B2A3-D1A7-42C6-BD16-64B7BF083E40}"/>
               </a:ext>
             </a:extLst>
           </p:cNvPr>
@@ -5383,23 +4295,21 @@
         </p:nvSpPr>
         <p:spPr>
           <a:xfrm>
-            <a:off x="3252347" y="4315721"/>
-            <a:ext cx="1223031" cy="292363"/>
+            <a:off x="4536374" y="3349895"/>
+            <a:ext cx="410077" cy="156357"/>
           </a:xfrm>
           <a:prstGeom prst="rect">
             <a:avLst/>
           </a:prstGeom>
         </p:spPr>
         <p:style>
-          <a:lnRef idx="2">
-            <a:schemeClr val="accent1">
-              <a:shade val="50000"/>
-            </a:schemeClr>
+          <a:lnRef idx="3">
+            <a:schemeClr val="lt1"/>
           </a:lnRef>
           <a:fillRef idx="1">
             <a:schemeClr val="accent1"/>
           </a:fillRef>
-          <a:effectRef idx="0">
+          <a:effectRef idx="1">
             <a:schemeClr val="accent1"/>
           </a:effectRef>
           <a:fontRef idx="minor">
@@ -5412,18 +4322,18 @@
           <a:p>
             <a:pPr algn="ctr"/>
             <a:r>
-              <a:rPr lang="en-US" sz="1400" dirty="0"/>
-              <a:t>Sample Period</a:t>
-            </a:r>
-          </a:p>
-        </p:txBody>
-      </p:sp>
-      <p:sp>
-        <p:nvSpPr>
-          <p:cNvPr id="52" name="Rectangle 51">
-            <a:extLst>
-              <a:ext uri="{FF2B5EF4-FFF2-40B4-BE49-F238E27FC236}">
-                <a16:creationId xmlns:a16="http://schemas.microsoft.com/office/drawing/2014/main" id="{6CC66ACD-03DC-4951-B1A9-331227B27555}"/>
+              <a:rPr lang="en-US" sz="800" dirty="0"/>
+              <a:t>ID</a:t>
+            </a:r>
+          </a:p>
+        </p:txBody>
+      </p:sp>
+      <p:sp>
+        <p:nvSpPr>
+          <p:cNvPr id="73" name="Rectangle 72">
+            <a:extLst>
+              <a:ext uri="{FF2B5EF4-FFF2-40B4-BE49-F238E27FC236}">
+                <a16:creationId xmlns:a16="http://schemas.microsoft.com/office/drawing/2014/main" id="{CDF51F51-2C42-4BCC-9382-B01F9DED130F}"/>
               </a:ext>
             </a:extLst>
           </p:cNvPr>
@@ -5432,23 +4342,21 @@
         </p:nvSpPr>
         <p:spPr>
           <a:xfrm>
-            <a:off x="3252347" y="4644282"/>
-            <a:ext cx="1223031" cy="468427"/>
+            <a:off x="4941856" y="3349895"/>
+            <a:ext cx="652286" cy="156357"/>
           </a:xfrm>
           <a:prstGeom prst="rect">
             <a:avLst/>
           </a:prstGeom>
         </p:spPr>
         <p:style>
-          <a:lnRef idx="2">
-            <a:schemeClr val="accent1">
-              <a:shade val="50000"/>
-            </a:schemeClr>
+          <a:lnRef idx="3">
+            <a:schemeClr val="lt1"/>
           </a:lnRef>
           <a:fillRef idx="1">
             <a:schemeClr val="accent1"/>
           </a:fillRef>
-          <a:effectRef idx="0">
+          <a:effectRef idx="1">
             <a:schemeClr val="accent1"/>
           </a:effectRef>
           <a:fontRef idx="minor">
@@ -5461,18 +4369,18 @@
           <a:p>
             <a:pPr algn="ctr"/>
             <a:r>
-              <a:rPr lang="en-US" sz="1400" dirty="0"/>
-              <a:t>Last Sample Sys Time</a:t>
-            </a:r>
-          </a:p>
-        </p:txBody>
-      </p:sp>
-      <p:sp>
-        <p:nvSpPr>
-          <p:cNvPr id="59" name="Rectangle 58">
-            <a:extLst>
-              <a:ext uri="{FF2B5EF4-FFF2-40B4-BE49-F238E27FC236}">
-                <a16:creationId xmlns:a16="http://schemas.microsoft.com/office/drawing/2014/main" id="{A41EF06A-7955-480D-A2D8-05A18E453F4B}"/>
+              <a:rPr lang="en-US" sz="800" dirty="0"/>
+              <a:t>Data</a:t>
+            </a:r>
+          </a:p>
+        </p:txBody>
+      </p:sp>
+      <p:sp>
+        <p:nvSpPr>
+          <p:cNvPr id="74" name="Rectangle 73">
+            <a:extLst>
+              <a:ext uri="{FF2B5EF4-FFF2-40B4-BE49-F238E27FC236}">
+                <a16:creationId xmlns:a16="http://schemas.microsoft.com/office/drawing/2014/main" id="{CA9F81B1-601A-49F0-8859-E13563C68C50}"/>
               </a:ext>
             </a:extLst>
           </p:cNvPr>
@@ -5481,24 +4389,22 @@
         </p:nvSpPr>
         <p:spPr>
           <a:xfrm>
-            <a:off x="405532" y="3510363"/>
-            <a:ext cx="1438886" cy="1457767"/>
+            <a:off x="4545150" y="3504795"/>
+            <a:ext cx="410077" cy="156357"/>
           </a:xfrm>
           <a:prstGeom prst="rect">
             <a:avLst/>
           </a:prstGeom>
         </p:spPr>
         <p:style>
-          <a:lnRef idx="2">
-            <a:schemeClr val="accent2">
-              <a:shade val="50000"/>
-            </a:schemeClr>
+          <a:lnRef idx="3">
+            <a:schemeClr val="lt1"/>
           </a:lnRef>
           <a:fillRef idx="1">
-            <a:schemeClr val="accent2"/>
+            <a:schemeClr val="accent1"/>
           </a:fillRef>
-          <a:effectRef idx="0">
-            <a:schemeClr val="accent2"/>
+          <a:effectRef idx="1">
+            <a:schemeClr val="accent1"/>
           </a:effectRef>
           <a:fontRef idx="minor">
             <a:schemeClr val="lt1"/>
@@ -5509,16 +4415,19 @@
           <a:lstStyle/>
           <a:p>
             <a:pPr algn="ctr"/>
-            <a:endParaRPr lang="en-US" sz="1400" dirty="0"/>
-          </a:p>
-        </p:txBody>
-      </p:sp>
-      <p:sp>
-        <p:nvSpPr>
-          <p:cNvPr id="60" name="Rectangle 59">
-            <a:extLst>
-              <a:ext uri="{FF2B5EF4-FFF2-40B4-BE49-F238E27FC236}">
-                <a16:creationId xmlns:a16="http://schemas.microsoft.com/office/drawing/2014/main" id="{9FBE5BDE-A9B0-4297-BC30-20E41725A1CC}"/>
+            <a:r>
+              <a:rPr lang="en-US" sz="800" dirty="0"/>
+              <a:t>ID</a:t>
+            </a:r>
+          </a:p>
+        </p:txBody>
+      </p:sp>
+      <p:sp>
+        <p:nvSpPr>
+          <p:cNvPr id="75" name="Rectangle 74">
+            <a:extLst>
+              <a:ext uri="{FF2B5EF4-FFF2-40B4-BE49-F238E27FC236}">
+                <a16:creationId xmlns:a16="http://schemas.microsoft.com/office/drawing/2014/main" id="{4FA75244-0AAA-476A-9DE4-6686797D1DE9}"/>
               </a:ext>
             </a:extLst>
           </p:cNvPr>
@@ -5527,24 +4436,22 @@
         </p:nvSpPr>
         <p:spPr>
           <a:xfrm>
-            <a:off x="468038" y="3577584"/>
-            <a:ext cx="1438886" cy="1457767"/>
+            <a:off x="4950632" y="3504795"/>
+            <a:ext cx="652286" cy="156357"/>
           </a:xfrm>
           <a:prstGeom prst="rect">
             <a:avLst/>
           </a:prstGeom>
         </p:spPr>
         <p:style>
-          <a:lnRef idx="2">
-            <a:schemeClr val="accent2">
-              <a:shade val="50000"/>
-            </a:schemeClr>
+          <a:lnRef idx="3">
+            <a:schemeClr val="lt1"/>
           </a:lnRef>
           <a:fillRef idx="1">
-            <a:schemeClr val="accent2"/>
+            <a:schemeClr val="accent1"/>
           </a:fillRef>
-          <a:effectRef idx="0">
-            <a:schemeClr val="accent2"/>
+          <a:effectRef idx="1">
+            <a:schemeClr val="accent1"/>
           </a:effectRef>
           <a:fontRef idx="minor">
             <a:schemeClr val="lt1"/>
@@ -5555,16 +4462,19 @@
           <a:lstStyle/>
           <a:p>
             <a:pPr algn="ctr"/>
-            <a:endParaRPr lang="en-US" sz="1400" dirty="0"/>
-          </a:p>
-        </p:txBody>
-      </p:sp>
-      <p:sp>
-        <p:nvSpPr>
-          <p:cNvPr id="61" name="Rectangle 60">
-            <a:extLst>
-              <a:ext uri="{FF2B5EF4-FFF2-40B4-BE49-F238E27FC236}">
-                <a16:creationId xmlns:a16="http://schemas.microsoft.com/office/drawing/2014/main" id="{57E74C97-1CFF-4FF1-AB65-E8FB3F020510}"/>
+            <a:r>
+              <a:rPr lang="en-US" sz="800" dirty="0"/>
+              <a:t>Data</a:t>
+            </a:r>
+          </a:p>
+        </p:txBody>
+      </p:sp>
+      <p:sp>
+        <p:nvSpPr>
+          <p:cNvPr id="80" name="Rectangle 79">
+            <a:extLst>
+              <a:ext uri="{FF2B5EF4-FFF2-40B4-BE49-F238E27FC236}">
+                <a16:creationId xmlns:a16="http://schemas.microsoft.com/office/drawing/2014/main" id="{D9376AD5-568F-445C-BE63-007381811F86}"/>
               </a:ext>
             </a:extLst>
           </p:cNvPr>
@@ -5573,24 +4483,22 @@
         </p:nvSpPr>
         <p:spPr>
           <a:xfrm>
-            <a:off x="525958" y="3663095"/>
-            <a:ext cx="1438886" cy="1457767"/>
+            <a:off x="4545150" y="3659538"/>
+            <a:ext cx="410077" cy="156357"/>
           </a:xfrm>
           <a:prstGeom prst="rect">
             <a:avLst/>
           </a:prstGeom>
         </p:spPr>
         <p:style>
-          <a:lnRef idx="2">
-            <a:schemeClr val="accent2">
-              <a:shade val="50000"/>
-            </a:schemeClr>
+          <a:lnRef idx="3">
+            <a:schemeClr val="lt1"/>
           </a:lnRef>
           <a:fillRef idx="1">
-            <a:schemeClr val="accent2"/>
+            <a:schemeClr val="accent1"/>
           </a:fillRef>
-          <a:effectRef idx="0">
-            <a:schemeClr val="accent2"/>
+          <a:effectRef idx="1">
+            <a:schemeClr val="accent1"/>
           </a:effectRef>
           <a:fontRef idx="minor">
             <a:schemeClr val="lt1"/>
@@ -5601,16 +4509,19 @@
           <a:lstStyle/>
           <a:p>
             <a:pPr algn="ctr"/>
-            <a:endParaRPr lang="en-US" sz="1400" dirty="0"/>
-          </a:p>
-        </p:txBody>
-      </p:sp>
-      <p:sp>
-        <p:nvSpPr>
-          <p:cNvPr id="62" name="Rectangle 61">
-            <a:extLst>
-              <a:ext uri="{FF2B5EF4-FFF2-40B4-BE49-F238E27FC236}">
-                <a16:creationId xmlns:a16="http://schemas.microsoft.com/office/drawing/2014/main" id="{BA801362-0B1C-4AF5-A86B-E02C53C5EACA}"/>
+            <a:r>
+              <a:rPr lang="en-US" sz="800" dirty="0"/>
+              <a:t>ID</a:t>
+            </a:r>
+          </a:p>
+        </p:txBody>
+      </p:sp>
+      <p:sp>
+        <p:nvSpPr>
+          <p:cNvPr id="89" name="Rectangle 88">
+            <a:extLst>
+              <a:ext uri="{FF2B5EF4-FFF2-40B4-BE49-F238E27FC236}">
+                <a16:creationId xmlns:a16="http://schemas.microsoft.com/office/drawing/2014/main" id="{577BB479-57C2-4E33-B0A9-ABE6BF69F752}"/>
               </a:ext>
             </a:extLst>
           </p:cNvPr>
@@ -5619,24 +4530,22 @@
         </p:nvSpPr>
         <p:spPr>
           <a:xfrm>
-            <a:off x="577899" y="3739295"/>
-            <a:ext cx="1438886" cy="1457767"/>
+            <a:off x="4950632" y="3659538"/>
+            <a:ext cx="652286" cy="156357"/>
           </a:xfrm>
           <a:prstGeom prst="rect">
             <a:avLst/>
           </a:prstGeom>
         </p:spPr>
         <p:style>
-          <a:lnRef idx="2">
-            <a:schemeClr val="accent2">
-              <a:shade val="50000"/>
-            </a:schemeClr>
+          <a:lnRef idx="3">
+            <a:schemeClr val="lt1"/>
           </a:lnRef>
           <a:fillRef idx="1">
-            <a:schemeClr val="accent2"/>
+            <a:schemeClr val="accent1"/>
           </a:fillRef>
-          <a:effectRef idx="0">
-            <a:schemeClr val="accent2"/>
+          <a:effectRef idx="1">
+            <a:schemeClr val="accent1"/>
           </a:effectRef>
           <a:fontRef idx="minor">
             <a:schemeClr val="lt1"/>
@@ -5647,16 +4556,19 @@
           <a:lstStyle/>
           <a:p>
             <a:pPr algn="ctr"/>
-            <a:endParaRPr lang="en-US" sz="1400" dirty="0"/>
-          </a:p>
-        </p:txBody>
-      </p:sp>
-      <p:sp>
-        <p:nvSpPr>
-          <p:cNvPr id="63" name="Rectangle 62">
-            <a:extLst>
-              <a:ext uri="{FF2B5EF4-FFF2-40B4-BE49-F238E27FC236}">
-                <a16:creationId xmlns:a16="http://schemas.microsoft.com/office/drawing/2014/main" id="{AFC4FA20-0DB8-4DEA-BBB5-37C508574AC2}"/>
+            <a:r>
+              <a:rPr lang="en-US" sz="800" dirty="0"/>
+              <a:t>Data</a:t>
+            </a:r>
+          </a:p>
+        </p:txBody>
+      </p:sp>
+      <p:sp>
+        <p:nvSpPr>
+          <p:cNvPr id="90" name="Rectangle 89">
+            <a:extLst>
+              <a:ext uri="{FF2B5EF4-FFF2-40B4-BE49-F238E27FC236}">
+                <a16:creationId xmlns:a16="http://schemas.microsoft.com/office/drawing/2014/main" id="{A31AA75A-A106-4190-AF59-672D4E542CC9}"/>
               </a:ext>
             </a:extLst>
           </p:cNvPr>
@@ -5665,24 +4577,22 @@
         </p:nvSpPr>
         <p:spPr>
           <a:xfrm>
-            <a:off x="628197" y="3815495"/>
-            <a:ext cx="1438886" cy="1698836"/>
+            <a:off x="4544751" y="3817473"/>
+            <a:ext cx="410077" cy="156357"/>
           </a:xfrm>
           <a:prstGeom prst="rect">
             <a:avLst/>
           </a:prstGeom>
         </p:spPr>
         <p:style>
-          <a:lnRef idx="2">
-            <a:schemeClr val="accent2">
-              <a:shade val="50000"/>
-            </a:schemeClr>
+          <a:lnRef idx="3">
+            <a:schemeClr val="lt1"/>
           </a:lnRef>
           <a:fillRef idx="1">
-            <a:schemeClr val="accent2"/>
+            <a:schemeClr val="accent1"/>
           </a:fillRef>
-          <a:effectRef idx="0">
-            <a:schemeClr val="accent2"/>
+          <a:effectRef idx="1">
+            <a:schemeClr val="accent1"/>
           </a:effectRef>
           <a:fontRef idx="minor">
             <a:schemeClr val="lt1"/>
@@ -5694,18 +4604,18 @@
           <a:p>
             <a:pPr algn="ctr"/>
             <a:r>
-              <a:rPr lang="en-US" sz="1400" dirty="0"/>
-              <a:t>Internal Sensor N</a:t>
-            </a:r>
-          </a:p>
-        </p:txBody>
-      </p:sp>
-      <p:sp>
-        <p:nvSpPr>
-          <p:cNvPr id="64" name="Rectangle 63">
-            <a:extLst>
-              <a:ext uri="{FF2B5EF4-FFF2-40B4-BE49-F238E27FC236}">
-                <a16:creationId xmlns:a16="http://schemas.microsoft.com/office/drawing/2014/main" id="{F68C3624-D4E1-4449-A8F1-99C10E647738}"/>
+              <a:rPr lang="en-US" sz="800" dirty="0"/>
+              <a:t>ID</a:t>
+            </a:r>
+          </a:p>
+        </p:txBody>
+      </p:sp>
+      <p:sp>
+        <p:nvSpPr>
+          <p:cNvPr id="91" name="Rectangle 90">
+            <a:extLst>
+              <a:ext uri="{FF2B5EF4-FFF2-40B4-BE49-F238E27FC236}">
+                <a16:creationId xmlns:a16="http://schemas.microsoft.com/office/drawing/2014/main" id="{CD3352FE-C802-4B59-B9C6-8537C3B54DEF}"/>
               </a:ext>
             </a:extLst>
           </p:cNvPr>
@@ -5714,23 +4624,21 @@
         </p:nvSpPr>
         <p:spPr>
           <a:xfrm>
-            <a:off x="796262" y="4100084"/>
-            <a:ext cx="535417" cy="227160"/>
+            <a:off x="4950233" y="3817473"/>
+            <a:ext cx="652286" cy="156357"/>
           </a:xfrm>
           <a:prstGeom prst="rect">
             <a:avLst/>
           </a:prstGeom>
         </p:spPr>
         <p:style>
-          <a:lnRef idx="2">
-            <a:schemeClr val="accent1">
-              <a:shade val="50000"/>
-            </a:schemeClr>
+          <a:lnRef idx="3">
+            <a:schemeClr val="lt1"/>
           </a:lnRef>
           <a:fillRef idx="1">
             <a:schemeClr val="accent1"/>
           </a:fillRef>
-          <a:effectRef idx="0">
+          <a:effectRef idx="1">
             <a:schemeClr val="accent1"/>
           </a:effectRef>
           <a:fontRef idx="minor">
@@ -5743,340 +4651,6 @@
           <a:p>
             <a:pPr algn="ctr"/>
             <a:r>
-              <a:rPr lang="en-US" sz="1400" dirty="0"/>
-              <a:t>ID</a:t>
-            </a:r>
-          </a:p>
-        </p:txBody>
-      </p:sp>
-      <p:sp>
-        <p:nvSpPr>
-          <p:cNvPr id="65" name="Rectangle 64">
-            <a:extLst>
-              <a:ext uri="{FF2B5EF4-FFF2-40B4-BE49-F238E27FC236}">
-                <a16:creationId xmlns:a16="http://schemas.microsoft.com/office/drawing/2014/main" id="{13257F17-6C63-49C6-B1B3-47DA18305C5F}"/>
-              </a:ext>
-            </a:extLst>
-          </p:cNvPr>
-          <p:cNvSpPr/>
-          <p:nvPr/>
-        </p:nvSpPr>
-        <p:spPr>
-          <a:xfrm>
-            <a:off x="796261" y="4375935"/>
-            <a:ext cx="1223031" cy="292363"/>
-          </a:xfrm>
-          <a:prstGeom prst="rect">
-            <a:avLst/>
-          </a:prstGeom>
-        </p:spPr>
-        <p:style>
-          <a:lnRef idx="2">
-            <a:schemeClr val="accent1">
-              <a:shade val="50000"/>
-            </a:schemeClr>
-          </a:lnRef>
-          <a:fillRef idx="1">
-            <a:schemeClr val="accent1"/>
-          </a:fillRef>
-          <a:effectRef idx="0">
-            <a:schemeClr val="accent1"/>
-          </a:effectRef>
-          <a:fontRef idx="minor">
-            <a:schemeClr val="lt1"/>
-          </a:fontRef>
-        </p:style>
-        <p:txBody>
-          <a:bodyPr rtlCol="0" anchor="t"/>
-          <a:lstStyle/>
-          <a:p>
-            <a:pPr algn="ctr"/>
-            <a:r>
-              <a:rPr lang="en-US" sz="1400" dirty="0"/>
-              <a:t>Sample Period</a:t>
-            </a:r>
-          </a:p>
-        </p:txBody>
-      </p:sp>
-      <p:sp>
-        <p:nvSpPr>
-          <p:cNvPr id="66" name="Rectangle 65">
-            <a:extLst>
-              <a:ext uri="{FF2B5EF4-FFF2-40B4-BE49-F238E27FC236}">
-                <a16:creationId xmlns:a16="http://schemas.microsoft.com/office/drawing/2014/main" id="{0FE17119-E667-4B13-B454-3D8FA34EC8C1}"/>
-              </a:ext>
-            </a:extLst>
-          </p:cNvPr>
-          <p:cNvSpPr/>
-          <p:nvPr/>
-        </p:nvSpPr>
-        <p:spPr>
-          <a:xfrm>
-            <a:off x="796261" y="4704496"/>
-            <a:ext cx="1223031" cy="468427"/>
-          </a:xfrm>
-          <a:prstGeom prst="rect">
-            <a:avLst/>
-          </a:prstGeom>
-        </p:spPr>
-        <p:style>
-          <a:lnRef idx="2">
-            <a:schemeClr val="accent1">
-              <a:shade val="50000"/>
-            </a:schemeClr>
-          </a:lnRef>
-          <a:fillRef idx="1">
-            <a:schemeClr val="accent1"/>
-          </a:fillRef>
-          <a:effectRef idx="0">
-            <a:schemeClr val="accent1"/>
-          </a:effectRef>
-          <a:fontRef idx="minor">
-            <a:schemeClr val="lt1"/>
-          </a:fontRef>
-        </p:style>
-        <p:txBody>
-          <a:bodyPr rtlCol="0" anchor="t"/>
-          <a:lstStyle/>
-          <a:p>
-            <a:pPr algn="ctr"/>
-            <a:r>
-              <a:rPr lang="en-US" sz="1400" dirty="0"/>
-              <a:t>Last Sample Sys Time</a:t>
-            </a:r>
-          </a:p>
-        </p:txBody>
-      </p:sp>
-      <p:cxnSp>
-        <p:nvCxnSpPr>
-          <p:cNvPr id="22" name="Connector: Elbow 21">
-            <a:extLst>
-              <a:ext uri="{FF2B5EF4-FFF2-40B4-BE49-F238E27FC236}">
-                <a16:creationId xmlns:a16="http://schemas.microsoft.com/office/drawing/2014/main" id="{F3F8D29C-B11B-4B8E-8102-6E9D54D98946}"/>
-              </a:ext>
-            </a:extLst>
-          </p:cNvPr>
-          <p:cNvCxnSpPr>
-            <a:stCxn id="2" idx="1"/>
-            <a:endCxn id="52" idx="3"/>
-          </p:cNvCxnSpPr>
-          <p:nvPr/>
-        </p:nvCxnSpPr>
-        <p:spPr>
-          <a:xfrm rot="10800000" flipV="1">
-            <a:off x="4475378" y="4365688"/>
-            <a:ext cx="483354" cy="512807"/>
-          </a:xfrm>
-          <a:prstGeom prst="bentConnector3">
-            <a:avLst>
-              <a:gd name="adj1" fmla="val 50000"/>
-            </a:avLst>
-          </a:prstGeom>
-          <a:ln>
-            <a:tailEnd type="triangle"/>
-          </a:ln>
-        </p:spPr>
-        <p:style>
-          <a:lnRef idx="3">
-            <a:schemeClr val="dk1"/>
-          </a:lnRef>
-          <a:fillRef idx="0">
-            <a:schemeClr val="dk1"/>
-          </a:fillRef>
-          <a:effectRef idx="2">
-            <a:schemeClr val="dk1"/>
-          </a:effectRef>
-          <a:fontRef idx="minor">
-            <a:schemeClr val="tx1"/>
-          </a:fontRef>
-        </p:style>
-      </p:cxnSp>
-      <p:sp>
-        <p:nvSpPr>
-          <p:cNvPr id="29" name="Rectangle 28">
-            <a:extLst>
-              <a:ext uri="{FF2B5EF4-FFF2-40B4-BE49-F238E27FC236}">
-                <a16:creationId xmlns:a16="http://schemas.microsoft.com/office/drawing/2014/main" id="{4B28FEE0-6E4E-4D54-A90F-F40CA312F38A}"/>
-              </a:ext>
-            </a:extLst>
-          </p:cNvPr>
-          <p:cNvSpPr/>
-          <p:nvPr/>
-        </p:nvSpPr>
-        <p:spPr>
-          <a:xfrm>
-            <a:off x="3252347" y="5170197"/>
-            <a:ext cx="1227072" cy="233838"/>
-          </a:xfrm>
-          <a:prstGeom prst="rect">
-            <a:avLst/>
-          </a:prstGeom>
-        </p:spPr>
-        <p:style>
-          <a:lnRef idx="2">
-            <a:schemeClr val="accent1">
-              <a:shade val="50000"/>
-            </a:schemeClr>
-          </a:lnRef>
-          <a:fillRef idx="1">
-            <a:schemeClr val="accent1"/>
-          </a:fillRef>
-          <a:effectRef idx="0">
-            <a:schemeClr val="accent1"/>
-          </a:effectRef>
-          <a:fontRef idx="minor">
-            <a:schemeClr val="lt1"/>
-          </a:fontRef>
-        </p:style>
-        <p:txBody>
-          <a:bodyPr rtlCol="0" anchor="t"/>
-          <a:lstStyle/>
-          <a:p>
-            <a:pPr algn="ctr"/>
-            <a:r>
-              <a:rPr lang="en-US" sz="1400" dirty="0"/>
-              <a:t>DATA</a:t>
-            </a:r>
-          </a:p>
-        </p:txBody>
-      </p:sp>
-      <p:sp>
-        <p:nvSpPr>
-          <p:cNvPr id="71" name="Rectangle 70">
-            <a:extLst>
-              <a:ext uri="{FF2B5EF4-FFF2-40B4-BE49-F238E27FC236}">
-                <a16:creationId xmlns:a16="http://schemas.microsoft.com/office/drawing/2014/main" id="{5BE4955E-51EB-4E88-8F3A-67D6EEBF4EC2}"/>
-              </a:ext>
-            </a:extLst>
-          </p:cNvPr>
-          <p:cNvSpPr/>
-          <p:nvPr/>
-        </p:nvSpPr>
-        <p:spPr>
-          <a:xfrm>
-            <a:off x="805682" y="5212544"/>
-            <a:ext cx="1227072" cy="233838"/>
-          </a:xfrm>
-          <a:prstGeom prst="rect">
-            <a:avLst/>
-          </a:prstGeom>
-        </p:spPr>
-        <p:style>
-          <a:lnRef idx="2">
-            <a:schemeClr val="accent1">
-              <a:shade val="50000"/>
-            </a:schemeClr>
-          </a:lnRef>
-          <a:fillRef idx="1">
-            <a:schemeClr val="accent1"/>
-          </a:fillRef>
-          <a:effectRef idx="0">
-            <a:schemeClr val="accent1"/>
-          </a:effectRef>
-          <a:fontRef idx="minor">
-            <a:schemeClr val="lt1"/>
-          </a:fontRef>
-        </p:style>
-        <p:txBody>
-          <a:bodyPr rtlCol="0" anchor="t"/>
-          <a:lstStyle/>
-          <a:p>
-            <a:pPr algn="ctr"/>
-            <a:r>
-              <a:rPr lang="en-US" sz="1400" dirty="0"/>
-              <a:t>DATA</a:t>
-            </a:r>
-          </a:p>
-        </p:txBody>
-      </p:sp>
-      <p:sp>
-        <p:nvSpPr>
-          <p:cNvPr id="33" name="Rectangle 32">
-            <a:extLst>
-              <a:ext uri="{FF2B5EF4-FFF2-40B4-BE49-F238E27FC236}">
-                <a16:creationId xmlns:a16="http://schemas.microsoft.com/office/drawing/2014/main" id="{ACA0B2A3-D1A7-42C6-BD16-64B7BF083E40}"/>
-              </a:ext>
-            </a:extLst>
-          </p:cNvPr>
-          <p:cNvSpPr/>
-          <p:nvPr/>
-        </p:nvSpPr>
-        <p:spPr>
-          <a:xfrm>
-            <a:off x="4960697" y="2971613"/>
-            <a:ext cx="410077" cy="156357"/>
-          </a:xfrm>
-          <a:prstGeom prst="rect">
-            <a:avLst/>
-          </a:prstGeom>
-        </p:spPr>
-        <p:style>
-          <a:lnRef idx="3">
-            <a:schemeClr val="lt1"/>
-          </a:lnRef>
-          <a:fillRef idx="1">
-            <a:schemeClr val="accent1"/>
-          </a:fillRef>
-          <a:effectRef idx="1">
-            <a:schemeClr val="accent1"/>
-          </a:effectRef>
-          <a:fontRef idx="minor">
-            <a:schemeClr val="lt1"/>
-          </a:fontRef>
-        </p:style>
-        <p:txBody>
-          <a:bodyPr rtlCol="0" anchor="t"/>
-          <a:lstStyle/>
-          <a:p>
-            <a:pPr algn="ctr"/>
-            <a:r>
-              <a:rPr lang="en-US" sz="800" dirty="0"/>
-              <a:t>ID</a:t>
-            </a:r>
-          </a:p>
-        </p:txBody>
-      </p:sp>
-      <p:sp>
-        <p:nvSpPr>
-          <p:cNvPr id="73" name="Rectangle 72">
-            <a:extLst>
-              <a:ext uri="{FF2B5EF4-FFF2-40B4-BE49-F238E27FC236}">
-                <a16:creationId xmlns:a16="http://schemas.microsoft.com/office/drawing/2014/main" id="{CDF51F51-2C42-4BCC-9382-B01F9DED130F}"/>
-              </a:ext>
-            </a:extLst>
-          </p:cNvPr>
-          <p:cNvSpPr/>
-          <p:nvPr/>
-        </p:nvSpPr>
-        <p:spPr>
-          <a:xfrm>
-            <a:off x="5366179" y="2971613"/>
-            <a:ext cx="652286" cy="156357"/>
-          </a:xfrm>
-          <a:prstGeom prst="rect">
-            <a:avLst/>
-          </a:prstGeom>
-        </p:spPr>
-        <p:style>
-          <a:lnRef idx="3">
-            <a:schemeClr val="lt1"/>
-          </a:lnRef>
-          <a:fillRef idx="1">
-            <a:schemeClr val="accent1"/>
-          </a:fillRef>
-          <a:effectRef idx="1">
-            <a:schemeClr val="accent1"/>
-          </a:effectRef>
-          <a:fontRef idx="minor">
-            <a:schemeClr val="lt1"/>
-          </a:fontRef>
-        </p:style>
-        <p:txBody>
-          <a:bodyPr rtlCol="0" anchor="t"/>
-          <a:lstStyle/>
-          <a:p>
-            <a:pPr algn="ctr"/>
-            <a:r>
               <a:rPr lang="en-US" sz="800" dirty="0"/>
               <a:t>Data</a:t>
             </a:r>
@@ -6085,10 +4659,10 @@
       </p:sp>
       <p:sp>
         <p:nvSpPr>
-          <p:cNvPr id="74" name="Rectangle 73">
-            <a:extLst>
-              <a:ext uri="{FF2B5EF4-FFF2-40B4-BE49-F238E27FC236}">
-                <a16:creationId xmlns:a16="http://schemas.microsoft.com/office/drawing/2014/main" id="{CA9F81B1-601A-49F0-8859-E13563C68C50}"/>
+          <p:cNvPr id="39" name="Oval 38">
+            <a:extLst>
+              <a:ext uri="{FF2B5EF4-FFF2-40B4-BE49-F238E27FC236}">
+                <a16:creationId xmlns:a16="http://schemas.microsoft.com/office/drawing/2014/main" id="{9E85DDB3-9C33-4611-A328-0E8DEEC39D6D}"/>
               </a:ext>
             </a:extLst>
           </p:cNvPr>
@@ -6097,289 +4671,7 @@
         </p:nvSpPr>
         <p:spPr>
           <a:xfrm>
-            <a:off x="4969473" y="3126513"/>
-            <a:ext cx="410077" cy="156357"/>
-          </a:xfrm>
-          <a:prstGeom prst="rect">
-            <a:avLst/>
-          </a:prstGeom>
-        </p:spPr>
-        <p:style>
-          <a:lnRef idx="3">
-            <a:schemeClr val="lt1"/>
-          </a:lnRef>
-          <a:fillRef idx="1">
-            <a:schemeClr val="accent1"/>
-          </a:fillRef>
-          <a:effectRef idx="1">
-            <a:schemeClr val="accent1"/>
-          </a:effectRef>
-          <a:fontRef idx="minor">
-            <a:schemeClr val="lt1"/>
-          </a:fontRef>
-        </p:style>
-        <p:txBody>
-          <a:bodyPr rtlCol="0" anchor="t"/>
-          <a:lstStyle/>
-          <a:p>
-            <a:pPr algn="ctr"/>
-            <a:r>
-              <a:rPr lang="en-US" sz="800" dirty="0"/>
-              <a:t>ID</a:t>
-            </a:r>
-          </a:p>
-        </p:txBody>
-      </p:sp>
-      <p:sp>
-        <p:nvSpPr>
-          <p:cNvPr id="75" name="Rectangle 74">
-            <a:extLst>
-              <a:ext uri="{FF2B5EF4-FFF2-40B4-BE49-F238E27FC236}">
-                <a16:creationId xmlns:a16="http://schemas.microsoft.com/office/drawing/2014/main" id="{4FA75244-0AAA-476A-9DE4-6686797D1DE9}"/>
-              </a:ext>
-            </a:extLst>
-          </p:cNvPr>
-          <p:cNvSpPr/>
-          <p:nvPr/>
-        </p:nvSpPr>
-        <p:spPr>
-          <a:xfrm>
-            <a:off x="5374955" y="3126513"/>
-            <a:ext cx="652286" cy="156357"/>
-          </a:xfrm>
-          <a:prstGeom prst="rect">
-            <a:avLst/>
-          </a:prstGeom>
-        </p:spPr>
-        <p:style>
-          <a:lnRef idx="3">
-            <a:schemeClr val="lt1"/>
-          </a:lnRef>
-          <a:fillRef idx="1">
-            <a:schemeClr val="accent1"/>
-          </a:fillRef>
-          <a:effectRef idx="1">
-            <a:schemeClr val="accent1"/>
-          </a:effectRef>
-          <a:fontRef idx="minor">
-            <a:schemeClr val="lt1"/>
-          </a:fontRef>
-        </p:style>
-        <p:txBody>
-          <a:bodyPr rtlCol="0" anchor="t"/>
-          <a:lstStyle/>
-          <a:p>
-            <a:pPr algn="ctr"/>
-            <a:r>
-              <a:rPr lang="en-US" sz="800" dirty="0"/>
-              <a:t>Data</a:t>
-            </a:r>
-          </a:p>
-        </p:txBody>
-      </p:sp>
-      <p:sp>
-        <p:nvSpPr>
-          <p:cNvPr id="80" name="Rectangle 79">
-            <a:extLst>
-              <a:ext uri="{FF2B5EF4-FFF2-40B4-BE49-F238E27FC236}">
-                <a16:creationId xmlns:a16="http://schemas.microsoft.com/office/drawing/2014/main" id="{D9376AD5-568F-445C-BE63-007381811F86}"/>
-              </a:ext>
-            </a:extLst>
-          </p:cNvPr>
-          <p:cNvSpPr/>
-          <p:nvPr/>
-        </p:nvSpPr>
-        <p:spPr>
-          <a:xfrm>
-            <a:off x="4969473" y="3281256"/>
-            <a:ext cx="410077" cy="156357"/>
-          </a:xfrm>
-          <a:prstGeom prst="rect">
-            <a:avLst/>
-          </a:prstGeom>
-        </p:spPr>
-        <p:style>
-          <a:lnRef idx="3">
-            <a:schemeClr val="lt1"/>
-          </a:lnRef>
-          <a:fillRef idx="1">
-            <a:schemeClr val="accent1"/>
-          </a:fillRef>
-          <a:effectRef idx="1">
-            <a:schemeClr val="accent1"/>
-          </a:effectRef>
-          <a:fontRef idx="minor">
-            <a:schemeClr val="lt1"/>
-          </a:fontRef>
-        </p:style>
-        <p:txBody>
-          <a:bodyPr rtlCol="0" anchor="t"/>
-          <a:lstStyle/>
-          <a:p>
-            <a:pPr algn="ctr"/>
-            <a:r>
-              <a:rPr lang="en-US" sz="800" dirty="0"/>
-              <a:t>ID</a:t>
-            </a:r>
-          </a:p>
-        </p:txBody>
-      </p:sp>
-      <p:sp>
-        <p:nvSpPr>
-          <p:cNvPr id="89" name="Rectangle 88">
-            <a:extLst>
-              <a:ext uri="{FF2B5EF4-FFF2-40B4-BE49-F238E27FC236}">
-                <a16:creationId xmlns:a16="http://schemas.microsoft.com/office/drawing/2014/main" id="{577BB479-57C2-4E33-B0A9-ABE6BF69F752}"/>
-              </a:ext>
-            </a:extLst>
-          </p:cNvPr>
-          <p:cNvSpPr/>
-          <p:nvPr/>
-        </p:nvSpPr>
-        <p:spPr>
-          <a:xfrm>
-            <a:off x="5374955" y="3281256"/>
-            <a:ext cx="652286" cy="156357"/>
-          </a:xfrm>
-          <a:prstGeom prst="rect">
-            <a:avLst/>
-          </a:prstGeom>
-        </p:spPr>
-        <p:style>
-          <a:lnRef idx="3">
-            <a:schemeClr val="lt1"/>
-          </a:lnRef>
-          <a:fillRef idx="1">
-            <a:schemeClr val="accent1"/>
-          </a:fillRef>
-          <a:effectRef idx="1">
-            <a:schemeClr val="accent1"/>
-          </a:effectRef>
-          <a:fontRef idx="minor">
-            <a:schemeClr val="lt1"/>
-          </a:fontRef>
-        </p:style>
-        <p:txBody>
-          <a:bodyPr rtlCol="0" anchor="t"/>
-          <a:lstStyle/>
-          <a:p>
-            <a:pPr algn="ctr"/>
-            <a:r>
-              <a:rPr lang="en-US" sz="800" dirty="0"/>
-              <a:t>Data</a:t>
-            </a:r>
-          </a:p>
-        </p:txBody>
-      </p:sp>
-      <p:sp>
-        <p:nvSpPr>
-          <p:cNvPr id="90" name="Rectangle 89">
-            <a:extLst>
-              <a:ext uri="{FF2B5EF4-FFF2-40B4-BE49-F238E27FC236}">
-                <a16:creationId xmlns:a16="http://schemas.microsoft.com/office/drawing/2014/main" id="{A31AA75A-A106-4190-AF59-672D4E542CC9}"/>
-              </a:ext>
-            </a:extLst>
-          </p:cNvPr>
-          <p:cNvSpPr/>
-          <p:nvPr/>
-        </p:nvSpPr>
-        <p:spPr>
-          <a:xfrm>
-            <a:off x="4969074" y="3439191"/>
-            <a:ext cx="410077" cy="156357"/>
-          </a:xfrm>
-          <a:prstGeom prst="rect">
-            <a:avLst/>
-          </a:prstGeom>
-        </p:spPr>
-        <p:style>
-          <a:lnRef idx="3">
-            <a:schemeClr val="lt1"/>
-          </a:lnRef>
-          <a:fillRef idx="1">
-            <a:schemeClr val="accent1"/>
-          </a:fillRef>
-          <a:effectRef idx="1">
-            <a:schemeClr val="accent1"/>
-          </a:effectRef>
-          <a:fontRef idx="minor">
-            <a:schemeClr val="lt1"/>
-          </a:fontRef>
-        </p:style>
-        <p:txBody>
-          <a:bodyPr rtlCol="0" anchor="t"/>
-          <a:lstStyle/>
-          <a:p>
-            <a:pPr algn="ctr"/>
-            <a:r>
-              <a:rPr lang="en-US" sz="800" dirty="0"/>
-              <a:t>ID</a:t>
-            </a:r>
-          </a:p>
-        </p:txBody>
-      </p:sp>
-      <p:sp>
-        <p:nvSpPr>
-          <p:cNvPr id="91" name="Rectangle 90">
-            <a:extLst>
-              <a:ext uri="{FF2B5EF4-FFF2-40B4-BE49-F238E27FC236}">
-                <a16:creationId xmlns:a16="http://schemas.microsoft.com/office/drawing/2014/main" id="{CD3352FE-C802-4B59-B9C6-8537C3B54DEF}"/>
-              </a:ext>
-            </a:extLst>
-          </p:cNvPr>
-          <p:cNvSpPr/>
-          <p:nvPr/>
-        </p:nvSpPr>
-        <p:spPr>
-          <a:xfrm>
-            <a:off x="5374556" y="3439191"/>
-            <a:ext cx="652286" cy="156357"/>
-          </a:xfrm>
-          <a:prstGeom prst="rect">
-            <a:avLst/>
-          </a:prstGeom>
-        </p:spPr>
-        <p:style>
-          <a:lnRef idx="3">
-            <a:schemeClr val="lt1"/>
-          </a:lnRef>
-          <a:fillRef idx="1">
-            <a:schemeClr val="accent1"/>
-          </a:fillRef>
-          <a:effectRef idx="1">
-            <a:schemeClr val="accent1"/>
-          </a:effectRef>
-          <a:fontRef idx="minor">
-            <a:schemeClr val="lt1"/>
-          </a:fontRef>
-        </p:style>
-        <p:txBody>
-          <a:bodyPr rtlCol="0" anchor="t"/>
-          <a:lstStyle/>
-          <a:p>
-            <a:pPr algn="ctr"/>
-            <a:r>
-              <a:rPr lang="en-US" sz="800" dirty="0"/>
-              <a:t>Data</a:t>
-            </a:r>
-          </a:p>
-        </p:txBody>
-      </p:sp>
-      <p:sp>
-        <p:nvSpPr>
-          <p:cNvPr id="39" name="Oval 38">
-            <a:extLst>
-              <a:ext uri="{FF2B5EF4-FFF2-40B4-BE49-F238E27FC236}">
-                <a16:creationId xmlns:a16="http://schemas.microsoft.com/office/drawing/2014/main" id="{9E85DDB3-9C33-4611-A328-0E8DEEC39D6D}"/>
-              </a:ext>
-            </a:extLst>
-          </p:cNvPr>
-          <p:cNvSpPr/>
-          <p:nvPr/>
-        </p:nvSpPr>
-        <p:spPr>
-          <a:xfrm>
-            <a:off x="5470604" y="3659159"/>
+            <a:off x="5046281" y="4037441"/>
             <a:ext cx="45719" cy="45719"/>
           </a:xfrm>
           <a:prstGeom prst="ellipse">
@@ -6433,7 +4725,7 @@
         </p:nvSpPr>
         <p:spPr>
           <a:xfrm>
-            <a:off x="5470604" y="3766079"/>
+            <a:off x="5046281" y="4144361"/>
             <a:ext cx="45719" cy="45719"/>
           </a:xfrm>
           <a:prstGeom prst="ellipse">
@@ -6487,7 +4779,7 @@
         </p:nvSpPr>
         <p:spPr>
           <a:xfrm>
-            <a:off x="5472796" y="3870197"/>
+            <a:off x="5048473" y="4248479"/>
             <a:ext cx="45719" cy="45719"/>
           </a:xfrm>
           <a:prstGeom prst="ellipse">
@@ -6527,204 +4819,41 @@
           </a:p>
         </p:txBody>
       </p:sp>
-      <p:cxnSp>
-        <p:nvCxnSpPr>
-          <p:cNvPr id="97" name="Connector: Elbow 96">
-            <a:extLst>
-              <a:ext uri="{FF2B5EF4-FFF2-40B4-BE49-F238E27FC236}">
-                <a16:creationId xmlns:a16="http://schemas.microsoft.com/office/drawing/2014/main" id="{C67F9B1D-E964-4ABD-889C-C2FA72653397}"/>
-              </a:ext>
-            </a:extLst>
-          </p:cNvPr>
-          <p:cNvCxnSpPr>
-            <a:stCxn id="71" idx="3"/>
-          </p:cNvCxnSpPr>
-          <p:nvPr/>
-        </p:nvCxnSpPr>
-        <p:spPr>
-          <a:xfrm>
-            <a:off x="2032754" y="5329463"/>
-            <a:ext cx="199386" cy="1233653"/>
-          </a:xfrm>
-          <a:prstGeom prst="bentConnector2">
+      <p:sp>
+        <p:nvSpPr>
+          <p:cNvPr id="110" name="Rectangle 109">
+            <a:extLst>
+              <a:ext uri="{FF2B5EF4-FFF2-40B4-BE49-F238E27FC236}">
+                <a16:creationId xmlns:a16="http://schemas.microsoft.com/office/drawing/2014/main" id="{AA1B3C93-A52C-4E08-BF0A-2567F9BA9E7E}"/>
+              </a:ext>
+            </a:extLst>
+          </p:cNvPr>
+          <p:cNvSpPr/>
+          <p:nvPr/>
+        </p:nvSpPr>
+        <p:spPr>
+          <a:xfrm>
+            <a:off x="7549240" y="2790941"/>
+            <a:ext cx="3935680" cy="991911"/>
+          </a:xfrm>
+          <a:prstGeom prst="rect">
             <a:avLst/>
           </a:prstGeom>
         </p:spPr>
         <p:style>
-          <a:lnRef idx="3">
-            <a:schemeClr val="dk1"/>
+          <a:lnRef idx="1">
+            <a:schemeClr val="accent3"/>
           </a:lnRef>
-          <a:fillRef idx="0">
-            <a:schemeClr val="dk1"/>
+          <a:fillRef idx="2">
+            <a:schemeClr val="accent3"/>
           </a:fillRef>
-          <a:effectRef idx="2">
-            <a:schemeClr val="dk1"/>
+          <a:effectRef idx="1">
+            <a:schemeClr val="accent3"/>
           </a:effectRef>
           <a:fontRef idx="minor">
-            <a:schemeClr val="tx1"/>
+            <a:schemeClr val="dk1"/>
           </a:fontRef>
         </p:style>
-      </p:cxnSp>
-      <p:cxnSp>
-        <p:nvCxnSpPr>
-          <p:cNvPr id="102" name="Connector: Elbow 101">
-            <a:extLst>
-              <a:ext uri="{FF2B5EF4-FFF2-40B4-BE49-F238E27FC236}">
-                <a16:creationId xmlns:a16="http://schemas.microsoft.com/office/drawing/2014/main" id="{22C82191-0DBB-4E4A-B7BD-2982DCDC085B}"/>
-              </a:ext>
-            </a:extLst>
-          </p:cNvPr>
-          <p:cNvCxnSpPr>
-            <a:endCxn id="66" idx="3"/>
-          </p:cNvCxnSpPr>
-          <p:nvPr/>
-        </p:nvCxnSpPr>
-        <p:spPr>
-          <a:xfrm rot="16200000" flipV="1">
-            <a:off x="1930340" y="5027663"/>
-            <a:ext cx="390753" cy="212848"/>
-          </a:xfrm>
-          <a:prstGeom prst="bentConnector2">
-            <a:avLst/>
-          </a:prstGeom>
-          <a:ln>
-            <a:tailEnd type="triangle"/>
-          </a:ln>
-        </p:spPr>
-        <p:style>
-          <a:lnRef idx="3">
-            <a:schemeClr val="dk1"/>
-          </a:lnRef>
-          <a:fillRef idx="0">
-            <a:schemeClr val="dk1"/>
-          </a:fillRef>
-          <a:effectRef idx="2">
-            <a:schemeClr val="dk1"/>
-          </a:effectRef>
-          <a:fontRef idx="minor">
-            <a:schemeClr val="tx1"/>
-          </a:fontRef>
-        </p:style>
-      </p:cxnSp>
-      <p:cxnSp>
-        <p:nvCxnSpPr>
-          <p:cNvPr id="104" name="Straight Arrow Connector 103">
-            <a:extLst>
-              <a:ext uri="{FF2B5EF4-FFF2-40B4-BE49-F238E27FC236}">
-                <a16:creationId xmlns:a16="http://schemas.microsoft.com/office/drawing/2014/main" id="{48588D77-4D7E-4E35-BBE2-791C870D7E8B}"/>
-              </a:ext>
-            </a:extLst>
-          </p:cNvPr>
-          <p:cNvCxnSpPr>
-            <a:stCxn id="71" idx="3"/>
-          </p:cNvCxnSpPr>
-          <p:nvPr/>
-        </p:nvCxnSpPr>
-        <p:spPr>
-          <a:xfrm>
-            <a:off x="2032754" y="5329463"/>
-            <a:ext cx="199386" cy="0"/>
-          </a:xfrm>
-          <a:prstGeom prst="straightConnector1">
-            <a:avLst/>
-          </a:prstGeom>
-          <a:ln>
-            <a:tailEnd type="triangle"/>
-          </a:ln>
-        </p:spPr>
-        <p:style>
-          <a:lnRef idx="3">
-            <a:schemeClr val="dk1"/>
-          </a:lnRef>
-          <a:fillRef idx="0">
-            <a:schemeClr val="dk1"/>
-          </a:fillRef>
-          <a:effectRef idx="2">
-            <a:schemeClr val="dk1"/>
-          </a:effectRef>
-          <a:fontRef idx="minor">
-            <a:schemeClr val="tx1"/>
-          </a:fontRef>
-        </p:style>
-      </p:cxnSp>
-      <p:cxnSp>
-        <p:nvCxnSpPr>
-          <p:cNvPr id="106" name="Straight Arrow Connector 105">
-            <a:extLst>
-              <a:ext uri="{FF2B5EF4-FFF2-40B4-BE49-F238E27FC236}">
-                <a16:creationId xmlns:a16="http://schemas.microsoft.com/office/drawing/2014/main" id="{5D72D504-10AB-470C-BF60-ACB07A195E22}"/>
-              </a:ext>
-            </a:extLst>
-          </p:cNvPr>
-          <p:cNvCxnSpPr>
-            <a:stCxn id="29" idx="3"/>
-          </p:cNvCxnSpPr>
-          <p:nvPr/>
-        </p:nvCxnSpPr>
-        <p:spPr>
-          <a:xfrm>
-            <a:off x="4479419" y="5287116"/>
-            <a:ext cx="244332" cy="0"/>
-          </a:xfrm>
-          <a:prstGeom prst="straightConnector1">
-            <a:avLst/>
-          </a:prstGeom>
-          <a:ln>
-            <a:tailEnd type="triangle"/>
-          </a:ln>
-        </p:spPr>
-        <p:style>
-          <a:lnRef idx="3">
-            <a:schemeClr val="dk1"/>
-          </a:lnRef>
-          <a:fillRef idx="0">
-            <a:schemeClr val="dk1"/>
-          </a:fillRef>
-          <a:effectRef idx="2">
-            <a:schemeClr val="dk1"/>
-          </a:effectRef>
-          <a:fontRef idx="minor">
-            <a:schemeClr val="tx1"/>
-          </a:fontRef>
-        </p:style>
-      </p:cxnSp>
-      <p:sp>
-        <p:nvSpPr>
-          <p:cNvPr id="110" name="Rectangle 109">
-            <a:extLst>
-              <a:ext uri="{FF2B5EF4-FFF2-40B4-BE49-F238E27FC236}">
-                <a16:creationId xmlns:a16="http://schemas.microsoft.com/office/drawing/2014/main" id="{AA1B3C93-A52C-4E08-BF0A-2567F9BA9E7E}"/>
-              </a:ext>
-            </a:extLst>
-          </p:cNvPr>
-          <p:cNvSpPr/>
-          <p:nvPr/>
-        </p:nvSpPr>
-        <p:spPr>
-          <a:xfrm>
-            <a:off x="5816600" y="4975137"/>
-            <a:ext cx="3935680" cy="991911"/>
-          </a:xfrm>
-          <a:prstGeom prst="rect">
-            <a:avLst/>
-          </a:prstGeom>
-        </p:spPr>
-        <p:style>
-          <a:lnRef idx="2">
-            <a:schemeClr val="accent4">
-              <a:shade val="50000"/>
-            </a:schemeClr>
-          </a:lnRef>
-          <a:fillRef idx="1">
-            <a:schemeClr val="accent4"/>
-          </a:fillRef>
-          <a:effectRef idx="0">
-            <a:schemeClr val="accent4"/>
-          </a:effectRef>
-          <a:fontRef idx="minor">
-            <a:schemeClr val="lt1"/>
-          </a:fontRef>
-        </p:style>
         <p:txBody>
           <a:bodyPr rtlCol="0" anchor="t"/>
           <a:lstStyle/>
@@ -6737,94 +4866,6 @@
           </a:p>
         </p:txBody>
       </p:sp>
-      <p:cxnSp>
-        <p:nvCxnSpPr>
-          <p:cNvPr id="115" name="Connector: Elbow 114">
-            <a:extLst>
-              <a:ext uri="{FF2B5EF4-FFF2-40B4-BE49-F238E27FC236}">
-                <a16:creationId xmlns:a16="http://schemas.microsoft.com/office/drawing/2014/main" id="{5FA024FC-47DA-48B5-AA88-6B21422F027A}"/>
-              </a:ext>
-            </a:extLst>
-          </p:cNvPr>
-          <p:cNvCxnSpPr>
-            <a:cxnSpLocks/>
-            <a:stCxn id="88" idx="2"/>
-            <a:endCxn id="110" idx="0"/>
-          </p:cNvCxnSpPr>
-          <p:nvPr/>
-        </p:nvCxnSpPr>
-        <p:spPr>
-          <a:xfrm rot="5400000">
-            <a:off x="9272986" y="3054708"/>
-            <a:ext cx="431884" cy="3408975"/>
-          </a:xfrm>
-          <a:prstGeom prst="bentConnector3">
-            <a:avLst>
-              <a:gd name="adj1" fmla="val 50000"/>
-            </a:avLst>
-          </a:prstGeom>
-          <a:ln>
-            <a:tailEnd type="triangle"/>
-          </a:ln>
-        </p:spPr>
-        <p:style>
-          <a:lnRef idx="3">
-            <a:schemeClr val="dk1"/>
-          </a:lnRef>
-          <a:fillRef idx="0">
-            <a:schemeClr val="dk1"/>
-          </a:fillRef>
-          <a:effectRef idx="2">
-            <a:schemeClr val="dk1"/>
-          </a:effectRef>
-          <a:fontRef idx="minor">
-            <a:schemeClr val="tx1"/>
-          </a:fontRef>
-        </p:style>
-      </p:cxnSp>
-      <p:cxnSp>
-        <p:nvCxnSpPr>
-          <p:cNvPr id="118" name="Connector: Elbow 117">
-            <a:extLst>
-              <a:ext uri="{FF2B5EF4-FFF2-40B4-BE49-F238E27FC236}">
-                <a16:creationId xmlns:a16="http://schemas.microsoft.com/office/drawing/2014/main" id="{092A3BC5-58F9-4416-ABB2-761B6E076B24}"/>
-              </a:ext>
-            </a:extLst>
-          </p:cNvPr>
-          <p:cNvCxnSpPr>
-            <a:cxnSpLocks/>
-            <a:stCxn id="128" idx="3"/>
-            <a:endCxn id="101" idx="1"/>
-          </p:cNvCxnSpPr>
-          <p:nvPr/>
-        </p:nvCxnSpPr>
-        <p:spPr>
-          <a:xfrm>
-            <a:off x="9462668" y="5595667"/>
-            <a:ext cx="1015200" cy="731365"/>
-          </a:xfrm>
-          <a:prstGeom prst="bentConnector3">
-            <a:avLst/>
-          </a:prstGeom>
-          <a:ln>
-            <a:tailEnd type="triangle"/>
-          </a:ln>
-        </p:spPr>
-        <p:style>
-          <a:lnRef idx="3">
-            <a:schemeClr val="dk1"/>
-          </a:lnRef>
-          <a:fillRef idx="0">
-            <a:schemeClr val="dk1"/>
-          </a:fillRef>
-          <a:effectRef idx="2">
-            <a:schemeClr val="dk1"/>
-          </a:effectRef>
-          <a:fontRef idx="minor">
-            <a:schemeClr val="tx1"/>
-          </a:fontRef>
-        </p:style>
-      </p:cxnSp>
       <p:sp>
         <p:nvSpPr>
           <p:cNvPr id="121" name="TextBox 120">
@@ -6839,7 +4880,7 @@
         </p:nvSpPr>
         <p:spPr>
           <a:xfrm>
-            <a:off x="6432978" y="6105723"/>
+            <a:off x="9431403" y="4192774"/>
             <a:ext cx="2689149" cy="646331"/>
           </a:xfrm>
           <a:prstGeom prst="rect">
@@ -6882,7 +4923,7 @@
         </p:nvSpPr>
         <p:spPr>
           <a:xfrm>
-            <a:off x="6116231" y="5371624"/>
+            <a:off x="9744528" y="3222384"/>
             <a:ext cx="1609272" cy="448085"/>
           </a:xfrm>
           <a:prstGeom prst="rect">
@@ -6931,7 +4972,7 @@
         </p:nvSpPr>
         <p:spPr>
           <a:xfrm>
-            <a:off x="7853396" y="5371624"/>
+            <a:off x="7724108" y="3240012"/>
             <a:ext cx="1609272" cy="448085"/>
           </a:xfrm>
           <a:prstGeom prst="rect">
@@ -6983,12 +5024,12 @@
         </p:nvCxnSpPr>
         <p:spPr>
           <a:xfrm rot="16200000" flipV="1">
-            <a:off x="7206203" y="5534373"/>
-            <a:ext cx="286014" cy="856686"/>
+            <a:off x="10401419" y="3818215"/>
+            <a:ext cx="522305" cy="226814"/>
           </a:xfrm>
           <a:prstGeom prst="bentConnector3">
             <a:avLst>
-              <a:gd name="adj1" fmla="val 23358"/>
+              <a:gd name="adj1" fmla="val 50000"/>
             </a:avLst>
           </a:prstGeom>
           <a:ln>
@@ -7020,18 +5061,20 @@
             </a:extLst>
           </p:cNvPr>
           <p:cNvCxnSpPr>
-            <a:stCxn id="126" idx="1"/>
-            <a:endCxn id="2" idx="2"/>
+            <a:cxnSpLocks/>
+            <a:stCxn id="126" idx="0"/>
           </p:cNvCxnSpPr>
           <p:nvPr/>
         </p:nvCxnSpPr>
         <p:spPr>
-          <a:xfrm rot="10800000">
-            <a:off x="5489981" y="4508331"/>
-            <a:ext cx="626251" cy="1087336"/>
-          </a:xfrm>
-          <a:prstGeom prst="bentConnector2">
-            <a:avLst/>
+          <a:xfrm rot="16200000" flipV="1">
+            <a:off x="6654044" y="-672737"/>
+            <a:ext cx="398025" cy="7392217"/>
+          </a:xfrm>
+          <a:prstGeom prst="bentConnector3">
+            <a:avLst>
+              <a:gd name="adj1" fmla="val 157434"/>
+            </a:avLst>
           </a:prstGeom>
           <a:ln>
             <a:tailEnd type="triangle"/>
@@ -7052,6 +5095,684 @@
           </a:fontRef>
         </p:style>
       </p:cxnSp>
+      <p:sp>
+        <p:nvSpPr>
+          <p:cNvPr id="10" name="Rectangle 9">
+            <a:extLst>
+              <a:ext uri="{FF2B5EF4-FFF2-40B4-BE49-F238E27FC236}">
+                <a16:creationId xmlns:a16="http://schemas.microsoft.com/office/drawing/2014/main" id="{2B295A4B-6F36-4D3C-863B-E0610439DFE2}"/>
+              </a:ext>
+            </a:extLst>
+          </p:cNvPr>
+          <p:cNvSpPr/>
+          <p:nvPr/>
+        </p:nvSpPr>
+        <p:spPr>
+          <a:xfrm>
+            <a:off x="2533448" y="2802153"/>
+            <a:ext cx="1298464" cy="586154"/>
+          </a:xfrm>
+          <a:prstGeom prst="rect">
+            <a:avLst/>
+          </a:prstGeom>
+        </p:spPr>
+        <p:style>
+          <a:lnRef idx="1">
+            <a:schemeClr val="accent3"/>
+          </a:lnRef>
+          <a:fillRef idx="2">
+            <a:schemeClr val="accent3"/>
+          </a:fillRef>
+          <a:effectRef idx="1">
+            <a:schemeClr val="accent3"/>
+          </a:effectRef>
+          <a:fontRef idx="minor">
+            <a:schemeClr val="dk1"/>
+          </a:fontRef>
+        </p:style>
+        <p:txBody>
+          <a:bodyPr rtlCol="0" anchor="t"/>
+          <a:lstStyle/>
+          <a:p>
+            <a:pPr algn="ctr"/>
+            <a:r>
+              <a:rPr lang="en-US" sz="1400" dirty="0"/>
+              <a:t>System Timer</a:t>
+            </a:r>
+          </a:p>
+        </p:txBody>
+      </p:sp>
+      <p:pic>
+        <p:nvPicPr>
+          <p:cNvPr id="32" name="Graphic 31" descr="Stopwatch">
+            <a:extLst>
+              <a:ext uri="{FF2B5EF4-FFF2-40B4-BE49-F238E27FC236}">
+                <a16:creationId xmlns:a16="http://schemas.microsoft.com/office/drawing/2014/main" id="{18B15E67-CC61-4371-9BC8-F3334D9FD1FA}"/>
+              </a:ext>
+            </a:extLst>
+          </p:cNvPr>
+          <p:cNvPicPr>
+            <a:picLocks noChangeAspect="1"/>
+          </p:cNvPicPr>
+          <p:nvPr/>
+        </p:nvPicPr>
+        <p:blipFill>
+          <a:blip r:embed="rId2">
+            <a:extLst>
+              <a:ext uri="{28A0092B-C50C-407E-A947-70E740481C1C}">
+                <a14:useLocalDpi xmlns:a14="http://schemas.microsoft.com/office/drawing/2010/main" val="0"/>
+              </a:ext>
+              <a:ext uri="{96DAC541-7B7A-43D3-8B79-37D633B846F1}">
+                <asvg:svgBlip xmlns:asvg="http://schemas.microsoft.com/office/drawing/2016/SVG/main" r:embed="rId3"/>
+              </a:ext>
+            </a:extLst>
+          </a:blip>
+          <a:stretch>
+            <a:fillRect/>
+          </a:stretch>
+        </p:blipFill>
+        <p:spPr>
+          <a:xfrm>
+            <a:off x="3000242" y="3043641"/>
+            <a:ext cx="364876" cy="364876"/>
+          </a:xfrm>
+          <a:prstGeom prst="rect">
+            <a:avLst/>
+          </a:prstGeom>
+        </p:spPr>
+      </p:pic>
+      <p:sp>
+        <p:nvSpPr>
+          <p:cNvPr id="35" name="Rectangle 34">
+            <a:extLst>
+              <a:ext uri="{FF2B5EF4-FFF2-40B4-BE49-F238E27FC236}">
+                <a16:creationId xmlns:a16="http://schemas.microsoft.com/office/drawing/2014/main" id="{FA3DFC53-F72D-42ED-855E-4DC232D0261B}"/>
+              </a:ext>
+            </a:extLst>
+          </p:cNvPr>
+          <p:cNvSpPr/>
+          <p:nvPr/>
+        </p:nvSpPr>
+        <p:spPr>
+          <a:xfrm>
+            <a:off x="484816" y="4975137"/>
+            <a:ext cx="1599045" cy="298125"/>
+          </a:xfrm>
+          <a:prstGeom prst="rect">
+            <a:avLst/>
+          </a:prstGeom>
+        </p:spPr>
+        <p:style>
+          <a:lnRef idx="1">
+            <a:schemeClr val="accent2"/>
+          </a:lnRef>
+          <a:fillRef idx="2">
+            <a:schemeClr val="accent2"/>
+          </a:fillRef>
+          <a:effectRef idx="1">
+            <a:schemeClr val="accent2"/>
+          </a:effectRef>
+          <a:fontRef idx="minor">
+            <a:schemeClr val="dk1"/>
+          </a:fontRef>
+        </p:style>
+        <p:txBody>
+          <a:bodyPr rtlCol="0" anchor="t"/>
+          <a:lstStyle/>
+          <a:p>
+            <a:pPr algn="ctr"/>
+            <a:r>
+              <a:rPr lang="en-US" sz="1400" dirty="0"/>
+              <a:t>Flag Raised?</a:t>
+            </a:r>
+          </a:p>
+        </p:txBody>
+      </p:sp>
+      <p:cxnSp>
+        <p:nvCxnSpPr>
+          <p:cNvPr id="37" name="Connector: Elbow 36">
+            <a:extLst>
+              <a:ext uri="{FF2B5EF4-FFF2-40B4-BE49-F238E27FC236}">
+                <a16:creationId xmlns:a16="http://schemas.microsoft.com/office/drawing/2014/main" id="{1499CE1A-69B8-4E67-BB5E-994EED29F02E}"/>
+              </a:ext>
+            </a:extLst>
+          </p:cNvPr>
+          <p:cNvCxnSpPr>
+            <a:cxnSpLocks/>
+            <a:stCxn id="35" idx="3"/>
+          </p:cNvCxnSpPr>
+          <p:nvPr/>
+        </p:nvCxnSpPr>
+        <p:spPr>
+          <a:xfrm flipV="1">
+            <a:off x="2083861" y="4867272"/>
+            <a:ext cx="2981396" cy="256928"/>
+          </a:xfrm>
+          <a:prstGeom prst="bentConnector3">
+            <a:avLst>
+              <a:gd name="adj1" fmla="val 50000"/>
+            </a:avLst>
+          </a:prstGeom>
+          <a:ln w="19050">
+            <a:tailEnd type="triangle"/>
+          </a:ln>
+        </p:spPr>
+        <p:style>
+          <a:lnRef idx="1">
+            <a:schemeClr val="dk1"/>
+          </a:lnRef>
+          <a:fillRef idx="0">
+            <a:schemeClr val="dk1"/>
+          </a:fillRef>
+          <a:effectRef idx="0">
+            <a:schemeClr val="dk1"/>
+          </a:effectRef>
+          <a:fontRef idx="minor">
+            <a:schemeClr val="tx1"/>
+          </a:fontRef>
+        </p:style>
+      </p:cxnSp>
+      <p:sp>
+        <p:nvSpPr>
+          <p:cNvPr id="99" name="Rectangle 98">
+            <a:extLst>
+              <a:ext uri="{FF2B5EF4-FFF2-40B4-BE49-F238E27FC236}">
+                <a16:creationId xmlns:a16="http://schemas.microsoft.com/office/drawing/2014/main" id="{E4C0E9C2-3B97-4CA7-A855-2B6F431A6C00}"/>
+              </a:ext>
+            </a:extLst>
+          </p:cNvPr>
+          <p:cNvSpPr/>
+          <p:nvPr/>
+        </p:nvSpPr>
+        <p:spPr>
+          <a:xfrm>
+            <a:off x="468275" y="5408566"/>
+            <a:ext cx="1599045" cy="298125"/>
+          </a:xfrm>
+          <a:prstGeom prst="rect">
+            <a:avLst/>
+          </a:prstGeom>
+        </p:spPr>
+        <p:style>
+          <a:lnRef idx="1">
+            <a:schemeClr val="accent2"/>
+          </a:lnRef>
+          <a:fillRef idx="2">
+            <a:schemeClr val="accent2"/>
+          </a:fillRef>
+          <a:effectRef idx="1">
+            <a:schemeClr val="accent2"/>
+          </a:effectRef>
+          <a:fontRef idx="minor">
+            <a:schemeClr val="dk1"/>
+          </a:fontRef>
+        </p:style>
+        <p:txBody>
+          <a:bodyPr rtlCol="0" anchor="t"/>
+          <a:lstStyle/>
+          <a:p>
+            <a:pPr algn="ctr"/>
+            <a:r>
+              <a:rPr lang="en-US" sz="1400" dirty="0"/>
+              <a:t>FIFO Not Empty?</a:t>
+            </a:r>
+          </a:p>
+        </p:txBody>
+      </p:sp>
+      <p:cxnSp>
+        <p:nvCxnSpPr>
+          <p:cNvPr id="76" name="Connector: Elbow 75">
+            <a:extLst>
+              <a:ext uri="{FF2B5EF4-FFF2-40B4-BE49-F238E27FC236}">
+                <a16:creationId xmlns:a16="http://schemas.microsoft.com/office/drawing/2014/main" id="{EBF31F47-2E1E-4A88-A029-03DC17D63A86}"/>
+              </a:ext>
+            </a:extLst>
+          </p:cNvPr>
+          <p:cNvCxnSpPr>
+            <a:stCxn id="83" idx="3"/>
+            <a:endCxn id="128" idx="1"/>
+          </p:cNvCxnSpPr>
+          <p:nvPr/>
+        </p:nvCxnSpPr>
+        <p:spPr>
+          <a:xfrm rot="5400000" flipH="1" flipV="1">
+            <a:off x="6573587" y="3567116"/>
+            <a:ext cx="1253581" cy="1047460"/>
+          </a:xfrm>
+          <a:prstGeom prst="bentConnector4">
+            <a:avLst>
+              <a:gd name="adj1" fmla="val -34597"/>
+              <a:gd name="adj2" fmla="val 70705"/>
+            </a:avLst>
+          </a:prstGeom>
+          <a:ln w="19050">
+            <a:tailEnd type="triangle"/>
+          </a:ln>
+        </p:spPr>
+        <p:style>
+          <a:lnRef idx="1">
+            <a:schemeClr val="dk1"/>
+          </a:lnRef>
+          <a:fillRef idx="0">
+            <a:schemeClr val="dk1"/>
+          </a:fillRef>
+          <a:effectRef idx="0">
+            <a:schemeClr val="dk1"/>
+          </a:effectRef>
+          <a:fontRef idx="minor">
+            <a:schemeClr val="tx1"/>
+          </a:fontRef>
+        </p:style>
+      </p:cxnSp>
+      <p:cxnSp>
+        <p:nvCxnSpPr>
+          <p:cNvPr id="94" name="Straight Arrow Connector 93">
+            <a:extLst>
+              <a:ext uri="{FF2B5EF4-FFF2-40B4-BE49-F238E27FC236}">
+                <a16:creationId xmlns:a16="http://schemas.microsoft.com/office/drawing/2014/main" id="{592B8B42-D8B7-4658-AECF-60F259DEC2B5}"/>
+              </a:ext>
+            </a:extLst>
+          </p:cNvPr>
+          <p:cNvCxnSpPr>
+            <a:stCxn id="128" idx="2"/>
+            <a:endCxn id="101" idx="0"/>
+          </p:cNvCxnSpPr>
+          <p:nvPr/>
+        </p:nvCxnSpPr>
+        <p:spPr>
+          <a:xfrm>
+            <a:off x="8528744" y="3688097"/>
+            <a:ext cx="0" cy="456264"/>
+          </a:xfrm>
+          <a:prstGeom prst="straightConnector1">
+            <a:avLst/>
+          </a:prstGeom>
+          <a:ln w="19050">
+            <a:tailEnd type="triangle"/>
+          </a:ln>
+        </p:spPr>
+        <p:style>
+          <a:lnRef idx="1">
+            <a:schemeClr val="dk1"/>
+          </a:lnRef>
+          <a:fillRef idx="0">
+            <a:schemeClr val="dk1"/>
+          </a:fillRef>
+          <a:effectRef idx="0">
+            <a:schemeClr val="dk1"/>
+          </a:effectRef>
+          <a:fontRef idx="minor">
+            <a:schemeClr val="tx1"/>
+          </a:fontRef>
+        </p:style>
+      </p:cxnSp>
+      <p:cxnSp>
+        <p:nvCxnSpPr>
+          <p:cNvPr id="103" name="Connector: Elbow 102">
+            <a:extLst>
+              <a:ext uri="{FF2B5EF4-FFF2-40B4-BE49-F238E27FC236}">
+                <a16:creationId xmlns:a16="http://schemas.microsoft.com/office/drawing/2014/main" id="{3CBFB307-1280-4B81-8E74-B25FEA3ABE74}"/>
+              </a:ext>
+            </a:extLst>
+          </p:cNvPr>
+          <p:cNvCxnSpPr>
+            <a:cxnSpLocks/>
+            <a:stCxn id="99" idx="3"/>
+          </p:cNvCxnSpPr>
+          <p:nvPr/>
+        </p:nvCxnSpPr>
+        <p:spPr>
+          <a:xfrm flipV="1">
+            <a:off x="2067320" y="5112589"/>
+            <a:ext cx="4609327" cy="445040"/>
+          </a:xfrm>
+          <a:prstGeom prst="bentConnector3">
+            <a:avLst>
+              <a:gd name="adj1" fmla="val 50000"/>
+            </a:avLst>
+          </a:prstGeom>
+          <a:ln w="19050">
+            <a:tailEnd type="triangle"/>
+          </a:ln>
+        </p:spPr>
+        <p:style>
+          <a:lnRef idx="1">
+            <a:schemeClr val="dk1"/>
+          </a:lnRef>
+          <a:fillRef idx="0">
+            <a:schemeClr val="dk1"/>
+          </a:fillRef>
+          <a:effectRef idx="0">
+            <a:schemeClr val="dk1"/>
+          </a:effectRef>
+          <a:fontRef idx="minor">
+            <a:schemeClr val="tx1"/>
+          </a:fontRef>
+        </p:style>
+      </p:cxnSp>
+      <p:cxnSp>
+        <p:nvCxnSpPr>
+          <p:cNvPr id="113" name="Connector: Elbow 112">
+            <a:extLst>
+              <a:ext uri="{FF2B5EF4-FFF2-40B4-BE49-F238E27FC236}">
+                <a16:creationId xmlns:a16="http://schemas.microsoft.com/office/drawing/2014/main" id="{2A6F6F2D-0CC8-4F44-89AF-9A77D2D984C6}"/>
+              </a:ext>
+            </a:extLst>
+          </p:cNvPr>
+          <p:cNvCxnSpPr>
+            <a:stCxn id="71" idx="3"/>
+            <a:endCxn id="19" idx="1"/>
+          </p:cNvCxnSpPr>
+          <p:nvPr/>
+        </p:nvCxnSpPr>
+        <p:spPr>
+          <a:xfrm flipV="1">
+            <a:off x="2049532" y="3686784"/>
+            <a:ext cx="2324916" cy="996726"/>
+          </a:xfrm>
+          <a:prstGeom prst="bentConnector3">
+            <a:avLst/>
+          </a:prstGeom>
+          <a:ln w="19050">
+            <a:tailEnd type="triangle"/>
+          </a:ln>
+        </p:spPr>
+        <p:style>
+          <a:lnRef idx="1">
+            <a:schemeClr val="dk1"/>
+          </a:lnRef>
+          <a:fillRef idx="0">
+            <a:schemeClr val="dk1"/>
+          </a:fillRef>
+          <a:effectRef idx="0">
+            <a:schemeClr val="dk1"/>
+          </a:effectRef>
+          <a:fontRef idx="minor">
+            <a:schemeClr val="tx1"/>
+          </a:fontRef>
+        </p:style>
+      </p:cxnSp>
+      <p:sp>
+        <p:nvSpPr>
+          <p:cNvPr id="123" name="Rectangle 122">
+            <a:extLst>
+              <a:ext uri="{FF2B5EF4-FFF2-40B4-BE49-F238E27FC236}">
+                <a16:creationId xmlns:a16="http://schemas.microsoft.com/office/drawing/2014/main" id="{042ACB2C-3A0F-454A-AEB8-0291DFEE5A62}"/>
+              </a:ext>
+            </a:extLst>
+          </p:cNvPr>
+          <p:cNvSpPr/>
+          <p:nvPr/>
+        </p:nvSpPr>
+        <p:spPr>
+          <a:xfrm>
+            <a:off x="2516117" y="1440477"/>
+            <a:ext cx="2037035" cy="817986"/>
+          </a:xfrm>
+          <a:prstGeom prst="rect">
+            <a:avLst/>
+          </a:prstGeom>
+        </p:spPr>
+        <p:style>
+          <a:lnRef idx="1">
+            <a:schemeClr val="accent3"/>
+          </a:lnRef>
+          <a:fillRef idx="2">
+            <a:schemeClr val="accent3"/>
+          </a:fillRef>
+          <a:effectRef idx="1">
+            <a:schemeClr val="accent3"/>
+          </a:effectRef>
+          <a:fontRef idx="minor">
+            <a:schemeClr val="dk1"/>
+          </a:fontRef>
+        </p:style>
+        <p:txBody>
+          <a:bodyPr rtlCol="0" anchor="t"/>
+          <a:lstStyle/>
+          <a:p>
+            <a:pPr algn="ctr"/>
+            <a:r>
+              <a:rPr lang="en-US" sz="1400" dirty="0"/>
+              <a:t>Create CAN messages Periodic Timer</a:t>
+            </a:r>
+          </a:p>
+        </p:txBody>
+      </p:sp>
+      <p:pic>
+        <p:nvPicPr>
+          <p:cNvPr id="124" name="Graphic 123" descr="Stopwatch">
+            <a:extLst>
+              <a:ext uri="{FF2B5EF4-FFF2-40B4-BE49-F238E27FC236}">
+                <a16:creationId xmlns:a16="http://schemas.microsoft.com/office/drawing/2014/main" id="{64096560-C6C7-41C2-8812-2A8BAA3E0CBB}"/>
+              </a:ext>
+            </a:extLst>
+          </p:cNvPr>
+          <p:cNvPicPr>
+            <a:picLocks noChangeAspect="1"/>
+          </p:cNvPicPr>
+          <p:nvPr/>
+        </p:nvPicPr>
+        <p:blipFill>
+          <a:blip r:embed="rId2">
+            <a:extLst>
+              <a:ext uri="{28A0092B-C50C-407E-A947-70E740481C1C}">
+                <a14:useLocalDpi xmlns:a14="http://schemas.microsoft.com/office/drawing/2010/main" val="0"/>
+              </a:ext>
+              <a:ext uri="{96DAC541-7B7A-43D3-8B79-37D633B846F1}">
+                <asvg:svgBlip xmlns:asvg="http://schemas.microsoft.com/office/drawing/2016/SVG/main" r:embed="rId3"/>
+              </a:ext>
+            </a:extLst>
+          </a:blip>
+          <a:stretch>
+            <a:fillRect/>
+          </a:stretch>
+        </p:blipFill>
+        <p:spPr>
+          <a:xfrm>
+            <a:off x="3359429" y="1882080"/>
+            <a:ext cx="364876" cy="364876"/>
+          </a:xfrm>
+          <a:prstGeom prst="rect">
+            <a:avLst/>
+          </a:prstGeom>
+        </p:spPr>
+      </p:pic>
+      <p:cxnSp>
+        <p:nvCxnSpPr>
+          <p:cNvPr id="119" name="Connector: Elbow 118">
+            <a:extLst>
+              <a:ext uri="{FF2B5EF4-FFF2-40B4-BE49-F238E27FC236}">
+                <a16:creationId xmlns:a16="http://schemas.microsoft.com/office/drawing/2014/main" id="{DCF37942-07CE-4D88-9DC8-FF4BC199F782}"/>
+              </a:ext>
+            </a:extLst>
+          </p:cNvPr>
+          <p:cNvCxnSpPr>
+            <a:stCxn id="6" idx="3"/>
+            <a:endCxn id="123" idx="1"/>
+          </p:cNvCxnSpPr>
+          <p:nvPr/>
+        </p:nvCxnSpPr>
+        <p:spPr>
+          <a:xfrm flipV="1">
+            <a:off x="2010697" y="1849470"/>
+            <a:ext cx="505420" cy="161"/>
+          </a:xfrm>
+          <a:prstGeom prst="bentConnector3">
+            <a:avLst/>
+          </a:prstGeom>
+          <a:ln w="19050">
+            <a:solidFill>
+              <a:schemeClr val="tx1"/>
+            </a:solidFill>
+            <a:tailEnd type="triangle"/>
+          </a:ln>
+        </p:spPr>
+        <p:style>
+          <a:lnRef idx="1">
+            <a:schemeClr val="accent1"/>
+          </a:lnRef>
+          <a:fillRef idx="0">
+            <a:schemeClr val="accent1"/>
+          </a:fillRef>
+          <a:effectRef idx="0">
+            <a:schemeClr val="accent1"/>
+          </a:effectRef>
+          <a:fontRef idx="minor">
+            <a:schemeClr val="tx1"/>
+          </a:fontRef>
+        </p:style>
+      </p:cxnSp>
+      <p:sp>
+        <p:nvSpPr>
+          <p:cNvPr id="120" name="TextBox 119">
+            <a:extLst>
+              <a:ext uri="{FF2B5EF4-FFF2-40B4-BE49-F238E27FC236}">
+                <a16:creationId xmlns:a16="http://schemas.microsoft.com/office/drawing/2014/main" id="{EF1FB3CE-BAC7-43F2-B99D-699230C3610D}"/>
+              </a:ext>
+            </a:extLst>
+          </p:cNvPr>
+          <p:cNvSpPr txBox="1"/>
+          <p:nvPr/>
+        </p:nvSpPr>
+        <p:spPr>
+          <a:xfrm>
+            <a:off x="4840229" y="1526304"/>
+            <a:ext cx="1124125" cy="646331"/>
+          </a:xfrm>
+          <a:prstGeom prst="rect">
+            <a:avLst/>
+          </a:prstGeom>
+          <a:noFill/>
+        </p:spPr>
+        <p:txBody>
+          <a:bodyPr wrap="square" rtlCol="0">
+            <a:spAutoFit/>
+          </a:bodyPr>
+          <a:lstStyle/>
+          <a:p>
+            <a:r>
+              <a:rPr lang="en-US" dirty="0"/>
+              <a:t>Raises Flag</a:t>
+            </a:r>
+          </a:p>
+        </p:txBody>
+      </p:sp>
+      <p:cxnSp>
+        <p:nvCxnSpPr>
+          <p:cNvPr id="125" name="Straight Arrow Connector 124">
+            <a:extLst>
+              <a:ext uri="{FF2B5EF4-FFF2-40B4-BE49-F238E27FC236}">
+                <a16:creationId xmlns:a16="http://schemas.microsoft.com/office/drawing/2014/main" id="{8629BC9F-4605-40A9-837B-29617CAA4FF8}"/>
+              </a:ext>
+            </a:extLst>
+          </p:cNvPr>
+          <p:cNvCxnSpPr>
+            <a:stCxn id="123" idx="3"/>
+            <a:endCxn id="120" idx="1"/>
+          </p:cNvCxnSpPr>
+          <p:nvPr/>
+        </p:nvCxnSpPr>
+        <p:spPr>
+          <a:xfrm>
+            <a:off x="4553152" y="1849470"/>
+            <a:ext cx="287077" cy="0"/>
+          </a:xfrm>
+          <a:prstGeom prst="straightConnector1">
+            <a:avLst/>
+          </a:prstGeom>
+          <a:ln w="19050">
+            <a:solidFill>
+              <a:schemeClr val="tx1"/>
+            </a:solidFill>
+            <a:tailEnd type="triangle"/>
+          </a:ln>
+        </p:spPr>
+        <p:style>
+          <a:lnRef idx="1">
+            <a:schemeClr val="accent1"/>
+          </a:lnRef>
+          <a:fillRef idx="0">
+            <a:schemeClr val="accent1"/>
+          </a:fillRef>
+          <a:effectRef idx="0">
+            <a:schemeClr val="accent1"/>
+          </a:effectRef>
+          <a:fontRef idx="minor">
+            <a:schemeClr val="tx1"/>
+          </a:fontRef>
+        </p:style>
+      </p:cxnSp>
+      <p:sp>
+        <p:nvSpPr>
+          <p:cNvPr id="129" name="TextBox 128">
+            <a:extLst>
+              <a:ext uri="{FF2B5EF4-FFF2-40B4-BE49-F238E27FC236}">
+                <a16:creationId xmlns:a16="http://schemas.microsoft.com/office/drawing/2014/main" id="{B2704E52-EBE1-49F8-A933-BF85BC1FFBB4}"/>
+              </a:ext>
+            </a:extLst>
+          </p:cNvPr>
+          <p:cNvSpPr txBox="1"/>
+          <p:nvPr/>
+        </p:nvSpPr>
+        <p:spPr>
+          <a:xfrm>
+            <a:off x="2281578" y="4816897"/>
+            <a:ext cx="632888" cy="338554"/>
+          </a:xfrm>
+          <a:prstGeom prst="rect">
+            <a:avLst/>
+          </a:prstGeom>
+          <a:noFill/>
+        </p:spPr>
+        <p:txBody>
+          <a:bodyPr wrap="square" rtlCol="0">
+            <a:spAutoFit/>
+          </a:bodyPr>
+          <a:lstStyle/>
+          <a:p>
+            <a:r>
+              <a:rPr lang="en-US" sz="1600" dirty="0"/>
+              <a:t>True</a:t>
+            </a:r>
+          </a:p>
+        </p:txBody>
+      </p:sp>
+      <p:sp>
+        <p:nvSpPr>
+          <p:cNvPr id="132" name="TextBox 131">
+            <a:extLst>
+              <a:ext uri="{FF2B5EF4-FFF2-40B4-BE49-F238E27FC236}">
+                <a16:creationId xmlns:a16="http://schemas.microsoft.com/office/drawing/2014/main" id="{D9937A1C-3D52-4461-A60E-71E047C514AE}"/>
+              </a:ext>
+            </a:extLst>
+          </p:cNvPr>
+          <p:cNvSpPr txBox="1"/>
+          <p:nvPr/>
+        </p:nvSpPr>
+        <p:spPr>
+          <a:xfrm>
+            <a:off x="2281578" y="5263658"/>
+            <a:ext cx="632888" cy="338554"/>
+          </a:xfrm>
+          <a:prstGeom prst="rect">
+            <a:avLst/>
+          </a:prstGeom>
+          <a:noFill/>
+        </p:spPr>
+        <p:txBody>
+          <a:bodyPr wrap="square" rtlCol="0">
+            <a:spAutoFit/>
+          </a:bodyPr>
+          <a:lstStyle/>
+          <a:p>
+            <a:r>
+              <a:rPr lang="en-US" sz="1600" dirty="0"/>
+              <a:t>True</a:t>
+            </a:r>
+          </a:p>
+        </p:txBody>
+      </p:sp>
     </p:spTree>
     <p:extLst>
       <p:ext uri="{BB962C8B-B14F-4D97-AF65-F5344CB8AC3E}">
@@ -7066,6 +5787,1334 @@
 </file>
 
 <file path=ppt/slides/slide2.xml><?xml version="1.0" encoding="utf-8"?>
+<p:sld xmlns:a="http://schemas.openxmlformats.org/drawingml/2006/main" xmlns:r="http://schemas.openxmlformats.org/officeDocument/2006/relationships" xmlns:p="http://schemas.openxmlformats.org/presentationml/2006/main">
+  <p:cSld>
+    <p:spTree>
+      <p:nvGrpSpPr>
+        <p:cNvPr id="1" name=""/>
+        <p:cNvGrpSpPr/>
+        <p:nvPr/>
+      </p:nvGrpSpPr>
+      <p:grpSpPr>
+        <a:xfrm>
+          <a:off x="0" y="0"/>
+          <a:ext cx="0" cy="0"/>
+          <a:chOff x="0" y="0"/>
+          <a:chExt cx="0" cy="0"/>
+        </a:xfrm>
+      </p:grpSpPr>
+      <p:sp>
+        <p:nvSpPr>
+          <p:cNvPr id="3" name="Rectangle 2">
+            <a:extLst>
+              <a:ext uri="{FF2B5EF4-FFF2-40B4-BE49-F238E27FC236}">
+                <a16:creationId xmlns:a16="http://schemas.microsoft.com/office/drawing/2014/main" id="{8B84823B-62A1-4D4F-A73A-56D8DE74BBBE}"/>
+              </a:ext>
+            </a:extLst>
+          </p:cNvPr>
+          <p:cNvSpPr/>
+          <p:nvPr/>
+        </p:nvSpPr>
+        <p:spPr>
+          <a:xfrm>
+            <a:off x="527544" y="2888232"/>
+            <a:ext cx="1438886" cy="1698836"/>
+          </a:xfrm>
+          <a:prstGeom prst="rect">
+            <a:avLst/>
+          </a:prstGeom>
+        </p:spPr>
+        <p:style>
+          <a:lnRef idx="2">
+            <a:schemeClr val="accent2">
+              <a:shade val="50000"/>
+            </a:schemeClr>
+          </a:lnRef>
+          <a:fillRef idx="1">
+            <a:schemeClr val="accent2"/>
+          </a:fillRef>
+          <a:effectRef idx="0">
+            <a:schemeClr val="accent2"/>
+          </a:effectRef>
+          <a:fontRef idx="minor">
+            <a:schemeClr val="lt1"/>
+          </a:fontRef>
+        </p:style>
+        <p:txBody>
+          <a:bodyPr rtlCol="0" anchor="t"/>
+          <a:lstStyle/>
+          <a:p>
+            <a:pPr algn="ctr"/>
+            <a:r>
+              <a:rPr lang="en-US" sz="1400" dirty="0"/>
+              <a:t>Internal Sensor N</a:t>
+            </a:r>
+          </a:p>
+        </p:txBody>
+      </p:sp>
+      <p:sp>
+        <p:nvSpPr>
+          <p:cNvPr id="4" name="Rectangle 3">
+            <a:extLst>
+              <a:ext uri="{FF2B5EF4-FFF2-40B4-BE49-F238E27FC236}">
+                <a16:creationId xmlns:a16="http://schemas.microsoft.com/office/drawing/2014/main" id="{BBEC4531-1771-4E43-B8B2-03C4A7B5E4FE}"/>
+              </a:ext>
+            </a:extLst>
+          </p:cNvPr>
+          <p:cNvSpPr/>
+          <p:nvPr/>
+        </p:nvSpPr>
+        <p:spPr>
+          <a:xfrm>
+            <a:off x="695609" y="3172821"/>
+            <a:ext cx="535417" cy="227160"/>
+          </a:xfrm>
+          <a:prstGeom prst="rect">
+            <a:avLst/>
+          </a:prstGeom>
+        </p:spPr>
+        <p:style>
+          <a:lnRef idx="2">
+            <a:schemeClr val="accent1">
+              <a:shade val="50000"/>
+            </a:schemeClr>
+          </a:lnRef>
+          <a:fillRef idx="1">
+            <a:schemeClr val="accent1"/>
+          </a:fillRef>
+          <a:effectRef idx="0">
+            <a:schemeClr val="accent1"/>
+          </a:effectRef>
+          <a:fontRef idx="minor">
+            <a:schemeClr val="lt1"/>
+          </a:fontRef>
+        </p:style>
+        <p:txBody>
+          <a:bodyPr rtlCol="0" anchor="ctr"/>
+          <a:lstStyle/>
+          <a:p>
+            <a:pPr algn="ctr"/>
+            <a:r>
+              <a:rPr lang="en-US" sz="1400" dirty="0"/>
+              <a:t>ID</a:t>
+            </a:r>
+          </a:p>
+        </p:txBody>
+      </p:sp>
+      <p:sp>
+        <p:nvSpPr>
+          <p:cNvPr id="5" name="Rectangle 4">
+            <a:extLst>
+              <a:ext uri="{FF2B5EF4-FFF2-40B4-BE49-F238E27FC236}">
+                <a16:creationId xmlns:a16="http://schemas.microsoft.com/office/drawing/2014/main" id="{34B32A57-22F9-4B59-96DF-719CD0A7B306}"/>
+              </a:ext>
+            </a:extLst>
+          </p:cNvPr>
+          <p:cNvSpPr/>
+          <p:nvPr/>
+        </p:nvSpPr>
+        <p:spPr>
+          <a:xfrm>
+            <a:off x="695608" y="3448672"/>
+            <a:ext cx="1223031" cy="292363"/>
+          </a:xfrm>
+          <a:prstGeom prst="rect">
+            <a:avLst/>
+          </a:prstGeom>
+        </p:spPr>
+        <p:style>
+          <a:lnRef idx="2">
+            <a:schemeClr val="accent1">
+              <a:shade val="50000"/>
+            </a:schemeClr>
+          </a:lnRef>
+          <a:fillRef idx="1">
+            <a:schemeClr val="accent1"/>
+          </a:fillRef>
+          <a:effectRef idx="0">
+            <a:schemeClr val="accent1"/>
+          </a:effectRef>
+          <a:fontRef idx="minor">
+            <a:schemeClr val="lt1"/>
+          </a:fontRef>
+        </p:style>
+        <p:txBody>
+          <a:bodyPr rtlCol="0" anchor="ctr"/>
+          <a:lstStyle/>
+          <a:p>
+            <a:pPr algn="ctr"/>
+            <a:r>
+              <a:rPr lang="en-US" sz="1400" dirty="0"/>
+              <a:t>Sample Period</a:t>
+            </a:r>
+          </a:p>
+        </p:txBody>
+      </p:sp>
+      <p:sp>
+        <p:nvSpPr>
+          <p:cNvPr id="6" name="Rectangle 5">
+            <a:extLst>
+              <a:ext uri="{FF2B5EF4-FFF2-40B4-BE49-F238E27FC236}">
+                <a16:creationId xmlns:a16="http://schemas.microsoft.com/office/drawing/2014/main" id="{47674130-3E7A-493C-A140-A5CD1CC3CD24}"/>
+              </a:ext>
+            </a:extLst>
+          </p:cNvPr>
+          <p:cNvSpPr/>
+          <p:nvPr/>
+        </p:nvSpPr>
+        <p:spPr>
+          <a:xfrm>
+            <a:off x="695608" y="3777233"/>
+            <a:ext cx="1223031" cy="468427"/>
+          </a:xfrm>
+          <a:prstGeom prst="rect">
+            <a:avLst/>
+          </a:prstGeom>
+        </p:spPr>
+        <p:style>
+          <a:lnRef idx="2">
+            <a:schemeClr val="accent1">
+              <a:shade val="50000"/>
+            </a:schemeClr>
+          </a:lnRef>
+          <a:fillRef idx="1">
+            <a:schemeClr val="accent1"/>
+          </a:fillRef>
+          <a:effectRef idx="0">
+            <a:schemeClr val="accent1"/>
+          </a:effectRef>
+          <a:fontRef idx="minor">
+            <a:schemeClr val="lt1"/>
+          </a:fontRef>
+        </p:style>
+        <p:txBody>
+          <a:bodyPr rtlCol="0" anchor="ctr"/>
+          <a:lstStyle/>
+          <a:p>
+            <a:pPr algn="ctr"/>
+            <a:r>
+              <a:rPr lang="en-US" sz="1400" dirty="0"/>
+              <a:t>Last Sample Timestamp</a:t>
+            </a:r>
+          </a:p>
+        </p:txBody>
+      </p:sp>
+      <p:sp>
+        <p:nvSpPr>
+          <p:cNvPr id="7" name="Rectangle 6">
+            <a:extLst>
+              <a:ext uri="{FF2B5EF4-FFF2-40B4-BE49-F238E27FC236}">
+                <a16:creationId xmlns:a16="http://schemas.microsoft.com/office/drawing/2014/main" id="{BF3F78B6-5EBF-40CF-A2AC-2010364D8226}"/>
+              </a:ext>
+            </a:extLst>
+          </p:cNvPr>
+          <p:cNvSpPr/>
+          <p:nvPr/>
+        </p:nvSpPr>
+        <p:spPr>
+          <a:xfrm>
+            <a:off x="705029" y="4285281"/>
+            <a:ext cx="1227072" cy="233838"/>
+          </a:xfrm>
+          <a:prstGeom prst="rect">
+            <a:avLst/>
+          </a:prstGeom>
+        </p:spPr>
+        <p:style>
+          <a:lnRef idx="2">
+            <a:schemeClr val="accent1">
+              <a:shade val="50000"/>
+            </a:schemeClr>
+          </a:lnRef>
+          <a:fillRef idx="1">
+            <a:schemeClr val="accent1"/>
+          </a:fillRef>
+          <a:effectRef idx="0">
+            <a:schemeClr val="accent1"/>
+          </a:effectRef>
+          <a:fontRef idx="minor">
+            <a:schemeClr val="lt1"/>
+          </a:fontRef>
+        </p:style>
+        <p:txBody>
+          <a:bodyPr rtlCol="0" anchor="ctr"/>
+          <a:lstStyle/>
+          <a:p>
+            <a:pPr algn="ctr"/>
+            <a:r>
+              <a:rPr lang="en-US" sz="1400" dirty="0"/>
+              <a:t>DATA</a:t>
+            </a:r>
+          </a:p>
+        </p:txBody>
+      </p:sp>
+      <p:sp>
+        <p:nvSpPr>
+          <p:cNvPr id="8" name="Title 3">
+            <a:extLst>
+              <a:ext uri="{FF2B5EF4-FFF2-40B4-BE49-F238E27FC236}">
+                <a16:creationId xmlns:a16="http://schemas.microsoft.com/office/drawing/2014/main" id="{46B4CA85-8FD2-47D7-8165-459F1E63A595}"/>
+              </a:ext>
+            </a:extLst>
+          </p:cNvPr>
+          <p:cNvSpPr txBox="1">
+            <a:spLocks/>
+          </p:cNvSpPr>
+          <p:nvPr/>
+        </p:nvSpPr>
+        <p:spPr>
+          <a:xfrm>
+            <a:off x="838200" y="365125"/>
+            <a:ext cx="10515600" cy="478937"/>
+          </a:xfrm>
+          <a:prstGeom prst="rect">
+            <a:avLst/>
+          </a:prstGeom>
+        </p:spPr>
+        <p:txBody>
+          <a:bodyPr vert="horz" lIns="91440" tIns="45720" rIns="91440" bIns="45720" rtlCol="0" anchor="ctr">
+            <a:noAutofit/>
+          </a:bodyPr>
+          <a:lstStyle>
+            <a:lvl1pPr algn="l" defTabSz="914400" rtl="0" eaLnBrk="1" latinLnBrk="0" hangingPunct="1">
+              <a:lnSpc>
+                <a:spcPct val="90000"/>
+              </a:lnSpc>
+              <a:spcBef>
+                <a:spcPct val="0"/>
+              </a:spcBef>
+              <a:buNone/>
+              <a:defRPr sz="4400" kern="1200">
+                <a:solidFill>
+                  <a:schemeClr val="tx1"/>
+                </a:solidFill>
+                <a:latin typeface="+mj-lt"/>
+                <a:ea typeface="+mj-ea"/>
+                <a:cs typeface="+mj-cs"/>
+              </a:defRPr>
+            </a:lvl1pPr>
+          </a:lstStyle>
+          <a:p>
+            <a:r>
+              <a:rPr lang="en-US" sz="3200" dirty="0"/>
+              <a:t>Sensor Class Structure</a:t>
+            </a:r>
+          </a:p>
+        </p:txBody>
+      </p:sp>
+      <p:sp>
+        <p:nvSpPr>
+          <p:cNvPr id="9" name="Rectangle 8">
+            <a:extLst>
+              <a:ext uri="{FF2B5EF4-FFF2-40B4-BE49-F238E27FC236}">
+                <a16:creationId xmlns:a16="http://schemas.microsoft.com/office/drawing/2014/main" id="{1FFE9AEF-01B4-4A98-AB22-8D79D47657D0}"/>
+              </a:ext>
+            </a:extLst>
+          </p:cNvPr>
+          <p:cNvSpPr/>
+          <p:nvPr/>
+        </p:nvSpPr>
+        <p:spPr>
+          <a:xfrm>
+            <a:off x="3463185" y="1165367"/>
+            <a:ext cx="3144852" cy="5082819"/>
+          </a:xfrm>
+          <a:prstGeom prst="rect">
+            <a:avLst/>
+          </a:prstGeom>
+        </p:spPr>
+        <p:style>
+          <a:lnRef idx="1">
+            <a:schemeClr val="accent1"/>
+          </a:lnRef>
+          <a:fillRef idx="2">
+            <a:schemeClr val="accent1"/>
+          </a:fillRef>
+          <a:effectRef idx="1">
+            <a:schemeClr val="accent1"/>
+          </a:effectRef>
+          <a:fontRef idx="minor">
+            <a:schemeClr val="dk1"/>
+          </a:fontRef>
+        </p:style>
+        <p:txBody>
+          <a:bodyPr rtlCol="0" anchor="t"/>
+          <a:lstStyle/>
+          <a:p>
+            <a:pPr algn="ctr"/>
+            <a:r>
+              <a:rPr lang="en-US" sz="1400" dirty="0" err="1"/>
+              <a:t>SvtSensor</a:t>
+            </a:r>
+            <a:r>
+              <a:rPr lang="en-US" sz="1400" dirty="0"/>
+              <a:t> Class</a:t>
+            </a:r>
+          </a:p>
+        </p:txBody>
+      </p:sp>
+      <p:sp>
+        <p:nvSpPr>
+          <p:cNvPr id="10" name="Rectangle 9">
+            <a:extLst>
+              <a:ext uri="{FF2B5EF4-FFF2-40B4-BE49-F238E27FC236}">
+                <a16:creationId xmlns:a16="http://schemas.microsoft.com/office/drawing/2014/main" id="{3879A1F3-DCB0-4313-B9AE-BB0A4695987B}"/>
+              </a:ext>
+            </a:extLst>
+          </p:cNvPr>
+          <p:cNvSpPr/>
+          <p:nvPr/>
+        </p:nvSpPr>
+        <p:spPr>
+          <a:xfrm>
+            <a:off x="3732377" y="3820808"/>
+            <a:ext cx="2606467" cy="2190024"/>
+          </a:xfrm>
+          <a:prstGeom prst="rect">
+            <a:avLst/>
+          </a:prstGeom>
+          <a:ln w="57150">
+            <a:prstDash val="sysDash"/>
+          </a:ln>
+        </p:spPr>
+        <p:style>
+          <a:lnRef idx="1">
+            <a:schemeClr val="accent4"/>
+          </a:lnRef>
+          <a:fillRef idx="2">
+            <a:schemeClr val="accent4"/>
+          </a:fillRef>
+          <a:effectRef idx="1">
+            <a:schemeClr val="accent4"/>
+          </a:effectRef>
+          <a:fontRef idx="minor">
+            <a:schemeClr val="dk1"/>
+          </a:fontRef>
+        </p:style>
+        <p:txBody>
+          <a:bodyPr rtlCol="0" anchor="t"/>
+          <a:lstStyle/>
+          <a:p>
+            <a:pPr algn="ctr"/>
+            <a:r>
+              <a:rPr lang="en-US" sz="1400" dirty="0"/>
+              <a:t>&lt;Specific&gt; Child Sensor Class</a:t>
+            </a:r>
+          </a:p>
+          <a:p>
+            <a:pPr algn="ctr"/>
+            <a:r>
+              <a:rPr lang="en-US" sz="1400" dirty="0"/>
+              <a:t>Virtual functions</a:t>
+            </a:r>
+          </a:p>
+          <a:p>
+            <a:pPr algn="ctr"/>
+            <a:endParaRPr lang="en-US" sz="1400" dirty="0"/>
+          </a:p>
+          <a:p>
+            <a:r>
+              <a:rPr lang="en-US" sz="1200" dirty="0" err="1"/>
+              <a:t>Init</a:t>
+            </a:r>
+            <a:r>
+              <a:rPr lang="en-US" sz="1200" dirty="0"/>
+              <a:t>();</a:t>
+            </a:r>
+          </a:p>
+          <a:p>
+            <a:endParaRPr lang="en-US" sz="1200" dirty="0"/>
+          </a:p>
+          <a:p>
+            <a:r>
+              <a:rPr lang="en-US" sz="1200" dirty="0" err="1"/>
+              <a:t>readSensor</a:t>
+            </a:r>
+            <a:r>
+              <a:rPr lang="en-US" sz="1200" dirty="0"/>
+              <a:t>(</a:t>
+            </a:r>
+            <a:r>
+              <a:rPr lang="en-US" sz="1200" dirty="0" err="1"/>
+              <a:t>timeout_state</a:t>
+            </a:r>
+            <a:r>
+              <a:rPr lang="en-US" sz="1200" dirty="0"/>
+              <a:t>* </a:t>
+            </a:r>
+            <a:r>
+              <a:rPr lang="en-US" sz="1200" dirty="0" err="1"/>
+              <a:t>pToState</a:t>
+            </a:r>
+            <a:r>
+              <a:rPr lang="en-US" sz="1200" dirty="0"/>
+              <a:t>, char* </a:t>
+            </a:r>
+            <a:r>
+              <a:rPr lang="en-US" sz="1200" dirty="0" err="1"/>
+              <a:t>pData</a:t>
+            </a:r>
+            <a:r>
+              <a:rPr lang="en-US" sz="1200" dirty="0"/>
+              <a:t>);</a:t>
+            </a:r>
+          </a:p>
+          <a:p>
+            <a:endParaRPr lang="en-US" sz="1200" dirty="0"/>
+          </a:p>
+          <a:p>
+            <a:r>
+              <a:rPr lang="en-US" sz="1200" dirty="0" err="1"/>
+              <a:t>getSizeOfData</a:t>
+            </a:r>
+            <a:r>
+              <a:rPr lang="en-US" sz="1200" dirty="0"/>
+              <a:t>();</a:t>
+            </a:r>
+          </a:p>
+        </p:txBody>
+      </p:sp>
+      <p:sp>
+        <p:nvSpPr>
+          <p:cNvPr id="11" name="Rectangle 10">
+            <a:extLst>
+              <a:ext uri="{FF2B5EF4-FFF2-40B4-BE49-F238E27FC236}">
+                <a16:creationId xmlns:a16="http://schemas.microsoft.com/office/drawing/2014/main" id="{195E100E-A3CC-441A-A340-873B284E65DA}"/>
+              </a:ext>
+            </a:extLst>
+          </p:cNvPr>
+          <p:cNvSpPr/>
+          <p:nvPr/>
+        </p:nvSpPr>
+        <p:spPr>
+          <a:xfrm>
+            <a:off x="7272471" y="555767"/>
+            <a:ext cx="3375589" cy="5144568"/>
+          </a:xfrm>
+          <a:prstGeom prst="rect">
+            <a:avLst/>
+          </a:prstGeom>
+        </p:spPr>
+        <p:style>
+          <a:lnRef idx="2">
+            <a:schemeClr val="accent4">
+              <a:shade val="50000"/>
+            </a:schemeClr>
+          </a:lnRef>
+          <a:fillRef idx="1">
+            <a:schemeClr val="accent4"/>
+          </a:fillRef>
+          <a:effectRef idx="0">
+            <a:schemeClr val="accent4"/>
+          </a:effectRef>
+          <a:fontRef idx="minor">
+            <a:schemeClr val="lt1"/>
+          </a:fontRef>
+        </p:style>
+        <p:txBody>
+          <a:bodyPr rtlCol="0" anchor="t"/>
+          <a:lstStyle/>
+          <a:p>
+            <a:pPr algn="ctr"/>
+            <a:endParaRPr lang="en-US" sz="1400" dirty="0"/>
+          </a:p>
+        </p:txBody>
+      </p:sp>
+      <p:sp>
+        <p:nvSpPr>
+          <p:cNvPr id="12" name="Rectangle 11">
+            <a:extLst>
+              <a:ext uri="{FF2B5EF4-FFF2-40B4-BE49-F238E27FC236}">
+                <a16:creationId xmlns:a16="http://schemas.microsoft.com/office/drawing/2014/main" id="{6D6DFBC9-E30A-4E7D-8CA2-9FB10C31A375}"/>
+              </a:ext>
+            </a:extLst>
+          </p:cNvPr>
+          <p:cNvSpPr/>
+          <p:nvPr/>
+        </p:nvSpPr>
+        <p:spPr>
+          <a:xfrm>
+            <a:off x="7424871" y="708167"/>
+            <a:ext cx="3375589" cy="5144568"/>
+          </a:xfrm>
+          <a:prstGeom prst="rect">
+            <a:avLst/>
+          </a:prstGeom>
+        </p:spPr>
+        <p:style>
+          <a:lnRef idx="2">
+            <a:schemeClr val="accent4">
+              <a:shade val="50000"/>
+            </a:schemeClr>
+          </a:lnRef>
+          <a:fillRef idx="1">
+            <a:schemeClr val="accent4"/>
+          </a:fillRef>
+          <a:effectRef idx="0">
+            <a:schemeClr val="accent4"/>
+          </a:effectRef>
+          <a:fontRef idx="minor">
+            <a:schemeClr val="lt1"/>
+          </a:fontRef>
+        </p:style>
+        <p:txBody>
+          <a:bodyPr rtlCol="0" anchor="t"/>
+          <a:lstStyle/>
+          <a:p>
+            <a:pPr algn="ctr"/>
+            <a:endParaRPr lang="en-US" sz="1400" dirty="0"/>
+          </a:p>
+        </p:txBody>
+      </p:sp>
+      <p:sp>
+        <p:nvSpPr>
+          <p:cNvPr id="13" name="Rectangle 12">
+            <a:extLst>
+              <a:ext uri="{FF2B5EF4-FFF2-40B4-BE49-F238E27FC236}">
+                <a16:creationId xmlns:a16="http://schemas.microsoft.com/office/drawing/2014/main" id="{867B5EFA-DF90-42FA-9D18-76F4AE80C42C}"/>
+              </a:ext>
+            </a:extLst>
+          </p:cNvPr>
+          <p:cNvSpPr/>
+          <p:nvPr/>
+        </p:nvSpPr>
+        <p:spPr>
+          <a:xfrm>
+            <a:off x="7577271" y="860567"/>
+            <a:ext cx="3375589" cy="5144568"/>
+          </a:xfrm>
+          <a:prstGeom prst="rect">
+            <a:avLst/>
+          </a:prstGeom>
+        </p:spPr>
+        <p:style>
+          <a:lnRef idx="2">
+            <a:schemeClr val="accent4">
+              <a:shade val="50000"/>
+            </a:schemeClr>
+          </a:lnRef>
+          <a:fillRef idx="1">
+            <a:schemeClr val="accent4"/>
+          </a:fillRef>
+          <a:effectRef idx="0">
+            <a:schemeClr val="accent4"/>
+          </a:effectRef>
+          <a:fontRef idx="minor">
+            <a:schemeClr val="lt1"/>
+          </a:fontRef>
+        </p:style>
+        <p:txBody>
+          <a:bodyPr rtlCol="0" anchor="t"/>
+          <a:lstStyle/>
+          <a:p>
+            <a:pPr algn="ctr"/>
+            <a:endParaRPr lang="en-US" sz="1400" dirty="0"/>
+          </a:p>
+        </p:txBody>
+      </p:sp>
+      <p:sp>
+        <p:nvSpPr>
+          <p:cNvPr id="14" name="Rectangle 13">
+            <a:extLst>
+              <a:ext uri="{FF2B5EF4-FFF2-40B4-BE49-F238E27FC236}">
+                <a16:creationId xmlns:a16="http://schemas.microsoft.com/office/drawing/2014/main" id="{2BE5E160-AA4C-485C-8EB7-A2FC3A997FC8}"/>
+              </a:ext>
+            </a:extLst>
+          </p:cNvPr>
+          <p:cNvSpPr/>
+          <p:nvPr/>
+        </p:nvSpPr>
+        <p:spPr>
+          <a:xfrm>
+            <a:off x="7729671" y="1012967"/>
+            <a:ext cx="3375589" cy="5144568"/>
+          </a:xfrm>
+          <a:prstGeom prst="rect">
+            <a:avLst/>
+          </a:prstGeom>
+        </p:spPr>
+        <p:style>
+          <a:lnRef idx="2">
+            <a:schemeClr val="accent4">
+              <a:shade val="50000"/>
+            </a:schemeClr>
+          </a:lnRef>
+          <a:fillRef idx="1">
+            <a:schemeClr val="accent4"/>
+          </a:fillRef>
+          <a:effectRef idx="0">
+            <a:schemeClr val="accent4"/>
+          </a:effectRef>
+          <a:fontRef idx="minor">
+            <a:schemeClr val="lt1"/>
+          </a:fontRef>
+        </p:style>
+        <p:txBody>
+          <a:bodyPr rtlCol="0" anchor="t"/>
+          <a:lstStyle/>
+          <a:p>
+            <a:pPr algn="ctr"/>
+            <a:endParaRPr lang="en-US" sz="1400" dirty="0"/>
+          </a:p>
+        </p:txBody>
+      </p:sp>
+      <p:sp>
+        <p:nvSpPr>
+          <p:cNvPr id="15" name="Rectangle 14">
+            <a:extLst>
+              <a:ext uri="{FF2B5EF4-FFF2-40B4-BE49-F238E27FC236}">
+                <a16:creationId xmlns:a16="http://schemas.microsoft.com/office/drawing/2014/main" id="{153F451E-9079-4C1A-8495-C224CA7DD671}"/>
+              </a:ext>
+            </a:extLst>
+          </p:cNvPr>
+          <p:cNvSpPr/>
+          <p:nvPr/>
+        </p:nvSpPr>
+        <p:spPr>
+          <a:xfrm>
+            <a:off x="7882071" y="1165367"/>
+            <a:ext cx="3375589" cy="5144568"/>
+          </a:xfrm>
+          <a:prstGeom prst="rect">
+            <a:avLst/>
+          </a:prstGeom>
+        </p:spPr>
+        <p:style>
+          <a:lnRef idx="2">
+            <a:schemeClr val="accent4">
+              <a:shade val="50000"/>
+            </a:schemeClr>
+          </a:lnRef>
+          <a:fillRef idx="1">
+            <a:schemeClr val="accent4"/>
+          </a:fillRef>
+          <a:effectRef idx="0">
+            <a:schemeClr val="accent4"/>
+          </a:effectRef>
+          <a:fontRef idx="minor">
+            <a:schemeClr val="lt1"/>
+          </a:fontRef>
+        </p:style>
+        <p:txBody>
+          <a:bodyPr rtlCol="0" anchor="t"/>
+          <a:lstStyle/>
+          <a:p>
+            <a:pPr algn="ctr"/>
+            <a:r>
+              <a:rPr lang="en-US" sz="1400" dirty="0">
+                <a:solidFill>
+                  <a:schemeClr val="tx1"/>
+                </a:solidFill>
+              </a:rPr>
+              <a:t>Child Sensor Class</a:t>
+            </a:r>
+          </a:p>
+        </p:txBody>
+      </p:sp>
+      <p:cxnSp>
+        <p:nvCxnSpPr>
+          <p:cNvPr id="17" name="Connector: Elbow 16">
+            <a:extLst>
+              <a:ext uri="{FF2B5EF4-FFF2-40B4-BE49-F238E27FC236}">
+                <a16:creationId xmlns:a16="http://schemas.microsoft.com/office/drawing/2014/main" id="{0A96A068-EB1F-4B0A-855D-36A8F9E6C0E8}"/>
+              </a:ext>
+            </a:extLst>
+          </p:cNvPr>
+          <p:cNvCxnSpPr>
+            <a:cxnSpLocks/>
+            <a:stCxn id="15" idx="1"/>
+            <a:endCxn id="10" idx="3"/>
+          </p:cNvCxnSpPr>
+          <p:nvPr/>
+        </p:nvCxnSpPr>
+        <p:spPr>
+          <a:xfrm rot="10800000" flipV="1">
+            <a:off x="6338845" y="3737650"/>
+            <a:ext cx="1543227" cy="1178169"/>
+          </a:xfrm>
+          <a:prstGeom prst="bentConnector3">
+            <a:avLst/>
+          </a:prstGeom>
+          <a:ln w="38100">
+            <a:solidFill>
+              <a:schemeClr val="tx1"/>
+            </a:solidFill>
+            <a:tailEnd type="triangle"/>
+          </a:ln>
+        </p:spPr>
+        <p:style>
+          <a:lnRef idx="1">
+            <a:schemeClr val="accent1"/>
+          </a:lnRef>
+          <a:fillRef idx="0">
+            <a:schemeClr val="accent1"/>
+          </a:fillRef>
+          <a:effectRef idx="0">
+            <a:schemeClr val="accent1"/>
+          </a:effectRef>
+          <a:fontRef idx="minor">
+            <a:schemeClr val="tx1"/>
+          </a:fontRef>
+        </p:style>
+      </p:cxnSp>
+      <p:sp>
+        <p:nvSpPr>
+          <p:cNvPr id="20" name="Equals 19">
+            <a:extLst>
+              <a:ext uri="{FF2B5EF4-FFF2-40B4-BE49-F238E27FC236}">
+                <a16:creationId xmlns:a16="http://schemas.microsoft.com/office/drawing/2014/main" id="{EA6E3B99-C42E-4C3C-B155-833ACB57CA1F}"/>
+              </a:ext>
+            </a:extLst>
+          </p:cNvPr>
+          <p:cNvSpPr/>
+          <p:nvPr/>
+        </p:nvSpPr>
+        <p:spPr>
+          <a:xfrm>
+            <a:off x="2375729" y="3448672"/>
+            <a:ext cx="629724" cy="478937"/>
+          </a:xfrm>
+          <a:prstGeom prst="mathEqual">
+            <a:avLst/>
+          </a:prstGeom>
+        </p:spPr>
+        <p:style>
+          <a:lnRef idx="2">
+            <a:schemeClr val="dk1">
+              <a:shade val="50000"/>
+            </a:schemeClr>
+          </a:lnRef>
+          <a:fillRef idx="1">
+            <a:schemeClr val="dk1"/>
+          </a:fillRef>
+          <a:effectRef idx="0">
+            <a:schemeClr val="dk1"/>
+          </a:effectRef>
+          <a:fontRef idx="minor">
+            <a:schemeClr val="lt1"/>
+          </a:fontRef>
+        </p:style>
+        <p:txBody>
+          <a:bodyPr rtlCol="0" anchor="t"/>
+          <a:lstStyle/>
+          <a:p>
+            <a:pPr algn="ctr"/>
+            <a:endParaRPr lang="en-US" sz="1400" dirty="0">
+              <a:solidFill>
+                <a:schemeClr val="tx1"/>
+              </a:solidFill>
+            </a:endParaRPr>
+          </a:p>
+        </p:txBody>
+      </p:sp>
+      <p:sp>
+        <p:nvSpPr>
+          <p:cNvPr id="21" name="Rectangle 20">
+            <a:extLst>
+              <a:ext uri="{FF2B5EF4-FFF2-40B4-BE49-F238E27FC236}">
+                <a16:creationId xmlns:a16="http://schemas.microsoft.com/office/drawing/2014/main" id="{C39DB263-A7A8-45CB-9006-53AF0F162C43}"/>
+              </a:ext>
+            </a:extLst>
+          </p:cNvPr>
+          <p:cNvSpPr/>
+          <p:nvPr/>
+        </p:nvSpPr>
+        <p:spPr>
+          <a:xfrm>
+            <a:off x="3724584" y="1608347"/>
+            <a:ext cx="535417" cy="227160"/>
+          </a:xfrm>
+          <a:prstGeom prst="rect">
+            <a:avLst/>
+          </a:prstGeom>
+        </p:spPr>
+        <p:style>
+          <a:lnRef idx="2">
+            <a:schemeClr val="accent1">
+              <a:shade val="50000"/>
+            </a:schemeClr>
+          </a:lnRef>
+          <a:fillRef idx="1">
+            <a:schemeClr val="accent1"/>
+          </a:fillRef>
+          <a:effectRef idx="0">
+            <a:schemeClr val="accent1"/>
+          </a:effectRef>
+          <a:fontRef idx="minor">
+            <a:schemeClr val="lt1"/>
+          </a:fontRef>
+        </p:style>
+        <p:txBody>
+          <a:bodyPr rtlCol="0" anchor="ctr"/>
+          <a:lstStyle/>
+          <a:p>
+            <a:pPr algn="ctr"/>
+            <a:r>
+              <a:rPr lang="en-US" sz="1400" dirty="0"/>
+              <a:t>ID</a:t>
+            </a:r>
+          </a:p>
+        </p:txBody>
+      </p:sp>
+      <p:sp>
+        <p:nvSpPr>
+          <p:cNvPr id="22" name="Rectangle 21">
+            <a:extLst>
+              <a:ext uri="{FF2B5EF4-FFF2-40B4-BE49-F238E27FC236}">
+                <a16:creationId xmlns:a16="http://schemas.microsoft.com/office/drawing/2014/main" id="{898C5F0B-DC6A-4AF1-BC85-E01B51105BCA}"/>
+              </a:ext>
+            </a:extLst>
+          </p:cNvPr>
+          <p:cNvSpPr/>
+          <p:nvPr/>
+        </p:nvSpPr>
+        <p:spPr>
+          <a:xfrm>
+            <a:off x="3724583" y="1884198"/>
+            <a:ext cx="1223031" cy="292363"/>
+          </a:xfrm>
+          <a:prstGeom prst="rect">
+            <a:avLst/>
+          </a:prstGeom>
+        </p:spPr>
+        <p:style>
+          <a:lnRef idx="2">
+            <a:schemeClr val="accent1">
+              <a:shade val="50000"/>
+            </a:schemeClr>
+          </a:lnRef>
+          <a:fillRef idx="1">
+            <a:schemeClr val="accent1"/>
+          </a:fillRef>
+          <a:effectRef idx="0">
+            <a:schemeClr val="accent1"/>
+          </a:effectRef>
+          <a:fontRef idx="minor">
+            <a:schemeClr val="lt1"/>
+          </a:fontRef>
+        </p:style>
+        <p:txBody>
+          <a:bodyPr rtlCol="0" anchor="ctr"/>
+          <a:lstStyle/>
+          <a:p>
+            <a:pPr algn="ctr"/>
+            <a:r>
+              <a:rPr lang="en-US" sz="1400" dirty="0"/>
+              <a:t>Sample Period</a:t>
+            </a:r>
+          </a:p>
+        </p:txBody>
+      </p:sp>
+      <p:sp>
+        <p:nvSpPr>
+          <p:cNvPr id="23" name="Rectangle 22">
+            <a:extLst>
+              <a:ext uri="{FF2B5EF4-FFF2-40B4-BE49-F238E27FC236}">
+                <a16:creationId xmlns:a16="http://schemas.microsoft.com/office/drawing/2014/main" id="{D22C8457-7F7D-4243-92F5-F66D33D87D10}"/>
+              </a:ext>
+            </a:extLst>
+          </p:cNvPr>
+          <p:cNvSpPr/>
+          <p:nvPr/>
+        </p:nvSpPr>
+        <p:spPr>
+          <a:xfrm>
+            <a:off x="3724583" y="2212759"/>
+            <a:ext cx="1223031" cy="468427"/>
+          </a:xfrm>
+          <a:prstGeom prst="rect">
+            <a:avLst/>
+          </a:prstGeom>
+        </p:spPr>
+        <p:style>
+          <a:lnRef idx="2">
+            <a:schemeClr val="accent1">
+              <a:shade val="50000"/>
+            </a:schemeClr>
+          </a:lnRef>
+          <a:fillRef idx="1">
+            <a:schemeClr val="accent1"/>
+          </a:fillRef>
+          <a:effectRef idx="0">
+            <a:schemeClr val="accent1"/>
+          </a:effectRef>
+          <a:fontRef idx="minor">
+            <a:schemeClr val="lt1"/>
+          </a:fontRef>
+        </p:style>
+        <p:txBody>
+          <a:bodyPr rtlCol="0" anchor="ctr"/>
+          <a:lstStyle/>
+          <a:p>
+            <a:pPr algn="ctr"/>
+            <a:r>
+              <a:rPr lang="en-US" sz="1400" dirty="0"/>
+              <a:t>Last Sample Timestamp</a:t>
+            </a:r>
+          </a:p>
+        </p:txBody>
+      </p:sp>
+      <p:sp>
+        <p:nvSpPr>
+          <p:cNvPr id="24" name="TextBox 23">
+            <a:extLst>
+              <a:ext uri="{FF2B5EF4-FFF2-40B4-BE49-F238E27FC236}">
+                <a16:creationId xmlns:a16="http://schemas.microsoft.com/office/drawing/2014/main" id="{40D93BF9-C1D2-4FF8-A349-E021CE62F550}"/>
+              </a:ext>
+            </a:extLst>
+          </p:cNvPr>
+          <p:cNvSpPr txBox="1"/>
+          <p:nvPr/>
+        </p:nvSpPr>
+        <p:spPr>
+          <a:xfrm>
+            <a:off x="3639067" y="2873119"/>
+            <a:ext cx="2689633" cy="523220"/>
+          </a:xfrm>
+          <a:prstGeom prst="rect">
+            <a:avLst/>
+          </a:prstGeom>
+          <a:noFill/>
+        </p:spPr>
+        <p:txBody>
+          <a:bodyPr wrap="square" rtlCol="0">
+            <a:spAutoFit/>
+          </a:bodyPr>
+          <a:lstStyle/>
+          <a:p>
+            <a:r>
+              <a:rPr lang="en-US" sz="1400" dirty="0"/>
+              <a:t>bool </a:t>
+            </a:r>
+            <a:r>
+              <a:rPr lang="en-US" sz="1400" dirty="0" err="1"/>
+              <a:t>timeToSample</a:t>
+            </a:r>
+            <a:r>
+              <a:rPr lang="en-US" sz="1400" dirty="0"/>
+              <a:t>();</a:t>
+            </a:r>
+          </a:p>
+          <a:p>
+            <a:r>
+              <a:rPr lang="en-US" sz="1400" dirty="0"/>
+              <a:t>void </a:t>
+            </a:r>
+            <a:r>
+              <a:rPr lang="en-US" sz="1400" dirty="0" err="1"/>
+              <a:t>sampleSensor</a:t>
+            </a:r>
+            <a:r>
+              <a:rPr lang="en-US" sz="1400" dirty="0"/>
+              <a:t>(char * </a:t>
+            </a:r>
+            <a:r>
+              <a:rPr lang="en-US" sz="1400" dirty="0" err="1"/>
+              <a:t>pData</a:t>
+            </a:r>
+            <a:r>
+              <a:rPr lang="en-US" sz="1400" dirty="0"/>
+              <a:t>);</a:t>
+            </a:r>
+          </a:p>
+        </p:txBody>
+      </p:sp>
+      <p:sp>
+        <p:nvSpPr>
+          <p:cNvPr id="25" name="Rectangle 24">
+            <a:extLst>
+              <a:ext uri="{FF2B5EF4-FFF2-40B4-BE49-F238E27FC236}">
+                <a16:creationId xmlns:a16="http://schemas.microsoft.com/office/drawing/2014/main" id="{7B86928B-D584-49A9-A98D-A1CDEED6847C}"/>
+              </a:ext>
+            </a:extLst>
+          </p:cNvPr>
+          <p:cNvSpPr/>
+          <p:nvPr/>
+        </p:nvSpPr>
+        <p:spPr>
+          <a:xfrm>
+            <a:off x="5035610" y="1582537"/>
+            <a:ext cx="1303234" cy="227160"/>
+          </a:xfrm>
+          <a:prstGeom prst="rect">
+            <a:avLst/>
+          </a:prstGeom>
+        </p:spPr>
+        <p:style>
+          <a:lnRef idx="2">
+            <a:schemeClr val="accent1">
+              <a:shade val="50000"/>
+            </a:schemeClr>
+          </a:lnRef>
+          <a:fillRef idx="1">
+            <a:schemeClr val="accent1"/>
+          </a:fillRef>
+          <a:effectRef idx="0">
+            <a:schemeClr val="accent1"/>
+          </a:effectRef>
+          <a:fontRef idx="minor">
+            <a:schemeClr val="lt1"/>
+          </a:fontRef>
+        </p:style>
+        <p:txBody>
+          <a:bodyPr rtlCol="0" anchor="ctr"/>
+          <a:lstStyle/>
+          <a:p>
+            <a:pPr algn="ctr"/>
+            <a:r>
+              <a:rPr lang="en-US" sz="1400" dirty="0"/>
+              <a:t>Timeout</a:t>
+            </a:r>
+          </a:p>
+        </p:txBody>
+      </p:sp>
+      <p:sp>
+        <p:nvSpPr>
+          <p:cNvPr id="26" name="Rectangle 25">
+            <a:extLst>
+              <a:ext uri="{FF2B5EF4-FFF2-40B4-BE49-F238E27FC236}">
+                <a16:creationId xmlns:a16="http://schemas.microsoft.com/office/drawing/2014/main" id="{7B7C0630-CDE2-484A-A67F-86EE1DF61533}"/>
+              </a:ext>
+            </a:extLst>
+          </p:cNvPr>
+          <p:cNvSpPr/>
+          <p:nvPr/>
+        </p:nvSpPr>
+        <p:spPr>
+          <a:xfrm>
+            <a:off x="8045042" y="2212759"/>
+            <a:ext cx="3060218" cy="1714850"/>
+          </a:xfrm>
+          <a:prstGeom prst="rect">
+            <a:avLst/>
+          </a:prstGeom>
+        </p:spPr>
+        <p:style>
+          <a:lnRef idx="2">
+            <a:schemeClr val="accent1">
+              <a:shade val="50000"/>
+            </a:schemeClr>
+          </a:lnRef>
+          <a:fillRef idx="1">
+            <a:schemeClr val="accent1"/>
+          </a:fillRef>
+          <a:effectRef idx="0">
+            <a:schemeClr val="accent1"/>
+          </a:effectRef>
+          <a:fontRef idx="minor">
+            <a:schemeClr val="lt1"/>
+          </a:fontRef>
+        </p:style>
+        <p:txBody>
+          <a:bodyPr rtlCol="0" anchor="t"/>
+          <a:lstStyle/>
+          <a:p>
+            <a:pPr algn="ctr"/>
+            <a:r>
+              <a:rPr lang="en-US" sz="1400" dirty="0"/>
+              <a:t>Public Functions</a:t>
+            </a:r>
+          </a:p>
+          <a:p>
+            <a:pPr algn="ctr"/>
+            <a:endParaRPr lang="en-US" sz="1400" dirty="0"/>
+          </a:p>
+          <a:p>
+            <a:r>
+              <a:rPr lang="en-US" sz="1200" dirty="0" err="1"/>
+              <a:t>Init</a:t>
+            </a:r>
+            <a:r>
+              <a:rPr lang="en-US" sz="1200" dirty="0"/>
+              <a:t>();</a:t>
+            </a:r>
+          </a:p>
+          <a:p>
+            <a:endParaRPr lang="en-US" sz="1200" dirty="0"/>
+          </a:p>
+          <a:p>
+            <a:r>
+              <a:rPr lang="en-US" sz="1200" dirty="0" err="1"/>
+              <a:t>readSensor</a:t>
+            </a:r>
+            <a:r>
+              <a:rPr lang="en-US" sz="1200" dirty="0"/>
+              <a:t>(</a:t>
+            </a:r>
+            <a:r>
+              <a:rPr lang="en-US" sz="1200" dirty="0" err="1"/>
+              <a:t>timeout_state</a:t>
+            </a:r>
+            <a:r>
+              <a:rPr lang="en-US" sz="1200" dirty="0"/>
+              <a:t>* </a:t>
+            </a:r>
+            <a:r>
+              <a:rPr lang="en-US" sz="1200" dirty="0" err="1"/>
+              <a:t>pToState</a:t>
+            </a:r>
+            <a:r>
+              <a:rPr lang="en-US" sz="1200" dirty="0"/>
+              <a:t>, char* </a:t>
+            </a:r>
+            <a:r>
+              <a:rPr lang="en-US" sz="1200" dirty="0" err="1"/>
+              <a:t>pData</a:t>
+            </a:r>
+            <a:r>
+              <a:rPr lang="en-US" sz="1200" dirty="0"/>
+              <a:t>);</a:t>
+            </a:r>
+          </a:p>
+          <a:p>
+            <a:endParaRPr lang="en-US" sz="1200" dirty="0"/>
+          </a:p>
+          <a:p>
+            <a:r>
+              <a:rPr lang="en-US" sz="1200" dirty="0" err="1"/>
+              <a:t>getSizeOfData</a:t>
+            </a:r>
+            <a:r>
+              <a:rPr lang="en-US" sz="1200" dirty="0"/>
+              <a:t>();</a:t>
+            </a:r>
+          </a:p>
+          <a:p>
+            <a:pPr algn="ctr"/>
+            <a:endParaRPr lang="en-US" sz="1400" dirty="0"/>
+          </a:p>
+        </p:txBody>
+      </p:sp>
+      <p:sp>
+        <p:nvSpPr>
+          <p:cNvPr id="27" name="Rectangle 26">
+            <a:extLst>
+              <a:ext uri="{FF2B5EF4-FFF2-40B4-BE49-F238E27FC236}">
+                <a16:creationId xmlns:a16="http://schemas.microsoft.com/office/drawing/2014/main" id="{3055B3E6-15A5-4A0C-9D89-0C1AB815B647}"/>
+              </a:ext>
+            </a:extLst>
+          </p:cNvPr>
+          <p:cNvSpPr/>
+          <p:nvPr/>
+        </p:nvSpPr>
+        <p:spPr>
+          <a:xfrm>
+            <a:off x="8039756" y="4154820"/>
+            <a:ext cx="3060218" cy="1850315"/>
+          </a:xfrm>
+          <a:prstGeom prst="rect">
+            <a:avLst/>
+          </a:prstGeom>
+        </p:spPr>
+        <p:style>
+          <a:lnRef idx="2">
+            <a:schemeClr val="accent1">
+              <a:shade val="50000"/>
+            </a:schemeClr>
+          </a:lnRef>
+          <a:fillRef idx="1">
+            <a:schemeClr val="accent1"/>
+          </a:fillRef>
+          <a:effectRef idx="0">
+            <a:schemeClr val="accent1"/>
+          </a:effectRef>
+          <a:fontRef idx="minor">
+            <a:schemeClr val="lt1"/>
+          </a:fontRef>
+        </p:style>
+        <p:txBody>
+          <a:bodyPr rtlCol="0" anchor="ctr"/>
+          <a:lstStyle/>
+          <a:p>
+            <a:pPr algn="ctr"/>
+            <a:r>
+              <a:rPr lang="en-US" sz="1400" dirty="0"/>
+              <a:t>Private Functions</a:t>
+            </a:r>
+          </a:p>
+          <a:p>
+            <a:pPr algn="ctr"/>
+            <a:endParaRPr lang="en-US" sz="1400" dirty="0"/>
+          </a:p>
+          <a:p>
+            <a:pPr algn="ctr"/>
+            <a:r>
+              <a:rPr lang="en-US" sz="1400" dirty="0"/>
+              <a:t>Usually supplied by library as helper functions</a:t>
+            </a:r>
+          </a:p>
+        </p:txBody>
+      </p:sp>
+      <p:sp>
+        <p:nvSpPr>
+          <p:cNvPr id="28" name="Rectangle 27">
+            <a:extLst>
+              <a:ext uri="{FF2B5EF4-FFF2-40B4-BE49-F238E27FC236}">
+                <a16:creationId xmlns:a16="http://schemas.microsoft.com/office/drawing/2014/main" id="{CEBB468C-FEFB-4699-8D40-7289AFF6DD62}"/>
+              </a:ext>
+            </a:extLst>
+          </p:cNvPr>
+          <p:cNvSpPr/>
+          <p:nvPr/>
+        </p:nvSpPr>
+        <p:spPr>
+          <a:xfrm>
+            <a:off x="8039756" y="1468073"/>
+            <a:ext cx="3060218" cy="592286"/>
+          </a:xfrm>
+          <a:prstGeom prst="rect">
+            <a:avLst/>
+          </a:prstGeom>
+        </p:spPr>
+        <p:style>
+          <a:lnRef idx="2">
+            <a:schemeClr val="accent1">
+              <a:shade val="50000"/>
+            </a:schemeClr>
+          </a:lnRef>
+          <a:fillRef idx="1">
+            <a:schemeClr val="accent1"/>
+          </a:fillRef>
+          <a:effectRef idx="0">
+            <a:schemeClr val="accent1"/>
+          </a:effectRef>
+          <a:fontRef idx="minor">
+            <a:schemeClr val="lt1"/>
+          </a:fontRef>
+        </p:style>
+        <p:txBody>
+          <a:bodyPr rtlCol="0" anchor="t"/>
+          <a:lstStyle/>
+          <a:p>
+            <a:pPr algn="ctr"/>
+            <a:r>
+              <a:rPr lang="en-US" sz="1400" dirty="0"/>
+              <a:t>Sensor Communication Objects </a:t>
+            </a:r>
+          </a:p>
+          <a:p>
+            <a:pPr algn="ctr"/>
+            <a:r>
+              <a:rPr lang="en-US" sz="1400" dirty="0"/>
+              <a:t>(SPI, I2C, Serial, CAN, Ethernet, … )</a:t>
+            </a:r>
+          </a:p>
+        </p:txBody>
+      </p:sp>
+    </p:spTree>
+    <p:extLst>
+      <p:ext uri="{BB962C8B-B14F-4D97-AF65-F5344CB8AC3E}">
+        <p14:creationId xmlns:p14="http://schemas.microsoft.com/office/powerpoint/2010/main" val="901966741"/>
+      </p:ext>
+    </p:extLst>
+  </p:cSld>
+  <p:clrMapOvr>
+    <a:masterClrMapping/>
+  </p:clrMapOvr>
+</p:sld>
+</file>
+
+<file path=ppt/slides/slide3.xml><?xml version="1.0" encoding="utf-8"?>
 <p:sld xmlns:a="http://schemas.openxmlformats.org/drawingml/2006/main" xmlns:r="http://schemas.openxmlformats.org/officeDocument/2006/relationships" xmlns:p="http://schemas.openxmlformats.org/presentationml/2006/main">
   <p:cSld>
     <p:spTree>
